--- a/session_seven/session_seven_presentation.pptx
+++ b/session_seven/session_seven_presentation.pptx
@@ -8,32 +8,31 @@
     <p:sldMasterId id="2147483656" r:id="rId8"/>
   </p:sldMasterIdLst>
   <p:notesMasterIdLst>
-    <p:notesMasterId r:id="rId24"/>
+    <p:notesMasterId r:id="rId23"/>
   </p:notesMasterIdLst>
   <p:handoutMasterIdLst>
-    <p:handoutMasterId r:id="rId25"/>
+    <p:handoutMasterId r:id="rId24"/>
   </p:handoutMasterIdLst>
   <p:sldIdLst>
     <p:sldId id="386" r:id="rId9"/>
     <p:sldId id="425" r:id="rId10"/>
     <p:sldId id="439" r:id="rId11"/>
     <p:sldId id="464" r:id="rId12"/>
-    <p:sldId id="468" r:id="rId13"/>
-    <p:sldId id="465" r:id="rId14"/>
-    <p:sldId id="466" r:id="rId15"/>
-    <p:sldId id="470" r:id="rId16"/>
-    <p:sldId id="467" r:id="rId17"/>
-    <p:sldId id="469" r:id="rId18"/>
-    <p:sldId id="471" r:id="rId19"/>
-    <p:sldId id="472" r:id="rId20"/>
-    <p:sldId id="473" r:id="rId21"/>
-    <p:sldId id="474" r:id="rId22"/>
-    <p:sldId id="475" r:id="rId23"/>
+    <p:sldId id="465" r:id="rId13"/>
+    <p:sldId id="466" r:id="rId14"/>
+    <p:sldId id="470" r:id="rId15"/>
+    <p:sldId id="467" r:id="rId16"/>
+    <p:sldId id="469" r:id="rId17"/>
+    <p:sldId id="471" r:id="rId18"/>
+    <p:sldId id="472" r:id="rId19"/>
+    <p:sldId id="473" r:id="rId20"/>
+    <p:sldId id="474" r:id="rId21"/>
+    <p:sldId id="475" r:id="rId22"/>
   </p:sldIdLst>
   <p:sldSz cx="9144000" cy="5143500" type="screen16x9"/>
   <p:notesSz cx="6670675" cy="9875838"/>
   <p:custDataLst>
-    <p:tags r:id="rId26"/>
+    <p:tags r:id="rId25"/>
   </p:custDataLst>
   <p:defaultTextStyle>
     <a:defPPr>
@@ -168,18 +167,79 @@
 </p:presentation>
 </file>
 
-<file path=ppt/revisionInfo.xml><?xml version="1.0" encoding="utf-8"?>
-<p1510:revInfo xmlns:a="http://schemas.openxmlformats.org/drawingml/2006/main" xmlns:r="http://schemas.openxmlformats.org/officeDocument/2006/relationships" xmlns:p1510="http://schemas.microsoft.com/office/powerpoint/2015/10/main">
-  <p1510:revLst>
-    <p1510:client id="{2BB45DB9-A5C7-42D9-8D86-58E9C0F106AD}" v="4" dt="2020-03-26T12:03:13.542"/>
-    <p1510:client id="{9769029B-DAE8-4543-A14E-8C5695AE6F3B}" v="252" dt="2020-03-26T09:57:15.391"/>
-    <p1510:client id="{FEAF9D15-8916-46E4-AA42-74602A5A02FF}" v="129" dt="2020-03-26T11:53:18.451"/>
-  </p1510:revLst>
-</p1510:revInfo>
-</file>
-
 <file path=ppt/changesInfos/changesInfo1.xml><?xml version="1.0" encoding="utf-8"?>
 <pc:chgInfo xmlns:a="http://schemas.openxmlformats.org/drawingml/2006/main" xmlns:r="http://schemas.openxmlformats.org/officeDocument/2006/relationships" xmlns:ac="http://schemas.microsoft.com/office/drawing/2013/main/command" xmlns:pc="http://schemas.microsoft.com/office/powerpoint/2013/main/command">
+  <pc:docChgLst>
+    <pc:chgData name="Porter, Mark" userId="b07d94d0-d1a4-45e8-be22-2181e9252090" providerId="ADAL" clId="{65621585-4068-4507-ADB2-E8BCAAB9A415}"/>
+    <pc:docChg chg="delSld modSld">
+      <pc:chgData name="Porter, Mark" userId="b07d94d0-d1a4-45e8-be22-2181e9252090" providerId="ADAL" clId="{65621585-4068-4507-ADB2-E8BCAAB9A415}" dt="2021-03-11T11:00:51.832" v="72" actId="2696"/>
+      <pc:docMkLst>
+        <pc:docMk/>
+      </pc:docMkLst>
+      <pc:sldChg chg="modSp mod">
+        <pc:chgData name="Porter, Mark" userId="b07d94d0-d1a4-45e8-be22-2181e9252090" providerId="ADAL" clId="{65621585-4068-4507-ADB2-E8BCAAB9A415}" dt="2021-03-11T11:00:18.232" v="71" actId="1076"/>
+        <pc:sldMkLst>
+          <pc:docMk/>
+          <pc:sldMk cId="3596002856" sldId="464"/>
+        </pc:sldMkLst>
+        <pc:spChg chg="mod">
+          <ac:chgData name="Porter, Mark" userId="b07d94d0-d1a4-45e8-be22-2181e9252090" providerId="ADAL" clId="{65621585-4068-4507-ADB2-E8BCAAB9A415}" dt="2021-03-11T11:00:00.158" v="67" actId="20577"/>
+          <ac:spMkLst>
+            <pc:docMk/>
+            <pc:sldMk cId="3596002856" sldId="464"/>
+            <ac:spMk id="6" creationId="{28280EFD-605B-4843-8D20-931E34B69861}"/>
+          </ac:spMkLst>
+        </pc:spChg>
+        <pc:picChg chg="mod">
+          <ac:chgData name="Porter, Mark" userId="b07d94d0-d1a4-45e8-be22-2181e9252090" providerId="ADAL" clId="{65621585-4068-4507-ADB2-E8BCAAB9A415}" dt="2021-03-11T11:00:14.019" v="70" actId="1076"/>
+          <ac:picMkLst>
+            <pc:docMk/>
+            <pc:sldMk cId="3596002856" sldId="464"/>
+            <ac:picMk id="4" creationId="{975A6674-29EA-450C-8946-4B7DE6D73741}"/>
+          </ac:picMkLst>
+        </pc:picChg>
+        <pc:picChg chg="mod">
+          <ac:chgData name="Porter, Mark" userId="b07d94d0-d1a4-45e8-be22-2181e9252090" providerId="ADAL" clId="{65621585-4068-4507-ADB2-E8BCAAB9A415}" dt="2021-03-11T11:00:18.232" v="71" actId="1076"/>
+          <ac:picMkLst>
+            <pc:docMk/>
+            <pc:sldMk cId="3596002856" sldId="464"/>
+            <ac:picMk id="7" creationId="{8584CB31-57CC-4EBA-B002-7D9A47FBBFB8}"/>
+          </ac:picMkLst>
+        </pc:picChg>
+      </pc:sldChg>
+      <pc:sldChg chg="del">
+        <pc:chgData name="Porter, Mark" userId="b07d94d0-d1a4-45e8-be22-2181e9252090" providerId="ADAL" clId="{65621585-4068-4507-ADB2-E8BCAAB9A415}" dt="2021-03-11T11:00:51.832" v="72" actId="2696"/>
+        <pc:sldMkLst>
+          <pc:docMk/>
+          <pc:sldMk cId="904237300" sldId="468"/>
+        </pc:sldMkLst>
+      </pc:sldChg>
+    </pc:docChg>
+  </pc:docChgLst>
+  <pc:docChgLst>
+    <pc:chgData name="McKinney, David" userId="S::kqkh779@astrazeneca.net::8b945cb3-78ce-42d7-adc5-b07bab32cd5b" providerId="AD" clId="Web-{2BB45DB9-A5C7-42D9-8D86-58E9C0F106AD}"/>
+    <pc:docChg chg="modSld">
+      <pc:chgData name="McKinney, David" userId="S::kqkh779@astrazeneca.net::8b945cb3-78ce-42d7-adc5-b07bab32cd5b" providerId="AD" clId="Web-{2BB45DB9-A5C7-42D9-8D86-58E9C0F106AD}" dt="2020-03-26T12:03:13.542" v="3" actId="20577"/>
+      <pc:docMkLst>
+        <pc:docMk/>
+      </pc:docMkLst>
+      <pc:sldChg chg="modSp">
+        <pc:chgData name="McKinney, David" userId="S::kqkh779@astrazeneca.net::8b945cb3-78ce-42d7-adc5-b07bab32cd5b" providerId="AD" clId="Web-{2BB45DB9-A5C7-42D9-8D86-58E9C0F106AD}" dt="2020-03-26T12:03:13.542" v="3" actId="20577"/>
+        <pc:sldMkLst>
+          <pc:docMk/>
+          <pc:sldMk cId="2052954903" sldId="358"/>
+        </pc:sldMkLst>
+        <pc:spChg chg="mod">
+          <ac:chgData name="McKinney, David" userId="S::kqkh779@astrazeneca.net::8b945cb3-78ce-42d7-adc5-b07bab32cd5b" providerId="AD" clId="Web-{2BB45DB9-A5C7-42D9-8D86-58E9C0F106AD}" dt="2020-03-26T12:03:13.542" v="3" actId="20577"/>
+          <ac:spMkLst>
+            <pc:docMk/>
+            <pc:sldMk cId="2052954903" sldId="358"/>
+            <ac:spMk id="2" creationId="{C46CB304-3A01-0040-A35A-B50918C22C95}"/>
+          </ac:spMkLst>
+        </pc:spChg>
+      </pc:sldChg>
+    </pc:docChg>
+  </pc:docChgLst>
   <pc:docChgLst>
     <pc:chgData name="McKinney, David" userId="S::kqkh779@astrazeneca.net::8b945cb3-78ce-42d7-adc5-b07bab32cd5b" providerId="AD" clId="Web-{FEAF9D15-8916-46E4-AA42-74602A5A02FF}"/>
     <pc:docChg chg="addSld modSld sldOrd">
@@ -845,33 +905,6 @@
       </pc:sldChg>
     </pc:docChg>
   </pc:docChgLst>
-  <pc:docChgLst>
-    <pc:chgData name="Bradley, Sam" userId="f75c196c-0419-4ed7-9101-2e14ae32ff77" providerId="ADAL" clId="{3FF446AA-2460-4900-8B64-80B2BFB30CB0}"/>
-  </pc:docChgLst>
-  <pc:docChgLst>
-    <pc:chgData name="McKinney, David" userId="S::kqkh779@astrazeneca.net::8b945cb3-78ce-42d7-adc5-b07bab32cd5b" providerId="AD" clId="Web-{2BB45DB9-A5C7-42D9-8D86-58E9C0F106AD}"/>
-    <pc:docChg chg="modSld">
-      <pc:chgData name="McKinney, David" userId="S::kqkh779@astrazeneca.net::8b945cb3-78ce-42d7-adc5-b07bab32cd5b" providerId="AD" clId="Web-{2BB45DB9-A5C7-42D9-8D86-58E9C0F106AD}" dt="2020-03-26T12:03:13.542" v="3" actId="20577"/>
-      <pc:docMkLst>
-        <pc:docMk/>
-      </pc:docMkLst>
-      <pc:sldChg chg="modSp">
-        <pc:chgData name="McKinney, David" userId="S::kqkh779@astrazeneca.net::8b945cb3-78ce-42d7-adc5-b07bab32cd5b" providerId="AD" clId="Web-{2BB45DB9-A5C7-42D9-8D86-58E9C0F106AD}" dt="2020-03-26T12:03:13.542" v="3" actId="20577"/>
-        <pc:sldMkLst>
-          <pc:docMk/>
-          <pc:sldMk cId="2052954903" sldId="358"/>
-        </pc:sldMkLst>
-        <pc:spChg chg="mod">
-          <ac:chgData name="McKinney, David" userId="S::kqkh779@astrazeneca.net::8b945cb3-78ce-42d7-adc5-b07bab32cd5b" providerId="AD" clId="Web-{2BB45DB9-A5C7-42D9-8D86-58E9C0F106AD}" dt="2020-03-26T12:03:13.542" v="3" actId="20577"/>
-          <ac:spMkLst>
-            <pc:docMk/>
-            <pc:sldMk cId="2052954903" sldId="358"/>
-            <ac:spMk id="2" creationId="{C46CB304-3A01-0040-A35A-B50918C22C95}"/>
-          </ac:spMkLst>
-        </pc:spChg>
-      </pc:sldChg>
-    </pc:docChg>
-  </pc:docChgLst>
 </pc:chgInfo>
 </file>
 
@@ -958,7 +991,7 @@
             <a:fld id="{3BBED7E8-0829-F34C-B479-A757805E6C1B}" type="datetimeFigureOut">
               <a:rPr lang="en-US" smtClean="0"/>
               <a:pPr/>
-              <a:t>7/1/2020</a:t>
+              <a:t>3/11/2021</a:t>
             </a:fld>
             <a:endParaRPr lang="en-US"/>
           </a:p>
@@ -1126,7 +1159,7 @@
             <a:fld id="{6C7E4F11-7667-5045-A00B-01970EA44BB5}" type="datetimeFigureOut">
               <a:rPr lang="en-US" smtClean="0"/>
               <a:pPr/>
-              <a:t>7/1/2020</a:t>
+              <a:t>3/11/2021</a:t>
             </a:fld>
             <a:endParaRPr lang="en-US"/>
           </a:p>
@@ -1462,7 +1495,7 @@
             <a:fld id="{FAD751AE-7ABC-314D-AFAD-47B860ED6FFE}" type="slidenum">
               <a:rPr lang="en-US" smtClean="0"/>
               <a:pPr/>
-              <a:t>6</a:t>
+              <a:t>5</a:t>
             </a:fld>
             <a:endParaRPr lang="en-US"/>
           </a:p>
@@ -1547,7 +1580,7 @@
             <a:fld id="{FAD751AE-7ABC-314D-AFAD-47B860ED6FFE}" type="slidenum">
               <a:rPr lang="en-US" smtClean="0"/>
               <a:pPr/>
-              <a:t>15</a:t>
+              <a:t>14</a:t>
             </a:fld>
             <a:endParaRPr lang="en-US"/>
           </a:p>
@@ -1632,7 +1665,7 @@
             <a:fld id="{FAD751AE-7ABC-314D-AFAD-47B860ED6FFE}" type="slidenum">
               <a:rPr lang="en-US" smtClean="0"/>
               <a:pPr/>
-              <a:t>7</a:t>
+              <a:t>6</a:t>
             </a:fld>
             <a:endParaRPr lang="en-US"/>
           </a:p>
@@ -1717,7 +1750,7 @@
             <a:fld id="{FAD751AE-7ABC-314D-AFAD-47B860ED6FFE}" type="slidenum">
               <a:rPr lang="en-US" smtClean="0"/>
               <a:pPr/>
-              <a:t>8</a:t>
+              <a:t>7</a:t>
             </a:fld>
             <a:endParaRPr lang="en-US"/>
           </a:p>
@@ -1802,7 +1835,7 @@
             <a:fld id="{FAD751AE-7ABC-314D-AFAD-47B860ED6FFE}" type="slidenum">
               <a:rPr lang="en-US" smtClean="0"/>
               <a:pPr/>
-              <a:t>9</a:t>
+              <a:t>8</a:t>
             </a:fld>
             <a:endParaRPr lang="en-US"/>
           </a:p>
@@ -1887,7 +1920,7 @@
             <a:fld id="{FAD751AE-7ABC-314D-AFAD-47B860ED6FFE}" type="slidenum">
               <a:rPr lang="en-US" smtClean="0"/>
               <a:pPr/>
-              <a:t>10</a:t>
+              <a:t>9</a:t>
             </a:fld>
             <a:endParaRPr lang="en-US"/>
           </a:p>
@@ -1972,7 +2005,7 @@
             <a:fld id="{FAD751AE-7ABC-314D-AFAD-47B860ED6FFE}" type="slidenum">
               <a:rPr lang="en-US" smtClean="0"/>
               <a:pPr/>
-              <a:t>11</a:t>
+              <a:t>10</a:t>
             </a:fld>
             <a:endParaRPr lang="en-US"/>
           </a:p>
@@ -2057,7 +2090,7 @@
             <a:fld id="{FAD751AE-7ABC-314D-AFAD-47B860ED6FFE}" type="slidenum">
               <a:rPr lang="en-US" smtClean="0"/>
               <a:pPr/>
-              <a:t>12</a:t>
+              <a:t>11</a:t>
             </a:fld>
             <a:endParaRPr lang="en-US"/>
           </a:p>
@@ -2142,7 +2175,7 @@
             <a:fld id="{FAD751AE-7ABC-314D-AFAD-47B860ED6FFE}" type="slidenum">
               <a:rPr lang="en-US" smtClean="0"/>
               <a:pPr/>
-              <a:t>13</a:t>
+              <a:t>12</a:t>
             </a:fld>
             <a:endParaRPr lang="en-US"/>
           </a:p>
@@ -2227,7 +2260,7 @@
             <a:fld id="{FAD751AE-7ABC-314D-AFAD-47B860ED6FFE}" type="slidenum">
               <a:rPr lang="en-US" smtClean="0"/>
               <a:pPr/>
-              <a:t>14</a:t>
+              <a:t>13</a:t>
             </a:fld>
             <a:endParaRPr lang="en-US"/>
           </a:p>
@@ -28100,7 +28133,7 @@
           <a:p>
             <a:r>
               <a:rPr lang="en-GB" dirty="0"/>
-              <a:t>Manipulating Dictionaries Puzzles</a:t>
+              <a:t>Manipulating Dictionaries Puzzles Solutions</a:t>
             </a:r>
           </a:p>
         </p:txBody>
@@ -28164,337 +28197,70 @@
           </a:prstGeom>
         </p:spPr>
       </p:pic>
-      <p:sp>
-        <p:nvSpPr>
-          <p:cNvPr id="6" name="Text Placeholder 2">
+      <p:pic>
+        <p:nvPicPr>
+          <p:cNvPr id="4" name="Picture 3">
             <a:extLst>
               <a:ext uri="{FF2B5EF4-FFF2-40B4-BE49-F238E27FC236}">
-                <a16:creationId xmlns:a16="http://schemas.microsoft.com/office/drawing/2014/main" id="{28280EFD-605B-4843-8D20-931E34B69861}"/>
+                <a16:creationId xmlns:a16="http://schemas.microsoft.com/office/drawing/2014/main" id="{086DF6B8-9658-447E-9310-708F9923319C}"/>
               </a:ext>
             </a:extLst>
           </p:cNvPr>
-          <p:cNvSpPr txBox="1">
-            <a:spLocks/>
-          </p:cNvSpPr>
+          <p:cNvPicPr>
+            <a:picLocks noChangeAspect="1"/>
+          </p:cNvPicPr>
           <p:nvPr/>
-        </p:nvSpPr>
-        <p:spPr>
-          <a:xfrm>
-            <a:off x="237061" y="712956"/>
-            <a:ext cx="8619938" cy="3749315"/>
-          </a:xfrm>
-          <a:prstGeom prst="rect">
-            <a:avLst/>
-          </a:prstGeom>
-        </p:spPr>
-        <p:txBody>
-          <a:bodyPr vert="horz" anchor="t"/>
-          <a:lstStyle>
-            <a:lvl1pPr marL="0" indent="0" algn="l" defTabSz="457200" rtl="0" eaLnBrk="1" latinLnBrk="0" hangingPunct="1">
-              <a:spcBef>
-                <a:spcPts val="0"/>
-              </a:spcBef>
-              <a:buFont typeface="Arial"/>
-              <a:buNone/>
-              <a:defRPr sz="2400" kern="1200" baseline="0">
-                <a:solidFill>
-                  <a:schemeClr val="tx1"/>
-                </a:solidFill>
-                <a:latin typeface="Arial" pitchFamily="34" charset="0"/>
-                <a:ea typeface="+mn-ea"/>
-                <a:cs typeface="Arial" pitchFamily="34" charset="0"/>
-              </a:defRPr>
-            </a:lvl1pPr>
-            <a:lvl2pPr marL="457200" indent="0" algn="l" defTabSz="457200" rtl="0" eaLnBrk="1" latinLnBrk="0" hangingPunct="1">
-              <a:spcBef>
-                <a:spcPct val="20000"/>
-              </a:spcBef>
-              <a:buFont typeface="Arial"/>
-              <a:buNone/>
-              <a:defRPr sz="2400" kern="1200">
-                <a:solidFill>
-                  <a:schemeClr val="tx1"/>
-                </a:solidFill>
-                <a:latin typeface="+mn-lt"/>
-                <a:ea typeface="+mn-ea"/>
-                <a:cs typeface="+mn-cs"/>
-              </a:defRPr>
-            </a:lvl2pPr>
-            <a:lvl3pPr marL="914400" indent="0" algn="l" defTabSz="457200" rtl="0" eaLnBrk="1" latinLnBrk="0" hangingPunct="1">
-              <a:spcBef>
-                <a:spcPct val="20000"/>
-              </a:spcBef>
-              <a:buFont typeface="Arial"/>
-              <a:buNone/>
-              <a:defRPr sz="2400" kern="1200">
-                <a:solidFill>
-                  <a:schemeClr val="tx1"/>
-                </a:solidFill>
-                <a:latin typeface="+mn-lt"/>
-                <a:ea typeface="+mn-ea"/>
-                <a:cs typeface="+mn-cs"/>
-              </a:defRPr>
-            </a:lvl3pPr>
-            <a:lvl4pPr marL="1371600" indent="0" algn="l" defTabSz="457200" rtl="0" eaLnBrk="1" latinLnBrk="0" hangingPunct="1">
-              <a:spcBef>
-                <a:spcPct val="20000"/>
-              </a:spcBef>
-              <a:buFont typeface="Arial"/>
-              <a:buNone/>
-              <a:defRPr sz="2400" kern="1200">
-                <a:solidFill>
-                  <a:schemeClr val="tx1"/>
-                </a:solidFill>
-                <a:latin typeface="+mn-lt"/>
-                <a:ea typeface="+mn-ea"/>
-                <a:cs typeface="+mn-cs"/>
-              </a:defRPr>
-            </a:lvl4pPr>
-            <a:lvl5pPr marL="1828800" indent="0" algn="l" defTabSz="457200" rtl="0" eaLnBrk="1" latinLnBrk="0" hangingPunct="1">
-              <a:spcBef>
-                <a:spcPct val="20000"/>
-              </a:spcBef>
-              <a:buFont typeface="Arial"/>
-              <a:buNone/>
-              <a:defRPr sz="2400" kern="1200">
-                <a:solidFill>
-                  <a:schemeClr val="tx1"/>
-                </a:solidFill>
-                <a:latin typeface="+mn-lt"/>
-                <a:ea typeface="+mn-ea"/>
-                <a:cs typeface="+mn-cs"/>
-              </a:defRPr>
-            </a:lvl5pPr>
-            <a:lvl6pPr marL="2514600" indent="-228600" algn="l" defTabSz="457200" rtl="0" eaLnBrk="1" latinLnBrk="0" hangingPunct="1">
-              <a:spcBef>
-                <a:spcPct val="20000"/>
-              </a:spcBef>
-              <a:buFont typeface="Arial"/>
-              <a:buChar char="•"/>
-              <a:defRPr sz="2000" kern="1200">
-                <a:solidFill>
-                  <a:schemeClr val="tx1"/>
-                </a:solidFill>
-                <a:latin typeface="+mn-lt"/>
-                <a:ea typeface="+mn-ea"/>
-                <a:cs typeface="+mn-cs"/>
-              </a:defRPr>
-            </a:lvl6pPr>
-            <a:lvl7pPr marL="2971800" indent="-228600" algn="l" defTabSz="457200" rtl="0" eaLnBrk="1" latinLnBrk="0" hangingPunct="1">
-              <a:spcBef>
-                <a:spcPct val="20000"/>
-              </a:spcBef>
-              <a:buFont typeface="Arial"/>
-              <a:buChar char="•"/>
-              <a:defRPr sz="2000" kern="1200">
-                <a:solidFill>
-                  <a:schemeClr val="tx1"/>
-                </a:solidFill>
-                <a:latin typeface="+mn-lt"/>
-                <a:ea typeface="+mn-ea"/>
-                <a:cs typeface="+mn-cs"/>
-              </a:defRPr>
-            </a:lvl7pPr>
-            <a:lvl8pPr marL="3429000" indent="-228600" algn="l" defTabSz="457200" rtl="0" eaLnBrk="1" latinLnBrk="0" hangingPunct="1">
-              <a:spcBef>
-                <a:spcPct val="20000"/>
-              </a:spcBef>
-              <a:buFont typeface="Arial"/>
-              <a:buChar char="•"/>
-              <a:defRPr sz="2000" kern="1200">
-                <a:solidFill>
-                  <a:schemeClr val="tx1"/>
-                </a:solidFill>
-                <a:latin typeface="+mn-lt"/>
-                <a:ea typeface="+mn-ea"/>
-                <a:cs typeface="+mn-cs"/>
-              </a:defRPr>
-            </a:lvl8pPr>
-            <a:lvl9pPr marL="3886200" indent="-228600" algn="l" defTabSz="457200" rtl="0" eaLnBrk="1" latinLnBrk="0" hangingPunct="1">
-              <a:spcBef>
-                <a:spcPct val="20000"/>
-              </a:spcBef>
-              <a:buFont typeface="Arial"/>
-              <a:buChar char="•"/>
-              <a:defRPr sz="2000" kern="1200">
-                <a:solidFill>
-                  <a:schemeClr val="tx1"/>
-                </a:solidFill>
-                <a:latin typeface="+mn-lt"/>
-                <a:ea typeface="+mn-ea"/>
-                <a:cs typeface="+mn-cs"/>
-              </a:defRPr>
-            </a:lvl9pPr>
-          </a:lstStyle>
-          <a:p>
-            <a:pPr marL="342900" indent="-342900">
-              <a:buFont typeface="Arial"/>
-              <a:buChar char="•"/>
-            </a:pPr>
-            <a:r>
-              <a:rPr lang="en-GB" sz="2000" dirty="0">
-                <a:latin typeface="Arial"/>
-                <a:cs typeface="Arial"/>
-              </a:rPr>
-              <a:t>Create a dictionary containing with keys ‘one’, ‘two’, and ‘three’ which corresponding values 1, 2, and 4</a:t>
-            </a:r>
-          </a:p>
-          <a:p>
-            <a:pPr marL="342900" indent="-342900">
-              <a:buFont typeface="Arial"/>
-              <a:buChar char="•"/>
-            </a:pPr>
-            <a:r>
-              <a:rPr lang="en-GB" sz="2000" dirty="0">
-                <a:latin typeface="Arial"/>
-                <a:cs typeface="Arial"/>
-              </a:rPr>
-              <a:t>Correct the value for key ‘three’ to be 3 and add a new pair ‘four’: 4</a:t>
-            </a:r>
-          </a:p>
-          <a:p>
-            <a:pPr marL="342900" indent="-342900">
-              <a:buFont typeface="Arial"/>
-              <a:buChar char="•"/>
-            </a:pPr>
-            <a:endParaRPr lang="en-GB" sz="2000" dirty="0">
-              <a:latin typeface="Arial"/>
-              <a:cs typeface="Arial"/>
-            </a:endParaRPr>
-          </a:p>
-          <a:p>
-            <a:pPr marL="342900" indent="-342900">
-              <a:buFont typeface="Arial"/>
-              <a:buChar char="•"/>
-            </a:pPr>
-            <a:r>
-              <a:rPr lang="en-GB" sz="2000" dirty="0">
-                <a:latin typeface="Arial"/>
-                <a:cs typeface="Arial"/>
-              </a:rPr>
-              <a:t>Create an empty dictionary called </a:t>
-            </a:r>
-            <a:r>
-              <a:rPr lang="en-GB" sz="2000" dirty="0">
-                <a:latin typeface="Consolas" panose="020B0609020204030204" pitchFamily="49" charset="0"/>
-                <a:cs typeface="Arial"/>
-              </a:rPr>
-              <a:t>square</a:t>
-            </a:r>
-          </a:p>
-          <a:p>
-            <a:pPr marL="342900" indent="-342900">
-              <a:buFont typeface="Arial"/>
-              <a:buChar char="•"/>
-            </a:pPr>
-            <a:r>
-              <a:rPr lang="en-GB" sz="2000" dirty="0">
-                <a:latin typeface="Arial"/>
-                <a:cs typeface="Arial"/>
-              </a:rPr>
-              <a:t>Loop through the range -5 to 5 (inclusive), each time adding an item to the dictionary which maps the looping variable to its square</a:t>
-            </a:r>
-          </a:p>
-          <a:p>
-            <a:pPr marL="342900" indent="-342900">
-              <a:buFont typeface="Arial"/>
-              <a:buChar char="•"/>
-            </a:pPr>
-            <a:endParaRPr lang="en-GB" sz="2000" dirty="0">
-              <a:latin typeface="Arial"/>
-              <a:cs typeface="Arial"/>
-            </a:endParaRPr>
-          </a:p>
-          <a:p>
-            <a:pPr marL="342900" indent="-342900">
-              <a:buFont typeface="Arial"/>
-              <a:buChar char="•"/>
-            </a:pPr>
-            <a:r>
-              <a:rPr lang="en-GB" sz="2000" b="1" dirty="0">
-                <a:latin typeface="Arial"/>
-                <a:cs typeface="Arial"/>
-              </a:rPr>
-              <a:t>Bonus: </a:t>
-            </a:r>
-            <a:r>
-              <a:rPr lang="en-GB" sz="2000" dirty="0">
-                <a:latin typeface="Arial"/>
-                <a:cs typeface="Arial"/>
-              </a:rPr>
-              <a:t>Create a dictionary called employees which contains two dictionaries, each giving the details (say, job title and manager) of a different employee. Access the manager of one of the employees</a:t>
-            </a:r>
-            <a:endParaRPr lang="en-GB" sz="2000" b="1" dirty="0">
-              <a:latin typeface="Arial"/>
-              <a:cs typeface="Arial"/>
-            </a:endParaRPr>
-          </a:p>
-          <a:p>
-            <a:pPr marL="342900" indent="-342900">
-              <a:buFont typeface="Arial"/>
-              <a:buChar char="•"/>
-            </a:pPr>
-            <a:endParaRPr lang="en-GB" sz="2000" dirty="0">
-              <a:latin typeface="Arial"/>
-              <a:cs typeface="Arial"/>
-            </a:endParaRPr>
-          </a:p>
-          <a:p>
-            <a:pPr marL="342900" indent="-342900">
-              <a:buFont typeface="Arial"/>
-              <a:buChar char="•"/>
-            </a:pPr>
-            <a:endParaRPr lang="en-GB" sz="2000" dirty="0">
-              <a:latin typeface="Arial"/>
-              <a:cs typeface="Arial"/>
-            </a:endParaRPr>
-          </a:p>
-          <a:p>
-            <a:pPr marL="342900" indent="-342900">
-              <a:buFont typeface="Arial"/>
-              <a:buChar char="•"/>
-            </a:pPr>
-            <a:endParaRPr lang="en-GB" sz="2000" dirty="0">
-              <a:latin typeface="Arial"/>
-              <a:cs typeface="Arial"/>
-            </a:endParaRPr>
-          </a:p>
-          <a:p>
-            <a:pPr marL="342900" indent="-342900">
-              <a:buFont typeface="Arial"/>
-              <a:buChar char="•"/>
-            </a:pPr>
-            <a:endParaRPr lang="en-GB" sz="2000" dirty="0">
-              <a:latin typeface="Arial"/>
-              <a:cs typeface="Arial"/>
-            </a:endParaRPr>
-          </a:p>
-          <a:p>
-            <a:pPr marL="342900" indent="-342900">
-              <a:buFont typeface="Arial"/>
-              <a:buChar char="•"/>
-            </a:pPr>
-            <a:endParaRPr lang="en-GB" sz="2000" dirty="0">
-              <a:latin typeface="Arial"/>
-              <a:cs typeface="Arial"/>
-            </a:endParaRPr>
-          </a:p>
-          <a:p>
-            <a:pPr marL="342900" indent="-342900">
-              <a:buFont typeface="Arial"/>
-              <a:buChar char="•"/>
-            </a:pPr>
-            <a:endParaRPr lang="en-GB" sz="2000" dirty="0">
-              <a:latin typeface="Arial"/>
-              <a:cs typeface="Arial"/>
-            </a:endParaRPr>
-          </a:p>
-        </p:txBody>
-      </p:sp>
+        </p:nvPicPr>
+        <p:blipFill>
+          <a:blip r:embed="rId4"/>
+          <a:stretch>
+            <a:fillRect/>
+          </a:stretch>
+        </p:blipFill>
+        <p:spPr>
+          <a:xfrm>
+            <a:off x="1516345" y="1188438"/>
+            <a:ext cx="6111310" cy="1238041"/>
+          </a:xfrm>
+          <a:prstGeom prst="rect">
+            <a:avLst/>
+          </a:prstGeom>
+        </p:spPr>
+      </p:pic>
+      <p:pic>
+        <p:nvPicPr>
+          <p:cNvPr id="5" name="Picture 4">
+            <a:extLst>
+              <a:ext uri="{FF2B5EF4-FFF2-40B4-BE49-F238E27FC236}">
+                <a16:creationId xmlns:a16="http://schemas.microsoft.com/office/drawing/2014/main" id="{362C70F6-8FF2-4745-B1DB-384D73581C3A}"/>
+              </a:ext>
+            </a:extLst>
+          </p:cNvPr>
+          <p:cNvPicPr>
+            <a:picLocks noChangeAspect="1"/>
+          </p:cNvPicPr>
+          <p:nvPr/>
+        </p:nvPicPr>
+        <p:blipFill>
+          <a:blip r:embed="rId5"/>
+          <a:stretch>
+            <a:fillRect/>
+          </a:stretch>
+        </p:blipFill>
+        <p:spPr>
+          <a:xfrm>
+            <a:off x="2674715" y="2966917"/>
+            <a:ext cx="3794570" cy="1446206"/>
+          </a:xfrm>
+          <a:prstGeom prst="rect">
+            <a:avLst/>
+          </a:prstGeom>
+        </p:spPr>
+      </p:pic>
     </p:spTree>
     <p:extLst>
       <p:ext uri="{BB962C8B-B14F-4D97-AF65-F5344CB8AC3E}">
-        <p14:creationId xmlns:p14="http://schemas.microsoft.com/office/powerpoint/2010/main" val="756925942"/>
+        <p14:creationId xmlns:p14="http://schemas.microsoft.com/office/powerpoint/2010/main" val="3894219608"/>
       </p:ext>
     </p:extLst>
   </p:cSld>
@@ -28544,7 +28310,7 @@
           <a:p>
             <a:r>
               <a:rPr lang="en-GB" dirty="0"/>
-              <a:t>Manipulating Dictionaries Puzzles Solutions</a:t>
+              <a:t>Looping Through Dictionaries</a:t>
             </a:r>
           </a:p>
         </p:txBody>
@@ -28574,183 +28340,6 @@
               <a:rPr lang="en-GB" smtClean="0"/>
               <a:pPr/>
               <a:t>11</a:t>
-            </a:fld>
-            <a:endParaRPr lang="en-GB"/>
-          </a:p>
-        </p:txBody>
-      </p:sp>
-      <p:pic>
-        <p:nvPicPr>
-          <p:cNvPr id="11" name="Picture 10">
-            <a:extLst>
-              <a:ext uri="{FF2B5EF4-FFF2-40B4-BE49-F238E27FC236}">
-                <a16:creationId xmlns:a16="http://schemas.microsoft.com/office/drawing/2014/main" id="{AE10D547-F5D1-43D9-93EA-E166E3C73F57}"/>
-              </a:ext>
-            </a:extLst>
-          </p:cNvPr>
-          <p:cNvPicPr>
-            <a:picLocks noChangeAspect="1"/>
-          </p:cNvPicPr>
-          <p:nvPr/>
-        </p:nvPicPr>
-        <p:blipFill rotWithShape="1">
-          <a:blip r:embed="rId3"/>
-          <a:srcRect l="2982" t="3174" r="2869" b="2900"/>
-          <a:stretch/>
-        </p:blipFill>
-        <p:spPr>
-          <a:xfrm>
-            <a:off x="8576572" y="4598283"/>
-            <a:ext cx="498106" cy="496941"/>
-          </a:xfrm>
-          <a:prstGeom prst="ellipse">
-            <a:avLst/>
-          </a:prstGeom>
-        </p:spPr>
-      </p:pic>
-      <p:pic>
-        <p:nvPicPr>
-          <p:cNvPr id="4" name="Picture 3">
-            <a:extLst>
-              <a:ext uri="{FF2B5EF4-FFF2-40B4-BE49-F238E27FC236}">
-                <a16:creationId xmlns:a16="http://schemas.microsoft.com/office/drawing/2014/main" id="{086DF6B8-9658-447E-9310-708F9923319C}"/>
-              </a:ext>
-            </a:extLst>
-          </p:cNvPr>
-          <p:cNvPicPr>
-            <a:picLocks noChangeAspect="1"/>
-          </p:cNvPicPr>
-          <p:nvPr/>
-        </p:nvPicPr>
-        <p:blipFill>
-          <a:blip r:embed="rId4"/>
-          <a:stretch>
-            <a:fillRect/>
-          </a:stretch>
-        </p:blipFill>
-        <p:spPr>
-          <a:xfrm>
-            <a:off x="1516345" y="1188438"/>
-            <a:ext cx="6111310" cy="1238041"/>
-          </a:xfrm>
-          <a:prstGeom prst="rect">
-            <a:avLst/>
-          </a:prstGeom>
-        </p:spPr>
-      </p:pic>
-      <p:pic>
-        <p:nvPicPr>
-          <p:cNvPr id="5" name="Picture 4">
-            <a:extLst>
-              <a:ext uri="{FF2B5EF4-FFF2-40B4-BE49-F238E27FC236}">
-                <a16:creationId xmlns:a16="http://schemas.microsoft.com/office/drawing/2014/main" id="{362C70F6-8FF2-4745-B1DB-384D73581C3A}"/>
-              </a:ext>
-            </a:extLst>
-          </p:cNvPr>
-          <p:cNvPicPr>
-            <a:picLocks noChangeAspect="1"/>
-          </p:cNvPicPr>
-          <p:nvPr/>
-        </p:nvPicPr>
-        <p:blipFill>
-          <a:blip r:embed="rId5"/>
-          <a:stretch>
-            <a:fillRect/>
-          </a:stretch>
-        </p:blipFill>
-        <p:spPr>
-          <a:xfrm>
-            <a:off x="2674715" y="2966917"/>
-            <a:ext cx="3794570" cy="1446206"/>
-          </a:xfrm>
-          <a:prstGeom prst="rect">
-            <a:avLst/>
-          </a:prstGeom>
-        </p:spPr>
-      </p:pic>
-    </p:spTree>
-    <p:extLst>
-      <p:ext uri="{BB962C8B-B14F-4D97-AF65-F5344CB8AC3E}">
-        <p14:creationId xmlns:p14="http://schemas.microsoft.com/office/powerpoint/2010/main" val="3894219608"/>
-      </p:ext>
-    </p:extLst>
-  </p:cSld>
-  <p:clrMapOvr>
-    <a:masterClrMapping/>
-  </p:clrMapOvr>
-</p:sld>
-</file>
-
-<file path=ppt/slides/slide12.xml><?xml version="1.0" encoding="utf-8"?>
-<p:sld xmlns:a="http://schemas.openxmlformats.org/drawingml/2006/main" xmlns:r="http://schemas.openxmlformats.org/officeDocument/2006/relationships" xmlns:p="http://schemas.openxmlformats.org/presentationml/2006/main" showMasterSp="0">
-  <p:cSld>
-    <p:spTree>
-      <p:nvGrpSpPr>
-        <p:cNvPr id="1" name=""/>
-        <p:cNvGrpSpPr/>
-        <p:nvPr/>
-      </p:nvGrpSpPr>
-      <p:grpSpPr>
-        <a:xfrm>
-          <a:off x="0" y="0"/>
-          <a:ext cx="0" cy="0"/>
-          <a:chOff x="0" y="0"/>
-          <a:chExt cx="0" cy="0"/>
-        </a:xfrm>
-      </p:grpSpPr>
-      <p:sp>
-        <p:nvSpPr>
-          <p:cNvPr id="2" name="Title 1">
-            <a:extLst>
-              <a:ext uri="{FF2B5EF4-FFF2-40B4-BE49-F238E27FC236}">
-                <a16:creationId xmlns:a16="http://schemas.microsoft.com/office/drawing/2014/main" id="{F7DA9A4F-1DFD-49DB-8569-F5AB18BD6161}"/>
-              </a:ext>
-            </a:extLst>
-          </p:cNvPr>
-          <p:cNvSpPr>
-            <a:spLocks noGrp="1"/>
-          </p:cNvSpPr>
-          <p:nvPr>
-            <p:ph type="title"/>
-          </p:nvPr>
-        </p:nvSpPr>
-        <p:spPr/>
-        <p:txBody>
-          <a:bodyPr/>
-          <a:lstStyle/>
-          <a:p>
-            <a:r>
-              <a:rPr lang="en-GB" dirty="0"/>
-              <a:t>Looping Through Dictionaries</a:t>
-            </a:r>
-          </a:p>
-        </p:txBody>
-      </p:sp>
-      <p:sp>
-        <p:nvSpPr>
-          <p:cNvPr id="3" name="Slide Number Placeholder 2">
-            <a:extLst>
-              <a:ext uri="{FF2B5EF4-FFF2-40B4-BE49-F238E27FC236}">
-                <a16:creationId xmlns:a16="http://schemas.microsoft.com/office/drawing/2014/main" id="{7C3E703A-A386-472F-AD27-D2D983CC7A66}"/>
-              </a:ext>
-            </a:extLst>
-          </p:cNvPr>
-          <p:cNvSpPr>
-            <a:spLocks noGrp="1"/>
-          </p:cNvSpPr>
-          <p:nvPr>
-            <p:ph type="sldNum" sz="quarter" idx="4"/>
-          </p:nvPr>
-        </p:nvSpPr>
-        <p:spPr/>
-        <p:txBody>
-          <a:bodyPr/>
-          <a:lstStyle/>
-          <a:p>
-            <a:fld id="{3C4F54F3-C349-4609-AFEE-01462D5C7942}" type="slidenum">
-              <a:rPr lang="en-GB" smtClean="0"/>
-              <a:pPr/>
-              <a:t>12</a:t>
             </a:fld>
             <a:endParaRPr lang="en-GB"/>
           </a:p>
@@ -30031,7 +29620,7 @@
 </p:sld>
 </file>
 
-<file path=ppt/slides/slide13.xml><?xml version="1.0" encoding="utf-8"?>
+<file path=ppt/slides/slide12.xml><?xml version="1.0" encoding="utf-8"?>
 <p:sld xmlns:a="http://schemas.openxmlformats.org/drawingml/2006/main" xmlns:r="http://schemas.openxmlformats.org/officeDocument/2006/relationships" xmlns:p="http://schemas.openxmlformats.org/presentationml/2006/main" showMasterSp="0">
   <p:cSld>
     <p:spTree>
@@ -30100,7 +29689,7 @@
             <a:fld id="{3C4F54F3-C349-4609-AFEE-01462D5C7942}" type="slidenum">
               <a:rPr lang="en-GB" smtClean="0"/>
               <a:pPr/>
-              <a:t>13</a:t>
+              <a:t>12</a:t>
             </a:fld>
             <a:endParaRPr lang="en-GB"/>
           </a:p>
@@ -30384,6 +29973,153 @@
     <p:extLst>
       <p:ext uri="{BB962C8B-B14F-4D97-AF65-F5344CB8AC3E}">
         <p14:creationId xmlns:p14="http://schemas.microsoft.com/office/powerpoint/2010/main" val="441067147"/>
+      </p:ext>
+    </p:extLst>
+  </p:cSld>
+  <p:clrMapOvr>
+    <a:masterClrMapping/>
+  </p:clrMapOvr>
+</p:sld>
+</file>
+
+<file path=ppt/slides/slide13.xml><?xml version="1.0" encoding="utf-8"?>
+<p:sld xmlns:a="http://schemas.openxmlformats.org/drawingml/2006/main" xmlns:r="http://schemas.openxmlformats.org/officeDocument/2006/relationships" xmlns:p="http://schemas.openxmlformats.org/presentationml/2006/main" showMasterSp="0">
+  <p:cSld>
+    <p:spTree>
+      <p:nvGrpSpPr>
+        <p:cNvPr id="1" name=""/>
+        <p:cNvGrpSpPr/>
+        <p:nvPr/>
+      </p:nvGrpSpPr>
+      <p:grpSpPr>
+        <a:xfrm>
+          <a:off x="0" y="0"/>
+          <a:ext cx="0" cy="0"/>
+          <a:chOff x="0" y="0"/>
+          <a:chExt cx="0" cy="0"/>
+        </a:xfrm>
+      </p:grpSpPr>
+      <p:sp>
+        <p:nvSpPr>
+          <p:cNvPr id="2" name="Title 1">
+            <a:extLst>
+              <a:ext uri="{FF2B5EF4-FFF2-40B4-BE49-F238E27FC236}">
+                <a16:creationId xmlns:a16="http://schemas.microsoft.com/office/drawing/2014/main" id="{F7DA9A4F-1DFD-49DB-8569-F5AB18BD6161}"/>
+              </a:ext>
+            </a:extLst>
+          </p:cNvPr>
+          <p:cNvSpPr>
+            <a:spLocks noGrp="1"/>
+          </p:cNvSpPr>
+          <p:nvPr>
+            <p:ph type="title"/>
+          </p:nvPr>
+        </p:nvSpPr>
+        <p:spPr/>
+        <p:txBody>
+          <a:bodyPr/>
+          <a:lstStyle/>
+          <a:p>
+            <a:r>
+              <a:rPr lang="en-GB" dirty="0"/>
+              <a:t>Looping Through Dictionaries Puzzles Solutions</a:t>
+            </a:r>
+          </a:p>
+        </p:txBody>
+      </p:sp>
+      <p:sp>
+        <p:nvSpPr>
+          <p:cNvPr id="3" name="Slide Number Placeholder 2">
+            <a:extLst>
+              <a:ext uri="{FF2B5EF4-FFF2-40B4-BE49-F238E27FC236}">
+                <a16:creationId xmlns:a16="http://schemas.microsoft.com/office/drawing/2014/main" id="{7C3E703A-A386-472F-AD27-D2D983CC7A66}"/>
+              </a:ext>
+            </a:extLst>
+          </p:cNvPr>
+          <p:cNvSpPr>
+            <a:spLocks noGrp="1"/>
+          </p:cNvSpPr>
+          <p:nvPr>
+            <p:ph type="sldNum" sz="quarter" idx="4"/>
+          </p:nvPr>
+        </p:nvSpPr>
+        <p:spPr/>
+        <p:txBody>
+          <a:bodyPr/>
+          <a:lstStyle/>
+          <a:p>
+            <a:fld id="{3C4F54F3-C349-4609-AFEE-01462D5C7942}" type="slidenum">
+              <a:rPr lang="en-GB" smtClean="0"/>
+              <a:pPr/>
+              <a:t>13</a:t>
+            </a:fld>
+            <a:endParaRPr lang="en-GB"/>
+          </a:p>
+        </p:txBody>
+      </p:sp>
+      <p:pic>
+        <p:nvPicPr>
+          <p:cNvPr id="11" name="Picture 10">
+            <a:extLst>
+              <a:ext uri="{FF2B5EF4-FFF2-40B4-BE49-F238E27FC236}">
+                <a16:creationId xmlns:a16="http://schemas.microsoft.com/office/drawing/2014/main" id="{AE10D547-F5D1-43D9-93EA-E166E3C73F57}"/>
+              </a:ext>
+            </a:extLst>
+          </p:cNvPr>
+          <p:cNvPicPr>
+            <a:picLocks noChangeAspect="1"/>
+          </p:cNvPicPr>
+          <p:nvPr/>
+        </p:nvPicPr>
+        <p:blipFill rotWithShape="1">
+          <a:blip r:embed="rId3"/>
+          <a:srcRect l="2982" t="3174" r="2869" b="2900"/>
+          <a:stretch/>
+        </p:blipFill>
+        <p:spPr>
+          <a:xfrm>
+            <a:off x="8576572" y="4598283"/>
+            <a:ext cx="498106" cy="496941"/>
+          </a:xfrm>
+          <a:prstGeom prst="ellipse">
+            <a:avLst/>
+          </a:prstGeom>
+        </p:spPr>
+      </p:pic>
+      <p:pic>
+        <p:nvPicPr>
+          <p:cNvPr id="5" name="Picture 4">
+            <a:extLst>
+              <a:ext uri="{FF2B5EF4-FFF2-40B4-BE49-F238E27FC236}">
+                <a16:creationId xmlns:a16="http://schemas.microsoft.com/office/drawing/2014/main" id="{6FFEA870-4812-46E3-AE8E-861E1F7A3BF5}"/>
+              </a:ext>
+            </a:extLst>
+          </p:cNvPr>
+          <p:cNvPicPr>
+            <a:picLocks noChangeAspect="1"/>
+          </p:cNvPicPr>
+          <p:nvPr/>
+        </p:nvPicPr>
+        <p:blipFill>
+          <a:blip r:embed="rId4"/>
+          <a:stretch>
+            <a:fillRect/>
+          </a:stretch>
+        </p:blipFill>
+        <p:spPr>
+          <a:xfrm>
+            <a:off x="2335534" y="950056"/>
+            <a:ext cx="4472931" cy="3791107"/>
+          </a:xfrm>
+          <a:prstGeom prst="rect">
+            <a:avLst/>
+          </a:prstGeom>
+        </p:spPr>
+      </p:pic>
+    </p:spTree>
+    <p:extLst>
+      <p:ext uri="{BB962C8B-B14F-4D97-AF65-F5344CB8AC3E}">
+        <p14:creationId xmlns:p14="http://schemas.microsoft.com/office/powerpoint/2010/main" val="3469896898"/>
       </p:ext>
     </p:extLst>
   </p:cSld>
@@ -30433,7 +30169,7 @@
           <a:p>
             <a:r>
               <a:rPr lang="en-GB" dirty="0"/>
-              <a:t>Looping Through Dictionaries Puzzles Solutions</a:t>
+              <a:t>Tangent: APIs and JSON</a:t>
             </a:r>
           </a:p>
         </p:txBody>
@@ -30463,153 +30199,6 @@
               <a:rPr lang="en-GB" smtClean="0"/>
               <a:pPr/>
               <a:t>14</a:t>
-            </a:fld>
-            <a:endParaRPr lang="en-GB"/>
-          </a:p>
-        </p:txBody>
-      </p:sp>
-      <p:pic>
-        <p:nvPicPr>
-          <p:cNvPr id="11" name="Picture 10">
-            <a:extLst>
-              <a:ext uri="{FF2B5EF4-FFF2-40B4-BE49-F238E27FC236}">
-                <a16:creationId xmlns:a16="http://schemas.microsoft.com/office/drawing/2014/main" id="{AE10D547-F5D1-43D9-93EA-E166E3C73F57}"/>
-              </a:ext>
-            </a:extLst>
-          </p:cNvPr>
-          <p:cNvPicPr>
-            <a:picLocks noChangeAspect="1"/>
-          </p:cNvPicPr>
-          <p:nvPr/>
-        </p:nvPicPr>
-        <p:blipFill rotWithShape="1">
-          <a:blip r:embed="rId3"/>
-          <a:srcRect l="2982" t="3174" r="2869" b="2900"/>
-          <a:stretch/>
-        </p:blipFill>
-        <p:spPr>
-          <a:xfrm>
-            <a:off x="8576572" y="4598283"/>
-            <a:ext cx="498106" cy="496941"/>
-          </a:xfrm>
-          <a:prstGeom prst="ellipse">
-            <a:avLst/>
-          </a:prstGeom>
-        </p:spPr>
-      </p:pic>
-      <p:pic>
-        <p:nvPicPr>
-          <p:cNvPr id="5" name="Picture 4">
-            <a:extLst>
-              <a:ext uri="{FF2B5EF4-FFF2-40B4-BE49-F238E27FC236}">
-                <a16:creationId xmlns:a16="http://schemas.microsoft.com/office/drawing/2014/main" id="{6FFEA870-4812-46E3-AE8E-861E1F7A3BF5}"/>
-              </a:ext>
-            </a:extLst>
-          </p:cNvPr>
-          <p:cNvPicPr>
-            <a:picLocks noChangeAspect="1"/>
-          </p:cNvPicPr>
-          <p:nvPr/>
-        </p:nvPicPr>
-        <p:blipFill>
-          <a:blip r:embed="rId4"/>
-          <a:stretch>
-            <a:fillRect/>
-          </a:stretch>
-        </p:blipFill>
-        <p:spPr>
-          <a:xfrm>
-            <a:off x="2335534" y="950056"/>
-            <a:ext cx="4472931" cy="3791107"/>
-          </a:xfrm>
-          <a:prstGeom prst="rect">
-            <a:avLst/>
-          </a:prstGeom>
-        </p:spPr>
-      </p:pic>
-    </p:spTree>
-    <p:extLst>
-      <p:ext uri="{BB962C8B-B14F-4D97-AF65-F5344CB8AC3E}">
-        <p14:creationId xmlns:p14="http://schemas.microsoft.com/office/powerpoint/2010/main" val="3469896898"/>
-      </p:ext>
-    </p:extLst>
-  </p:cSld>
-  <p:clrMapOvr>
-    <a:masterClrMapping/>
-  </p:clrMapOvr>
-</p:sld>
-</file>
-
-<file path=ppt/slides/slide15.xml><?xml version="1.0" encoding="utf-8"?>
-<p:sld xmlns:a="http://schemas.openxmlformats.org/drawingml/2006/main" xmlns:r="http://schemas.openxmlformats.org/officeDocument/2006/relationships" xmlns:p="http://schemas.openxmlformats.org/presentationml/2006/main" showMasterSp="0">
-  <p:cSld>
-    <p:spTree>
-      <p:nvGrpSpPr>
-        <p:cNvPr id="1" name=""/>
-        <p:cNvGrpSpPr/>
-        <p:nvPr/>
-      </p:nvGrpSpPr>
-      <p:grpSpPr>
-        <a:xfrm>
-          <a:off x="0" y="0"/>
-          <a:ext cx="0" cy="0"/>
-          <a:chOff x="0" y="0"/>
-          <a:chExt cx="0" cy="0"/>
-        </a:xfrm>
-      </p:grpSpPr>
-      <p:sp>
-        <p:nvSpPr>
-          <p:cNvPr id="2" name="Title 1">
-            <a:extLst>
-              <a:ext uri="{FF2B5EF4-FFF2-40B4-BE49-F238E27FC236}">
-                <a16:creationId xmlns:a16="http://schemas.microsoft.com/office/drawing/2014/main" id="{F7DA9A4F-1DFD-49DB-8569-F5AB18BD6161}"/>
-              </a:ext>
-            </a:extLst>
-          </p:cNvPr>
-          <p:cNvSpPr>
-            <a:spLocks noGrp="1"/>
-          </p:cNvSpPr>
-          <p:nvPr>
-            <p:ph type="title"/>
-          </p:nvPr>
-        </p:nvSpPr>
-        <p:spPr/>
-        <p:txBody>
-          <a:bodyPr/>
-          <a:lstStyle/>
-          <a:p>
-            <a:r>
-              <a:rPr lang="en-GB" dirty="0"/>
-              <a:t>Tangent: APIs and JSON</a:t>
-            </a:r>
-          </a:p>
-        </p:txBody>
-      </p:sp>
-      <p:sp>
-        <p:nvSpPr>
-          <p:cNvPr id="3" name="Slide Number Placeholder 2">
-            <a:extLst>
-              <a:ext uri="{FF2B5EF4-FFF2-40B4-BE49-F238E27FC236}">
-                <a16:creationId xmlns:a16="http://schemas.microsoft.com/office/drawing/2014/main" id="{7C3E703A-A386-472F-AD27-D2D983CC7A66}"/>
-              </a:ext>
-            </a:extLst>
-          </p:cNvPr>
-          <p:cNvSpPr>
-            <a:spLocks noGrp="1"/>
-          </p:cNvSpPr>
-          <p:nvPr>
-            <p:ph type="sldNum" sz="quarter" idx="4"/>
-          </p:nvPr>
-        </p:nvSpPr>
-        <p:spPr/>
-        <p:txBody>
-          <a:bodyPr/>
-          <a:lstStyle/>
-          <a:p>
-            <a:fld id="{3C4F54F3-C349-4609-AFEE-01462D5C7942}" type="slidenum">
-              <a:rPr lang="en-GB" smtClean="0"/>
-              <a:pPr/>
-              <a:t>15</a:t>
             </a:fld>
             <a:endParaRPr lang="en-GB"/>
           </a:p>
@@ -32177,6 +31766,19 @@
               <a:t>We access dictionaries’ values in the same way as a list</a:t>
             </a:r>
           </a:p>
+          <a:p>
+            <a:pPr marL="342900" indent="-342900">
+              <a:buFont typeface="Arial"/>
+              <a:buChar char="•"/>
+            </a:pPr>
+            <a:r>
+              <a:rPr lang="en-GB" sz="2000" dirty="0">
+                <a:latin typeface="Arial"/>
+                <a:cs typeface="Arial"/>
+              </a:rPr>
+              <a:t>Dictionaries, unlike lists, have no defined order</a:t>
+            </a:r>
+          </a:p>
         </p:txBody>
       </p:sp>
       <p:pic>
@@ -32201,7 +31803,7 @@
         </p:blipFill>
         <p:spPr>
           <a:xfrm>
-            <a:off x="714375" y="3001066"/>
+            <a:off x="646527" y="3347617"/>
             <a:ext cx="4348749" cy="1429478"/>
           </a:xfrm>
           <a:prstGeom prst="rect">
@@ -32231,7 +31833,7 @@
         </p:blipFill>
         <p:spPr>
           <a:xfrm>
-            <a:off x="5463107" y="3184256"/>
+            <a:off x="5326919" y="3422514"/>
             <a:ext cx="2993909" cy="1063097"/>
           </a:xfrm>
           <a:prstGeom prst="rect">
@@ -32292,7 +31894,7 @@
           <a:p>
             <a:r>
               <a:rPr lang="en-GB" dirty="0"/>
-              <a:t>Tangent: Ordered Dictionaries</a:t>
+              <a:t>Dictionaries</a:t>
             </a:r>
           </a:p>
         </p:txBody>
@@ -32322,356 +31924,6 @@
               <a:rPr lang="en-GB" smtClean="0"/>
               <a:pPr/>
               <a:t>5</a:t>
-            </a:fld>
-            <a:endParaRPr lang="en-GB"/>
-          </a:p>
-        </p:txBody>
-      </p:sp>
-      <p:pic>
-        <p:nvPicPr>
-          <p:cNvPr id="11" name="Picture 10">
-            <a:extLst>
-              <a:ext uri="{FF2B5EF4-FFF2-40B4-BE49-F238E27FC236}">
-                <a16:creationId xmlns:a16="http://schemas.microsoft.com/office/drawing/2014/main" id="{AE10D547-F5D1-43D9-93EA-E166E3C73F57}"/>
-              </a:ext>
-            </a:extLst>
-          </p:cNvPr>
-          <p:cNvPicPr>
-            <a:picLocks noChangeAspect="1"/>
-          </p:cNvPicPr>
-          <p:nvPr/>
-        </p:nvPicPr>
-        <p:blipFill rotWithShape="1">
-          <a:blip r:embed="rId2"/>
-          <a:srcRect l="2982" t="3174" r="2869" b="2900"/>
-          <a:stretch/>
-        </p:blipFill>
-        <p:spPr>
-          <a:xfrm>
-            <a:off x="8576572" y="4598283"/>
-            <a:ext cx="498106" cy="496941"/>
-          </a:xfrm>
-          <a:prstGeom prst="ellipse">
-            <a:avLst/>
-          </a:prstGeom>
-        </p:spPr>
-      </p:pic>
-      <p:sp>
-        <p:nvSpPr>
-          <p:cNvPr id="6" name="Text Placeholder 2">
-            <a:extLst>
-              <a:ext uri="{FF2B5EF4-FFF2-40B4-BE49-F238E27FC236}">
-                <a16:creationId xmlns:a16="http://schemas.microsoft.com/office/drawing/2014/main" id="{28280EFD-605B-4843-8D20-931E34B69861}"/>
-              </a:ext>
-            </a:extLst>
-          </p:cNvPr>
-          <p:cNvSpPr txBox="1">
-            <a:spLocks/>
-          </p:cNvSpPr>
-          <p:nvPr/>
-        </p:nvSpPr>
-        <p:spPr>
-          <a:xfrm>
-            <a:off x="237061" y="712956"/>
-            <a:ext cx="8619938" cy="4226139"/>
-          </a:xfrm>
-          <a:prstGeom prst="rect">
-            <a:avLst/>
-          </a:prstGeom>
-        </p:spPr>
-        <p:txBody>
-          <a:bodyPr vert="horz" anchor="t"/>
-          <a:lstStyle>
-            <a:lvl1pPr marL="0" indent="0" algn="l" defTabSz="457200" rtl="0" eaLnBrk="1" latinLnBrk="0" hangingPunct="1">
-              <a:spcBef>
-                <a:spcPts val="0"/>
-              </a:spcBef>
-              <a:buFont typeface="Arial"/>
-              <a:buNone/>
-              <a:defRPr sz="2400" kern="1200" baseline="0">
-                <a:solidFill>
-                  <a:schemeClr val="tx1"/>
-                </a:solidFill>
-                <a:latin typeface="Arial" pitchFamily="34" charset="0"/>
-                <a:ea typeface="+mn-ea"/>
-                <a:cs typeface="Arial" pitchFamily="34" charset="0"/>
-              </a:defRPr>
-            </a:lvl1pPr>
-            <a:lvl2pPr marL="457200" indent="0" algn="l" defTabSz="457200" rtl="0" eaLnBrk="1" latinLnBrk="0" hangingPunct="1">
-              <a:spcBef>
-                <a:spcPct val="20000"/>
-              </a:spcBef>
-              <a:buFont typeface="Arial"/>
-              <a:buNone/>
-              <a:defRPr sz="2400" kern="1200">
-                <a:solidFill>
-                  <a:schemeClr val="tx1"/>
-                </a:solidFill>
-                <a:latin typeface="+mn-lt"/>
-                <a:ea typeface="+mn-ea"/>
-                <a:cs typeface="+mn-cs"/>
-              </a:defRPr>
-            </a:lvl2pPr>
-            <a:lvl3pPr marL="914400" indent="0" algn="l" defTabSz="457200" rtl="0" eaLnBrk="1" latinLnBrk="0" hangingPunct="1">
-              <a:spcBef>
-                <a:spcPct val="20000"/>
-              </a:spcBef>
-              <a:buFont typeface="Arial"/>
-              <a:buNone/>
-              <a:defRPr sz="2400" kern="1200">
-                <a:solidFill>
-                  <a:schemeClr val="tx1"/>
-                </a:solidFill>
-                <a:latin typeface="+mn-lt"/>
-                <a:ea typeface="+mn-ea"/>
-                <a:cs typeface="+mn-cs"/>
-              </a:defRPr>
-            </a:lvl3pPr>
-            <a:lvl4pPr marL="1371600" indent="0" algn="l" defTabSz="457200" rtl="0" eaLnBrk="1" latinLnBrk="0" hangingPunct="1">
-              <a:spcBef>
-                <a:spcPct val="20000"/>
-              </a:spcBef>
-              <a:buFont typeface="Arial"/>
-              <a:buNone/>
-              <a:defRPr sz="2400" kern="1200">
-                <a:solidFill>
-                  <a:schemeClr val="tx1"/>
-                </a:solidFill>
-                <a:latin typeface="+mn-lt"/>
-                <a:ea typeface="+mn-ea"/>
-                <a:cs typeface="+mn-cs"/>
-              </a:defRPr>
-            </a:lvl4pPr>
-            <a:lvl5pPr marL="1828800" indent="0" algn="l" defTabSz="457200" rtl="0" eaLnBrk="1" latinLnBrk="0" hangingPunct="1">
-              <a:spcBef>
-                <a:spcPct val="20000"/>
-              </a:spcBef>
-              <a:buFont typeface="Arial"/>
-              <a:buNone/>
-              <a:defRPr sz="2400" kern="1200">
-                <a:solidFill>
-                  <a:schemeClr val="tx1"/>
-                </a:solidFill>
-                <a:latin typeface="+mn-lt"/>
-                <a:ea typeface="+mn-ea"/>
-                <a:cs typeface="+mn-cs"/>
-              </a:defRPr>
-            </a:lvl5pPr>
-            <a:lvl6pPr marL="2514600" indent="-228600" algn="l" defTabSz="457200" rtl="0" eaLnBrk="1" latinLnBrk="0" hangingPunct="1">
-              <a:spcBef>
-                <a:spcPct val="20000"/>
-              </a:spcBef>
-              <a:buFont typeface="Arial"/>
-              <a:buChar char="•"/>
-              <a:defRPr sz="2000" kern="1200">
-                <a:solidFill>
-                  <a:schemeClr val="tx1"/>
-                </a:solidFill>
-                <a:latin typeface="+mn-lt"/>
-                <a:ea typeface="+mn-ea"/>
-                <a:cs typeface="+mn-cs"/>
-              </a:defRPr>
-            </a:lvl6pPr>
-            <a:lvl7pPr marL="2971800" indent="-228600" algn="l" defTabSz="457200" rtl="0" eaLnBrk="1" latinLnBrk="0" hangingPunct="1">
-              <a:spcBef>
-                <a:spcPct val="20000"/>
-              </a:spcBef>
-              <a:buFont typeface="Arial"/>
-              <a:buChar char="•"/>
-              <a:defRPr sz="2000" kern="1200">
-                <a:solidFill>
-                  <a:schemeClr val="tx1"/>
-                </a:solidFill>
-                <a:latin typeface="+mn-lt"/>
-                <a:ea typeface="+mn-ea"/>
-                <a:cs typeface="+mn-cs"/>
-              </a:defRPr>
-            </a:lvl7pPr>
-            <a:lvl8pPr marL="3429000" indent="-228600" algn="l" defTabSz="457200" rtl="0" eaLnBrk="1" latinLnBrk="0" hangingPunct="1">
-              <a:spcBef>
-                <a:spcPct val="20000"/>
-              </a:spcBef>
-              <a:buFont typeface="Arial"/>
-              <a:buChar char="•"/>
-              <a:defRPr sz="2000" kern="1200">
-                <a:solidFill>
-                  <a:schemeClr val="tx1"/>
-                </a:solidFill>
-                <a:latin typeface="+mn-lt"/>
-                <a:ea typeface="+mn-ea"/>
-                <a:cs typeface="+mn-cs"/>
-              </a:defRPr>
-            </a:lvl8pPr>
-            <a:lvl9pPr marL="3886200" indent="-228600" algn="l" defTabSz="457200" rtl="0" eaLnBrk="1" latinLnBrk="0" hangingPunct="1">
-              <a:spcBef>
-                <a:spcPct val="20000"/>
-              </a:spcBef>
-              <a:buFont typeface="Arial"/>
-              <a:buChar char="•"/>
-              <a:defRPr sz="2000" kern="1200">
-                <a:solidFill>
-                  <a:schemeClr val="tx1"/>
-                </a:solidFill>
-                <a:latin typeface="+mn-lt"/>
-                <a:ea typeface="+mn-ea"/>
-                <a:cs typeface="+mn-cs"/>
-              </a:defRPr>
-            </a:lvl9pPr>
-          </a:lstStyle>
-          <a:p>
-            <a:pPr marL="342900" indent="-342900">
-              <a:buFont typeface="Arial"/>
-              <a:buChar char="•"/>
-            </a:pPr>
-            <a:r>
-              <a:rPr lang="en-GB" sz="2000" dirty="0">
-                <a:latin typeface="Arial"/>
-                <a:cs typeface="Arial"/>
-              </a:rPr>
-              <a:t>Python does not keep track of the order of keys in a standard dictionary</a:t>
-            </a:r>
-          </a:p>
-          <a:p>
-            <a:pPr marL="342900" indent="-342900">
-              <a:buFont typeface="Arial"/>
-              <a:buChar char="•"/>
-            </a:pPr>
-            <a:r>
-              <a:rPr lang="en-GB" sz="2000" dirty="0">
-                <a:latin typeface="Arial"/>
-                <a:cs typeface="Arial"/>
-              </a:rPr>
-              <a:t>For that reason, even if you write items in a specific order when defining a dictionary, you should pretend that they are shuffled up straight after</a:t>
-            </a:r>
-          </a:p>
-          <a:p>
-            <a:pPr marL="342900" indent="-342900">
-              <a:buFont typeface="Arial"/>
-              <a:buChar char="•"/>
-            </a:pPr>
-            <a:r>
-              <a:rPr lang="en-GB" sz="2000" dirty="0">
-                <a:latin typeface="Arial"/>
-                <a:cs typeface="Arial"/>
-              </a:rPr>
-              <a:t>If you need to keep track of the order then Python offers an ordered dictionary, but this is rarely needed in practice</a:t>
-            </a:r>
-          </a:p>
-        </p:txBody>
-      </p:sp>
-      <p:pic>
-        <p:nvPicPr>
-          <p:cNvPr id="5" name="Picture 4">
-            <a:extLst>
-              <a:ext uri="{FF2B5EF4-FFF2-40B4-BE49-F238E27FC236}">
-                <a16:creationId xmlns:a16="http://schemas.microsoft.com/office/drawing/2014/main" id="{8F995554-EA27-46C4-9C45-C4897196B91E}"/>
-              </a:ext>
-            </a:extLst>
-          </p:cNvPr>
-          <p:cNvPicPr>
-            <a:picLocks noChangeAspect="1"/>
-          </p:cNvPicPr>
-          <p:nvPr/>
-        </p:nvPicPr>
-        <p:blipFill>
-          <a:blip r:embed="rId3"/>
-          <a:stretch>
-            <a:fillRect/>
-          </a:stretch>
-        </p:blipFill>
-        <p:spPr>
-          <a:xfrm>
-            <a:off x="1084207" y="2813382"/>
-            <a:ext cx="7071360" cy="1307997"/>
-          </a:xfrm>
-          <a:prstGeom prst="rect">
-            <a:avLst/>
-          </a:prstGeom>
-        </p:spPr>
-      </p:pic>
-    </p:spTree>
-    <p:extLst>
-      <p:ext uri="{BB962C8B-B14F-4D97-AF65-F5344CB8AC3E}">
-        <p14:creationId xmlns:p14="http://schemas.microsoft.com/office/powerpoint/2010/main" val="904237300"/>
-      </p:ext>
-    </p:extLst>
-  </p:cSld>
-  <p:clrMapOvr>
-    <a:masterClrMapping/>
-  </p:clrMapOvr>
-</p:sld>
-</file>
-
-<file path=ppt/slides/slide6.xml><?xml version="1.0" encoding="utf-8"?>
-<p:sld xmlns:a="http://schemas.openxmlformats.org/drawingml/2006/main" xmlns:r="http://schemas.openxmlformats.org/officeDocument/2006/relationships" xmlns:p="http://schemas.openxmlformats.org/presentationml/2006/main" showMasterSp="0">
-  <p:cSld>
-    <p:spTree>
-      <p:nvGrpSpPr>
-        <p:cNvPr id="1" name=""/>
-        <p:cNvGrpSpPr/>
-        <p:nvPr/>
-      </p:nvGrpSpPr>
-      <p:grpSpPr>
-        <a:xfrm>
-          <a:off x="0" y="0"/>
-          <a:ext cx="0" cy="0"/>
-          <a:chOff x="0" y="0"/>
-          <a:chExt cx="0" cy="0"/>
-        </a:xfrm>
-      </p:grpSpPr>
-      <p:sp>
-        <p:nvSpPr>
-          <p:cNvPr id="2" name="Title 1">
-            <a:extLst>
-              <a:ext uri="{FF2B5EF4-FFF2-40B4-BE49-F238E27FC236}">
-                <a16:creationId xmlns:a16="http://schemas.microsoft.com/office/drawing/2014/main" id="{F7DA9A4F-1DFD-49DB-8569-F5AB18BD6161}"/>
-              </a:ext>
-            </a:extLst>
-          </p:cNvPr>
-          <p:cNvSpPr>
-            <a:spLocks noGrp="1"/>
-          </p:cNvSpPr>
-          <p:nvPr>
-            <p:ph type="title"/>
-          </p:nvPr>
-        </p:nvSpPr>
-        <p:spPr/>
-        <p:txBody>
-          <a:bodyPr/>
-          <a:lstStyle/>
-          <a:p>
-            <a:r>
-              <a:rPr lang="en-GB" dirty="0"/>
-              <a:t>Dictionaries</a:t>
-            </a:r>
-          </a:p>
-        </p:txBody>
-      </p:sp>
-      <p:sp>
-        <p:nvSpPr>
-          <p:cNvPr id="3" name="Slide Number Placeholder 2">
-            <a:extLst>
-              <a:ext uri="{FF2B5EF4-FFF2-40B4-BE49-F238E27FC236}">
-                <a16:creationId xmlns:a16="http://schemas.microsoft.com/office/drawing/2014/main" id="{7C3E703A-A386-472F-AD27-D2D983CC7A66}"/>
-              </a:ext>
-            </a:extLst>
-          </p:cNvPr>
-          <p:cNvSpPr>
-            <a:spLocks noGrp="1"/>
-          </p:cNvSpPr>
-          <p:nvPr>
-            <p:ph type="sldNum" sz="quarter" idx="4"/>
-          </p:nvPr>
-        </p:nvSpPr>
-        <p:spPr/>
-        <p:txBody>
-          <a:bodyPr/>
-          <a:lstStyle/>
-          <a:p>
-            <a:fld id="{3C4F54F3-C349-4609-AFEE-01462D5C7942}" type="slidenum">
-              <a:rPr lang="en-GB" smtClean="0"/>
-              <a:pPr/>
-              <a:t>6</a:t>
             </a:fld>
             <a:endParaRPr lang="en-GB"/>
           </a:p>
@@ -33184,7 +32436,7 @@
 </p:sld>
 </file>
 
-<file path=ppt/slides/slide7.xml><?xml version="1.0" encoding="utf-8"?>
+<file path=ppt/slides/slide6.xml><?xml version="1.0" encoding="utf-8"?>
 <p:sld xmlns:a="http://schemas.openxmlformats.org/drawingml/2006/main" xmlns:r="http://schemas.openxmlformats.org/officeDocument/2006/relationships" xmlns:p="http://schemas.openxmlformats.org/presentationml/2006/main" showMasterSp="0">
   <p:cSld>
     <p:spTree>
@@ -33253,7 +32505,7 @@
             <a:fld id="{3C4F54F3-C349-4609-AFEE-01462D5C7942}" type="slidenum">
               <a:rPr lang="en-GB" smtClean="0"/>
               <a:pPr/>
-              <a:t>7</a:t>
+              <a:t>6</a:t>
             </a:fld>
             <a:endParaRPr lang="en-GB"/>
           </a:p>
@@ -33644,6 +32896,416 @@
     <p:extLst>
       <p:ext uri="{BB962C8B-B14F-4D97-AF65-F5344CB8AC3E}">
         <p14:creationId xmlns:p14="http://schemas.microsoft.com/office/powerpoint/2010/main" val="1343401856"/>
+      </p:ext>
+    </p:extLst>
+  </p:cSld>
+  <p:clrMapOvr>
+    <a:masterClrMapping/>
+  </p:clrMapOvr>
+</p:sld>
+</file>
+
+<file path=ppt/slides/slide7.xml><?xml version="1.0" encoding="utf-8"?>
+<p:sld xmlns:a="http://schemas.openxmlformats.org/drawingml/2006/main" xmlns:r="http://schemas.openxmlformats.org/officeDocument/2006/relationships" xmlns:p="http://schemas.openxmlformats.org/presentationml/2006/main" showMasterSp="0">
+  <p:cSld>
+    <p:spTree>
+      <p:nvGrpSpPr>
+        <p:cNvPr id="1" name=""/>
+        <p:cNvGrpSpPr/>
+        <p:nvPr/>
+      </p:nvGrpSpPr>
+      <p:grpSpPr>
+        <a:xfrm>
+          <a:off x="0" y="0"/>
+          <a:ext cx="0" cy="0"/>
+          <a:chOff x="0" y="0"/>
+          <a:chExt cx="0" cy="0"/>
+        </a:xfrm>
+      </p:grpSpPr>
+      <p:sp>
+        <p:nvSpPr>
+          <p:cNvPr id="2" name="Title 1">
+            <a:extLst>
+              <a:ext uri="{FF2B5EF4-FFF2-40B4-BE49-F238E27FC236}">
+                <a16:creationId xmlns:a16="http://schemas.microsoft.com/office/drawing/2014/main" id="{F7DA9A4F-1DFD-49DB-8569-F5AB18BD6161}"/>
+              </a:ext>
+            </a:extLst>
+          </p:cNvPr>
+          <p:cNvSpPr>
+            <a:spLocks noGrp="1"/>
+          </p:cNvSpPr>
+          <p:nvPr>
+            <p:ph type="title"/>
+          </p:nvPr>
+        </p:nvSpPr>
+        <p:spPr/>
+        <p:txBody>
+          <a:bodyPr/>
+          <a:lstStyle/>
+          <a:p>
+            <a:r>
+              <a:rPr lang="en-GB" dirty="0"/>
+              <a:t>Dictionaries Puzzles Solutions</a:t>
+            </a:r>
+          </a:p>
+        </p:txBody>
+      </p:sp>
+      <p:sp>
+        <p:nvSpPr>
+          <p:cNvPr id="3" name="Slide Number Placeholder 2">
+            <a:extLst>
+              <a:ext uri="{FF2B5EF4-FFF2-40B4-BE49-F238E27FC236}">
+                <a16:creationId xmlns:a16="http://schemas.microsoft.com/office/drawing/2014/main" id="{7C3E703A-A386-472F-AD27-D2D983CC7A66}"/>
+              </a:ext>
+            </a:extLst>
+          </p:cNvPr>
+          <p:cNvSpPr>
+            <a:spLocks noGrp="1"/>
+          </p:cNvSpPr>
+          <p:nvPr>
+            <p:ph type="sldNum" sz="quarter" idx="4"/>
+          </p:nvPr>
+        </p:nvSpPr>
+        <p:spPr/>
+        <p:txBody>
+          <a:bodyPr/>
+          <a:lstStyle/>
+          <a:p>
+            <a:fld id="{3C4F54F3-C349-4609-AFEE-01462D5C7942}" type="slidenum">
+              <a:rPr lang="en-GB" smtClean="0"/>
+              <a:pPr/>
+              <a:t>7</a:t>
+            </a:fld>
+            <a:endParaRPr lang="en-GB"/>
+          </a:p>
+        </p:txBody>
+      </p:sp>
+      <p:pic>
+        <p:nvPicPr>
+          <p:cNvPr id="11" name="Picture 10">
+            <a:extLst>
+              <a:ext uri="{FF2B5EF4-FFF2-40B4-BE49-F238E27FC236}">
+                <a16:creationId xmlns:a16="http://schemas.microsoft.com/office/drawing/2014/main" id="{AE10D547-F5D1-43D9-93EA-E166E3C73F57}"/>
+              </a:ext>
+            </a:extLst>
+          </p:cNvPr>
+          <p:cNvPicPr>
+            <a:picLocks noChangeAspect="1"/>
+          </p:cNvPicPr>
+          <p:nvPr/>
+        </p:nvPicPr>
+        <p:blipFill rotWithShape="1">
+          <a:blip r:embed="rId3"/>
+          <a:srcRect l="2982" t="3174" r="2869" b="2900"/>
+          <a:stretch/>
+        </p:blipFill>
+        <p:spPr>
+          <a:xfrm>
+            <a:off x="8576572" y="4598283"/>
+            <a:ext cx="498106" cy="496941"/>
+          </a:xfrm>
+          <a:prstGeom prst="ellipse">
+            <a:avLst/>
+          </a:prstGeom>
+        </p:spPr>
+      </p:pic>
+      <p:sp>
+        <p:nvSpPr>
+          <p:cNvPr id="6" name="Text Placeholder 2">
+            <a:extLst>
+              <a:ext uri="{FF2B5EF4-FFF2-40B4-BE49-F238E27FC236}">
+                <a16:creationId xmlns:a16="http://schemas.microsoft.com/office/drawing/2014/main" id="{28280EFD-605B-4843-8D20-931E34B69861}"/>
+              </a:ext>
+            </a:extLst>
+          </p:cNvPr>
+          <p:cNvSpPr txBox="1">
+            <a:spLocks/>
+          </p:cNvSpPr>
+          <p:nvPr/>
+        </p:nvSpPr>
+        <p:spPr>
+          <a:xfrm>
+            <a:off x="237061" y="712956"/>
+            <a:ext cx="8619938" cy="4295797"/>
+          </a:xfrm>
+          <a:prstGeom prst="rect">
+            <a:avLst/>
+          </a:prstGeom>
+        </p:spPr>
+        <p:txBody>
+          <a:bodyPr vert="horz" anchor="t"/>
+          <a:lstStyle>
+            <a:lvl1pPr marL="0" indent="0" algn="l" defTabSz="457200" rtl="0" eaLnBrk="1" latinLnBrk="0" hangingPunct="1">
+              <a:spcBef>
+                <a:spcPts val="0"/>
+              </a:spcBef>
+              <a:buFont typeface="Arial"/>
+              <a:buNone/>
+              <a:defRPr sz="2400" kern="1200" baseline="0">
+                <a:solidFill>
+                  <a:schemeClr val="tx1"/>
+                </a:solidFill>
+                <a:latin typeface="Arial" pitchFamily="34" charset="0"/>
+                <a:ea typeface="+mn-ea"/>
+                <a:cs typeface="Arial" pitchFamily="34" charset="0"/>
+              </a:defRPr>
+            </a:lvl1pPr>
+            <a:lvl2pPr marL="457200" indent="0" algn="l" defTabSz="457200" rtl="0" eaLnBrk="1" latinLnBrk="0" hangingPunct="1">
+              <a:spcBef>
+                <a:spcPct val="20000"/>
+              </a:spcBef>
+              <a:buFont typeface="Arial"/>
+              <a:buNone/>
+              <a:defRPr sz="2400" kern="1200">
+                <a:solidFill>
+                  <a:schemeClr val="tx1"/>
+                </a:solidFill>
+                <a:latin typeface="+mn-lt"/>
+                <a:ea typeface="+mn-ea"/>
+                <a:cs typeface="+mn-cs"/>
+              </a:defRPr>
+            </a:lvl2pPr>
+            <a:lvl3pPr marL="914400" indent="0" algn="l" defTabSz="457200" rtl="0" eaLnBrk="1" latinLnBrk="0" hangingPunct="1">
+              <a:spcBef>
+                <a:spcPct val="20000"/>
+              </a:spcBef>
+              <a:buFont typeface="Arial"/>
+              <a:buNone/>
+              <a:defRPr sz="2400" kern="1200">
+                <a:solidFill>
+                  <a:schemeClr val="tx1"/>
+                </a:solidFill>
+                <a:latin typeface="+mn-lt"/>
+                <a:ea typeface="+mn-ea"/>
+                <a:cs typeface="+mn-cs"/>
+              </a:defRPr>
+            </a:lvl3pPr>
+            <a:lvl4pPr marL="1371600" indent="0" algn="l" defTabSz="457200" rtl="0" eaLnBrk="1" latinLnBrk="0" hangingPunct="1">
+              <a:spcBef>
+                <a:spcPct val="20000"/>
+              </a:spcBef>
+              <a:buFont typeface="Arial"/>
+              <a:buNone/>
+              <a:defRPr sz="2400" kern="1200">
+                <a:solidFill>
+                  <a:schemeClr val="tx1"/>
+                </a:solidFill>
+                <a:latin typeface="+mn-lt"/>
+                <a:ea typeface="+mn-ea"/>
+                <a:cs typeface="+mn-cs"/>
+              </a:defRPr>
+            </a:lvl4pPr>
+            <a:lvl5pPr marL="1828800" indent="0" algn="l" defTabSz="457200" rtl="0" eaLnBrk="1" latinLnBrk="0" hangingPunct="1">
+              <a:spcBef>
+                <a:spcPct val="20000"/>
+              </a:spcBef>
+              <a:buFont typeface="Arial"/>
+              <a:buNone/>
+              <a:defRPr sz="2400" kern="1200">
+                <a:solidFill>
+                  <a:schemeClr val="tx1"/>
+                </a:solidFill>
+                <a:latin typeface="+mn-lt"/>
+                <a:ea typeface="+mn-ea"/>
+                <a:cs typeface="+mn-cs"/>
+              </a:defRPr>
+            </a:lvl5pPr>
+            <a:lvl6pPr marL="2514600" indent="-228600" algn="l" defTabSz="457200" rtl="0" eaLnBrk="1" latinLnBrk="0" hangingPunct="1">
+              <a:spcBef>
+                <a:spcPct val="20000"/>
+              </a:spcBef>
+              <a:buFont typeface="Arial"/>
+              <a:buChar char="•"/>
+              <a:defRPr sz="2000" kern="1200">
+                <a:solidFill>
+                  <a:schemeClr val="tx1"/>
+                </a:solidFill>
+                <a:latin typeface="+mn-lt"/>
+                <a:ea typeface="+mn-ea"/>
+                <a:cs typeface="+mn-cs"/>
+              </a:defRPr>
+            </a:lvl6pPr>
+            <a:lvl7pPr marL="2971800" indent="-228600" algn="l" defTabSz="457200" rtl="0" eaLnBrk="1" latinLnBrk="0" hangingPunct="1">
+              <a:spcBef>
+                <a:spcPct val="20000"/>
+              </a:spcBef>
+              <a:buFont typeface="Arial"/>
+              <a:buChar char="•"/>
+              <a:defRPr sz="2000" kern="1200">
+                <a:solidFill>
+                  <a:schemeClr val="tx1"/>
+                </a:solidFill>
+                <a:latin typeface="+mn-lt"/>
+                <a:ea typeface="+mn-ea"/>
+                <a:cs typeface="+mn-cs"/>
+              </a:defRPr>
+            </a:lvl7pPr>
+            <a:lvl8pPr marL="3429000" indent="-228600" algn="l" defTabSz="457200" rtl="0" eaLnBrk="1" latinLnBrk="0" hangingPunct="1">
+              <a:spcBef>
+                <a:spcPct val="20000"/>
+              </a:spcBef>
+              <a:buFont typeface="Arial"/>
+              <a:buChar char="•"/>
+              <a:defRPr sz="2000" kern="1200">
+                <a:solidFill>
+                  <a:schemeClr val="tx1"/>
+                </a:solidFill>
+                <a:latin typeface="+mn-lt"/>
+                <a:ea typeface="+mn-ea"/>
+                <a:cs typeface="+mn-cs"/>
+              </a:defRPr>
+            </a:lvl8pPr>
+            <a:lvl9pPr marL="3886200" indent="-228600" algn="l" defTabSz="457200" rtl="0" eaLnBrk="1" latinLnBrk="0" hangingPunct="1">
+              <a:spcBef>
+                <a:spcPct val="20000"/>
+              </a:spcBef>
+              <a:buFont typeface="Arial"/>
+              <a:buChar char="•"/>
+              <a:defRPr sz="2000" kern="1200">
+                <a:solidFill>
+                  <a:schemeClr val="tx1"/>
+                </a:solidFill>
+                <a:latin typeface="+mn-lt"/>
+                <a:ea typeface="+mn-ea"/>
+                <a:cs typeface="+mn-cs"/>
+              </a:defRPr>
+            </a:lvl9pPr>
+          </a:lstStyle>
+          <a:p>
+            <a:pPr marL="342900" indent="-342900">
+              <a:buFont typeface="Arial"/>
+              <a:buChar char="•"/>
+            </a:pPr>
+            <a:endParaRPr lang="en-GB" sz="2000" dirty="0">
+              <a:latin typeface="Arial"/>
+              <a:cs typeface="Arial"/>
+            </a:endParaRPr>
+          </a:p>
+          <a:p>
+            <a:pPr marL="342900" indent="-342900">
+              <a:buFont typeface="Arial"/>
+              <a:buChar char="•"/>
+            </a:pPr>
+            <a:endParaRPr lang="en-GB" sz="2000" dirty="0">
+              <a:latin typeface="Arial"/>
+              <a:cs typeface="Arial"/>
+            </a:endParaRPr>
+          </a:p>
+          <a:p>
+            <a:pPr marL="342900" indent="-342900">
+              <a:buFont typeface="Arial"/>
+              <a:buChar char="•"/>
+            </a:pPr>
+            <a:endParaRPr lang="en-GB" sz="2000" dirty="0">
+              <a:latin typeface="Arial"/>
+              <a:cs typeface="Arial"/>
+            </a:endParaRPr>
+          </a:p>
+          <a:p>
+            <a:pPr marL="342900" indent="-342900">
+              <a:buFont typeface="Arial"/>
+              <a:buChar char="•"/>
+            </a:pPr>
+            <a:endParaRPr lang="en-GB" sz="2000" dirty="0">
+              <a:latin typeface="Arial"/>
+              <a:cs typeface="Arial"/>
+            </a:endParaRPr>
+          </a:p>
+        </p:txBody>
+      </p:sp>
+      <p:pic>
+        <p:nvPicPr>
+          <p:cNvPr id="4" name="Picture 3">
+            <a:extLst>
+              <a:ext uri="{FF2B5EF4-FFF2-40B4-BE49-F238E27FC236}">
+                <a16:creationId xmlns:a16="http://schemas.microsoft.com/office/drawing/2014/main" id="{7D851FE5-8189-4072-B12F-A24B87B7AAFF}"/>
+              </a:ext>
+            </a:extLst>
+          </p:cNvPr>
+          <p:cNvPicPr>
+            <a:picLocks noChangeAspect="1"/>
+          </p:cNvPicPr>
+          <p:nvPr/>
+        </p:nvPicPr>
+        <p:blipFill rotWithShape="1">
+          <a:blip r:embed="rId4"/>
+          <a:srcRect t="-1" b="-1946"/>
+          <a:stretch/>
+        </p:blipFill>
+        <p:spPr>
+          <a:xfrm>
+            <a:off x="4673371" y="3581502"/>
+            <a:ext cx="3741992" cy="1117872"/>
+          </a:xfrm>
+          <a:prstGeom prst="rect">
+            <a:avLst/>
+          </a:prstGeom>
+        </p:spPr>
+      </p:pic>
+      <p:pic>
+        <p:nvPicPr>
+          <p:cNvPr id="5" name="Picture 4">
+            <a:extLst>
+              <a:ext uri="{FF2B5EF4-FFF2-40B4-BE49-F238E27FC236}">
+                <a16:creationId xmlns:a16="http://schemas.microsoft.com/office/drawing/2014/main" id="{ABDD66B2-7489-4BE1-A31C-EE43E1EC462D}"/>
+              </a:ext>
+            </a:extLst>
+          </p:cNvPr>
+          <p:cNvPicPr>
+            <a:picLocks noChangeAspect="1"/>
+          </p:cNvPicPr>
+          <p:nvPr/>
+        </p:nvPicPr>
+        <p:blipFill>
+          <a:blip r:embed="rId5"/>
+          <a:stretch>
+            <a:fillRect/>
+          </a:stretch>
+        </p:blipFill>
+        <p:spPr>
+          <a:xfrm>
+            <a:off x="516375" y="931251"/>
+            <a:ext cx="4156996" cy="1463675"/>
+          </a:xfrm>
+          <a:prstGeom prst="rect">
+            <a:avLst/>
+          </a:prstGeom>
+        </p:spPr>
+      </p:pic>
+      <p:pic>
+        <p:nvPicPr>
+          <p:cNvPr id="7" name="Picture 6">
+            <a:extLst>
+              <a:ext uri="{FF2B5EF4-FFF2-40B4-BE49-F238E27FC236}">
+                <a16:creationId xmlns:a16="http://schemas.microsoft.com/office/drawing/2014/main" id="{9476C6E6-6C22-4103-85B4-37F1475585F0}"/>
+              </a:ext>
+            </a:extLst>
+          </p:cNvPr>
+          <p:cNvPicPr>
+            <a:picLocks noChangeAspect="1"/>
+          </p:cNvPicPr>
+          <p:nvPr/>
+        </p:nvPicPr>
+        <p:blipFill>
+          <a:blip r:embed="rId6"/>
+          <a:stretch>
+            <a:fillRect/>
+          </a:stretch>
+        </p:blipFill>
+        <p:spPr>
+          <a:xfrm>
+            <a:off x="2319184" y="2519428"/>
+            <a:ext cx="4455692" cy="942257"/>
+          </a:xfrm>
+          <a:prstGeom prst="rect">
+            <a:avLst/>
+          </a:prstGeom>
+        </p:spPr>
+      </p:pic>
+    </p:spTree>
+    <p:extLst>
+      <p:ext uri="{BB962C8B-B14F-4D97-AF65-F5344CB8AC3E}">
+        <p14:creationId xmlns:p14="http://schemas.microsoft.com/office/powerpoint/2010/main" val="3894120066"/>
       </p:ext>
     </p:extLst>
   </p:cSld>
@@ -33693,7 +33355,7 @@
           <a:p>
             <a:r>
               <a:rPr lang="en-GB" dirty="0"/>
-              <a:t>Dictionaries Puzzles Solutions</a:t>
+              <a:t>Manipulating Dictionaries</a:t>
             </a:r>
           </a:p>
         </p:txBody>
@@ -33773,8 +33435,8 @@
         </p:nvSpPr>
         <p:spPr>
           <a:xfrm>
-            <a:off x="237061" y="712956"/>
-            <a:ext cx="8619938" cy="4295797"/>
+            <a:off x="237061" y="712957"/>
+            <a:ext cx="8619938" cy="2749572"/>
           </a:xfrm>
           <a:prstGeom prst="rect">
             <a:avLst/>
@@ -33924,10 +33586,13 @@
               <a:buFont typeface="Arial"/>
               <a:buChar char="•"/>
             </a:pPr>
-            <a:endParaRPr lang="en-GB" sz="2000" dirty="0">
-              <a:latin typeface="Arial"/>
-              <a:cs typeface="Arial"/>
-            </a:endParaRPr>
+            <a:r>
+              <a:rPr lang="en-GB" sz="2000" dirty="0">
+                <a:latin typeface="Arial"/>
+                <a:cs typeface="Arial"/>
+              </a:rPr>
+              <a:t>Just as with lists we can…</a:t>
+            </a:r>
           </a:p>
           <a:p>
             <a:pPr marL="342900" indent="-342900">
@@ -33959,6 +33624,536 @@
               <a:cs typeface="Arial"/>
             </a:endParaRPr>
           </a:p>
+          <a:p>
+            <a:pPr marL="342900" indent="-342900">
+              <a:buFont typeface="Arial"/>
+              <a:buChar char="•"/>
+            </a:pPr>
+            <a:endParaRPr lang="en-GB" sz="2000" dirty="0">
+              <a:latin typeface="Arial"/>
+              <a:cs typeface="Arial"/>
+            </a:endParaRPr>
+          </a:p>
+          <a:p>
+            <a:pPr marL="342900" indent="-342900">
+              <a:buFont typeface="Arial"/>
+              <a:buChar char="•"/>
+            </a:pPr>
+            <a:endParaRPr lang="en-GB" sz="2000" dirty="0">
+              <a:latin typeface="Arial"/>
+              <a:cs typeface="Arial"/>
+            </a:endParaRPr>
+          </a:p>
+          <a:p>
+            <a:pPr marL="342900" indent="-342900">
+              <a:buFont typeface="Arial"/>
+              <a:buChar char="•"/>
+            </a:pPr>
+            <a:endParaRPr lang="en-GB" sz="2000" dirty="0">
+              <a:latin typeface="Arial"/>
+              <a:cs typeface="Arial"/>
+            </a:endParaRPr>
+          </a:p>
+          <a:p>
+            <a:pPr marL="342900" indent="-342900">
+              <a:buFont typeface="Arial"/>
+              <a:buChar char="•"/>
+            </a:pPr>
+            <a:endParaRPr lang="en-GB" sz="2000" dirty="0">
+              <a:latin typeface="Arial"/>
+              <a:cs typeface="Arial"/>
+            </a:endParaRPr>
+          </a:p>
+        </p:txBody>
+      </p:sp>
+      <p:sp>
+        <p:nvSpPr>
+          <p:cNvPr id="9" name="Text Placeholder 2">
+            <a:extLst>
+              <a:ext uri="{FF2B5EF4-FFF2-40B4-BE49-F238E27FC236}">
+                <a16:creationId xmlns:a16="http://schemas.microsoft.com/office/drawing/2014/main" id="{691CF701-DFB4-4A3E-87BC-9675F593B146}"/>
+              </a:ext>
+            </a:extLst>
+          </p:cNvPr>
+          <p:cNvSpPr txBox="1">
+            <a:spLocks/>
+          </p:cNvSpPr>
+          <p:nvPr/>
+        </p:nvSpPr>
+        <p:spPr>
+          <a:xfrm>
+            <a:off x="5147663" y="2109738"/>
+            <a:ext cx="2928304" cy="2462457"/>
+          </a:xfrm>
+          <a:prstGeom prst="rect">
+            <a:avLst/>
+          </a:prstGeom>
+        </p:spPr>
+        <p:txBody>
+          <a:bodyPr vert="horz" anchor="t"/>
+          <a:lstStyle>
+            <a:lvl1pPr marL="0" indent="0" algn="l" defTabSz="457200" rtl="0" eaLnBrk="1" latinLnBrk="0" hangingPunct="1">
+              <a:spcBef>
+                <a:spcPts val="0"/>
+              </a:spcBef>
+              <a:buFont typeface="Arial"/>
+              <a:buNone/>
+              <a:defRPr sz="2400" kern="1200" baseline="0">
+                <a:solidFill>
+                  <a:schemeClr val="tx1"/>
+                </a:solidFill>
+                <a:latin typeface="Arial" pitchFamily="34" charset="0"/>
+                <a:ea typeface="+mn-ea"/>
+                <a:cs typeface="Arial" pitchFamily="34" charset="0"/>
+              </a:defRPr>
+            </a:lvl1pPr>
+            <a:lvl2pPr marL="457200" indent="0" algn="l" defTabSz="457200" rtl="0" eaLnBrk="1" latinLnBrk="0" hangingPunct="1">
+              <a:spcBef>
+                <a:spcPct val="20000"/>
+              </a:spcBef>
+              <a:buFont typeface="Arial"/>
+              <a:buNone/>
+              <a:defRPr sz="2400" kern="1200">
+                <a:solidFill>
+                  <a:schemeClr val="tx1"/>
+                </a:solidFill>
+                <a:latin typeface="+mn-lt"/>
+                <a:ea typeface="+mn-ea"/>
+                <a:cs typeface="+mn-cs"/>
+              </a:defRPr>
+            </a:lvl2pPr>
+            <a:lvl3pPr marL="914400" indent="0" algn="l" defTabSz="457200" rtl="0" eaLnBrk="1" latinLnBrk="0" hangingPunct="1">
+              <a:spcBef>
+                <a:spcPct val="20000"/>
+              </a:spcBef>
+              <a:buFont typeface="Arial"/>
+              <a:buNone/>
+              <a:defRPr sz="2400" kern="1200">
+                <a:solidFill>
+                  <a:schemeClr val="tx1"/>
+                </a:solidFill>
+                <a:latin typeface="+mn-lt"/>
+                <a:ea typeface="+mn-ea"/>
+                <a:cs typeface="+mn-cs"/>
+              </a:defRPr>
+            </a:lvl3pPr>
+            <a:lvl4pPr marL="1371600" indent="0" algn="l" defTabSz="457200" rtl="0" eaLnBrk="1" latinLnBrk="0" hangingPunct="1">
+              <a:spcBef>
+                <a:spcPct val="20000"/>
+              </a:spcBef>
+              <a:buFont typeface="Arial"/>
+              <a:buNone/>
+              <a:defRPr sz="2400" kern="1200">
+                <a:solidFill>
+                  <a:schemeClr val="tx1"/>
+                </a:solidFill>
+                <a:latin typeface="+mn-lt"/>
+                <a:ea typeface="+mn-ea"/>
+                <a:cs typeface="+mn-cs"/>
+              </a:defRPr>
+            </a:lvl4pPr>
+            <a:lvl5pPr marL="1828800" indent="0" algn="l" defTabSz="457200" rtl="0" eaLnBrk="1" latinLnBrk="0" hangingPunct="1">
+              <a:spcBef>
+                <a:spcPct val="20000"/>
+              </a:spcBef>
+              <a:buFont typeface="Arial"/>
+              <a:buNone/>
+              <a:defRPr sz="2400" kern="1200">
+                <a:solidFill>
+                  <a:schemeClr val="tx1"/>
+                </a:solidFill>
+                <a:latin typeface="+mn-lt"/>
+                <a:ea typeface="+mn-ea"/>
+                <a:cs typeface="+mn-cs"/>
+              </a:defRPr>
+            </a:lvl5pPr>
+            <a:lvl6pPr marL="2514600" indent="-228600" algn="l" defTabSz="457200" rtl="0" eaLnBrk="1" latinLnBrk="0" hangingPunct="1">
+              <a:spcBef>
+                <a:spcPct val="20000"/>
+              </a:spcBef>
+              <a:buFont typeface="Arial"/>
+              <a:buChar char="•"/>
+              <a:defRPr sz="2000" kern="1200">
+                <a:solidFill>
+                  <a:schemeClr val="tx1"/>
+                </a:solidFill>
+                <a:latin typeface="+mn-lt"/>
+                <a:ea typeface="+mn-ea"/>
+                <a:cs typeface="+mn-cs"/>
+              </a:defRPr>
+            </a:lvl6pPr>
+            <a:lvl7pPr marL="2971800" indent="-228600" algn="l" defTabSz="457200" rtl="0" eaLnBrk="1" latinLnBrk="0" hangingPunct="1">
+              <a:spcBef>
+                <a:spcPct val="20000"/>
+              </a:spcBef>
+              <a:buFont typeface="Arial"/>
+              <a:buChar char="•"/>
+              <a:defRPr sz="2000" kern="1200">
+                <a:solidFill>
+                  <a:schemeClr val="tx1"/>
+                </a:solidFill>
+                <a:latin typeface="+mn-lt"/>
+                <a:ea typeface="+mn-ea"/>
+                <a:cs typeface="+mn-cs"/>
+              </a:defRPr>
+            </a:lvl7pPr>
+            <a:lvl8pPr marL="3429000" indent="-228600" algn="l" defTabSz="457200" rtl="0" eaLnBrk="1" latinLnBrk="0" hangingPunct="1">
+              <a:spcBef>
+                <a:spcPct val="20000"/>
+              </a:spcBef>
+              <a:buFont typeface="Arial"/>
+              <a:buChar char="•"/>
+              <a:defRPr sz="2000" kern="1200">
+                <a:solidFill>
+                  <a:schemeClr val="tx1"/>
+                </a:solidFill>
+                <a:latin typeface="+mn-lt"/>
+                <a:ea typeface="+mn-ea"/>
+                <a:cs typeface="+mn-cs"/>
+              </a:defRPr>
+            </a:lvl8pPr>
+            <a:lvl9pPr marL="3886200" indent="-228600" algn="l" defTabSz="457200" rtl="0" eaLnBrk="1" latinLnBrk="0" hangingPunct="1">
+              <a:spcBef>
+                <a:spcPct val="20000"/>
+              </a:spcBef>
+              <a:buFont typeface="Arial"/>
+              <a:buChar char="•"/>
+              <a:defRPr sz="2000" kern="1200">
+                <a:solidFill>
+                  <a:schemeClr val="tx1"/>
+                </a:solidFill>
+                <a:latin typeface="+mn-lt"/>
+                <a:ea typeface="+mn-ea"/>
+                <a:cs typeface="+mn-cs"/>
+              </a:defRPr>
+            </a:lvl9pPr>
+          </a:lstStyle>
+          <a:p>
+            <a:pPr marL="342900" indent="-342900">
+              <a:buFont typeface="Arial"/>
+              <a:buChar char="•"/>
+            </a:pPr>
+            <a:r>
+              <a:rPr lang="en-GB" sz="1400" dirty="0">
+                <a:latin typeface="Arial"/>
+                <a:cs typeface="Arial"/>
+              </a:rPr>
+              <a:t>Overwrite a value</a:t>
+            </a:r>
+          </a:p>
+          <a:p>
+            <a:pPr marL="342900" indent="-342900">
+              <a:buFont typeface="Arial"/>
+              <a:buChar char="•"/>
+            </a:pPr>
+            <a:endParaRPr lang="en-GB" sz="1400" dirty="0">
+              <a:latin typeface="Arial"/>
+              <a:cs typeface="Arial"/>
+            </a:endParaRPr>
+          </a:p>
+          <a:p>
+            <a:pPr marL="342900" indent="-342900">
+              <a:buFont typeface="Arial"/>
+              <a:buChar char="•"/>
+            </a:pPr>
+            <a:endParaRPr lang="en-GB" sz="1400" dirty="0">
+              <a:latin typeface="Arial"/>
+              <a:cs typeface="Arial"/>
+            </a:endParaRPr>
+          </a:p>
+          <a:p>
+            <a:pPr marL="342900" indent="-342900">
+              <a:buFont typeface="Arial"/>
+              <a:buChar char="•"/>
+            </a:pPr>
+            <a:endParaRPr lang="en-GB" sz="1400" dirty="0">
+              <a:latin typeface="Arial"/>
+              <a:cs typeface="Arial"/>
+            </a:endParaRPr>
+          </a:p>
+          <a:p>
+            <a:pPr marL="342900" indent="-342900">
+              <a:buFont typeface="Arial"/>
+              <a:buChar char="•"/>
+            </a:pPr>
+            <a:endParaRPr lang="en-GB" sz="1400" dirty="0">
+              <a:latin typeface="Arial"/>
+              <a:cs typeface="Arial"/>
+            </a:endParaRPr>
+          </a:p>
+          <a:p>
+            <a:pPr marL="342900" indent="-342900">
+              <a:buFont typeface="Arial"/>
+              <a:buChar char="•"/>
+            </a:pPr>
+            <a:endParaRPr lang="en-GB" sz="1400" dirty="0">
+              <a:latin typeface="Arial"/>
+              <a:cs typeface="Arial"/>
+            </a:endParaRPr>
+          </a:p>
+          <a:p>
+            <a:pPr marL="342900" indent="-342900">
+              <a:buFont typeface="Arial"/>
+              <a:buChar char="•"/>
+            </a:pPr>
+            <a:endParaRPr lang="en-GB" sz="1400" dirty="0">
+              <a:latin typeface="Arial"/>
+              <a:cs typeface="Arial"/>
+            </a:endParaRPr>
+          </a:p>
+          <a:p>
+            <a:pPr marL="342900" indent="-342900">
+              <a:buFont typeface="Arial"/>
+              <a:buChar char="•"/>
+            </a:pPr>
+            <a:r>
+              <a:rPr lang="en-GB" sz="1400" dirty="0">
+                <a:latin typeface="Arial"/>
+                <a:cs typeface="Arial"/>
+              </a:rPr>
+              <a:t>Deleting an item by value is a bit tougher — we will look at doing this in the homework sheet </a:t>
+            </a:r>
+          </a:p>
+        </p:txBody>
+      </p:sp>
+      <p:sp>
+        <p:nvSpPr>
+          <p:cNvPr id="13" name="Text Placeholder 2">
+            <a:extLst>
+              <a:ext uri="{FF2B5EF4-FFF2-40B4-BE49-F238E27FC236}">
+                <a16:creationId xmlns:a16="http://schemas.microsoft.com/office/drawing/2014/main" id="{B49F9675-3016-456A-9429-C7A31BF54FAD}"/>
+              </a:ext>
+            </a:extLst>
+          </p:cNvPr>
+          <p:cNvSpPr txBox="1">
+            <a:spLocks/>
+          </p:cNvSpPr>
+          <p:nvPr/>
+        </p:nvSpPr>
+        <p:spPr>
+          <a:xfrm>
+            <a:off x="768431" y="2135825"/>
+            <a:ext cx="4168640" cy="2462457"/>
+          </a:xfrm>
+          <a:prstGeom prst="rect">
+            <a:avLst/>
+          </a:prstGeom>
+        </p:spPr>
+        <p:txBody>
+          <a:bodyPr vert="horz" anchor="t"/>
+          <a:lstStyle>
+            <a:lvl1pPr marL="0" indent="0" algn="l" defTabSz="457200" rtl="0" eaLnBrk="1" latinLnBrk="0" hangingPunct="1">
+              <a:spcBef>
+                <a:spcPts val="0"/>
+              </a:spcBef>
+              <a:buFont typeface="Arial"/>
+              <a:buNone/>
+              <a:defRPr sz="2400" kern="1200" baseline="0">
+                <a:solidFill>
+                  <a:schemeClr val="tx1"/>
+                </a:solidFill>
+                <a:latin typeface="Arial" pitchFamily="34" charset="0"/>
+                <a:ea typeface="+mn-ea"/>
+                <a:cs typeface="Arial" pitchFamily="34" charset="0"/>
+              </a:defRPr>
+            </a:lvl1pPr>
+            <a:lvl2pPr marL="457200" indent="0" algn="l" defTabSz="457200" rtl="0" eaLnBrk="1" latinLnBrk="0" hangingPunct="1">
+              <a:spcBef>
+                <a:spcPct val="20000"/>
+              </a:spcBef>
+              <a:buFont typeface="Arial"/>
+              <a:buNone/>
+              <a:defRPr sz="2400" kern="1200">
+                <a:solidFill>
+                  <a:schemeClr val="tx1"/>
+                </a:solidFill>
+                <a:latin typeface="+mn-lt"/>
+                <a:ea typeface="+mn-ea"/>
+                <a:cs typeface="+mn-cs"/>
+              </a:defRPr>
+            </a:lvl2pPr>
+            <a:lvl3pPr marL="914400" indent="0" algn="l" defTabSz="457200" rtl="0" eaLnBrk="1" latinLnBrk="0" hangingPunct="1">
+              <a:spcBef>
+                <a:spcPct val="20000"/>
+              </a:spcBef>
+              <a:buFont typeface="Arial"/>
+              <a:buNone/>
+              <a:defRPr sz="2400" kern="1200">
+                <a:solidFill>
+                  <a:schemeClr val="tx1"/>
+                </a:solidFill>
+                <a:latin typeface="+mn-lt"/>
+                <a:ea typeface="+mn-ea"/>
+                <a:cs typeface="+mn-cs"/>
+              </a:defRPr>
+            </a:lvl3pPr>
+            <a:lvl4pPr marL="1371600" indent="0" algn="l" defTabSz="457200" rtl="0" eaLnBrk="1" latinLnBrk="0" hangingPunct="1">
+              <a:spcBef>
+                <a:spcPct val="20000"/>
+              </a:spcBef>
+              <a:buFont typeface="Arial"/>
+              <a:buNone/>
+              <a:defRPr sz="2400" kern="1200">
+                <a:solidFill>
+                  <a:schemeClr val="tx1"/>
+                </a:solidFill>
+                <a:latin typeface="+mn-lt"/>
+                <a:ea typeface="+mn-ea"/>
+                <a:cs typeface="+mn-cs"/>
+              </a:defRPr>
+            </a:lvl4pPr>
+            <a:lvl5pPr marL="1828800" indent="0" algn="l" defTabSz="457200" rtl="0" eaLnBrk="1" latinLnBrk="0" hangingPunct="1">
+              <a:spcBef>
+                <a:spcPct val="20000"/>
+              </a:spcBef>
+              <a:buFont typeface="Arial"/>
+              <a:buNone/>
+              <a:defRPr sz="2400" kern="1200">
+                <a:solidFill>
+                  <a:schemeClr val="tx1"/>
+                </a:solidFill>
+                <a:latin typeface="+mn-lt"/>
+                <a:ea typeface="+mn-ea"/>
+                <a:cs typeface="+mn-cs"/>
+              </a:defRPr>
+            </a:lvl5pPr>
+            <a:lvl6pPr marL="2514600" indent="-228600" algn="l" defTabSz="457200" rtl="0" eaLnBrk="1" latinLnBrk="0" hangingPunct="1">
+              <a:spcBef>
+                <a:spcPct val="20000"/>
+              </a:spcBef>
+              <a:buFont typeface="Arial"/>
+              <a:buChar char="•"/>
+              <a:defRPr sz="2000" kern="1200">
+                <a:solidFill>
+                  <a:schemeClr val="tx1"/>
+                </a:solidFill>
+                <a:latin typeface="+mn-lt"/>
+                <a:ea typeface="+mn-ea"/>
+                <a:cs typeface="+mn-cs"/>
+              </a:defRPr>
+            </a:lvl6pPr>
+            <a:lvl7pPr marL="2971800" indent="-228600" algn="l" defTabSz="457200" rtl="0" eaLnBrk="1" latinLnBrk="0" hangingPunct="1">
+              <a:spcBef>
+                <a:spcPct val="20000"/>
+              </a:spcBef>
+              <a:buFont typeface="Arial"/>
+              <a:buChar char="•"/>
+              <a:defRPr sz="2000" kern="1200">
+                <a:solidFill>
+                  <a:schemeClr val="tx1"/>
+                </a:solidFill>
+                <a:latin typeface="+mn-lt"/>
+                <a:ea typeface="+mn-ea"/>
+                <a:cs typeface="+mn-cs"/>
+              </a:defRPr>
+            </a:lvl7pPr>
+            <a:lvl8pPr marL="3429000" indent="-228600" algn="l" defTabSz="457200" rtl="0" eaLnBrk="1" latinLnBrk="0" hangingPunct="1">
+              <a:spcBef>
+                <a:spcPct val="20000"/>
+              </a:spcBef>
+              <a:buFont typeface="Arial"/>
+              <a:buChar char="•"/>
+              <a:defRPr sz="2000" kern="1200">
+                <a:solidFill>
+                  <a:schemeClr val="tx1"/>
+                </a:solidFill>
+                <a:latin typeface="+mn-lt"/>
+                <a:ea typeface="+mn-ea"/>
+                <a:cs typeface="+mn-cs"/>
+              </a:defRPr>
+            </a:lvl8pPr>
+            <a:lvl9pPr marL="3886200" indent="-228600" algn="l" defTabSz="457200" rtl="0" eaLnBrk="1" latinLnBrk="0" hangingPunct="1">
+              <a:spcBef>
+                <a:spcPct val="20000"/>
+              </a:spcBef>
+              <a:buFont typeface="Arial"/>
+              <a:buChar char="•"/>
+              <a:defRPr sz="2000" kern="1200">
+                <a:solidFill>
+                  <a:schemeClr val="tx1"/>
+                </a:solidFill>
+                <a:latin typeface="+mn-lt"/>
+                <a:ea typeface="+mn-ea"/>
+                <a:cs typeface="+mn-cs"/>
+              </a:defRPr>
+            </a:lvl9pPr>
+          </a:lstStyle>
+          <a:p>
+            <a:pPr marL="342900" indent="-342900">
+              <a:buFont typeface="Arial"/>
+              <a:buChar char="•"/>
+            </a:pPr>
+            <a:r>
+              <a:rPr lang="en-GB" sz="1400" dirty="0">
+                <a:latin typeface="Arial"/>
+                <a:cs typeface="Arial"/>
+              </a:rPr>
+              <a:t>Add a new item</a:t>
+            </a:r>
+          </a:p>
+          <a:p>
+            <a:pPr marL="342900" indent="-342900">
+              <a:buFont typeface="Arial"/>
+              <a:buChar char="•"/>
+            </a:pPr>
+            <a:endParaRPr lang="en-GB" sz="1400" dirty="0">
+              <a:latin typeface="Arial"/>
+              <a:cs typeface="Arial"/>
+            </a:endParaRPr>
+          </a:p>
+          <a:p>
+            <a:pPr marL="342900" indent="-342900">
+              <a:buFont typeface="Arial"/>
+              <a:buChar char="•"/>
+            </a:pPr>
+            <a:endParaRPr lang="en-GB" sz="1400" dirty="0">
+              <a:latin typeface="Arial"/>
+              <a:cs typeface="Arial"/>
+            </a:endParaRPr>
+          </a:p>
+          <a:p>
+            <a:pPr marL="342900" indent="-342900">
+              <a:buFont typeface="Arial"/>
+              <a:buChar char="•"/>
+            </a:pPr>
+            <a:endParaRPr lang="en-GB" sz="1400" dirty="0">
+              <a:latin typeface="Arial"/>
+              <a:cs typeface="Arial"/>
+            </a:endParaRPr>
+          </a:p>
+          <a:p>
+            <a:pPr marL="342900" indent="-342900">
+              <a:buFont typeface="Arial"/>
+              <a:buChar char="•"/>
+            </a:pPr>
+            <a:endParaRPr lang="en-GB" sz="1400" dirty="0">
+              <a:latin typeface="Arial"/>
+              <a:cs typeface="Arial"/>
+            </a:endParaRPr>
+          </a:p>
+          <a:p>
+            <a:pPr marL="342900" indent="-342900">
+              <a:buFont typeface="Arial"/>
+              <a:buChar char="•"/>
+            </a:pPr>
+            <a:endParaRPr lang="en-GB" sz="1400" dirty="0">
+              <a:latin typeface="Arial"/>
+              <a:cs typeface="Arial"/>
+            </a:endParaRPr>
+          </a:p>
+          <a:p>
+            <a:pPr marL="342900" indent="-342900">
+              <a:buFont typeface="Arial"/>
+              <a:buChar char="•"/>
+            </a:pPr>
+            <a:r>
+              <a:rPr lang="en-GB" sz="1400" dirty="0">
+                <a:latin typeface="Arial"/>
+                <a:cs typeface="Arial"/>
+              </a:rPr>
+              <a:t>Delete an item by key</a:t>
+            </a:r>
+          </a:p>
         </p:txBody>
       </p:sp>
       <p:pic>
@@ -33966,7 +34161,7 @@
           <p:cNvPr id="4" name="Picture 3">
             <a:extLst>
               <a:ext uri="{FF2B5EF4-FFF2-40B4-BE49-F238E27FC236}">
-                <a16:creationId xmlns:a16="http://schemas.microsoft.com/office/drawing/2014/main" id="{7D851FE5-8189-4072-B12F-A24B87B7AAFF}"/>
+                <a16:creationId xmlns:a16="http://schemas.microsoft.com/office/drawing/2014/main" id="{3FD2770E-8D78-4B1F-95E7-D3596376F277}"/>
               </a:ext>
             </a:extLst>
           </p:cNvPr>
@@ -33975,15 +34170,16 @@
           </p:cNvPicPr>
           <p:nvPr/>
         </p:nvPicPr>
-        <p:blipFill rotWithShape="1">
+        <p:blipFill>
           <a:blip r:embed="rId4"/>
-          <a:srcRect t="-1" b="-1946"/>
-          <a:stretch/>
+          <a:stretch>
+            <a:fillRect/>
+          </a:stretch>
         </p:blipFill>
         <p:spPr>
           <a:xfrm>
-            <a:off x="4673371" y="3581502"/>
-            <a:ext cx="3741992" cy="1117872"/>
+            <a:off x="2464566" y="1357637"/>
+            <a:ext cx="4168641" cy="483464"/>
           </a:xfrm>
           <a:prstGeom prst="rect">
             <a:avLst/>
@@ -33992,10 +34188,10 @@
       </p:pic>
       <p:pic>
         <p:nvPicPr>
-          <p:cNvPr id="5" name="Picture 4">
+          <p:cNvPr id="7" name="Picture 6">
             <a:extLst>
               <a:ext uri="{FF2B5EF4-FFF2-40B4-BE49-F238E27FC236}">
-                <a16:creationId xmlns:a16="http://schemas.microsoft.com/office/drawing/2014/main" id="{ABDD66B2-7489-4BE1-A31C-EE43E1EC462D}"/>
+                <a16:creationId xmlns:a16="http://schemas.microsoft.com/office/drawing/2014/main" id="{F5333401-0C60-40D7-BA94-AD1ECB9122A2}"/>
               </a:ext>
             </a:extLst>
           </p:cNvPr>
@@ -34012,8 +34208,8 @@
         </p:blipFill>
         <p:spPr>
           <a:xfrm>
-            <a:off x="516375" y="931251"/>
-            <a:ext cx="4156996" cy="1463675"/>
+            <a:off x="1378214" y="2510165"/>
+            <a:ext cx="2583093" cy="826198"/>
           </a:xfrm>
           <a:prstGeom prst="rect">
             <a:avLst/>
@@ -34022,10 +34218,10 @@
       </p:pic>
       <p:pic>
         <p:nvPicPr>
-          <p:cNvPr id="7" name="Picture 6">
+          <p:cNvPr id="8" name="Picture 7">
             <a:extLst>
               <a:ext uri="{FF2B5EF4-FFF2-40B4-BE49-F238E27FC236}">
-                <a16:creationId xmlns:a16="http://schemas.microsoft.com/office/drawing/2014/main" id="{9476C6E6-6C22-4103-85B4-37F1475585F0}"/>
+                <a16:creationId xmlns:a16="http://schemas.microsoft.com/office/drawing/2014/main" id="{7F16399D-6BA8-46E9-901C-BFEE279AA2B4}"/>
               </a:ext>
             </a:extLst>
           </p:cNvPr>
@@ -34042,8 +34238,38 @@
         </p:blipFill>
         <p:spPr>
           <a:xfrm>
-            <a:off x="2319184" y="2519428"/>
-            <a:ext cx="4455692" cy="942257"/>
+            <a:off x="1378214" y="3773724"/>
+            <a:ext cx="1443805" cy="824558"/>
+          </a:xfrm>
+          <a:prstGeom prst="rect">
+            <a:avLst/>
+          </a:prstGeom>
+        </p:spPr>
+      </p:pic>
+      <p:pic>
+        <p:nvPicPr>
+          <p:cNvPr id="14" name="Picture 13">
+            <a:extLst>
+              <a:ext uri="{FF2B5EF4-FFF2-40B4-BE49-F238E27FC236}">
+                <a16:creationId xmlns:a16="http://schemas.microsoft.com/office/drawing/2014/main" id="{38ECDF29-E276-45DD-8EFC-6CF0BF453A19}"/>
+              </a:ext>
+            </a:extLst>
+          </p:cNvPr>
+          <p:cNvPicPr>
+            <a:picLocks noChangeAspect="1"/>
+          </p:cNvPicPr>
+          <p:nvPr/>
+        </p:nvPicPr>
+        <p:blipFill>
+          <a:blip r:embed="rId7"/>
+          <a:stretch>
+            <a:fillRect/>
+          </a:stretch>
+        </p:blipFill>
+        <p:spPr>
+          <a:xfrm>
+            <a:off x="5262608" y="2510165"/>
+            <a:ext cx="2928304" cy="751081"/>
           </a:xfrm>
           <a:prstGeom prst="rect">
             <a:avLst/>
@@ -34053,7 +34279,7 @@
     </p:spTree>
     <p:extLst>
       <p:ext uri="{BB962C8B-B14F-4D97-AF65-F5344CB8AC3E}">
-        <p14:creationId xmlns:p14="http://schemas.microsoft.com/office/powerpoint/2010/main" val="3894120066"/>
+        <p14:creationId xmlns:p14="http://schemas.microsoft.com/office/powerpoint/2010/main" val="950536162"/>
       </p:ext>
     </p:extLst>
   </p:cSld>
@@ -34103,7 +34329,7 @@
           <a:p>
             <a:r>
               <a:rPr lang="en-GB" dirty="0"/>
-              <a:t>Manipulating Dictionaries</a:t>
+              <a:t>Manipulating Dictionaries Puzzles</a:t>
             </a:r>
           </a:p>
         </p:txBody>
@@ -34183,8 +34409,8 @@
         </p:nvSpPr>
         <p:spPr>
           <a:xfrm>
-            <a:off x="237061" y="712957"/>
-            <a:ext cx="8619938" cy="2749572"/>
+            <a:off x="237061" y="712956"/>
+            <a:ext cx="8619938" cy="3749315"/>
           </a:xfrm>
           <a:prstGeom prst="rect">
             <a:avLst/>
@@ -34339,7 +34565,20 @@
                 <a:latin typeface="Arial"/>
                 <a:cs typeface="Arial"/>
               </a:rPr>
-              <a:t>Just as with lists we can…</a:t>
+              <a:t>Create a dictionary containing with keys ‘one’, ‘two’, and ‘three’ which corresponding values 1, 2, and 4</a:t>
+            </a:r>
+          </a:p>
+          <a:p>
+            <a:pPr marL="342900" indent="-342900">
+              <a:buFont typeface="Arial"/>
+              <a:buChar char="•"/>
+            </a:pPr>
+            <a:r>
+              <a:rPr lang="en-GB" sz="2000" dirty="0">
+                <a:latin typeface="Arial"/>
+                <a:cs typeface="Arial"/>
+              </a:rPr>
+              <a:t>Correct the value for key ‘three’ to be 3 and add a new pair ‘four’: 4</a:t>
             </a:r>
           </a:p>
           <a:p>
@@ -34357,10 +34596,33 @@
               <a:buFont typeface="Arial"/>
               <a:buChar char="•"/>
             </a:pPr>
-            <a:endParaRPr lang="en-GB" sz="2000" dirty="0">
-              <a:latin typeface="Arial"/>
-              <a:cs typeface="Arial"/>
-            </a:endParaRPr>
+            <a:r>
+              <a:rPr lang="en-GB" sz="2000" dirty="0">
+                <a:latin typeface="Arial"/>
+                <a:cs typeface="Arial"/>
+              </a:rPr>
+              <a:t>Create an empty dictionary called </a:t>
+            </a:r>
+            <a:r>
+              <a:rPr lang="en-GB" sz="2000" dirty="0">
+                <a:latin typeface="Consolas" panose="020B0609020204030204" pitchFamily="49" charset="0"/>
+                <a:cs typeface="Arial"/>
+              </a:rPr>
+              <a:t>square</a:t>
+            </a:r>
+          </a:p>
+          <a:p>
+            <a:pPr marL="342900" indent="-342900">
+              <a:buFont typeface="Arial"/>
+              <a:buChar char="•"/>
+            </a:pPr>
+            <a:r>
+              <a:rPr lang="en-GB" sz="2000" dirty="0">
+                <a:latin typeface="Arial"/>
+                <a:cs typeface="Arial"/>
+              </a:rPr>
+              <a:t>Loop through the range -5 to 5 (inclusive), each time adding an item to the dictionary which maps the looping variable to its square</a:t>
+            </a:r>
           </a:p>
           <a:p>
             <a:pPr marL="342900" indent="-342900">
@@ -34377,7 +34639,21 @@
               <a:buFont typeface="Arial"/>
               <a:buChar char="•"/>
             </a:pPr>
-            <a:endParaRPr lang="en-GB" sz="2000" dirty="0">
+            <a:r>
+              <a:rPr lang="en-GB" sz="2000" b="1" dirty="0">
+                <a:latin typeface="Arial"/>
+                <a:cs typeface="Arial"/>
+              </a:rPr>
+              <a:t>Bonus: </a:t>
+            </a:r>
+            <a:r>
+              <a:rPr lang="en-GB" sz="2000" dirty="0">
+                <a:latin typeface="Arial"/>
+                <a:cs typeface="Arial"/>
+              </a:rPr>
+              <a:t>Create a dictionary called employees which contains two dictionaries, each giving the details (say, job title and manager) of a different employee. Access the manager of one of the employees</a:t>
+            </a:r>
+            <a:endParaRPr lang="en-GB" sz="2000" b="1" dirty="0">
               <a:latin typeface="Arial"/>
               <a:cs typeface="Arial"/>
             </a:endParaRPr>
@@ -34412,189 +34688,22 @@
               <a:cs typeface="Arial"/>
             </a:endParaRPr>
           </a:p>
-        </p:txBody>
-      </p:sp>
-      <p:sp>
-        <p:nvSpPr>
-          <p:cNvPr id="9" name="Text Placeholder 2">
-            <a:extLst>
-              <a:ext uri="{FF2B5EF4-FFF2-40B4-BE49-F238E27FC236}">
-                <a16:creationId xmlns:a16="http://schemas.microsoft.com/office/drawing/2014/main" id="{691CF701-DFB4-4A3E-87BC-9675F593B146}"/>
-              </a:ext>
-            </a:extLst>
-          </p:cNvPr>
-          <p:cNvSpPr txBox="1">
-            <a:spLocks/>
-          </p:cNvSpPr>
-          <p:nvPr/>
-        </p:nvSpPr>
-        <p:spPr>
-          <a:xfrm>
-            <a:off x="5147663" y="2109738"/>
-            <a:ext cx="2928304" cy="2462457"/>
-          </a:xfrm>
-          <a:prstGeom prst="rect">
-            <a:avLst/>
-          </a:prstGeom>
-        </p:spPr>
-        <p:txBody>
-          <a:bodyPr vert="horz" anchor="t"/>
-          <a:lstStyle>
-            <a:lvl1pPr marL="0" indent="0" algn="l" defTabSz="457200" rtl="0" eaLnBrk="1" latinLnBrk="0" hangingPunct="1">
-              <a:spcBef>
-                <a:spcPts val="0"/>
-              </a:spcBef>
-              <a:buFont typeface="Arial"/>
-              <a:buNone/>
-              <a:defRPr sz="2400" kern="1200" baseline="0">
-                <a:solidFill>
-                  <a:schemeClr val="tx1"/>
-                </a:solidFill>
-                <a:latin typeface="Arial" pitchFamily="34" charset="0"/>
-                <a:ea typeface="+mn-ea"/>
-                <a:cs typeface="Arial" pitchFamily="34" charset="0"/>
-              </a:defRPr>
-            </a:lvl1pPr>
-            <a:lvl2pPr marL="457200" indent="0" algn="l" defTabSz="457200" rtl="0" eaLnBrk="1" latinLnBrk="0" hangingPunct="1">
-              <a:spcBef>
-                <a:spcPct val="20000"/>
-              </a:spcBef>
-              <a:buFont typeface="Arial"/>
-              <a:buNone/>
-              <a:defRPr sz="2400" kern="1200">
-                <a:solidFill>
-                  <a:schemeClr val="tx1"/>
-                </a:solidFill>
-                <a:latin typeface="+mn-lt"/>
-                <a:ea typeface="+mn-ea"/>
-                <a:cs typeface="+mn-cs"/>
-              </a:defRPr>
-            </a:lvl2pPr>
-            <a:lvl3pPr marL="914400" indent="0" algn="l" defTabSz="457200" rtl="0" eaLnBrk="1" latinLnBrk="0" hangingPunct="1">
-              <a:spcBef>
-                <a:spcPct val="20000"/>
-              </a:spcBef>
-              <a:buFont typeface="Arial"/>
-              <a:buNone/>
-              <a:defRPr sz="2400" kern="1200">
-                <a:solidFill>
-                  <a:schemeClr val="tx1"/>
-                </a:solidFill>
-                <a:latin typeface="+mn-lt"/>
-                <a:ea typeface="+mn-ea"/>
-                <a:cs typeface="+mn-cs"/>
-              </a:defRPr>
-            </a:lvl3pPr>
-            <a:lvl4pPr marL="1371600" indent="0" algn="l" defTabSz="457200" rtl="0" eaLnBrk="1" latinLnBrk="0" hangingPunct="1">
-              <a:spcBef>
-                <a:spcPct val="20000"/>
-              </a:spcBef>
-              <a:buFont typeface="Arial"/>
-              <a:buNone/>
-              <a:defRPr sz="2400" kern="1200">
-                <a:solidFill>
-                  <a:schemeClr val="tx1"/>
-                </a:solidFill>
-                <a:latin typeface="+mn-lt"/>
-                <a:ea typeface="+mn-ea"/>
-                <a:cs typeface="+mn-cs"/>
-              </a:defRPr>
-            </a:lvl4pPr>
-            <a:lvl5pPr marL="1828800" indent="0" algn="l" defTabSz="457200" rtl="0" eaLnBrk="1" latinLnBrk="0" hangingPunct="1">
-              <a:spcBef>
-                <a:spcPct val="20000"/>
-              </a:spcBef>
-              <a:buFont typeface="Arial"/>
-              <a:buNone/>
-              <a:defRPr sz="2400" kern="1200">
-                <a:solidFill>
-                  <a:schemeClr val="tx1"/>
-                </a:solidFill>
-                <a:latin typeface="+mn-lt"/>
-                <a:ea typeface="+mn-ea"/>
-                <a:cs typeface="+mn-cs"/>
-              </a:defRPr>
-            </a:lvl5pPr>
-            <a:lvl6pPr marL="2514600" indent="-228600" algn="l" defTabSz="457200" rtl="0" eaLnBrk="1" latinLnBrk="0" hangingPunct="1">
-              <a:spcBef>
-                <a:spcPct val="20000"/>
-              </a:spcBef>
-              <a:buFont typeface="Arial"/>
-              <a:buChar char="•"/>
-              <a:defRPr sz="2000" kern="1200">
-                <a:solidFill>
-                  <a:schemeClr val="tx1"/>
-                </a:solidFill>
-                <a:latin typeface="+mn-lt"/>
-                <a:ea typeface="+mn-ea"/>
-                <a:cs typeface="+mn-cs"/>
-              </a:defRPr>
-            </a:lvl6pPr>
-            <a:lvl7pPr marL="2971800" indent="-228600" algn="l" defTabSz="457200" rtl="0" eaLnBrk="1" latinLnBrk="0" hangingPunct="1">
-              <a:spcBef>
-                <a:spcPct val="20000"/>
-              </a:spcBef>
-              <a:buFont typeface="Arial"/>
-              <a:buChar char="•"/>
-              <a:defRPr sz="2000" kern="1200">
-                <a:solidFill>
-                  <a:schemeClr val="tx1"/>
-                </a:solidFill>
-                <a:latin typeface="+mn-lt"/>
-                <a:ea typeface="+mn-ea"/>
-                <a:cs typeface="+mn-cs"/>
-              </a:defRPr>
-            </a:lvl7pPr>
-            <a:lvl8pPr marL="3429000" indent="-228600" algn="l" defTabSz="457200" rtl="0" eaLnBrk="1" latinLnBrk="0" hangingPunct="1">
-              <a:spcBef>
-                <a:spcPct val="20000"/>
-              </a:spcBef>
-              <a:buFont typeface="Arial"/>
-              <a:buChar char="•"/>
-              <a:defRPr sz="2000" kern="1200">
-                <a:solidFill>
-                  <a:schemeClr val="tx1"/>
-                </a:solidFill>
-                <a:latin typeface="+mn-lt"/>
-                <a:ea typeface="+mn-ea"/>
-                <a:cs typeface="+mn-cs"/>
-              </a:defRPr>
-            </a:lvl8pPr>
-            <a:lvl9pPr marL="3886200" indent="-228600" algn="l" defTabSz="457200" rtl="0" eaLnBrk="1" latinLnBrk="0" hangingPunct="1">
-              <a:spcBef>
-                <a:spcPct val="20000"/>
-              </a:spcBef>
-              <a:buFont typeface="Arial"/>
-              <a:buChar char="•"/>
-              <a:defRPr sz="2000" kern="1200">
-                <a:solidFill>
-                  <a:schemeClr val="tx1"/>
-                </a:solidFill>
-                <a:latin typeface="+mn-lt"/>
-                <a:ea typeface="+mn-ea"/>
-                <a:cs typeface="+mn-cs"/>
-              </a:defRPr>
-            </a:lvl9pPr>
-          </a:lstStyle>
           <a:p>
             <a:pPr marL="342900" indent="-342900">
               <a:buFont typeface="Arial"/>
               <a:buChar char="•"/>
             </a:pPr>
-            <a:r>
-              <a:rPr lang="en-GB" sz="1400" dirty="0">
-                <a:latin typeface="Arial"/>
-                <a:cs typeface="Arial"/>
-              </a:rPr>
-              <a:t>Overwrite a value</a:t>
-            </a:r>
+            <a:endParaRPr lang="en-GB" sz="2000" dirty="0">
+              <a:latin typeface="Arial"/>
+              <a:cs typeface="Arial"/>
+            </a:endParaRPr>
           </a:p>
           <a:p>
             <a:pPr marL="342900" indent="-342900">
               <a:buFont typeface="Arial"/>
               <a:buChar char="•"/>
             </a:pPr>
-            <a:endParaRPr lang="en-GB" sz="1400" dirty="0">
+            <a:endParaRPr lang="en-GB" sz="2000" dirty="0">
               <a:latin typeface="Arial"/>
               <a:cs typeface="Arial"/>
             </a:endParaRPr>
@@ -34604,430 +34713,17 @@
               <a:buFont typeface="Arial"/>
               <a:buChar char="•"/>
             </a:pPr>
-            <a:endParaRPr lang="en-GB" sz="1400" dirty="0">
+            <a:endParaRPr lang="en-GB" sz="2000" dirty="0">
               <a:latin typeface="Arial"/>
               <a:cs typeface="Arial"/>
             </a:endParaRPr>
           </a:p>
-          <a:p>
-            <a:pPr marL="342900" indent="-342900">
-              <a:buFont typeface="Arial"/>
-              <a:buChar char="•"/>
-            </a:pPr>
-            <a:endParaRPr lang="en-GB" sz="1400" dirty="0">
-              <a:latin typeface="Arial"/>
-              <a:cs typeface="Arial"/>
-            </a:endParaRPr>
-          </a:p>
-          <a:p>
-            <a:pPr marL="342900" indent="-342900">
-              <a:buFont typeface="Arial"/>
-              <a:buChar char="•"/>
-            </a:pPr>
-            <a:endParaRPr lang="en-GB" sz="1400" dirty="0">
-              <a:latin typeface="Arial"/>
-              <a:cs typeface="Arial"/>
-            </a:endParaRPr>
-          </a:p>
-          <a:p>
-            <a:pPr marL="342900" indent="-342900">
-              <a:buFont typeface="Arial"/>
-              <a:buChar char="•"/>
-            </a:pPr>
-            <a:endParaRPr lang="en-GB" sz="1400" dirty="0">
-              <a:latin typeface="Arial"/>
-              <a:cs typeface="Arial"/>
-            </a:endParaRPr>
-          </a:p>
-          <a:p>
-            <a:pPr marL="342900" indent="-342900">
-              <a:buFont typeface="Arial"/>
-              <a:buChar char="•"/>
-            </a:pPr>
-            <a:endParaRPr lang="en-GB" sz="1400" dirty="0">
-              <a:latin typeface="Arial"/>
-              <a:cs typeface="Arial"/>
-            </a:endParaRPr>
-          </a:p>
-          <a:p>
-            <a:pPr marL="342900" indent="-342900">
-              <a:buFont typeface="Arial"/>
-              <a:buChar char="•"/>
-            </a:pPr>
-            <a:r>
-              <a:rPr lang="en-GB" sz="1400" dirty="0">
-                <a:latin typeface="Arial"/>
-                <a:cs typeface="Arial"/>
-              </a:rPr>
-              <a:t>Deleting an item by value is a bit tougher — we will look at doing this in the homework sheet </a:t>
-            </a:r>
-          </a:p>
-        </p:txBody>
-      </p:sp>
-      <p:sp>
-        <p:nvSpPr>
-          <p:cNvPr id="13" name="Text Placeholder 2">
-            <a:extLst>
-              <a:ext uri="{FF2B5EF4-FFF2-40B4-BE49-F238E27FC236}">
-                <a16:creationId xmlns:a16="http://schemas.microsoft.com/office/drawing/2014/main" id="{B49F9675-3016-456A-9429-C7A31BF54FAD}"/>
-              </a:ext>
-            </a:extLst>
-          </p:cNvPr>
-          <p:cNvSpPr txBox="1">
-            <a:spLocks/>
-          </p:cNvSpPr>
-          <p:nvPr/>
-        </p:nvSpPr>
-        <p:spPr>
-          <a:xfrm>
-            <a:off x="768431" y="2135825"/>
-            <a:ext cx="4168640" cy="2462457"/>
-          </a:xfrm>
-          <a:prstGeom prst="rect">
-            <a:avLst/>
-          </a:prstGeom>
-        </p:spPr>
-        <p:txBody>
-          <a:bodyPr vert="horz" anchor="t"/>
-          <a:lstStyle>
-            <a:lvl1pPr marL="0" indent="0" algn="l" defTabSz="457200" rtl="0" eaLnBrk="1" latinLnBrk="0" hangingPunct="1">
-              <a:spcBef>
-                <a:spcPts val="0"/>
-              </a:spcBef>
-              <a:buFont typeface="Arial"/>
-              <a:buNone/>
-              <a:defRPr sz="2400" kern="1200" baseline="0">
-                <a:solidFill>
-                  <a:schemeClr val="tx1"/>
-                </a:solidFill>
-                <a:latin typeface="Arial" pitchFamily="34" charset="0"/>
-                <a:ea typeface="+mn-ea"/>
-                <a:cs typeface="Arial" pitchFamily="34" charset="0"/>
-              </a:defRPr>
-            </a:lvl1pPr>
-            <a:lvl2pPr marL="457200" indent="0" algn="l" defTabSz="457200" rtl="0" eaLnBrk="1" latinLnBrk="0" hangingPunct="1">
-              <a:spcBef>
-                <a:spcPct val="20000"/>
-              </a:spcBef>
-              <a:buFont typeface="Arial"/>
-              <a:buNone/>
-              <a:defRPr sz="2400" kern="1200">
-                <a:solidFill>
-                  <a:schemeClr val="tx1"/>
-                </a:solidFill>
-                <a:latin typeface="+mn-lt"/>
-                <a:ea typeface="+mn-ea"/>
-                <a:cs typeface="+mn-cs"/>
-              </a:defRPr>
-            </a:lvl2pPr>
-            <a:lvl3pPr marL="914400" indent="0" algn="l" defTabSz="457200" rtl="0" eaLnBrk="1" latinLnBrk="0" hangingPunct="1">
-              <a:spcBef>
-                <a:spcPct val="20000"/>
-              </a:spcBef>
-              <a:buFont typeface="Arial"/>
-              <a:buNone/>
-              <a:defRPr sz="2400" kern="1200">
-                <a:solidFill>
-                  <a:schemeClr val="tx1"/>
-                </a:solidFill>
-                <a:latin typeface="+mn-lt"/>
-                <a:ea typeface="+mn-ea"/>
-                <a:cs typeface="+mn-cs"/>
-              </a:defRPr>
-            </a:lvl3pPr>
-            <a:lvl4pPr marL="1371600" indent="0" algn="l" defTabSz="457200" rtl="0" eaLnBrk="1" latinLnBrk="0" hangingPunct="1">
-              <a:spcBef>
-                <a:spcPct val="20000"/>
-              </a:spcBef>
-              <a:buFont typeface="Arial"/>
-              <a:buNone/>
-              <a:defRPr sz="2400" kern="1200">
-                <a:solidFill>
-                  <a:schemeClr val="tx1"/>
-                </a:solidFill>
-                <a:latin typeface="+mn-lt"/>
-                <a:ea typeface="+mn-ea"/>
-                <a:cs typeface="+mn-cs"/>
-              </a:defRPr>
-            </a:lvl4pPr>
-            <a:lvl5pPr marL="1828800" indent="0" algn="l" defTabSz="457200" rtl="0" eaLnBrk="1" latinLnBrk="0" hangingPunct="1">
-              <a:spcBef>
-                <a:spcPct val="20000"/>
-              </a:spcBef>
-              <a:buFont typeface="Arial"/>
-              <a:buNone/>
-              <a:defRPr sz="2400" kern="1200">
-                <a:solidFill>
-                  <a:schemeClr val="tx1"/>
-                </a:solidFill>
-                <a:latin typeface="+mn-lt"/>
-                <a:ea typeface="+mn-ea"/>
-                <a:cs typeface="+mn-cs"/>
-              </a:defRPr>
-            </a:lvl5pPr>
-            <a:lvl6pPr marL="2514600" indent="-228600" algn="l" defTabSz="457200" rtl="0" eaLnBrk="1" latinLnBrk="0" hangingPunct="1">
-              <a:spcBef>
-                <a:spcPct val="20000"/>
-              </a:spcBef>
-              <a:buFont typeface="Arial"/>
-              <a:buChar char="•"/>
-              <a:defRPr sz="2000" kern="1200">
-                <a:solidFill>
-                  <a:schemeClr val="tx1"/>
-                </a:solidFill>
-                <a:latin typeface="+mn-lt"/>
-                <a:ea typeface="+mn-ea"/>
-                <a:cs typeface="+mn-cs"/>
-              </a:defRPr>
-            </a:lvl6pPr>
-            <a:lvl7pPr marL="2971800" indent="-228600" algn="l" defTabSz="457200" rtl="0" eaLnBrk="1" latinLnBrk="0" hangingPunct="1">
-              <a:spcBef>
-                <a:spcPct val="20000"/>
-              </a:spcBef>
-              <a:buFont typeface="Arial"/>
-              <a:buChar char="•"/>
-              <a:defRPr sz="2000" kern="1200">
-                <a:solidFill>
-                  <a:schemeClr val="tx1"/>
-                </a:solidFill>
-                <a:latin typeface="+mn-lt"/>
-                <a:ea typeface="+mn-ea"/>
-                <a:cs typeface="+mn-cs"/>
-              </a:defRPr>
-            </a:lvl7pPr>
-            <a:lvl8pPr marL="3429000" indent="-228600" algn="l" defTabSz="457200" rtl="0" eaLnBrk="1" latinLnBrk="0" hangingPunct="1">
-              <a:spcBef>
-                <a:spcPct val="20000"/>
-              </a:spcBef>
-              <a:buFont typeface="Arial"/>
-              <a:buChar char="•"/>
-              <a:defRPr sz="2000" kern="1200">
-                <a:solidFill>
-                  <a:schemeClr val="tx1"/>
-                </a:solidFill>
-                <a:latin typeface="+mn-lt"/>
-                <a:ea typeface="+mn-ea"/>
-                <a:cs typeface="+mn-cs"/>
-              </a:defRPr>
-            </a:lvl8pPr>
-            <a:lvl9pPr marL="3886200" indent="-228600" algn="l" defTabSz="457200" rtl="0" eaLnBrk="1" latinLnBrk="0" hangingPunct="1">
-              <a:spcBef>
-                <a:spcPct val="20000"/>
-              </a:spcBef>
-              <a:buFont typeface="Arial"/>
-              <a:buChar char="•"/>
-              <a:defRPr sz="2000" kern="1200">
-                <a:solidFill>
-                  <a:schemeClr val="tx1"/>
-                </a:solidFill>
-                <a:latin typeface="+mn-lt"/>
-                <a:ea typeface="+mn-ea"/>
-                <a:cs typeface="+mn-cs"/>
-              </a:defRPr>
-            </a:lvl9pPr>
-          </a:lstStyle>
-          <a:p>
-            <a:pPr marL="342900" indent="-342900">
-              <a:buFont typeface="Arial"/>
-              <a:buChar char="•"/>
-            </a:pPr>
-            <a:r>
-              <a:rPr lang="en-GB" sz="1400" dirty="0">
-                <a:latin typeface="Arial"/>
-                <a:cs typeface="Arial"/>
-              </a:rPr>
-              <a:t>Add a new item</a:t>
-            </a:r>
-          </a:p>
-          <a:p>
-            <a:pPr marL="342900" indent="-342900">
-              <a:buFont typeface="Arial"/>
-              <a:buChar char="•"/>
-            </a:pPr>
-            <a:endParaRPr lang="en-GB" sz="1400" dirty="0">
-              <a:latin typeface="Arial"/>
-              <a:cs typeface="Arial"/>
-            </a:endParaRPr>
-          </a:p>
-          <a:p>
-            <a:pPr marL="342900" indent="-342900">
-              <a:buFont typeface="Arial"/>
-              <a:buChar char="•"/>
-            </a:pPr>
-            <a:endParaRPr lang="en-GB" sz="1400" dirty="0">
-              <a:latin typeface="Arial"/>
-              <a:cs typeface="Arial"/>
-            </a:endParaRPr>
-          </a:p>
-          <a:p>
-            <a:pPr marL="342900" indent="-342900">
-              <a:buFont typeface="Arial"/>
-              <a:buChar char="•"/>
-            </a:pPr>
-            <a:endParaRPr lang="en-GB" sz="1400" dirty="0">
-              <a:latin typeface="Arial"/>
-              <a:cs typeface="Arial"/>
-            </a:endParaRPr>
-          </a:p>
-          <a:p>
-            <a:pPr marL="342900" indent="-342900">
-              <a:buFont typeface="Arial"/>
-              <a:buChar char="•"/>
-            </a:pPr>
-            <a:endParaRPr lang="en-GB" sz="1400" dirty="0">
-              <a:latin typeface="Arial"/>
-              <a:cs typeface="Arial"/>
-            </a:endParaRPr>
-          </a:p>
-          <a:p>
-            <a:pPr marL="342900" indent="-342900">
-              <a:buFont typeface="Arial"/>
-              <a:buChar char="•"/>
-            </a:pPr>
-            <a:endParaRPr lang="en-GB" sz="1400" dirty="0">
-              <a:latin typeface="Arial"/>
-              <a:cs typeface="Arial"/>
-            </a:endParaRPr>
-          </a:p>
-          <a:p>
-            <a:pPr marL="342900" indent="-342900">
-              <a:buFont typeface="Arial"/>
-              <a:buChar char="•"/>
-            </a:pPr>
-            <a:r>
-              <a:rPr lang="en-GB" sz="1400" dirty="0">
-                <a:latin typeface="Arial"/>
-                <a:cs typeface="Arial"/>
-              </a:rPr>
-              <a:t>Delete an item by key</a:t>
-            </a:r>
-          </a:p>
-        </p:txBody>
-      </p:sp>
-      <p:pic>
-        <p:nvPicPr>
-          <p:cNvPr id="4" name="Picture 3">
-            <a:extLst>
-              <a:ext uri="{FF2B5EF4-FFF2-40B4-BE49-F238E27FC236}">
-                <a16:creationId xmlns:a16="http://schemas.microsoft.com/office/drawing/2014/main" id="{3FD2770E-8D78-4B1F-95E7-D3596376F277}"/>
-              </a:ext>
-            </a:extLst>
-          </p:cNvPr>
-          <p:cNvPicPr>
-            <a:picLocks noChangeAspect="1"/>
-          </p:cNvPicPr>
-          <p:nvPr/>
-        </p:nvPicPr>
-        <p:blipFill>
-          <a:blip r:embed="rId4"/>
-          <a:stretch>
-            <a:fillRect/>
-          </a:stretch>
-        </p:blipFill>
-        <p:spPr>
-          <a:xfrm>
-            <a:off x="2464566" y="1357637"/>
-            <a:ext cx="4168641" cy="483464"/>
-          </a:xfrm>
-          <a:prstGeom prst="rect">
-            <a:avLst/>
-          </a:prstGeom>
-        </p:spPr>
-      </p:pic>
-      <p:pic>
-        <p:nvPicPr>
-          <p:cNvPr id="7" name="Picture 6">
-            <a:extLst>
-              <a:ext uri="{FF2B5EF4-FFF2-40B4-BE49-F238E27FC236}">
-                <a16:creationId xmlns:a16="http://schemas.microsoft.com/office/drawing/2014/main" id="{F5333401-0C60-40D7-BA94-AD1ECB9122A2}"/>
-              </a:ext>
-            </a:extLst>
-          </p:cNvPr>
-          <p:cNvPicPr>
-            <a:picLocks noChangeAspect="1"/>
-          </p:cNvPicPr>
-          <p:nvPr/>
-        </p:nvPicPr>
-        <p:blipFill>
-          <a:blip r:embed="rId5"/>
-          <a:stretch>
-            <a:fillRect/>
-          </a:stretch>
-        </p:blipFill>
-        <p:spPr>
-          <a:xfrm>
-            <a:off x="1378214" y="2510165"/>
-            <a:ext cx="2583093" cy="826198"/>
-          </a:xfrm>
-          <a:prstGeom prst="rect">
-            <a:avLst/>
-          </a:prstGeom>
-        </p:spPr>
-      </p:pic>
-      <p:pic>
-        <p:nvPicPr>
-          <p:cNvPr id="8" name="Picture 7">
-            <a:extLst>
-              <a:ext uri="{FF2B5EF4-FFF2-40B4-BE49-F238E27FC236}">
-                <a16:creationId xmlns:a16="http://schemas.microsoft.com/office/drawing/2014/main" id="{7F16399D-6BA8-46E9-901C-BFEE279AA2B4}"/>
-              </a:ext>
-            </a:extLst>
-          </p:cNvPr>
-          <p:cNvPicPr>
-            <a:picLocks noChangeAspect="1"/>
-          </p:cNvPicPr>
-          <p:nvPr/>
-        </p:nvPicPr>
-        <p:blipFill>
-          <a:blip r:embed="rId6"/>
-          <a:stretch>
-            <a:fillRect/>
-          </a:stretch>
-        </p:blipFill>
-        <p:spPr>
-          <a:xfrm>
-            <a:off x="1378214" y="3773724"/>
-            <a:ext cx="1443805" cy="824558"/>
-          </a:xfrm>
-          <a:prstGeom prst="rect">
-            <a:avLst/>
-          </a:prstGeom>
-        </p:spPr>
-      </p:pic>
-      <p:pic>
-        <p:nvPicPr>
-          <p:cNvPr id="14" name="Picture 13">
-            <a:extLst>
-              <a:ext uri="{FF2B5EF4-FFF2-40B4-BE49-F238E27FC236}">
-                <a16:creationId xmlns:a16="http://schemas.microsoft.com/office/drawing/2014/main" id="{38ECDF29-E276-45DD-8EFC-6CF0BF453A19}"/>
-              </a:ext>
-            </a:extLst>
-          </p:cNvPr>
-          <p:cNvPicPr>
-            <a:picLocks noChangeAspect="1"/>
-          </p:cNvPicPr>
-          <p:nvPr/>
-        </p:nvPicPr>
-        <p:blipFill>
-          <a:blip r:embed="rId7"/>
-          <a:stretch>
-            <a:fillRect/>
-          </a:stretch>
-        </p:blipFill>
-        <p:spPr>
-          <a:xfrm>
-            <a:off x="5262608" y="2510165"/>
-            <a:ext cx="2928304" cy="751081"/>
-          </a:xfrm>
-          <a:prstGeom prst="rect">
-            <a:avLst/>
-          </a:prstGeom>
-        </p:spPr>
-      </p:pic>
+        </p:txBody>
+      </p:sp>
     </p:spTree>
     <p:extLst>
       <p:ext uri="{BB962C8B-B14F-4D97-AF65-F5344CB8AC3E}">
-        <p14:creationId xmlns:p14="http://schemas.microsoft.com/office/powerpoint/2010/main" val="950536162"/>
+        <p14:creationId xmlns:p14="http://schemas.microsoft.com/office/powerpoint/2010/main" val="756925942"/>
       </p:ext>
     </p:extLst>
   </p:cSld>
@@ -37033,7 +36729,11 @@
 
 <file path=customXml/item1.xml><?xml version="1.0" encoding="utf-8"?>
 <?mso-contentType ?>
-<SharedContentType xmlns="Microsoft.SharePoint.Taxonomy.ContentTypeSync" SourceId="1ee89e71-04cd-405e-9ca3-99e020c1694d" ContentTypeId="0x0101" PreviousValue="false"/>
+<FormTemplates xmlns="http://schemas.microsoft.com/sharepoint/v3/contenttype/forms">
+  <Display>DocumentLibraryForm</Display>
+  <Edit>DocumentLibraryForm</Edit>
+  <New>DocumentLibraryForm</New>
+</FormTemplates>
 </file>
 
 <file path=customXml/item2.xml><?xml version="1.0" encoding="utf-8"?>
@@ -37217,11 +36917,7 @@
 
 <file path=customXml/item3.xml><?xml version="1.0" encoding="utf-8"?>
 <?mso-contentType ?>
-<FormTemplates xmlns="http://schemas.microsoft.com/sharepoint/v3/contenttype/forms">
-  <Display>DocumentLibraryForm</Display>
-  <Edit>DocumentLibraryForm</Edit>
-  <New>DocumentLibraryForm</New>
-</FormTemplates>
+<SharedContentType xmlns="Microsoft.SharePoint.Taxonomy.ContentTypeSync" SourceId="1ee89e71-04cd-405e-9ca3-99e020c1694d" ContentTypeId="0x0101" PreviousValue="false"/>
 </file>
 
 <file path=customXml/item4.xml><?xml version="1.0" encoding="utf-8"?>
@@ -37234,9 +36930,9 @@
 </file>
 
 <file path=customXml/itemProps1.xml><?xml version="1.0" encoding="utf-8"?>
-<ds:datastoreItem xmlns:ds="http://schemas.openxmlformats.org/officeDocument/2006/customXml" ds:itemID="{91989A13-6EBC-4BFF-A25C-E4D3CAAA08AF}">
+<ds:datastoreItem xmlns:ds="http://schemas.openxmlformats.org/officeDocument/2006/customXml" ds:itemID="{BEBDFA33-3959-412D-BF65-F572B77FF4EC}">
   <ds:schemaRefs>
-    <ds:schemaRef ds:uri="Microsoft.SharePoint.Taxonomy.ContentTypeSync"/>
+    <ds:schemaRef ds:uri="http://schemas.microsoft.com/sharepoint/v3/contenttype/forms"/>
   </ds:schemaRefs>
 </ds:datastoreItem>
 </file>
@@ -37261,9 +36957,9 @@
 </file>
 
 <file path=customXml/itemProps3.xml><?xml version="1.0" encoding="utf-8"?>
-<ds:datastoreItem xmlns:ds="http://schemas.openxmlformats.org/officeDocument/2006/customXml" ds:itemID="{BEBDFA33-3959-412D-BF65-F572B77FF4EC}">
+<ds:datastoreItem xmlns:ds="http://schemas.openxmlformats.org/officeDocument/2006/customXml" ds:itemID="{91989A13-6EBC-4BFF-A25C-E4D3CAAA08AF}">
   <ds:schemaRefs>
-    <ds:schemaRef ds:uri="http://schemas.microsoft.com/sharepoint/v3/contenttype/forms"/>
+    <ds:schemaRef ds:uri="Microsoft.SharePoint.Taxonomy.ContentTypeSync"/>
   </ds:schemaRefs>
 </ds:datastoreItem>
 </file>

--- a/session_seven/session_seven_presentation.pptx
+++ b/session_seven/session_seven_presentation.pptx
@@ -8,31 +8,34 @@
     <p:sldMasterId id="2147483656" r:id="rId8"/>
   </p:sldMasterIdLst>
   <p:notesMasterIdLst>
-    <p:notesMasterId r:id="rId23"/>
+    <p:notesMasterId r:id="rId26"/>
   </p:notesMasterIdLst>
   <p:handoutMasterIdLst>
-    <p:handoutMasterId r:id="rId24"/>
+    <p:handoutMasterId r:id="rId27"/>
   </p:handoutMasterIdLst>
   <p:sldIdLst>
     <p:sldId id="386" r:id="rId9"/>
     <p:sldId id="425" r:id="rId10"/>
     <p:sldId id="439" r:id="rId11"/>
     <p:sldId id="464" r:id="rId12"/>
-    <p:sldId id="465" r:id="rId13"/>
-    <p:sldId id="466" r:id="rId14"/>
-    <p:sldId id="470" r:id="rId15"/>
-    <p:sldId id="467" r:id="rId16"/>
-    <p:sldId id="469" r:id="rId17"/>
-    <p:sldId id="471" r:id="rId18"/>
-    <p:sldId id="472" r:id="rId19"/>
-    <p:sldId id="473" r:id="rId20"/>
-    <p:sldId id="474" r:id="rId21"/>
-    <p:sldId id="475" r:id="rId22"/>
+    <p:sldId id="485" r:id="rId13"/>
+    <p:sldId id="482" r:id="rId14"/>
+    <p:sldId id="466" r:id="rId15"/>
+    <p:sldId id="470" r:id="rId16"/>
+    <p:sldId id="465" r:id="rId17"/>
+    <p:sldId id="483" r:id="rId18"/>
+    <p:sldId id="484" r:id="rId19"/>
+    <p:sldId id="476" r:id="rId20"/>
+    <p:sldId id="481" r:id="rId21"/>
+    <p:sldId id="478" r:id="rId22"/>
+    <p:sldId id="479" r:id="rId23"/>
+    <p:sldId id="477" r:id="rId24"/>
+    <p:sldId id="480" r:id="rId25"/>
   </p:sldIdLst>
   <p:sldSz cx="9144000" cy="5143500" type="screen16x9"/>
   <p:notesSz cx="6670675" cy="9875838"/>
   <p:custDataLst>
-    <p:tags r:id="rId25"/>
+    <p:tags r:id="rId28"/>
   </p:custDataLst>
   <p:defaultTextStyle>
     <a:defPPr>
@@ -165,6 +168,14 @@
     </p:ext>
   </p:extLst>
 </p:presentation>
+</file>
+
+<file path=ppt/revisionInfo.xml><?xml version="1.0" encoding="utf-8"?>
+<p1510:revInfo xmlns:a="http://schemas.openxmlformats.org/drawingml/2006/main" xmlns:r="http://schemas.openxmlformats.org/officeDocument/2006/relationships" xmlns:p1510="http://schemas.microsoft.com/office/powerpoint/2015/10/main">
+  <p1510:revLst>
+    <p1510:client id="{D053C6D7-D1FF-4863-BC36-5EC8E80D976B}" v="221" dt="2024-02-14T13:14:46.828"/>
+  </p1510:revLst>
+</p1510:revInfo>
 </file>
 
 <file path=ppt/changesInfos/changesInfo1.xml><?xml version="1.0" encoding="utf-8"?>
@@ -512,6 +523,957 @@
             <pc:docMk/>
             <pc:sldMk cId="3409974919" sldId="385"/>
             <ac:picMk id="26" creationId="{467EFC16-E0D8-465A-A81A-060179A421A3}"/>
+          </ac:picMkLst>
+        </pc:picChg>
+      </pc:sldChg>
+    </pc:docChg>
+  </pc:docChgLst>
+  <pc:docChgLst>
+    <pc:chgData name="Boyle, Jamie" userId="1d18d3d4-7655-4f40-9060-98160e17b2e3" providerId="ADAL" clId="{D053C6D7-D1FF-4863-BC36-5EC8E80D976B}"/>
+    <pc:docChg chg="undo custSel addSld delSld modSld sldOrd">
+      <pc:chgData name="Boyle, Jamie" userId="1d18d3d4-7655-4f40-9060-98160e17b2e3" providerId="ADAL" clId="{D053C6D7-D1FF-4863-BC36-5EC8E80D976B}" dt="2024-02-14T13:19:33.072" v="1629" actId="20577"/>
+      <pc:docMkLst>
+        <pc:docMk/>
+      </pc:docMkLst>
+      <pc:sldChg chg="addSp delSp modSp mod">
+        <pc:chgData name="Boyle, Jamie" userId="1d18d3d4-7655-4f40-9060-98160e17b2e3" providerId="ADAL" clId="{D053C6D7-D1FF-4863-BC36-5EC8E80D976B}" dt="2024-02-14T10:48:21.936" v="1037"/>
+        <pc:sldMkLst>
+          <pc:docMk/>
+          <pc:sldMk cId="211931337" sldId="386"/>
+        </pc:sldMkLst>
+        <pc:spChg chg="add del mod">
+          <ac:chgData name="Boyle, Jamie" userId="1d18d3d4-7655-4f40-9060-98160e17b2e3" providerId="ADAL" clId="{D053C6D7-D1FF-4863-BC36-5EC8E80D976B}" dt="2024-02-14T10:48:17.891" v="941"/>
+          <ac:spMkLst>
+            <pc:docMk/>
+            <pc:sldMk cId="211931337" sldId="386"/>
+            <ac:spMk id="3" creationId="{2F887E74-5005-A923-BFAD-FBF125D61CBD}"/>
+          </ac:spMkLst>
+        </pc:spChg>
+        <pc:spChg chg="add del mod">
+          <ac:chgData name="Boyle, Jamie" userId="1d18d3d4-7655-4f40-9060-98160e17b2e3" providerId="ADAL" clId="{D053C6D7-D1FF-4863-BC36-5EC8E80D976B}" dt="2024-02-14T10:48:17.911" v="946"/>
+          <ac:spMkLst>
+            <pc:docMk/>
+            <pc:sldMk cId="211931337" sldId="386"/>
+            <ac:spMk id="4" creationId="{3FD3E8F7-7349-3324-D569-B620C7D53C26}"/>
+          </ac:spMkLst>
+        </pc:spChg>
+        <pc:spChg chg="add del mod">
+          <ac:chgData name="Boyle, Jamie" userId="1d18d3d4-7655-4f40-9060-98160e17b2e3" providerId="ADAL" clId="{D053C6D7-D1FF-4863-BC36-5EC8E80D976B}" dt="2024-02-14T10:48:17.913" v="951"/>
+          <ac:spMkLst>
+            <pc:docMk/>
+            <pc:sldMk cId="211931337" sldId="386"/>
+            <ac:spMk id="5" creationId="{D3A4A2B5-327E-7ED9-C7A2-DEB8B969A65B}"/>
+          </ac:spMkLst>
+        </pc:spChg>
+        <pc:spChg chg="add del mod">
+          <ac:chgData name="Boyle, Jamie" userId="1d18d3d4-7655-4f40-9060-98160e17b2e3" providerId="ADAL" clId="{D053C6D7-D1FF-4863-BC36-5EC8E80D976B}" dt="2024-02-14T10:48:17.913" v="956"/>
+          <ac:spMkLst>
+            <pc:docMk/>
+            <pc:sldMk cId="211931337" sldId="386"/>
+            <ac:spMk id="6" creationId="{40778179-8F2F-83F9-215A-B8475C142196}"/>
+          </ac:spMkLst>
+        </pc:spChg>
+        <pc:spChg chg="add del mod">
+          <ac:chgData name="Boyle, Jamie" userId="1d18d3d4-7655-4f40-9060-98160e17b2e3" providerId="ADAL" clId="{D053C6D7-D1FF-4863-BC36-5EC8E80D976B}" dt="2024-02-14T10:48:17.929" v="961"/>
+          <ac:spMkLst>
+            <pc:docMk/>
+            <pc:sldMk cId="211931337" sldId="386"/>
+            <ac:spMk id="7" creationId="{E01AFD5B-A9B1-5AE8-A104-2DCE1C99C69C}"/>
+          </ac:spMkLst>
+        </pc:spChg>
+        <pc:spChg chg="add del mod">
+          <ac:chgData name="Boyle, Jamie" userId="1d18d3d4-7655-4f40-9060-98160e17b2e3" providerId="ADAL" clId="{D053C6D7-D1FF-4863-BC36-5EC8E80D976B}" dt="2024-02-14T10:48:17.929" v="966"/>
+          <ac:spMkLst>
+            <pc:docMk/>
+            <pc:sldMk cId="211931337" sldId="386"/>
+            <ac:spMk id="8" creationId="{82E7BC1B-A1C5-8A5F-883C-967EC3202E87}"/>
+          </ac:spMkLst>
+        </pc:spChg>
+        <pc:spChg chg="add del mod">
+          <ac:chgData name="Boyle, Jamie" userId="1d18d3d4-7655-4f40-9060-98160e17b2e3" providerId="ADAL" clId="{D053C6D7-D1FF-4863-BC36-5EC8E80D976B}" dt="2024-02-14T10:48:17.945" v="971"/>
+          <ac:spMkLst>
+            <pc:docMk/>
+            <pc:sldMk cId="211931337" sldId="386"/>
+            <ac:spMk id="10" creationId="{4064DF76-7AEF-BF9F-9EDF-B01C7BB93613}"/>
+          </ac:spMkLst>
+        </pc:spChg>
+        <pc:spChg chg="add del mod">
+          <ac:chgData name="Boyle, Jamie" userId="1d18d3d4-7655-4f40-9060-98160e17b2e3" providerId="ADAL" clId="{D053C6D7-D1FF-4863-BC36-5EC8E80D976B}" dt="2024-02-14T10:48:17.955" v="976"/>
+          <ac:spMkLst>
+            <pc:docMk/>
+            <pc:sldMk cId="211931337" sldId="386"/>
+            <ac:spMk id="11" creationId="{3C1A6005-3AB8-BD19-7D0F-3D71C099E967}"/>
+          </ac:spMkLst>
+        </pc:spChg>
+        <pc:spChg chg="add del mod">
+          <ac:chgData name="Boyle, Jamie" userId="1d18d3d4-7655-4f40-9060-98160e17b2e3" providerId="ADAL" clId="{D053C6D7-D1FF-4863-BC36-5EC8E80D976B}" dt="2024-02-14T10:48:17.969" v="981"/>
+          <ac:spMkLst>
+            <pc:docMk/>
+            <pc:sldMk cId="211931337" sldId="386"/>
+            <ac:spMk id="18" creationId="{E889573A-89D0-3694-0D69-5314B282885D}"/>
+          </ac:spMkLst>
+        </pc:spChg>
+        <pc:spChg chg="add del mod">
+          <ac:chgData name="Boyle, Jamie" userId="1d18d3d4-7655-4f40-9060-98160e17b2e3" providerId="ADAL" clId="{D053C6D7-D1FF-4863-BC36-5EC8E80D976B}" dt="2024-02-14T10:48:17.980" v="986"/>
+          <ac:spMkLst>
+            <pc:docMk/>
+            <pc:sldMk cId="211931337" sldId="386"/>
+            <ac:spMk id="19" creationId="{36F23198-556C-E139-FBE5-0125A1E0DE5C}"/>
+          </ac:spMkLst>
+        </pc:spChg>
+        <pc:spChg chg="add del mod">
+          <ac:chgData name="Boyle, Jamie" userId="1d18d3d4-7655-4f40-9060-98160e17b2e3" providerId="ADAL" clId="{D053C6D7-D1FF-4863-BC36-5EC8E80D976B}" dt="2024-02-14T10:48:21.870" v="992"/>
+          <ac:spMkLst>
+            <pc:docMk/>
+            <pc:sldMk cId="211931337" sldId="386"/>
+            <ac:spMk id="20" creationId="{011DC572-AF19-4056-06A0-00A252C08786}"/>
+          </ac:spMkLst>
+        </pc:spChg>
+        <pc:spChg chg="add del mod">
+          <ac:chgData name="Boyle, Jamie" userId="1d18d3d4-7655-4f40-9060-98160e17b2e3" providerId="ADAL" clId="{D053C6D7-D1FF-4863-BC36-5EC8E80D976B}" dt="2024-02-14T10:48:21.870" v="997"/>
+          <ac:spMkLst>
+            <pc:docMk/>
+            <pc:sldMk cId="211931337" sldId="386"/>
+            <ac:spMk id="21" creationId="{3BABB954-D91E-C8C1-0DEF-F4CBAD050179}"/>
+          </ac:spMkLst>
+        </pc:spChg>
+        <pc:spChg chg="add del mod">
+          <ac:chgData name="Boyle, Jamie" userId="1d18d3d4-7655-4f40-9060-98160e17b2e3" providerId="ADAL" clId="{D053C6D7-D1FF-4863-BC36-5EC8E80D976B}" dt="2024-02-14T10:48:21.886" v="1002"/>
+          <ac:spMkLst>
+            <pc:docMk/>
+            <pc:sldMk cId="211931337" sldId="386"/>
+            <ac:spMk id="22" creationId="{C3066D86-2351-9E3C-45FF-86EFBE2A6A43}"/>
+          </ac:spMkLst>
+        </pc:spChg>
+        <pc:spChg chg="add del mod">
+          <ac:chgData name="Boyle, Jamie" userId="1d18d3d4-7655-4f40-9060-98160e17b2e3" providerId="ADAL" clId="{D053C6D7-D1FF-4863-BC36-5EC8E80D976B}" dt="2024-02-14T10:48:21.886" v="1007"/>
+          <ac:spMkLst>
+            <pc:docMk/>
+            <pc:sldMk cId="211931337" sldId="386"/>
+            <ac:spMk id="23" creationId="{BCBF455E-A7E5-72AF-CB82-297B5279783B}"/>
+          </ac:spMkLst>
+        </pc:spChg>
+        <pc:spChg chg="add del mod">
+          <ac:chgData name="Boyle, Jamie" userId="1d18d3d4-7655-4f40-9060-98160e17b2e3" providerId="ADAL" clId="{D053C6D7-D1FF-4863-BC36-5EC8E80D976B}" dt="2024-02-14T10:48:21.901" v="1012"/>
+          <ac:spMkLst>
+            <pc:docMk/>
+            <pc:sldMk cId="211931337" sldId="386"/>
+            <ac:spMk id="24" creationId="{ED1D6E57-2FC5-7AE3-56DB-BC7EA4054F8D}"/>
+          </ac:spMkLst>
+        </pc:spChg>
+        <pc:spChg chg="add del mod">
+          <ac:chgData name="Boyle, Jamie" userId="1d18d3d4-7655-4f40-9060-98160e17b2e3" providerId="ADAL" clId="{D053C6D7-D1FF-4863-BC36-5EC8E80D976B}" dt="2024-02-14T10:48:21.901" v="1017"/>
+          <ac:spMkLst>
+            <pc:docMk/>
+            <pc:sldMk cId="211931337" sldId="386"/>
+            <ac:spMk id="25" creationId="{4D4929A5-1CE2-C041-DA12-DE6227B4612A}"/>
+          </ac:spMkLst>
+        </pc:spChg>
+        <pc:spChg chg="add del mod">
+          <ac:chgData name="Boyle, Jamie" userId="1d18d3d4-7655-4f40-9060-98160e17b2e3" providerId="ADAL" clId="{D053C6D7-D1FF-4863-BC36-5EC8E80D976B}" dt="2024-02-14T10:48:21.917" v="1022"/>
+          <ac:spMkLst>
+            <pc:docMk/>
+            <pc:sldMk cId="211931337" sldId="386"/>
+            <ac:spMk id="26" creationId="{33E73A68-2779-919C-3DCC-5189D250C7D9}"/>
+          </ac:spMkLst>
+        </pc:spChg>
+        <pc:spChg chg="add del mod">
+          <ac:chgData name="Boyle, Jamie" userId="1d18d3d4-7655-4f40-9060-98160e17b2e3" providerId="ADAL" clId="{D053C6D7-D1FF-4863-BC36-5EC8E80D976B}" dt="2024-02-14T10:48:21.920" v="1027"/>
+          <ac:spMkLst>
+            <pc:docMk/>
+            <pc:sldMk cId="211931337" sldId="386"/>
+            <ac:spMk id="27" creationId="{FE7D24BE-395C-B98D-50E4-FCDB45693338}"/>
+          </ac:spMkLst>
+        </pc:spChg>
+        <pc:spChg chg="add del mod">
+          <ac:chgData name="Boyle, Jamie" userId="1d18d3d4-7655-4f40-9060-98160e17b2e3" providerId="ADAL" clId="{D053C6D7-D1FF-4863-BC36-5EC8E80D976B}" dt="2024-02-14T10:48:21.920" v="1032"/>
+          <ac:spMkLst>
+            <pc:docMk/>
+            <pc:sldMk cId="211931337" sldId="386"/>
+            <ac:spMk id="28" creationId="{C3485811-05A2-BA44-2EB2-5F6479C20514}"/>
+          </ac:spMkLst>
+        </pc:spChg>
+        <pc:spChg chg="add del mod">
+          <ac:chgData name="Boyle, Jamie" userId="1d18d3d4-7655-4f40-9060-98160e17b2e3" providerId="ADAL" clId="{D053C6D7-D1FF-4863-BC36-5EC8E80D976B}" dt="2024-02-14T10:48:21.936" v="1037"/>
+          <ac:spMkLst>
+            <pc:docMk/>
+            <pc:sldMk cId="211931337" sldId="386"/>
+            <ac:spMk id="29" creationId="{44130834-0365-FA37-54E7-C241D3BEED14}"/>
+          </ac:spMkLst>
+        </pc:spChg>
+      </pc:sldChg>
+      <pc:sldChg chg="modSp mod">
+        <pc:chgData name="Boyle, Jamie" userId="1d18d3d4-7655-4f40-9060-98160e17b2e3" providerId="ADAL" clId="{D053C6D7-D1FF-4863-BC36-5EC8E80D976B}" dt="2024-02-14T13:15:36.232" v="1560" actId="20577"/>
+        <pc:sldMkLst>
+          <pc:docMk/>
+          <pc:sldMk cId="2499478442" sldId="425"/>
+        </pc:sldMkLst>
+        <pc:spChg chg="mod">
+          <ac:chgData name="Boyle, Jamie" userId="1d18d3d4-7655-4f40-9060-98160e17b2e3" providerId="ADAL" clId="{D053C6D7-D1FF-4863-BC36-5EC8E80D976B}" dt="2024-02-14T13:15:36.232" v="1560" actId="20577"/>
+          <ac:spMkLst>
+            <pc:docMk/>
+            <pc:sldMk cId="2499478442" sldId="425"/>
+            <ac:spMk id="9" creationId="{EFADBC8D-294D-4832-A9A1-5CC2FA0C5801}"/>
+          </ac:spMkLst>
+        </pc:spChg>
+      </pc:sldChg>
+      <pc:sldChg chg="modSp mod">
+        <pc:chgData name="Boyle, Jamie" userId="1d18d3d4-7655-4f40-9060-98160e17b2e3" providerId="ADAL" clId="{D053C6D7-D1FF-4863-BC36-5EC8E80D976B}" dt="2024-02-14T13:15:24.805" v="1557" actId="20577"/>
+        <pc:sldMkLst>
+          <pc:docMk/>
+          <pc:sldMk cId="3872188134" sldId="439"/>
+        </pc:sldMkLst>
+        <pc:spChg chg="mod">
+          <ac:chgData name="Boyle, Jamie" userId="1d18d3d4-7655-4f40-9060-98160e17b2e3" providerId="ADAL" clId="{D053C6D7-D1FF-4863-BC36-5EC8E80D976B}" dt="2024-02-14T13:15:24.805" v="1557" actId="20577"/>
+          <ac:spMkLst>
+            <pc:docMk/>
+            <pc:sldMk cId="3872188134" sldId="439"/>
+            <ac:spMk id="2" creationId="{F7DA9A4F-1DFD-49DB-8569-F5AB18BD6161}"/>
+          </ac:spMkLst>
+        </pc:spChg>
+        <pc:spChg chg="mod">
+          <ac:chgData name="Boyle, Jamie" userId="1d18d3d4-7655-4f40-9060-98160e17b2e3" providerId="ADAL" clId="{D053C6D7-D1FF-4863-BC36-5EC8E80D976B}" dt="2024-02-14T10:17:44.465" v="43" actId="20577"/>
+          <ac:spMkLst>
+            <pc:docMk/>
+            <pc:sldMk cId="3872188134" sldId="439"/>
+            <ac:spMk id="8" creationId="{CC26CABC-4821-45C3-8D12-172BB4AB081C}"/>
+          </ac:spMkLst>
+        </pc:spChg>
+        <pc:spChg chg="mod">
+          <ac:chgData name="Boyle, Jamie" userId="1d18d3d4-7655-4f40-9060-98160e17b2e3" providerId="ADAL" clId="{D053C6D7-D1FF-4863-BC36-5EC8E80D976B}" dt="2024-02-14T10:17:50.424" v="62" actId="20577"/>
+          <ac:spMkLst>
+            <pc:docMk/>
+            <pc:sldMk cId="3872188134" sldId="439"/>
+            <ac:spMk id="12" creationId="{42189275-00A2-482C-91F9-9E68F7E38F10}"/>
+          </ac:spMkLst>
+        </pc:spChg>
+      </pc:sldChg>
+      <pc:sldChg chg="addSp delSp modSp mod">
+        <pc:chgData name="Boyle, Jamie" userId="1d18d3d4-7655-4f40-9060-98160e17b2e3" providerId="ADAL" clId="{D053C6D7-D1FF-4863-BC36-5EC8E80D976B}" dt="2024-02-14T13:15:52.823" v="1567" actId="20577"/>
+        <pc:sldMkLst>
+          <pc:docMk/>
+          <pc:sldMk cId="3596002856" sldId="464"/>
+        </pc:sldMkLst>
+        <pc:spChg chg="mod">
+          <ac:chgData name="Boyle, Jamie" userId="1d18d3d4-7655-4f40-9060-98160e17b2e3" providerId="ADAL" clId="{D053C6D7-D1FF-4863-BC36-5EC8E80D976B}" dt="2024-02-14T13:15:52.823" v="1567" actId="20577"/>
+          <ac:spMkLst>
+            <pc:docMk/>
+            <pc:sldMk cId="3596002856" sldId="464"/>
+            <ac:spMk id="6" creationId="{28280EFD-605B-4843-8D20-931E34B69861}"/>
+          </ac:spMkLst>
+        </pc:spChg>
+        <pc:picChg chg="del">
+          <ac:chgData name="Boyle, Jamie" userId="1d18d3d4-7655-4f40-9060-98160e17b2e3" providerId="ADAL" clId="{D053C6D7-D1FF-4863-BC36-5EC8E80D976B}" dt="2024-02-14T10:39:42.121" v="438" actId="478"/>
+          <ac:picMkLst>
+            <pc:docMk/>
+            <pc:sldMk cId="3596002856" sldId="464"/>
+            <ac:picMk id="4" creationId="{975A6674-29EA-450C-8946-4B7DE6D73741}"/>
+          </ac:picMkLst>
+        </pc:picChg>
+        <pc:picChg chg="del">
+          <ac:chgData name="Boyle, Jamie" userId="1d18d3d4-7655-4f40-9060-98160e17b2e3" providerId="ADAL" clId="{D053C6D7-D1FF-4863-BC36-5EC8E80D976B}" dt="2024-02-14T10:39:42.121" v="438" actId="478"/>
+          <ac:picMkLst>
+            <pc:docMk/>
+            <pc:sldMk cId="3596002856" sldId="464"/>
+            <ac:picMk id="7" creationId="{8584CB31-57CC-4EBA-B002-7D9A47FBBFB8}"/>
+          </ac:picMkLst>
+        </pc:picChg>
+        <pc:picChg chg="add del mod">
+          <ac:chgData name="Boyle, Jamie" userId="1d18d3d4-7655-4f40-9060-98160e17b2e3" providerId="ADAL" clId="{D053C6D7-D1FF-4863-BC36-5EC8E80D976B}" dt="2024-02-14T10:40:04.561" v="440" actId="478"/>
+          <ac:picMkLst>
+            <pc:docMk/>
+            <pc:sldMk cId="3596002856" sldId="464"/>
+            <ac:picMk id="8" creationId="{9499418C-B902-29E5-CB3E-F5290CB82C7D}"/>
+          </ac:picMkLst>
+        </pc:picChg>
+        <pc:picChg chg="add mod">
+          <ac:chgData name="Boyle, Jamie" userId="1d18d3d4-7655-4f40-9060-98160e17b2e3" providerId="ADAL" clId="{D053C6D7-D1FF-4863-BC36-5EC8E80D976B}" dt="2024-02-14T10:40:31.593" v="448" actId="1076"/>
+          <ac:picMkLst>
+            <pc:docMk/>
+            <pc:sldMk cId="3596002856" sldId="464"/>
+            <ac:picMk id="10" creationId="{2B0354D3-6D74-C626-3F3C-94D25CCEFBB0}"/>
+          </ac:picMkLst>
+        </pc:picChg>
+        <pc:picChg chg="add mod">
+          <ac:chgData name="Boyle, Jamie" userId="1d18d3d4-7655-4f40-9060-98160e17b2e3" providerId="ADAL" clId="{D053C6D7-D1FF-4863-BC36-5EC8E80D976B}" dt="2024-02-14T10:40:46.834" v="452" actId="1076"/>
+          <ac:picMkLst>
+            <pc:docMk/>
+            <pc:sldMk cId="3596002856" sldId="464"/>
+            <ac:picMk id="13" creationId="{97975E96-1091-2343-B2E5-B2419654C39C}"/>
+          </ac:picMkLst>
+        </pc:picChg>
+      </pc:sldChg>
+      <pc:sldChg chg="addSp delSp modSp mod delAnim">
+        <pc:chgData name="Boyle, Jamie" userId="1d18d3d4-7655-4f40-9060-98160e17b2e3" providerId="ADAL" clId="{D053C6D7-D1FF-4863-BC36-5EC8E80D976B}" dt="2024-02-14T13:16:18.070" v="1577" actId="1036"/>
+        <pc:sldMkLst>
+          <pc:docMk/>
+          <pc:sldMk cId="4270579721" sldId="465"/>
+        </pc:sldMkLst>
+        <pc:spChg chg="mod">
+          <ac:chgData name="Boyle, Jamie" userId="1d18d3d4-7655-4f40-9060-98160e17b2e3" providerId="ADAL" clId="{D053C6D7-D1FF-4863-BC36-5EC8E80D976B}" dt="2024-02-14T13:14:45.520" v="1537" actId="5793"/>
+          <ac:spMkLst>
+            <pc:docMk/>
+            <pc:sldMk cId="4270579721" sldId="465"/>
+            <ac:spMk id="6" creationId="{28280EFD-605B-4843-8D20-931E34B69861}"/>
+          </ac:spMkLst>
+        </pc:spChg>
+        <pc:spChg chg="del mod">
+          <ac:chgData name="Boyle, Jamie" userId="1d18d3d4-7655-4f40-9060-98160e17b2e3" providerId="ADAL" clId="{D053C6D7-D1FF-4863-BC36-5EC8E80D976B}" dt="2024-02-14T13:14:53.831" v="1540" actId="478"/>
+          <ac:spMkLst>
+            <pc:docMk/>
+            <pc:sldMk cId="4270579721" sldId="465"/>
+            <ac:spMk id="10" creationId="{2162D97B-D3EF-44DB-84F1-9988D25DDBF3}"/>
+          </ac:spMkLst>
+        </pc:spChg>
+        <pc:picChg chg="del">
+          <ac:chgData name="Boyle, Jamie" userId="1d18d3d4-7655-4f40-9060-98160e17b2e3" providerId="ADAL" clId="{D053C6D7-D1FF-4863-BC36-5EC8E80D976B}" dt="2024-02-14T10:31:36.306" v="129" actId="478"/>
+          <ac:picMkLst>
+            <pc:docMk/>
+            <pc:sldMk cId="4270579721" sldId="465"/>
+            <ac:picMk id="5" creationId="{3B436EEA-3046-4EE4-8E3C-AA517C6B1624}"/>
+          </ac:picMkLst>
+        </pc:picChg>
+        <pc:picChg chg="add mod">
+          <ac:chgData name="Boyle, Jamie" userId="1d18d3d4-7655-4f40-9060-98160e17b2e3" providerId="ADAL" clId="{D053C6D7-D1FF-4863-BC36-5EC8E80D976B}" dt="2024-02-14T13:16:18.070" v="1577" actId="1036"/>
+          <ac:picMkLst>
+            <pc:docMk/>
+            <pc:sldMk cId="4270579721" sldId="465"/>
+            <ac:picMk id="7" creationId="{36CFA66A-F89A-0E06-D346-7371F045F5A3}"/>
+          </ac:picMkLst>
+        </pc:picChg>
+        <pc:picChg chg="del">
+          <ac:chgData name="Boyle, Jamie" userId="1d18d3d4-7655-4f40-9060-98160e17b2e3" providerId="ADAL" clId="{D053C6D7-D1FF-4863-BC36-5EC8E80D976B}" dt="2024-02-14T13:14:52.689" v="1539" actId="478"/>
+          <ac:picMkLst>
+            <pc:docMk/>
+            <pc:sldMk cId="4270579721" sldId="465"/>
+            <ac:picMk id="12" creationId="{1F2906D6-0436-4535-8AAE-3AED641E2268}"/>
+          </ac:picMkLst>
+        </pc:picChg>
+      </pc:sldChg>
+      <pc:sldChg chg="addSp delSp modSp del mod">
+        <pc:chgData name="Boyle, Jamie" userId="1d18d3d4-7655-4f40-9060-98160e17b2e3" providerId="ADAL" clId="{D053C6D7-D1FF-4863-BC36-5EC8E80D976B}" dt="2024-02-14T10:51:07.812" v="1300" actId="47"/>
+        <pc:sldMkLst>
+          <pc:docMk/>
+          <pc:sldMk cId="950536162" sldId="467"/>
+        </pc:sldMkLst>
+        <pc:spChg chg="mod">
+          <ac:chgData name="Boyle, Jamie" userId="1d18d3d4-7655-4f40-9060-98160e17b2e3" providerId="ADAL" clId="{D053C6D7-D1FF-4863-BC36-5EC8E80D976B}" dt="2024-02-14T10:19:05.592" v="104" actId="20577"/>
+          <ac:spMkLst>
+            <pc:docMk/>
+            <pc:sldMk cId="950536162" sldId="467"/>
+            <ac:spMk id="9" creationId="{691CF701-DFB4-4A3E-87BC-9675F593B146}"/>
+          </ac:spMkLst>
+        </pc:spChg>
+        <pc:picChg chg="add del mod">
+          <ac:chgData name="Boyle, Jamie" userId="1d18d3d4-7655-4f40-9060-98160e17b2e3" providerId="ADAL" clId="{D053C6D7-D1FF-4863-BC36-5EC8E80D976B}" dt="2024-02-14T10:35:16.416" v="312" actId="21"/>
+          <ac:picMkLst>
+            <pc:docMk/>
+            <pc:sldMk cId="950536162" sldId="467"/>
+            <ac:picMk id="10" creationId="{09292764-5560-CE4F-4E47-33DC30C26F53}"/>
+          </ac:picMkLst>
+        </pc:picChg>
+      </pc:sldChg>
+      <pc:sldChg chg="modSp mod">
+        <pc:chgData name="Boyle, Jamie" userId="1d18d3d4-7655-4f40-9060-98160e17b2e3" providerId="ADAL" clId="{D053C6D7-D1FF-4863-BC36-5EC8E80D976B}" dt="2024-02-14T13:19:33.072" v="1629" actId="20577"/>
+        <pc:sldMkLst>
+          <pc:docMk/>
+          <pc:sldMk cId="3894120066" sldId="470"/>
+        </pc:sldMkLst>
+        <pc:spChg chg="mod">
+          <ac:chgData name="Boyle, Jamie" userId="1d18d3d4-7655-4f40-9060-98160e17b2e3" providerId="ADAL" clId="{D053C6D7-D1FF-4863-BC36-5EC8E80D976B}" dt="2024-02-14T13:19:33.072" v="1629" actId="20577"/>
+          <ac:spMkLst>
+            <pc:docMk/>
+            <pc:sldMk cId="3894120066" sldId="470"/>
+            <ac:spMk id="2" creationId="{F7DA9A4F-1DFD-49DB-8569-F5AB18BD6161}"/>
+          </ac:spMkLst>
+        </pc:spChg>
+      </pc:sldChg>
+      <pc:sldChg chg="modSp del mod">
+        <pc:chgData name="Boyle, Jamie" userId="1d18d3d4-7655-4f40-9060-98160e17b2e3" providerId="ADAL" clId="{D053C6D7-D1FF-4863-BC36-5EC8E80D976B}" dt="2024-02-14T10:53:46.872" v="1451" actId="47"/>
+        <pc:sldMkLst>
+          <pc:docMk/>
+          <pc:sldMk cId="352443531" sldId="472"/>
+        </pc:sldMkLst>
+        <pc:spChg chg="mod">
+          <ac:chgData name="Boyle, Jamie" userId="1d18d3d4-7655-4f40-9060-98160e17b2e3" providerId="ADAL" clId="{D053C6D7-D1FF-4863-BC36-5EC8E80D976B}" dt="2024-02-14T10:33:42.475" v="155" actId="6549"/>
+          <ac:spMkLst>
+            <pc:docMk/>
+            <pc:sldMk cId="352443531" sldId="472"/>
+            <ac:spMk id="2" creationId="{F7DA9A4F-1DFD-49DB-8569-F5AB18BD6161}"/>
+          </ac:spMkLst>
+        </pc:spChg>
+        <pc:spChg chg="mod">
+          <ac:chgData name="Boyle, Jamie" userId="1d18d3d4-7655-4f40-9060-98160e17b2e3" providerId="ADAL" clId="{D053C6D7-D1FF-4863-BC36-5EC8E80D976B}" dt="2024-02-14T10:34:02.638" v="244" actId="20577"/>
+          <ac:spMkLst>
+            <pc:docMk/>
+            <pc:sldMk cId="352443531" sldId="472"/>
+            <ac:spMk id="6" creationId="{28280EFD-605B-4843-8D20-931E34B69861}"/>
+          </ac:spMkLst>
+        </pc:spChg>
+      </pc:sldChg>
+      <pc:sldChg chg="add del">
+        <pc:chgData name="Boyle, Jamie" userId="1d18d3d4-7655-4f40-9060-98160e17b2e3" providerId="ADAL" clId="{D053C6D7-D1FF-4863-BC36-5EC8E80D976B}" dt="2024-02-14T10:16:48.681" v="4" actId="47"/>
+        <pc:sldMkLst>
+          <pc:docMk/>
+          <pc:sldMk cId="2600252083" sldId="475"/>
+        </pc:sldMkLst>
+      </pc:sldChg>
+      <pc:sldChg chg="modSp mod">
+        <pc:chgData name="Boyle, Jamie" userId="1d18d3d4-7655-4f40-9060-98160e17b2e3" providerId="ADAL" clId="{D053C6D7-D1FF-4863-BC36-5EC8E80D976B}" dt="2024-02-14T13:18:04.891" v="1594" actId="2711"/>
+        <pc:sldMkLst>
+          <pc:docMk/>
+          <pc:sldMk cId="3953602100" sldId="477"/>
+        </pc:sldMkLst>
+        <pc:spChg chg="mod">
+          <ac:chgData name="Boyle, Jamie" userId="1d18d3d4-7655-4f40-9060-98160e17b2e3" providerId="ADAL" clId="{D053C6D7-D1FF-4863-BC36-5EC8E80D976B}" dt="2024-02-14T13:18:04.891" v="1594" actId="2711"/>
+          <ac:spMkLst>
+            <pc:docMk/>
+            <pc:sldMk cId="3953602100" sldId="477"/>
+            <ac:spMk id="6" creationId="{28280EFD-605B-4843-8D20-931E34B69861}"/>
+          </ac:spMkLst>
+        </pc:spChg>
+      </pc:sldChg>
+      <pc:sldChg chg="addSp delSp modSp mod">
+        <pc:chgData name="Boyle, Jamie" userId="1d18d3d4-7655-4f40-9060-98160e17b2e3" providerId="ADAL" clId="{D053C6D7-D1FF-4863-BC36-5EC8E80D976B}" dt="2024-02-14T13:14:15.359" v="1526" actId="20577"/>
+        <pc:sldMkLst>
+          <pc:docMk/>
+          <pc:sldMk cId="1288073465" sldId="478"/>
+        </pc:sldMkLst>
+        <pc:spChg chg="mod">
+          <ac:chgData name="Boyle, Jamie" userId="1d18d3d4-7655-4f40-9060-98160e17b2e3" providerId="ADAL" clId="{D053C6D7-D1FF-4863-BC36-5EC8E80D976B}" dt="2024-02-14T13:13:41.873" v="1510" actId="20577"/>
+          <ac:spMkLst>
+            <pc:docMk/>
+            <pc:sldMk cId="1288073465" sldId="478"/>
+            <ac:spMk id="2" creationId="{F7DA9A4F-1DFD-49DB-8569-F5AB18BD6161}"/>
+          </ac:spMkLst>
+        </pc:spChg>
+        <pc:spChg chg="mod">
+          <ac:chgData name="Boyle, Jamie" userId="1d18d3d4-7655-4f40-9060-98160e17b2e3" providerId="ADAL" clId="{D053C6D7-D1FF-4863-BC36-5EC8E80D976B}" dt="2024-02-14T13:14:15.359" v="1526" actId="20577"/>
+          <ac:spMkLst>
+            <pc:docMk/>
+            <pc:sldMk cId="1288073465" sldId="478"/>
+            <ac:spMk id="6" creationId="{28280EFD-605B-4843-8D20-931E34B69861}"/>
+          </ac:spMkLst>
+        </pc:spChg>
+        <pc:picChg chg="del">
+          <ac:chgData name="Boyle, Jamie" userId="1d18d3d4-7655-4f40-9060-98160e17b2e3" providerId="ADAL" clId="{D053C6D7-D1FF-4863-BC36-5EC8E80D976B}" dt="2024-02-14T13:11:58.696" v="1452" actId="478"/>
+          <ac:picMkLst>
+            <pc:docMk/>
+            <pc:sldMk cId="1288073465" sldId="478"/>
+            <ac:picMk id="5" creationId="{D856F8E8-3116-B314-557F-BD4886003B87}"/>
+          </ac:picMkLst>
+        </pc:picChg>
+        <pc:picChg chg="add mod">
+          <ac:chgData name="Boyle, Jamie" userId="1d18d3d4-7655-4f40-9060-98160e17b2e3" providerId="ADAL" clId="{D053C6D7-D1FF-4863-BC36-5EC8E80D976B}" dt="2024-02-14T13:12:58.928" v="1469" actId="14100"/>
+          <ac:picMkLst>
+            <pc:docMk/>
+            <pc:sldMk cId="1288073465" sldId="478"/>
+            <ac:picMk id="7" creationId="{D8F836E3-95F8-299E-7331-8DBE309593BF}"/>
+          </ac:picMkLst>
+        </pc:picChg>
+        <pc:picChg chg="del">
+          <ac:chgData name="Boyle, Jamie" userId="1d18d3d4-7655-4f40-9060-98160e17b2e3" providerId="ADAL" clId="{D053C6D7-D1FF-4863-BC36-5EC8E80D976B}" dt="2024-02-14T13:12:14.407" v="1457" actId="478"/>
+          <ac:picMkLst>
+            <pc:docMk/>
+            <pc:sldMk cId="1288073465" sldId="478"/>
+            <ac:picMk id="8" creationId="{50F14EF1-BD3C-72B5-FB7A-ED1A4C05C19F}"/>
+          </ac:picMkLst>
+        </pc:picChg>
+        <pc:picChg chg="del">
+          <ac:chgData name="Boyle, Jamie" userId="1d18d3d4-7655-4f40-9060-98160e17b2e3" providerId="ADAL" clId="{D053C6D7-D1FF-4863-BC36-5EC8E80D976B}" dt="2024-02-14T13:12:41.454" v="1464" actId="478"/>
+          <ac:picMkLst>
+            <pc:docMk/>
+            <pc:sldMk cId="1288073465" sldId="478"/>
+            <ac:picMk id="10" creationId="{4E0A87F5-8EA3-6A56-CCDD-EEB287500381}"/>
+          </ac:picMkLst>
+        </pc:picChg>
+        <pc:picChg chg="add mod">
+          <ac:chgData name="Boyle, Jamie" userId="1d18d3d4-7655-4f40-9060-98160e17b2e3" providerId="ADAL" clId="{D053C6D7-D1FF-4863-BC36-5EC8E80D976B}" dt="2024-02-14T13:13:04.720" v="1472" actId="14100"/>
+          <ac:picMkLst>
+            <pc:docMk/>
+            <pc:sldMk cId="1288073465" sldId="478"/>
+            <ac:picMk id="12" creationId="{CAD76931-09FF-54AA-C86B-965D6D1D9CDC}"/>
+          </ac:picMkLst>
+        </pc:picChg>
+        <pc:picChg chg="add mod">
+          <ac:chgData name="Boyle, Jamie" userId="1d18d3d4-7655-4f40-9060-98160e17b2e3" providerId="ADAL" clId="{D053C6D7-D1FF-4863-BC36-5EC8E80D976B}" dt="2024-02-14T13:13:11.353" v="1480" actId="1035"/>
+          <ac:picMkLst>
+            <pc:docMk/>
+            <pc:sldMk cId="1288073465" sldId="478"/>
+            <ac:picMk id="14" creationId="{83E2B9FE-6886-AF22-3F08-915D35EE2F45}"/>
+          </ac:picMkLst>
+        </pc:picChg>
+      </pc:sldChg>
+      <pc:sldChg chg="modSp mod">
+        <pc:chgData name="Boyle, Jamie" userId="1d18d3d4-7655-4f40-9060-98160e17b2e3" providerId="ADAL" clId="{D053C6D7-D1FF-4863-BC36-5EC8E80D976B}" dt="2024-02-14T13:17:18.842" v="1591" actId="2711"/>
+        <pc:sldMkLst>
+          <pc:docMk/>
+          <pc:sldMk cId="1356777455" sldId="479"/>
+        </pc:sldMkLst>
+        <pc:spChg chg="mod">
+          <ac:chgData name="Boyle, Jamie" userId="1d18d3d4-7655-4f40-9060-98160e17b2e3" providerId="ADAL" clId="{D053C6D7-D1FF-4863-BC36-5EC8E80D976B}" dt="2024-02-14T13:17:18.842" v="1591" actId="2711"/>
+          <ac:spMkLst>
+            <pc:docMk/>
+            <pc:sldMk cId="1356777455" sldId="479"/>
+            <ac:spMk id="6" creationId="{28280EFD-605B-4843-8D20-931E34B69861}"/>
+          </ac:spMkLst>
+        </pc:spChg>
+      </pc:sldChg>
+      <pc:sldChg chg="modSp mod">
+        <pc:chgData name="Boyle, Jamie" userId="1d18d3d4-7655-4f40-9060-98160e17b2e3" providerId="ADAL" clId="{D053C6D7-D1FF-4863-BC36-5EC8E80D976B}" dt="2024-02-14T13:19:18.526" v="1607" actId="20577"/>
+        <pc:sldMkLst>
+          <pc:docMk/>
+          <pc:sldMk cId="552336596" sldId="480"/>
+        </pc:sldMkLst>
+        <pc:spChg chg="mod">
+          <ac:chgData name="Boyle, Jamie" userId="1d18d3d4-7655-4f40-9060-98160e17b2e3" providerId="ADAL" clId="{D053C6D7-D1FF-4863-BC36-5EC8E80D976B}" dt="2024-02-14T13:19:18.526" v="1607" actId="20577"/>
+          <ac:spMkLst>
+            <pc:docMk/>
+            <pc:sldMk cId="552336596" sldId="480"/>
+            <ac:spMk id="2" creationId="{F7DA9A4F-1DFD-49DB-8569-F5AB18BD6161}"/>
+          </ac:spMkLst>
+        </pc:spChg>
+      </pc:sldChg>
+      <pc:sldChg chg="modSp mod">
+        <pc:chgData name="Boyle, Jamie" userId="1d18d3d4-7655-4f40-9060-98160e17b2e3" providerId="ADAL" clId="{D053C6D7-D1FF-4863-BC36-5EC8E80D976B}" dt="2024-02-14T13:19:24.775" v="1618" actId="20577"/>
+        <pc:sldMkLst>
+          <pc:docMk/>
+          <pc:sldMk cId="3209071012" sldId="481"/>
+        </pc:sldMkLst>
+        <pc:spChg chg="mod">
+          <ac:chgData name="Boyle, Jamie" userId="1d18d3d4-7655-4f40-9060-98160e17b2e3" providerId="ADAL" clId="{D053C6D7-D1FF-4863-BC36-5EC8E80D976B}" dt="2024-02-14T13:19:24.775" v="1618" actId="20577"/>
+          <ac:spMkLst>
+            <pc:docMk/>
+            <pc:sldMk cId="3209071012" sldId="481"/>
+            <ac:spMk id="2" creationId="{F7DA9A4F-1DFD-49DB-8569-F5AB18BD6161}"/>
+          </ac:spMkLst>
+        </pc:spChg>
+      </pc:sldChg>
+      <pc:sldChg chg="addSp delSp modSp add mod">
+        <pc:chgData name="Boyle, Jamie" userId="1d18d3d4-7655-4f40-9060-98160e17b2e3" providerId="ADAL" clId="{D053C6D7-D1FF-4863-BC36-5EC8E80D976B}" dt="2024-02-14T13:15:07.990" v="1551" actId="1036"/>
+        <pc:sldMkLst>
+          <pc:docMk/>
+          <pc:sldMk cId="3918574698" sldId="482"/>
+        </pc:sldMkLst>
+        <pc:spChg chg="mod">
+          <ac:chgData name="Boyle, Jamie" userId="1d18d3d4-7655-4f40-9060-98160e17b2e3" providerId="ADAL" clId="{D053C6D7-D1FF-4863-BC36-5EC8E80D976B}" dt="2024-02-14T10:30:25.678" v="126" actId="20577"/>
+          <ac:spMkLst>
+            <pc:docMk/>
+            <pc:sldMk cId="3918574698" sldId="482"/>
+            <ac:spMk id="2" creationId="{F7DA9A4F-1DFD-49DB-8569-F5AB18BD6161}"/>
+          </ac:spMkLst>
+        </pc:spChg>
+        <pc:spChg chg="mod">
+          <ac:chgData name="Boyle, Jamie" userId="1d18d3d4-7655-4f40-9060-98160e17b2e3" providerId="ADAL" clId="{D053C6D7-D1FF-4863-BC36-5EC8E80D976B}" dt="2024-02-14T10:49:03.281" v="1144" actId="1036"/>
+          <ac:spMkLst>
+            <pc:docMk/>
+            <pc:sldMk cId="3918574698" sldId="482"/>
+            <ac:spMk id="3" creationId="{7C3E703A-A386-472F-AD27-D2D983CC7A66}"/>
+          </ac:spMkLst>
+        </pc:spChg>
+        <pc:spChg chg="mod">
+          <ac:chgData name="Boyle, Jamie" userId="1d18d3d4-7655-4f40-9060-98160e17b2e3" providerId="ADAL" clId="{D053C6D7-D1FF-4863-BC36-5EC8E80D976B}" dt="2024-02-14T10:49:09.981" v="1181" actId="1035"/>
+          <ac:spMkLst>
+            <pc:docMk/>
+            <pc:sldMk cId="3918574698" sldId="482"/>
+            <ac:spMk id="6" creationId="{28280EFD-605B-4843-8D20-931E34B69861}"/>
+          </ac:spMkLst>
+        </pc:spChg>
+        <pc:spChg chg="add mod">
+          <ac:chgData name="Boyle, Jamie" userId="1d18d3d4-7655-4f40-9060-98160e17b2e3" providerId="ADAL" clId="{D053C6D7-D1FF-4863-BC36-5EC8E80D976B}" dt="2024-02-14T10:50:10.043" v="1297" actId="1036"/>
+          <ac:spMkLst>
+            <pc:docMk/>
+            <pc:sldMk cId="3918574698" sldId="482"/>
+            <ac:spMk id="14" creationId="{31002B14-FBF7-83D2-3EDF-146E170A8F6A}"/>
+          </ac:spMkLst>
+        </pc:spChg>
+        <pc:spChg chg="add mod">
+          <ac:chgData name="Boyle, Jamie" userId="1d18d3d4-7655-4f40-9060-98160e17b2e3" providerId="ADAL" clId="{D053C6D7-D1FF-4863-BC36-5EC8E80D976B}" dt="2024-02-14T13:15:07.990" v="1551" actId="1036"/>
+          <ac:spMkLst>
+            <pc:docMk/>
+            <pc:sldMk cId="3918574698" sldId="482"/>
+            <ac:spMk id="19" creationId="{D220DF4F-9351-417B-AD5D-E83FD0F8CF12}"/>
+          </ac:spMkLst>
+        </pc:spChg>
+        <pc:spChg chg="add del mod">
+          <ac:chgData name="Boyle, Jamie" userId="1d18d3d4-7655-4f40-9060-98160e17b2e3" providerId="ADAL" clId="{D053C6D7-D1FF-4863-BC36-5EC8E80D976B}" dt="2024-02-14T10:46:57.546" v="833"/>
+          <ac:spMkLst>
+            <pc:docMk/>
+            <pc:sldMk cId="3918574698" sldId="482"/>
+            <ac:spMk id="23" creationId="{E08C72D3-18F4-1470-6AB7-C8B44C0D005A}"/>
+          </ac:spMkLst>
+        </pc:spChg>
+        <pc:spChg chg="add mod">
+          <ac:chgData name="Boyle, Jamie" userId="1d18d3d4-7655-4f40-9060-98160e17b2e3" providerId="ADAL" clId="{D053C6D7-D1FF-4863-BC36-5EC8E80D976B}" dt="2024-02-14T10:49:09.981" v="1181" actId="1035"/>
+          <ac:spMkLst>
+            <pc:docMk/>
+            <pc:sldMk cId="3918574698" sldId="482"/>
+            <ac:spMk id="25" creationId="{7BD749BB-6204-2F6E-C4A7-93CEE0C6E3CE}"/>
+          </ac:spMkLst>
+        </pc:spChg>
+        <pc:spChg chg="add mod">
+          <ac:chgData name="Boyle, Jamie" userId="1d18d3d4-7655-4f40-9060-98160e17b2e3" providerId="ADAL" clId="{D053C6D7-D1FF-4863-BC36-5EC8E80D976B}" dt="2024-02-14T10:49:27.950" v="1187" actId="122"/>
+          <ac:spMkLst>
+            <pc:docMk/>
+            <pc:sldMk cId="3918574698" sldId="482"/>
+            <ac:spMk id="30" creationId="{F97AA488-3176-0035-88BC-2037731EB15A}"/>
+          </ac:spMkLst>
+        </pc:spChg>
+        <pc:spChg chg="add mod">
+          <ac:chgData name="Boyle, Jamie" userId="1d18d3d4-7655-4f40-9060-98160e17b2e3" providerId="ADAL" clId="{D053C6D7-D1FF-4863-BC36-5EC8E80D976B}" dt="2024-02-14T10:50:02.659" v="1268" actId="1035"/>
+          <ac:spMkLst>
+            <pc:docMk/>
+            <pc:sldMk cId="3918574698" sldId="482"/>
+            <ac:spMk id="32" creationId="{AE17D4B0-94D9-6B38-1E6E-38376250EB15}"/>
+          </ac:spMkLst>
+        </pc:spChg>
+        <pc:picChg chg="del mod">
+          <ac:chgData name="Boyle, Jamie" userId="1d18d3d4-7655-4f40-9060-98160e17b2e3" providerId="ADAL" clId="{D053C6D7-D1FF-4863-BC36-5EC8E80D976B}" dt="2024-02-14T10:44:24.017" v="643" actId="478"/>
+          <ac:picMkLst>
+            <pc:docMk/>
+            <pc:sldMk cId="3918574698" sldId="482"/>
+            <ac:picMk id="4" creationId="{975A6674-29EA-450C-8946-4B7DE6D73741}"/>
+          </ac:picMkLst>
+        </pc:picChg>
+        <pc:picChg chg="del mod">
+          <ac:chgData name="Boyle, Jamie" userId="1d18d3d4-7655-4f40-9060-98160e17b2e3" providerId="ADAL" clId="{D053C6D7-D1FF-4863-BC36-5EC8E80D976B}" dt="2024-02-14T10:44:25.140" v="644" actId="478"/>
+          <ac:picMkLst>
+            <pc:docMk/>
+            <pc:sldMk cId="3918574698" sldId="482"/>
+            <ac:picMk id="7" creationId="{8584CB31-57CC-4EBA-B002-7D9A47FBBFB8}"/>
+          </ac:picMkLst>
+        </pc:picChg>
+        <pc:picChg chg="add mod">
+          <ac:chgData name="Boyle, Jamie" userId="1d18d3d4-7655-4f40-9060-98160e17b2e3" providerId="ADAL" clId="{D053C6D7-D1FF-4863-BC36-5EC8E80D976B}" dt="2024-02-14T10:50:10.043" v="1297" actId="1036"/>
+          <ac:picMkLst>
+            <pc:docMk/>
+            <pc:sldMk cId="3918574698" sldId="482"/>
+            <ac:picMk id="8" creationId="{2713215D-323C-F504-B99E-F7FDB4F9CD05}"/>
+          </ac:picMkLst>
+        </pc:picChg>
+        <pc:picChg chg="add mod">
+          <ac:chgData name="Boyle, Jamie" userId="1d18d3d4-7655-4f40-9060-98160e17b2e3" providerId="ADAL" clId="{D053C6D7-D1FF-4863-BC36-5EC8E80D976B}" dt="2024-02-14T10:49:18.500" v="1184" actId="1076"/>
+          <ac:picMkLst>
+            <pc:docMk/>
+            <pc:sldMk cId="3918574698" sldId="482"/>
+            <ac:picMk id="17" creationId="{E781307E-7B8F-F0D0-8625-28ACA3DCC8BC}"/>
+          </ac:picMkLst>
+        </pc:picChg>
+        <pc:cxnChg chg="add mod">
+          <ac:chgData name="Boyle, Jamie" userId="1d18d3d4-7655-4f40-9060-98160e17b2e3" providerId="ADAL" clId="{D053C6D7-D1FF-4863-BC36-5EC8E80D976B}" dt="2024-02-14T10:50:10.043" v="1297" actId="1036"/>
+          <ac:cxnSpMkLst>
+            <pc:docMk/>
+            <pc:sldMk cId="3918574698" sldId="482"/>
+            <ac:cxnSpMk id="10" creationId="{228BA32C-9C7F-F0DD-A88E-F7A11FDB3526}"/>
+          </ac:cxnSpMkLst>
+        </pc:cxnChg>
+        <pc:cxnChg chg="add mod">
+          <ac:chgData name="Boyle, Jamie" userId="1d18d3d4-7655-4f40-9060-98160e17b2e3" providerId="ADAL" clId="{D053C6D7-D1FF-4863-BC36-5EC8E80D976B}" dt="2024-02-14T10:49:09.981" v="1181" actId="1035"/>
+          <ac:cxnSpMkLst>
+            <pc:docMk/>
+            <pc:sldMk cId="3918574698" sldId="482"/>
+            <ac:cxnSpMk id="18" creationId="{DE498B43-DC00-5E83-420C-2066C5C06788}"/>
+          </ac:cxnSpMkLst>
+        </pc:cxnChg>
+        <pc:cxnChg chg="add del mod">
+          <ac:chgData name="Boyle, Jamie" userId="1d18d3d4-7655-4f40-9060-98160e17b2e3" providerId="ADAL" clId="{D053C6D7-D1FF-4863-BC36-5EC8E80D976B}" dt="2024-02-14T10:46:57.546" v="833"/>
+          <ac:cxnSpMkLst>
+            <pc:docMk/>
+            <pc:sldMk cId="3918574698" sldId="482"/>
+            <ac:cxnSpMk id="22" creationId="{AF114E44-5044-3004-B9F0-F6DB948CADDE}"/>
+          </ac:cxnSpMkLst>
+        </pc:cxnChg>
+        <pc:cxnChg chg="add mod">
+          <ac:chgData name="Boyle, Jamie" userId="1d18d3d4-7655-4f40-9060-98160e17b2e3" providerId="ADAL" clId="{D053C6D7-D1FF-4863-BC36-5EC8E80D976B}" dt="2024-02-14T10:49:09.981" v="1181" actId="1035"/>
+          <ac:cxnSpMkLst>
+            <pc:docMk/>
+            <pc:sldMk cId="3918574698" sldId="482"/>
+            <ac:cxnSpMk id="24" creationId="{2BB325EF-2D05-7DFC-EA1A-BD9847F41BA7}"/>
+          </ac:cxnSpMkLst>
+        </pc:cxnChg>
+        <pc:cxnChg chg="add mod">
+          <ac:chgData name="Boyle, Jamie" userId="1d18d3d4-7655-4f40-9060-98160e17b2e3" providerId="ADAL" clId="{D053C6D7-D1FF-4863-BC36-5EC8E80D976B}" dt="2024-02-14T10:50:20.876" v="1299" actId="14100"/>
+          <ac:cxnSpMkLst>
+            <pc:docMk/>
+            <pc:sldMk cId="3918574698" sldId="482"/>
+            <ac:cxnSpMk id="29" creationId="{1705D1B9-D71F-719D-CAB5-B2FF0A05DE2B}"/>
+          </ac:cxnSpMkLst>
+        </pc:cxnChg>
+      </pc:sldChg>
+      <pc:sldChg chg="addSp delSp modSp add mod ord modAnim">
+        <pc:chgData name="Boyle, Jamie" userId="1d18d3d4-7655-4f40-9060-98160e17b2e3" providerId="ADAL" clId="{D053C6D7-D1FF-4863-BC36-5EC8E80D976B}" dt="2024-02-14T13:16:26.735" v="1590" actId="1037"/>
+        <pc:sldMkLst>
+          <pc:docMk/>
+          <pc:sldMk cId="3835775827" sldId="483"/>
+        </pc:sldMkLst>
+        <pc:spChg chg="mod">
+          <ac:chgData name="Boyle, Jamie" userId="1d18d3d4-7655-4f40-9060-98160e17b2e3" providerId="ADAL" clId="{D053C6D7-D1FF-4863-BC36-5EC8E80D976B}" dt="2024-02-14T13:14:37.399" v="1536" actId="5793"/>
+          <ac:spMkLst>
+            <pc:docMk/>
+            <pc:sldMk cId="3835775827" sldId="483"/>
+            <ac:spMk id="6" creationId="{28280EFD-605B-4843-8D20-931E34B69861}"/>
+          </ac:spMkLst>
+        </pc:spChg>
+        <pc:spChg chg="mod">
+          <ac:chgData name="Boyle, Jamie" userId="1d18d3d4-7655-4f40-9060-98160e17b2e3" providerId="ADAL" clId="{D053C6D7-D1FF-4863-BC36-5EC8E80D976B}" dt="2024-02-14T10:38:33.741" v="434" actId="20577"/>
+          <ac:spMkLst>
+            <pc:docMk/>
+            <pc:sldMk cId="3835775827" sldId="483"/>
+            <ac:spMk id="9" creationId="{757D3795-1486-40C0-A71B-F9CA199D1B92}"/>
+          </ac:spMkLst>
+        </pc:spChg>
+        <pc:spChg chg="mod">
+          <ac:chgData name="Boyle, Jamie" userId="1d18d3d4-7655-4f40-9060-98160e17b2e3" providerId="ADAL" clId="{D053C6D7-D1FF-4863-BC36-5EC8E80D976B}" dt="2024-02-14T10:35:38.118" v="344" actId="20577"/>
+          <ac:spMkLst>
+            <pc:docMk/>
+            <pc:sldMk cId="3835775827" sldId="483"/>
+            <ac:spMk id="13" creationId="{A1FA3161-1025-496B-8678-2F2635C24E98}"/>
+          </ac:spMkLst>
+        </pc:spChg>
+        <pc:spChg chg="mod">
+          <ac:chgData name="Boyle, Jamie" userId="1d18d3d4-7655-4f40-9060-98160e17b2e3" providerId="ADAL" clId="{D053C6D7-D1FF-4863-BC36-5EC8E80D976B}" dt="2024-02-14T13:16:26.735" v="1590" actId="1037"/>
+          <ac:spMkLst>
+            <pc:docMk/>
+            <pc:sldMk cId="3835775827" sldId="483"/>
+            <ac:spMk id="14" creationId="{B1627655-64AA-463C-8F65-529CB6983D0D}"/>
+          </ac:spMkLst>
+        </pc:spChg>
+        <pc:picChg chg="del">
+          <ac:chgData name="Boyle, Jamie" userId="1d18d3d4-7655-4f40-9060-98160e17b2e3" providerId="ADAL" clId="{D053C6D7-D1FF-4863-BC36-5EC8E80D976B}" dt="2024-02-14T10:37:11.153" v="373" actId="478"/>
+          <ac:picMkLst>
+            <pc:docMk/>
+            <pc:sldMk cId="3835775827" sldId="483"/>
+            <ac:picMk id="4" creationId="{B581D9D4-6DD4-472C-9445-63BE313263D9}"/>
+          </ac:picMkLst>
+        </pc:picChg>
+        <pc:picChg chg="del">
+          <ac:chgData name="Boyle, Jamie" userId="1d18d3d4-7655-4f40-9060-98160e17b2e3" providerId="ADAL" clId="{D053C6D7-D1FF-4863-BC36-5EC8E80D976B}" dt="2024-02-14T10:34:13.731" v="246" actId="478"/>
+          <ac:picMkLst>
+            <pc:docMk/>
+            <pc:sldMk cId="3835775827" sldId="483"/>
+            <ac:picMk id="7" creationId="{11DE1D7A-2CC0-4FDC-B864-38C1D90D18F9}"/>
+          </ac:picMkLst>
+        </pc:picChg>
+        <pc:picChg chg="del">
+          <ac:chgData name="Boyle, Jamie" userId="1d18d3d4-7655-4f40-9060-98160e17b2e3" providerId="ADAL" clId="{D053C6D7-D1FF-4863-BC36-5EC8E80D976B}" dt="2024-02-14T10:34:13.731" v="246" actId="478"/>
+          <ac:picMkLst>
+            <pc:docMk/>
+            <pc:sldMk cId="3835775827" sldId="483"/>
+            <ac:picMk id="8" creationId="{954B117E-FD6C-4F9B-BDE4-80D3BE6223B9}"/>
+          </ac:picMkLst>
+        </pc:picChg>
+        <pc:picChg chg="add del mod">
+          <ac:chgData name="Boyle, Jamie" userId="1d18d3d4-7655-4f40-9060-98160e17b2e3" providerId="ADAL" clId="{D053C6D7-D1FF-4863-BC36-5EC8E80D976B}" dt="2024-02-14T10:34:58.014" v="310" actId="478"/>
+          <ac:picMkLst>
+            <pc:docMk/>
+            <pc:sldMk cId="3835775827" sldId="483"/>
+            <ac:picMk id="10" creationId="{A7E606CF-9BE5-10D0-4A42-E63CEF1AC808}"/>
+          </ac:picMkLst>
+        </pc:picChg>
+        <pc:picChg chg="add mod">
+          <ac:chgData name="Boyle, Jamie" userId="1d18d3d4-7655-4f40-9060-98160e17b2e3" providerId="ADAL" clId="{D053C6D7-D1FF-4863-BC36-5EC8E80D976B}" dt="2024-02-14T10:38:41.563" v="435" actId="1076"/>
+          <ac:picMkLst>
+            <pc:docMk/>
+            <pc:sldMk cId="3835775827" sldId="483"/>
+            <ac:picMk id="12" creationId="{93CDC603-BEA7-C6A3-385F-08CDC26577C5}"/>
+          </ac:picMkLst>
+        </pc:picChg>
+        <pc:picChg chg="del">
+          <ac:chgData name="Boyle, Jamie" userId="1d18d3d4-7655-4f40-9060-98160e17b2e3" providerId="ADAL" clId="{D053C6D7-D1FF-4863-BC36-5EC8E80D976B}" dt="2024-02-14T10:34:13.731" v="246" actId="478"/>
+          <ac:picMkLst>
+            <pc:docMk/>
+            <pc:sldMk cId="3835775827" sldId="483"/>
+            <ac:picMk id="15" creationId="{7D622C9A-905A-45D0-8C09-B8BD6AFB0C0F}"/>
+          </ac:picMkLst>
+        </pc:picChg>
+        <pc:picChg chg="add mod">
+          <ac:chgData name="Boyle, Jamie" userId="1d18d3d4-7655-4f40-9060-98160e17b2e3" providerId="ADAL" clId="{D053C6D7-D1FF-4863-BC36-5EC8E80D976B}" dt="2024-02-14T10:35:55.613" v="349" actId="1076"/>
+          <ac:picMkLst>
+            <pc:docMk/>
+            <pc:sldMk cId="3835775827" sldId="483"/>
+            <ac:picMk id="17" creationId="{46662C96-9676-1507-6ECE-A84AEE22A089}"/>
+          </ac:picMkLst>
+        </pc:picChg>
+        <pc:picChg chg="add mod">
+          <ac:chgData name="Boyle, Jamie" userId="1d18d3d4-7655-4f40-9060-98160e17b2e3" providerId="ADAL" clId="{D053C6D7-D1FF-4863-BC36-5EC8E80D976B}" dt="2024-02-14T10:38:44.621" v="436" actId="1076"/>
+          <ac:picMkLst>
+            <pc:docMk/>
+            <pc:sldMk cId="3835775827" sldId="483"/>
+            <ac:picMk id="19" creationId="{2E0DC09F-E82C-3B26-5234-38D13BD51D1E}"/>
+          </ac:picMkLst>
+        </pc:picChg>
+        <pc:picChg chg="add del mod">
+          <ac:chgData name="Boyle, Jamie" userId="1d18d3d4-7655-4f40-9060-98160e17b2e3" providerId="ADAL" clId="{D053C6D7-D1FF-4863-BC36-5EC8E80D976B}" dt="2024-02-14T10:37:31.231" v="378" actId="478"/>
+          <ac:picMkLst>
+            <pc:docMk/>
+            <pc:sldMk cId="3835775827" sldId="483"/>
+            <ac:picMk id="21" creationId="{5D97471F-7FA2-9BAF-F77B-87EB435F244F}"/>
+          </ac:picMkLst>
+        </pc:picChg>
+        <pc:picChg chg="add del mod">
+          <ac:chgData name="Boyle, Jamie" userId="1d18d3d4-7655-4f40-9060-98160e17b2e3" providerId="ADAL" clId="{D053C6D7-D1FF-4863-BC36-5EC8E80D976B}" dt="2024-02-14T10:37:56.864" v="382" actId="478"/>
+          <ac:picMkLst>
+            <pc:docMk/>
+            <pc:sldMk cId="3835775827" sldId="483"/>
+            <ac:picMk id="23" creationId="{C5810425-482A-46A2-526E-14EBDC82C8F2}"/>
+          </ac:picMkLst>
+        </pc:picChg>
+        <pc:picChg chg="add mod">
+          <ac:chgData name="Boyle, Jamie" userId="1d18d3d4-7655-4f40-9060-98160e17b2e3" providerId="ADAL" clId="{D053C6D7-D1FF-4863-BC36-5EC8E80D976B}" dt="2024-02-14T10:38:21.928" v="385" actId="1076"/>
+          <ac:picMkLst>
+            <pc:docMk/>
+            <pc:sldMk cId="3835775827" sldId="483"/>
+            <ac:picMk id="25" creationId="{B71C38C6-B139-743B-D52C-152A55C3EA3D}"/>
+          </ac:picMkLst>
+        </pc:picChg>
+      </pc:sldChg>
+      <pc:sldChg chg="addSp delSp modSp add mod delAnim">
+        <pc:chgData name="Boyle, Jamie" userId="1d18d3d4-7655-4f40-9060-98160e17b2e3" providerId="ADAL" clId="{D053C6D7-D1FF-4863-BC36-5EC8E80D976B}" dt="2024-02-14T13:14:30.355" v="1535" actId="1036"/>
+        <pc:sldMkLst>
+          <pc:docMk/>
+          <pc:sldMk cId="3086354331" sldId="484"/>
+        </pc:sldMkLst>
+        <pc:spChg chg="mod">
+          <ac:chgData name="Boyle, Jamie" userId="1d18d3d4-7655-4f40-9060-98160e17b2e3" providerId="ADAL" clId="{D053C6D7-D1FF-4863-BC36-5EC8E80D976B}" dt="2024-02-14T13:14:26.847" v="1527" actId="5793"/>
+          <ac:spMkLst>
+            <pc:docMk/>
+            <pc:sldMk cId="3086354331" sldId="484"/>
+            <ac:spMk id="6" creationId="{28280EFD-605B-4843-8D20-931E34B69861}"/>
+          </ac:spMkLst>
+        </pc:spChg>
+        <pc:spChg chg="del">
+          <ac:chgData name="Boyle, Jamie" userId="1d18d3d4-7655-4f40-9060-98160e17b2e3" providerId="ADAL" clId="{D053C6D7-D1FF-4863-BC36-5EC8E80D976B}" dt="2024-02-14T10:52:02.635" v="1412" actId="478"/>
+          <ac:spMkLst>
+            <pc:docMk/>
+            <pc:sldMk cId="3086354331" sldId="484"/>
+            <ac:spMk id="9" creationId="{757D3795-1486-40C0-A71B-F9CA199D1B92}"/>
+          </ac:spMkLst>
+        </pc:spChg>
+        <pc:spChg chg="del">
+          <ac:chgData name="Boyle, Jamie" userId="1d18d3d4-7655-4f40-9060-98160e17b2e3" providerId="ADAL" clId="{D053C6D7-D1FF-4863-BC36-5EC8E80D976B}" dt="2024-02-14T10:51:59.894" v="1411" actId="478"/>
+          <ac:spMkLst>
+            <pc:docMk/>
+            <pc:sldMk cId="3086354331" sldId="484"/>
+            <ac:spMk id="13" creationId="{A1FA3161-1025-496B-8678-2F2635C24E98}"/>
+          </ac:spMkLst>
+        </pc:spChg>
+        <pc:spChg chg="del">
+          <ac:chgData name="Boyle, Jamie" userId="1d18d3d4-7655-4f40-9060-98160e17b2e3" providerId="ADAL" clId="{D053C6D7-D1FF-4863-BC36-5EC8E80D976B}" dt="2024-02-14T10:51:59.894" v="1411" actId="478"/>
+          <ac:spMkLst>
+            <pc:docMk/>
+            <pc:sldMk cId="3086354331" sldId="484"/>
+            <ac:spMk id="14" creationId="{B1627655-64AA-463C-8F65-529CB6983D0D}"/>
+          </ac:spMkLst>
+        </pc:spChg>
+        <pc:picChg chg="add mod">
+          <ac:chgData name="Boyle, Jamie" userId="1d18d3d4-7655-4f40-9060-98160e17b2e3" providerId="ADAL" clId="{D053C6D7-D1FF-4863-BC36-5EC8E80D976B}" dt="2024-02-14T10:53:21.668" v="1435" actId="14100"/>
+          <ac:picMkLst>
+            <pc:docMk/>
+            <pc:sldMk cId="3086354331" sldId="484"/>
+            <ac:picMk id="5" creationId="{6377B8D9-7742-7626-65B9-7394F2C6DB15}"/>
+          </ac:picMkLst>
+        </pc:picChg>
+        <pc:picChg chg="add del mod">
+          <ac:chgData name="Boyle, Jamie" userId="1d18d3d4-7655-4f40-9060-98160e17b2e3" providerId="ADAL" clId="{D053C6D7-D1FF-4863-BC36-5EC8E80D976B}" dt="2024-02-14T10:52:34.453" v="1426" actId="478"/>
+          <ac:picMkLst>
+            <pc:docMk/>
+            <pc:sldMk cId="3086354331" sldId="484"/>
+            <ac:picMk id="8" creationId="{4C7C8B4C-5B6D-323F-7571-847D28C99CEF}"/>
+          </ac:picMkLst>
+        </pc:picChg>
+        <pc:picChg chg="del">
+          <ac:chgData name="Boyle, Jamie" userId="1d18d3d4-7655-4f40-9060-98160e17b2e3" providerId="ADAL" clId="{D053C6D7-D1FF-4863-BC36-5EC8E80D976B}" dt="2024-02-14T10:51:59.894" v="1411" actId="478"/>
+          <ac:picMkLst>
+            <pc:docMk/>
+            <pc:sldMk cId="3086354331" sldId="484"/>
+            <ac:picMk id="12" creationId="{93CDC603-BEA7-C6A3-385F-08CDC26577C5}"/>
+          </ac:picMkLst>
+        </pc:picChg>
+        <pc:picChg chg="add mod">
+          <ac:chgData name="Boyle, Jamie" userId="1d18d3d4-7655-4f40-9060-98160e17b2e3" providerId="ADAL" clId="{D053C6D7-D1FF-4863-BC36-5EC8E80D976B}" dt="2024-02-14T10:53:25.617" v="1449" actId="1037"/>
+          <ac:picMkLst>
+            <pc:docMk/>
+            <pc:sldMk cId="3086354331" sldId="484"/>
+            <ac:picMk id="15" creationId="{0A210B29-BE9B-83CA-67CE-D1DE13ABC445}"/>
+          </ac:picMkLst>
+        </pc:picChg>
+        <pc:picChg chg="del">
+          <ac:chgData name="Boyle, Jamie" userId="1d18d3d4-7655-4f40-9060-98160e17b2e3" providerId="ADAL" clId="{D053C6D7-D1FF-4863-BC36-5EC8E80D976B}" dt="2024-02-14T10:51:59.894" v="1411" actId="478"/>
+          <ac:picMkLst>
+            <pc:docMk/>
+            <pc:sldMk cId="3086354331" sldId="484"/>
+            <ac:picMk id="17" creationId="{46662C96-9676-1507-6ECE-A84AEE22A089}"/>
+          </ac:picMkLst>
+        </pc:picChg>
+        <pc:picChg chg="add mod">
+          <ac:chgData name="Boyle, Jamie" userId="1d18d3d4-7655-4f40-9060-98160e17b2e3" providerId="ADAL" clId="{D053C6D7-D1FF-4863-BC36-5EC8E80D976B}" dt="2024-02-14T10:53:18.109" v="1434" actId="14100"/>
+          <ac:picMkLst>
+            <pc:docMk/>
+            <pc:sldMk cId="3086354331" sldId="484"/>
+            <ac:picMk id="18" creationId="{BC94007E-42B0-DD59-A1AF-40A48406D272}"/>
+          </ac:picMkLst>
+        </pc:picChg>
+        <pc:picChg chg="del">
+          <ac:chgData name="Boyle, Jamie" userId="1d18d3d4-7655-4f40-9060-98160e17b2e3" providerId="ADAL" clId="{D053C6D7-D1FF-4863-BC36-5EC8E80D976B}" dt="2024-02-14T10:51:59.894" v="1411" actId="478"/>
+          <ac:picMkLst>
+            <pc:docMk/>
+            <pc:sldMk cId="3086354331" sldId="484"/>
+            <ac:picMk id="19" creationId="{2E0DC09F-E82C-3B26-5234-38D13BD51D1E}"/>
+          </ac:picMkLst>
+        </pc:picChg>
+        <pc:picChg chg="mod">
+          <ac:chgData name="Boyle, Jamie" userId="1d18d3d4-7655-4f40-9060-98160e17b2e3" providerId="ADAL" clId="{D053C6D7-D1FF-4863-BC36-5EC8E80D976B}" dt="2024-02-14T13:14:30.355" v="1535" actId="1036"/>
+          <ac:picMkLst>
+            <pc:docMk/>
+            <pc:sldMk cId="3086354331" sldId="484"/>
+            <ac:picMk id="25" creationId="{B71C38C6-B139-743B-D52C-152A55C3EA3D}"/>
+          </ac:picMkLst>
+        </pc:picChg>
+      </pc:sldChg>
+      <pc:sldChg chg="addSp delSp modSp add mod">
+        <pc:chgData name="Boyle, Jamie" userId="1d18d3d4-7655-4f40-9060-98160e17b2e3" providerId="ADAL" clId="{D053C6D7-D1FF-4863-BC36-5EC8E80D976B}" dt="2024-02-14T10:42:28.088" v="642" actId="1076"/>
+        <pc:sldMkLst>
+          <pc:docMk/>
+          <pc:sldMk cId="2191254305" sldId="485"/>
+        </pc:sldMkLst>
+        <pc:spChg chg="mod">
+          <ac:chgData name="Boyle, Jamie" userId="1d18d3d4-7655-4f40-9060-98160e17b2e3" providerId="ADAL" clId="{D053C6D7-D1FF-4863-BC36-5EC8E80D976B}" dt="2024-02-14T10:41:16.847" v="483" actId="20577"/>
+          <ac:spMkLst>
+            <pc:docMk/>
+            <pc:sldMk cId="2191254305" sldId="485"/>
+            <ac:spMk id="2" creationId="{F7DA9A4F-1DFD-49DB-8569-F5AB18BD6161}"/>
+          </ac:spMkLst>
+        </pc:spChg>
+        <pc:spChg chg="mod">
+          <ac:chgData name="Boyle, Jamie" userId="1d18d3d4-7655-4f40-9060-98160e17b2e3" providerId="ADAL" clId="{D053C6D7-D1FF-4863-BC36-5EC8E80D976B}" dt="2024-02-14T10:42:03.067" v="636" actId="313"/>
+          <ac:spMkLst>
+            <pc:docMk/>
+            <pc:sldMk cId="2191254305" sldId="485"/>
+            <ac:spMk id="6" creationId="{28280EFD-605B-4843-8D20-931E34B69861}"/>
+          </ac:spMkLst>
+        </pc:spChg>
+        <pc:picChg chg="add mod">
+          <ac:chgData name="Boyle, Jamie" userId="1d18d3d4-7655-4f40-9060-98160e17b2e3" providerId="ADAL" clId="{D053C6D7-D1FF-4863-BC36-5EC8E80D976B}" dt="2024-02-14T10:42:28.088" v="642" actId="1076"/>
+          <ac:picMkLst>
+            <pc:docMk/>
+            <pc:sldMk cId="2191254305" sldId="485"/>
+            <ac:picMk id="5" creationId="{4D88EA43-3410-3262-3ED7-9E41CADC96DA}"/>
+          </ac:picMkLst>
+        </pc:picChg>
+        <pc:picChg chg="del">
+          <ac:chgData name="Boyle, Jamie" userId="1d18d3d4-7655-4f40-9060-98160e17b2e3" providerId="ADAL" clId="{D053C6D7-D1FF-4863-BC36-5EC8E80D976B}" dt="2024-02-14T10:42:04.405" v="637" actId="478"/>
+          <ac:picMkLst>
+            <pc:docMk/>
+            <pc:sldMk cId="2191254305" sldId="485"/>
+            <ac:picMk id="10" creationId="{2B0354D3-6D74-C626-3F3C-94D25CCEFBB0}"/>
+          </ac:picMkLst>
+        </pc:picChg>
+        <pc:picChg chg="del">
+          <ac:chgData name="Boyle, Jamie" userId="1d18d3d4-7655-4f40-9060-98160e17b2e3" providerId="ADAL" clId="{D053C6D7-D1FF-4863-BC36-5EC8E80D976B}" dt="2024-02-14T10:42:04.753" v="638" actId="478"/>
+          <ac:picMkLst>
+            <pc:docMk/>
+            <pc:sldMk cId="2191254305" sldId="485"/>
+            <ac:picMk id="13" creationId="{97975E96-1091-2343-B2E5-B2419654C39C}"/>
           </ac:picMkLst>
         </pc:picChg>
       </pc:sldChg>
@@ -991,7 +1953,7 @@
             <a:fld id="{3BBED7E8-0829-F34C-B479-A757805E6C1B}" type="datetimeFigureOut">
               <a:rPr lang="en-US" smtClean="0"/>
               <a:pPr/>
-              <a:t>3/11/2021</a:t>
+              <a:t>2/14/2024</a:t>
             </a:fld>
             <a:endParaRPr lang="en-US"/>
           </a:p>
@@ -1159,7 +2121,7 @@
             <a:fld id="{6C7E4F11-7667-5045-A00B-01970EA44BB5}" type="datetimeFigureOut">
               <a:rPr lang="en-US" smtClean="0"/>
               <a:pPr/>
-              <a:t>3/11/2021</a:t>
+              <a:t>2/14/2024</a:t>
             </a:fld>
             <a:endParaRPr lang="en-US"/>
           </a:p>
@@ -1495,7 +2457,7 @@
             <a:fld id="{FAD751AE-7ABC-314D-AFAD-47B860ED6FFE}" type="slidenum">
               <a:rPr lang="en-US" smtClean="0"/>
               <a:pPr/>
-              <a:t>5</a:t>
+              <a:t>3</a:t>
             </a:fld>
             <a:endParaRPr lang="en-US"/>
           </a:p>
@@ -1504,7 +2466,7 @@
     </p:spTree>
     <p:extLst>
       <p:ext uri="{BB962C8B-B14F-4D97-AF65-F5344CB8AC3E}">
-        <p14:creationId xmlns:p14="http://schemas.microsoft.com/office/powerpoint/2010/main" val="3971989955"/>
+        <p14:creationId xmlns:p14="http://schemas.microsoft.com/office/powerpoint/2010/main" val="2856571704"/>
       </p:ext>
     </p:extLst>
   </p:cSld>
@@ -1589,7 +2551,262 @@
     </p:spTree>
     <p:extLst>
       <p:ext uri="{BB962C8B-B14F-4D97-AF65-F5344CB8AC3E}">
-        <p14:creationId xmlns:p14="http://schemas.microsoft.com/office/powerpoint/2010/main" val="1492911542"/>
+        <p14:creationId xmlns:p14="http://schemas.microsoft.com/office/powerpoint/2010/main" val="2390210995"/>
+      </p:ext>
+    </p:extLst>
+  </p:cSld>
+  <p:clrMapOvr>
+    <a:masterClrMapping/>
+  </p:clrMapOvr>
+</p:notes>
+</file>
+
+<file path=ppt/notesSlides/notesSlide11.xml><?xml version="1.0" encoding="utf-8"?>
+<p:notes xmlns:a="http://schemas.openxmlformats.org/drawingml/2006/main" xmlns:r="http://schemas.openxmlformats.org/officeDocument/2006/relationships" xmlns:p="http://schemas.openxmlformats.org/presentationml/2006/main">
+  <p:cSld>
+    <p:spTree>
+      <p:nvGrpSpPr>
+        <p:cNvPr id="1" name=""/>
+        <p:cNvGrpSpPr/>
+        <p:nvPr/>
+      </p:nvGrpSpPr>
+      <p:grpSpPr>
+        <a:xfrm>
+          <a:off x="0" y="0"/>
+          <a:ext cx="0" cy="0"/>
+          <a:chOff x="0" y="0"/>
+          <a:chExt cx="0" cy="0"/>
+        </a:xfrm>
+      </p:grpSpPr>
+      <p:sp>
+        <p:nvSpPr>
+          <p:cNvPr id="2" name="Slide Image Placeholder 1"/>
+          <p:cNvSpPr>
+            <a:spLocks noGrp="1" noRot="1" noChangeAspect="1"/>
+          </p:cNvSpPr>
+          <p:nvPr>
+            <p:ph type="sldImg"/>
+          </p:nvPr>
+        </p:nvSpPr>
+        <p:spPr/>
+      </p:sp>
+      <p:sp>
+        <p:nvSpPr>
+          <p:cNvPr id="3" name="Notes Placeholder 2"/>
+          <p:cNvSpPr>
+            <a:spLocks noGrp="1"/>
+          </p:cNvSpPr>
+          <p:nvPr>
+            <p:ph type="body" idx="1"/>
+          </p:nvPr>
+        </p:nvSpPr>
+        <p:spPr/>
+        <p:txBody>
+          <a:bodyPr/>
+          <a:lstStyle/>
+          <a:p>
+            <a:endParaRPr lang="en-GB" dirty="0"/>
+          </a:p>
+        </p:txBody>
+      </p:sp>
+      <p:sp>
+        <p:nvSpPr>
+          <p:cNvPr id="4" name="Slide Number Placeholder 3"/>
+          <p:cNvSpPr>
+            <a:spLocks noGrp="1"/>
+          </p:cNvSpPr>
+          <p:nvPr>
+            <p:ph type="sldNum" sz="quarter" idx="5"/>
+          </p:nvPr>
+        </p:nvSpPr>
+        <p:spPr/>
+        <p:txBody>
+          <a:bodyPr/>
+          <a:lstStyle/>
+          <a:p>
+            <a:fld id="{FAD751AE-7ABC-314D-AFAD-47B860ED6FFE}" type="slidenum">
+              <a:rPr lang="en-US" smtClean="0"/>
+              <a:pPr/>
+              <a:t>15</a:t>
+            </a:fld>
+            <a:endParaRPr lang="en-US"/>
+          </a:p>
+        </p:txBody>
+      </p:sp>
+    </p:spTree>
+    <p:extLst>
+      <p:ext uri="{BB962C8B-B14F-4D97-AF65-F5344CB8AC3E}">
+        <p14:creationId xmlns:p14="http://schemas.microsoft.com/office/powerpoint/2010/main" val="4149837129"/>
+      </p:ext>
+    </p:extLst>
+  </p:cSld>
+  <p:clrMapOvr>
+    <a:masterClrMapping/>
+  </p:clrMapOvr>
+</p:notes>
+</file>
+
+<file path=ppt/notesSlides/notesSlide12.xml><?xml version="1.0" encoding="utf-8"?>
+<p:notes xmlns:a="http://schemas.openxmlformats.org/drawingml/2006/main" xmlns:r="http://schemas.openxmlformats.org/officeDocument/2006/relationships" xmlns:p="http://schemas.openxmlformats.org/presentationml/2006/main">
+  <p:cSld>
+    <p:spTree>
+      <p:nvGrpSpPr>
+        <p:cNvPr id="1" name=""/>
+        <p:cNvGrpSpPr/>
+        <p:nvPr/>
+      </p:nvGrpSpPr>
+      <p:grpSpPr>
+        <a:xfrm>
+          <a:off x="0" y="0"/>
+          <a:ext cx="0" cy="0"/>
+          <a:chOff x="0" y="0"/>
+          <a:chExt cx="0" cy="0"/>
+        </a:xfrm>
+      </p:grpSpPr>
+      <p:sp>
+        <p:nvSpPr>
+          <p:cNvPr id="2" name="Slide Image Placeholder 1"/>
+          <p:cNvSpPr>
+            <a:spLocks noGrp="1" noRot="1" noChangeAspect="1"/>
+          </p:cNvSpPr>
+          <p:nvPr>
+            <p:ph type="sldImg"/>
+          </p:nvPr>
+        </p:nvSpPr>
+        <p:spPr/>
+      </p:sp>
+      <p:sp>
+        <p:nvSpPr>
+          <p:cNvPr id="3" name="Notes Placeholder 2"/>
+          <p:cNvSpPr>
+            <a:spLocks noGrp="1"/>
+          </p:cNvSpPr>
+          <p:nvPr>
+            <p:ph type="body" idx="1"/>
+          </p:nvPr>
+        </p:nvSpPr>
+        <p:spPr/>
+        <p:txBody>
+          <a:bodyPr/>
+          <a:lstStyle/>
+          <a:p>
+            <a:endParaRPr lang="en-GB" dirty="0"/>
+          </a:p>
+        </p:txBody>
+      </p:sp>
+      <p:sp>
+        <p:nvSpPr>
+          <p:cNvPr id="4" name="Slide Number Placeholder 3"/>
+          <p:cNvSpPr>
+            <a:spLocks noGrp="1"/>
+          </p:cNvSpPr>
+          <p:nvPr>
+            <p:ph type="sldNum" sz="quarter" idx="5"/>
+          </p:nvPr>
+        </p:nvSpPr>
+        <p:spPr/>
+        <p:txBody>
+          <a:bodyPr/>
+          <a:lstStyle/>
+          <a:p>
+            <a:fld id="{FAD751AE-7ABC-314D-AFAD-47B860ED6FFE}" type="slidenum">
+              <a:rPr lang="en-US" smtClean="0"/>
+              <a:pPr/>
+              <a:t>16</a:t>
+            </a:fld>
+            <a:endParaRPr lang="en-US"/>
+          </a:p>
+        </p:txBody>
+      </p:sp>
+    </p:spTree>
+    <p:extLst>
+      <p:ext uri="{BB962C8B-B14F-4D97-AF65-F5344CB8AC3E}">
+        <p14:creationId xmlns:p14="http://schemas.microsoft.com/office/powerpoint/2010/main" val="955641588"/>
+      </p:ext>
+    </p:extLst>
+  </p:cSld>
+  <p:clrMapOvr>
+    <a:masterClrMapping/>
+  </p:clrMapOvr>
+</p:notes>
+</file>
+
+<file path=ppt/notesSlides/notesSlide13.xml><?xml version="1.0" encoding="utf-8"?>
+<p:notes xmlns:a="http://schemas.openxmlformats.org/drawingml/2006/main" xmlns:r="http://schemas.openxmlformats.org/officeDocument/2006/relationships" xmlns:p="http://schemas.openxmlformats.org/presentationml/2006/main">
+  <p:cSld>
+    <p:spTree>
+      <p:nvGrpSpPr>
+        <p:cNvPr id="1" name=""/>
+        <p:cNvGrpSpPr/>
+        <p:nvPr/>
+      </p:nvGrpSpPr>
+      <p:grpSpPr>
+        <a:xfrm>
+          <a:off x="0" y="0"/>
+          <a:ext cx="0" cy="0"/>
+          <a:chOff x="0" y="0"/>
+          <a:chExt cx="0" cy="0"/>
+        </a:xfrm>
+      </p:grpSpPr>
+      <p:sp>
+        <p:nvSpPr>
+          <p:cNvPr id="2" name="Slide Image Placeholder 1"/>
+          <p:cNvSpPr>
+            <a:spLocks noGrp="1" noRot="1" noChangeAspect="1"/>
+          </p:cNvSpPr>
+          <p:nvPr>
+            <p:ph type="sldImg"/>
+          </p:nvPr>
+        </p:nvSpPr>
+        <p:spPr/>
+      </p:sp>
+      <p:sp>
+        <p:nvSpPr>
+          <p:cNvPr id="3" name="Notes Placeholder 2"/>
+          <p:cNvSpPr>
+            <a:spLocks noGrp="1"/>
+          </p:cNvSpPr>
+          <p:nvPr>
+            <p:ph type="body" idx="1"/>
+          </p:nvPr>
+        </p:nvSpPr>
+        <p:spPr/>
+        <p:txBody>
+          <a:bodyPr/>
+          <a:lstStyle/>
+          <a:p>
+            <a:endParaRPr lang="en-GB" dirty="0"/>
+          </a:p>
+        </p:txBody>
+      </p:sp>
+      <p:sp>
+        <p:nvSpPr>
+          <p:cNvPr id="4" name="Slide Number Placeholder 3"/>
+          <p:cNvSpPr>
+            <a:spLocks noGrp="1"/>
+          </p:cNvSpPr>
+          <p:nvPr>
+            <p:ph type="sldNum" sz="quarter" idx="5"/>
+          </p:nvPr>
+        </p:nvSpPr>
+        <p:spPr/>
+        <p:txBody>
+          <a:bodyPr/>
+          <a:lstStyle/>
+          <a:p>
+            <a:fld id="{FAD751AE-7ABC-314D-AFAD-47B860ED6FFE}" type="slidenum">
+              <a:rPr lang="en-US" smtClean="0"/>
+              <a:pPr/>
+              <a:t>17</a:t>
+            </a:fld>
+            <a:endParaRPr lang="en-US"/>
+          </a:p>
+        </p:txBody>
+      </p:sp>
+    </p:spTree>
+    <p:extLst>
+      <p:ext uri="{BB962C8B-B14F-4D97-AF65-F5344CB8AC3E}">
+        <p14:creationId xmlns:p14="http://schemas.microsoft.com/office/powerpoint/2010/main" val="130721128"/>
       </p:ext>
     </p:extLst>
   </p:cSld>
@@ -1674,7 +2891,7 @@
     </p:spTree>
     <p:extLst>
       <p:ext uri="{BB962C8B-B14F-4D97-AF65-F5344CB8AC3E}">
-        <p14:creationId xmlns:p14="http://schemas.microsoft.com/office/powerpoint/2010/main" val="2380728180"/>
+        <p14:creationId xmlns:p14="http://schemas.microsoft.com/office/powerpoint/2010/main" val="2510319269"/>
       </p:ext>
     </p:extLst>
   </p:cSld>
@@ -1759,7 +2976,7 @@
     </p:spTree>
     <p:extLst>
       <p:ext uri="{BB962C8B-B14F-4D97-AF65-F5344CB8AC3E}">
-        <p14:creationId xmlns:p14="http://schemas.microsoft.com/office/powerpoint/2010/main" val="2031140237"/>
+        <p14:creationId xmlns:p14="http://schemas.microsoft.com/office/powerpoint/2010/main" val="2380728180"/>
       </p:ext>
     </p:extLst>
   </p:cSld>
@@ -1844,7 +3061,7 @@
     </p:spTree>
     <p:extLst>
       <p:ext uri="{BB962C8B-B14F-4D97-AF65-F5344CB8AC3E}">
-        <p14:creationId xmlns:p14="http://schemas.microsoft.com/office/powerpoint/2010/main" val="4066567229"/>
+        <p14:creationId xmlns:p14="http://schemas.microsoft.com/office/powerpoint/2010/main" val="2031140237"/>
       </p:ext>
     </p:extLst>
   </p:cSld>
@@ -1929,7 +3146,7 @@
     </p:spTree>
     <p:extLst>
       <p:ext uri="{BB962C8B-B14F-4D97-AF65-F5344CB8AC3E}">
-        <p14:creationId xmlns:p14="http://schemas.microsoft.com/office/powerpoint/2010/main" val="478921598"/>
+        <p14:creationId xmlns:p14="http://schemas.microsoft.com/office/powerpoint/2010/main" val="3971989955"/>
       </p:ext>
     </p:extLst>
   </p:cSld>
@@ -2014,7 +3231,7 @@
     </p:spTree>
     <p:extLst>
       <p:ext uri="{BB962C8B-B14F-4D97-AF65-F5344CB8AC3E}">
-        <p14:creationId xmlns:p14="http://schemas.microsoft.com/office/powerpoint/2010/main" val="1065635986"/>
+        <p14:creationId xmlns:p14="http://schemas.microsoft.com/office/powerpoint/2010/main" val="769890687"/>
       </p:ext>
     </p:extLst>
   </p:cSld>
@@ -2099,7 +3316,7 @@
     </p:spTree>
     <p:extLst>
       <p:ext uri="{BB962C8B-B14F-4D97-AF65-F5344CB8AC3E}">
-        <p14:creationId xmlns:p14="http://schemas.microsoft.com/office/powerpoint/2010/main" val="624531729"/>
+        <p14:creationId xmlns:p14="http://schemas.microsoft.com/office/powerpoint/2010/main" val="1149323593"/>
       </p:ext>
     </p:extLst>
   </p:cSld>
@@ -2184,7 +3401,7 @@
     </p:spTree>
     <p:extLst>
       <p:ext uri="{BB962C8B-B14F-4D97-AF65-F5344CB8AC3E}">
-        <p14:creationId xmlns:p14="http://schemas.microsoft.com/office/powerpoint/2010/main" val="2924634307"/>
+        <p14:creationId xmlns:p14="http://schemas.microsoft.com/office/powerpoint/2010/main" val="3170057753"/>
       </p:ext>
     </p:extLst>
   </p:cSld>
@@ -2269,7 +3486,7 @@
     </p:spTree>
     <p:extLst>
       <p:ext uri="{BB962C8B-B14F-4D97-AF65-F5344CB8AC3E}">
-        <p14:creationId xmlns:p14="http://schemas.microsoft.com/office/powerpoint/2010/main" val="1637009049"/>
+        <p14:creationId xmlns:p14="http://schemas.microsoft.com/office/powerpoint/2010/main" val="998282434"/>
       </p:ext>
     </p:extLst>
   </p:cSld>
@@ -28133,7 +29350,7 @@
           <a:p>
             <a:r>
               <a:rPr lang="en-GB" dirty="0"/>
-              <a:t>Manipulating Dictionaries Puzzles Solutions</a:t>
+              <a:t>Working with Dictionaries</a:t>
             </a:r>
           </a:p>
         </p:txBody>
@@ -28197,12 +29414,921 @@
           </a:prstGeom>
         </p:spPr>
       </p:pic>
+      <p:sp>
+        <p:nvSpPr>
+          <p:cNvPr id="6" name="Text Placeholder 2">
+            <a:extLst>
+              <a:ext uri="{FF2B5EF4-FFF2-40B4-BE49-F238E27FC236}">
+                <a16:creationId xmlns:a16="http://schemas.microsoft.com/office/drawing/2014/main" id="{28280EFD-605B-4843-8D20-931E34B69861}"/>
+              </a:ext>
+            </a:extLst>
+          </p:cNvPr>
+          <p:cNvSpPr txBox="1">
+            <a:spLocks/>
+          </p:cNvSpPr>
+          <p:nvPr/>
+        </p:nvSpPr>
+        <p:spPr>
+          <a:xfrm>
+            <a:off x="237061" y="712957"/>
+            <a:ext cx="8619938" cy="2749572"/>
+          </a:xfrm>
+          <a:prstGeom prst="rect">
+            <a:avLst/>
+          </a:prstGeom>
+        </p:spPr>
+        <p:txBody>
+          <a:bodyPr vert="horz" anchor="t"/>
+          <a:lstStyle>
+            <a:lvl1pPr marL="0" indent="0" algn="l" defTabSz="457200" rtl="0" eaLnBrk="1" latinLnBrk="0" hangingPunct="1">
+              <a:spcBef>
+                <a:spcPts val="0"/>
+              </a:spcBef>
+              <a:buFont typeface="Arial"/>
+              <a:buNone/>
+              <a:defRPr sz="2400" kern="1200" baseline="0">
+                <a:solidFill>
+                  <a:schemeClr val="tx1"/>
+                </a:solidFill>
+                <a:latin typeface="Arial" pitchFamily="34" charset="0"/>
+                <a:ea typeface="+mn-ea"/>
+                <a:cs typeface="Arial" pitchFamily="34" charset="0"/>
+              </a:defRPr>
+            </a:lvl1pPr>
+            <a:lvl2pPr marL="457200" indent="0" algn="l" defTabSz="457200" rtl="0" eaLnBrk="1" latinLnBrk="0" hangingPunct="1">
+              <a:spcBef>
+                <a:spcPct val="20000"/>
+              </a:spcBef>
+              <a:buFont typeface="Arial"/>
+              <a:buNone/>
+              <a:defRPr sz="2400" kern="1200">
+                <a:solidFill>
+                  <a:schemeClr val="tx1"/>
+                </a:solidFill>
+                <a:latin typeface="+mn-lt"/>
+                <a:ea typeface="+mn-ea"/>
+                <a:cs typeface="+mn-cs"/>
+              </a:defRPr>
+            </a:lvl2pPr>
+            <a:lvl3pPr marL="914400" indent="0" algn="l" defTabSz="457200" rtl="0" eaLnBrk="1" latinLnBrk="0" hangingPunct="1">
+              <a:spcBef>
+                <a:spcPct val="20000"/>
+              </a:spcBef>
+              <a:buFont typeface="Arial"/>
+              <a:buNone/>
+              <a:defRPr sz="2400" kern="1200">
+                <a:solidFill>
+                  <a:schemeClr val="tx1"/>
+                </a:solidFill>
+                <a:latin typeface="+mn-lt"/>
+                <a:ea typeface="+mn-ea"/>
+                <a:cs typeface="+mn-cs"/>
+              </a:defRPr>
+            </a:lvl3pPr>
+            <a:lvl4pPr marL="1371600" indent="0" algn="l" defTabSz="457200" rtl="0" eaLnBrk="1" latinLnBrk="0" hangingPunct="1">
+              <a:spcBef>
+                <a:spcPct val="20000"/>
+              </a:spcBef>
+              <a:buFont typeface="Arial"/>
+              <a:buNone/>
+              <a:defRPr sz="2400" kern="1200">
+                <a:solidFill>
+                  <a:schemeClr val="tx1"/>
+                </a:solidFill>
+                <a:latin typeface="+mn-lt"/>
+                <a:ea typeface="+mn-ea"/>
+                <a:cs typeface="+mn-cs"/>
+              </a:defRPr>
+            </a:lvl4pPr>
+            <a:lvl5pPr marL="1828800" indent="0" algn="l" defTabSz="457200" rtl="0" eaLnBrk="1" latinLnBrk="0" hangingPunct="1">
+              <a:spcBef>
+                <a:spcPct val="20000"/>
+              </a:spcBef>
+              <a:buFont typeface="Arial"/>
+              <a:buNone/>
+              <a:defRPr sz="2400" kern="1200">
+                <a:solidFill>
+                  <a:schemeClr val="tx1"/>
+                </a:solidFill>
+                <a:latin typeface="+mn-lt"/>
+                <a:ea typeface="+mn-ea"/>
+                <a:cs typeface="+mn-cs"/>
+              </a:defRPr>
+            </a:lvl5pPr>
+            <a:lvl6pPr marL="2514600" indent="-228600" algn="l" defTabSz="457200" rtl="0" eaLnBrk="1" latinLnBrk="0" hangingPunct="1">
+              <a:spcBef>
+                <a:spcPct val="20000"/>
+              </a:spcBef>
+              <a:buFont typeface="Arial"/>
+              <a:buChar char="•"/>
+              <a:defRPr sz="2000" kern="1200">
+                <a:solidFill>
+                  <a:schemeClr val="tx1"/>
+                </a:solidFill>
+                <a:latin typeface="+mn-lt"/>
+                <a:ea typeface="+mn-ea"/>
+                <a:cs typeface="+mn-cs"/>
+              </a:defRPr>
+            </a:lvl6pPr>
+            <a:lvl7pPr marL="2971800" indent="-228600" algn="l" defTabSz="457200" rtl="0" eaLnBrk="1" latinLnBrk="0" hangingPunct="1">
+              <a:spcBef>
+                <a:spcPct val="20000"/>
+              </a:spcBef>
+              <a:buFont typeface="Arial"/>
+              <a:buChar char="•"/>
+              <a:defRPr sz="2000" kern="1200">
+                <a:solidFill>
+                  <a:schemeClr val="tx1"/>
+                </a:solidFill>
+                <a:latin typeface="+mn-lt"/>
+                <a:ea typeface="+mn-ea"/>
+                <a:cs typeface="+mn-cs"/>
+              </a:defRPr>
+            </a:lvl7pPr>
+            <a:lvl8pPr marL="3429000" indent="-228600" algn="l" defTabSz="457200" rtl="0" eaLnBrk="1" latinLnBrk="0" hangingPunct="1">
+              <a:spcBef>
+                <a:spcPct val="20000"/>
+              </a:spcBef>
+              <a:buFont typeface="Arial"/>
+              <a:buChar char="•"/>
+              <a:defRPr sz="2000" kern="1200">
+                <a:solidFill>
+                  <a:schemeClr val="tx1"/>
+                </a:solidFill>
+                <a:latin typeface="+mn-lt"/>
+                <a:ea typeface="+mn-ea"/>
+                <a:cs typeface="+mn-cs"/>
+              </a:defRPr>
+            </a:lvl8pPr>
+            <a:lvl9pPr marL="3886200" indent="-228600" algn="l" defTabSz="457200" rtl="0" eaLnBrk="1" latinLnBrk="0" hangingPunct="1">
+              <a:spcBef>
+                <a:spcPct val="20000"/>
+              </a:spcBef>
+              <a:buFont typeface="Arial"/>
+              <a:buChar char="•"/>
+              <a:defRPr sz="2000" kern="1200">
+                <a:solidFill>
+                  <a:schemeClr val="tx1"/>
+                </a:solidFill>
+                <a:latin typeface="+mn-lt"/>
+                <a:ea typeface="+mn-ea"/>
+                <a:cs typeface="+mn-cs"/>
+              </a:defRPr>
+            </a:lvl9pPr>
+          </a:lstStyle>
+          <a:p>
+            <a:r>
+              <a:rPr lang="en-GB" sz="2000" dirty="0">
+                <a:latin typeface="Arial"/>
+                <a:cs typeface="Arial"/>
+              </a:rPr>
+              <a:t>By default, python usually interacts with dictionaries via their keys</a:t>
+            </a:r>
+          </a:p>
+        </p:txBody>
+      </p:sp>
+      <p:sp>
+        <p:nvSpPr>
+          <p:cNvPr id="9" name="Text Placeholder 2">
+            <a:extLst>
+              <a:ext uri="{FF2B5EF4-FFF2-40B4-BE49-F238E27FC236}">
+                <a16:creationId xmlns:a16="http://schemas.microsoft.com/office/drawing/2014/main" id="{757D3795-1486-40C0-A71B-F9CA199D1B92}"/>
+              </a:ext>
+            </a:extLst>
+          </p:cNvPr>
+          <p:cNvSpPr txBox="1">
+            <a:spLocks/>
+          </p:cNvSpPr>
+          <p:nvPr/>
+        </p:nvSpPr>
+        <p:spPr>
+          <a:xfrm>
+            <a:off x="139686" y="2047862"/>
+            <a:ext cx="2832114" cy="1663554"/>
+          </a:xfrm>
+          <a:prstGeom prst="rect">
+            <a:avLst/>
+          </a:prstGeom>
+        </p:spPr>
+        <p:txBody>
+          <a:bodyPr vert="horz" anchor="t"/>
+          <a:lstStyle>
+            <a:lvl1pPr marL="0" indent="0" algn="l" defTabSz="457200" rtl="0" eaLnBrk="1" latinLnBrk="0" hangingPunct="1">
+              <a:spcBef>
+                <a:spcPts val="0"/>
+              </a:spcBef>
+              <a:buFont typeface="Arial"/>
+              <a:buNone/>
+              <a:defRPr sz="2400" kern="1200" baseline="0">
+                <a:solidFill>
+                  <a:schemeClr val="tx1"/>
+                </a:solidFill>
+                <a:latin typeface="Arial" pitchFamily="34" charset="0"/>
+                <a:ea typeface="+mn-ea"/>
+                <a:cs typeface="Arial" pitchFamily="34" charset="0"/>
+              </a:defRPr>
+            </a:lvl1pPr>
+            <a:lvl2pPr marL="457200" indent="0" algn="l" defTabSz="457200" rtl="0" eaLnBrk="1" latinLnBrk="0" hangingPunct="1">
+              <a:spcBef>
+                <a:spcPct val="20000"/>
+              </a:spcBef>
+              <a:buFont typeface="Arial"/>
+              <a:buNone/>
+              <a:defRPr sz="2400" kern="1200">
+                <a:solidFill>
+                  <a:schemeClr val="tx1"/>
+                </a:solidFill>
+                <a:latin typeface="+mn-lt"/>
+                <a:ea typeface="+mn-ea"/>
+                <a:cs typeface="+mn-cs"/>
+              </a:defRPr>
+            </a:lvl2pPr>
+            <a:lvl3pPr marL="914400" indent="0" algn="l" defTabSz="457200" rtl="0" eaLnBrk="1" latinLnBrk="0" hangingPunct="1">
+              <a:spcBef>
+                <a:spcPct val="20000"/>
+              </a:spcBef>
+              <a:buFont typeface="Arial"/>
+              <a:buNone/>
+              <a:defRPr sz="2400" kern="1200">
+                <a:solidFill>
+                  <a:schemeClr val="tx1"/>
+                </a:solidFill>
+                <a:latin typeface="+mn-lt"/>
+                <a:ea typeface="+mn-ea"/>
+                <a:cs typeface="+mn-cs"/>
+              </a:defRPr>
+            </a:lvl3pPr>
+            <a:lvl4pPr marL="1371600" indent="0" algn="l" defTabSz="457200" rtl="0" eaLnBrk="1" latinLnBrk="0" hangingPunct="1">
+              <a:spcBef>
+                <a:spcPct val="20000"/>
+              </a:spcBef>
+              <a:buFont typeface="Arial"/>
+              <a:buNone/>
+              <a:defRPr sz="2400" kern="1200">
+                <a:solidFill>
+                  <a:schemeClr val="tx1"/>
+                </a:solidFill>
+                <a:latin typeface="+mn-lt"/>
+                <a:ea typeface="+mn-ea"/>
+                <a:cs typeface="+mn-cs"/>
+              </a:defRPr>
+            </a:lvl4pPr>
+            <a:lvl5pPr marL="1828800" indent="0" algn="l" defTabSz="457200" rtl="0" eaLnBrk="1" latinLnBrk="0" hangingPunct="1">
+              <a:spcBef>
+                <a:spcPct val="20000"/>
+              </a:spcBef>
+              <a:buFont typeface="Arial"/>
+              <a:buNone/>
+              <a:defRPr sz="2400" kern="1200">
+                <a:solidFill>
+                  <a:schemeClr val="tx1"/>
+                </a:solidFill>
+                <a:latin typeface="+mn-lt"/>
+                <a:ea typeface="+mn-ea"/>
+                <a:cs typeface="+mn-cs"/>
+              </a:defRPr>
+            </a:lvl5pPr>
+            <a:lvl6pPr marL="2514600" indent="-228600" algn="l" defTabSz="457200" rtl="0" eaLnBrk="1" latinLnBrk="0" hangingPunct="1">
+              <a:spcBef>
+                <a:spcPct val="20000"/>
+              </a:spcBef>
+              <a:buFont typeface="Arial"/>
+              <a:buChar char="•"/>
+              <a:defRPr sz="2000" kern="1200">
+                <a:solidFill>
+                  <a:schemeClr val="tx1"/>
+                </a:solidFill>
+                <a:latin typeface="+mn-lt"/>
+                <a:ea typeface="+mn-ea"/>
+                <a:cs typeface="+mn-cs"/>
+              </a:defRPr>
+            </a:lvl6pPr>
+            <a:lvl7pPr marL="2971800" indent="-228600" algn="l" defTabSz="457200" rtl="0" eaLnBrk="1" latinLnBrk="0" hangingPunct="1">
+              <a:spcBef>
+                <a:spcPct val="20000"/>
+              </a:spcBef>
+              <a:buFont typeface="Arial"/>
+              <a:buChar char="•"/>
+              <a:defRPr sz="2000" kern="1200">
+                <a:solidFill>
+                  <a:schemeClr val="tx1"/>
+                </a:solidFill>
+                <a:latin typeface="+mn-lt"/>
+                <a:ea typeface="+mn-ea"/>
+                <a:cs typeface="+mn-cs"/>
+              </a:defRPr>
+            </a:lvl7pPr>
+            <a:lvl8pPr marL="3429000" indent="-228600" algn="l" defTabSz="457200" rtl="0" eaLnBrk="1" latinLnBrk="0" hangingPunct="1">
+              <a:spcBef>
+                <a:spcPct val="20000"/>
+              </a:spcBef>
+              <a:buFont typeface="Arial"/>
+              <a:buChar char="•"/>
+              <a:defRPr sz="2000" kern="1200">
+                <a:solidFill>
+                  <a:schemeClr val="tx1"/>
+                </a:solidFill>
+                <a:latin typeface="+mn-lt"/>
+                <a:ea typeface="+mn-ea"/>
+                <a:cs typeface="+mn-cs"/>
+              </a:defRPr>
+            </a:lvl8pPr>
+            <a:lvl9pPr marL="3886200" indent="-228600" algn="l" defTabSz="457200" rtl="0" eaLnBrk="1" latinLnBrk="0" hangingPunct="1">
+              <a:spcBef>
+                <a:spcPct val="20000"/>
+              </a:spcBef>
+              <a:buFont typeface="Arial"/>
+              <a:buChar char="•"/>
+              <a:defRPr sz="2000" kern="1200">
+                <a:solidFill>
+                  <a:schemeClr val="tx1"/>
+                </a:solidFill>
+                <a:latin typeface="+mn-lt"/>
+                <a:ea typeface="+mn-ea"/>
+                <a:cs typeface="+mn-cs"/>
+              </a:defRPr>
+            </a:lvl9pPr>
+          </a:lstStyle>
+          <a:p>
+            <a:pPr algn="ctr"/>
+            <a:r>
+              <a:rPr lang="en-GB" sz="2000" b="1" dirty="0">
+                <a:latin typeface="Calibri"/>
+                <a:cs typeface="Arial"/>
+              </a:rPr>
+              <a:t>Check for membership</a:t>
+            </a:r>
+            <a:endParaRPr lang="en-GB" sz="2000" b="1" dirty="0">
+              <a:latin typeface="Calibri"/>
+            </a:endParaRPr>
+          </a:p>
+          <a:p>
+            <a:pPr marL="342900" indent="-342900" algn="ctr">
+              <a:buFont typeface="Arial"/>
+              <a:buChar char="•"/>
+            </a:pPr>
+            <a:endParaRPr lang="en-GB" sz="2000" b="1" dirty="0">
+              <a:latin typeface="Calibri"/>
+            </a:endParaRPr>
+          </a:p>
+          <a:p>
+            <a:pPr marL="342900" indent="-342900" algn="ctr">
+              <a:buFont typeface="Arial"/>
+              <a:buChar char="•"/>
+            </a:pPr>
+            <a:endParaRPr lang="en-GB" sz="2000" b="1" dirty="0">
+              <a:latin typeface="Calibri"/>
+            </a:endParaRPr>
+          </a:p>
+          <a:p>
+            <a:pPr marL="342900" indent="-342900" algn="ctr">
+              <a:buFont typeface="Arial"/>
+              <a:buChar char="•"/>
+            </a:pPr>
+            <a:endParaRPr lang="en-GB" sz="2000" b="1" dirty="0">
+              <a:latin typeface="Calibri"/>
+            </a:endParaRPr>
+          </a:p>
+          <a:p>
+            <a:pPr marL="342900" indent="-342900" algn="ctr">
+              <a:buFont typeface="Arial"/>
+              <a:buChar char="•"/>
+            </a:pPr>
+            <a:endParaRPr lang="en-GB" sz="2000" b="1" dirty="0">
+              <a:latin typeface="Calibri"/>
+            </a:endParaRPr>
+          </a:p>
+          <a:p>
+            <a:pPr marL="342900" indent="-342900" algn="ctr">
+              <a:buFont typeface="Arial"/>
+              <a:buChar char="•"/>
+            </a:pPr>
+            <a:endParaRPr lang="en-GB" sz="2000" b="1" dirty="0">
+              <a:latin typeface="Calibri"/>
+            </a:endParaRPr>
+          </a:p>
+          <a:p>
+            <a:pPr algn="ctr"/>
+            <a:endParaRPr lang="en-GB" sz="2000" b="1" dirty="0">
+              <a:latin typeface="Calibri"/>
+            </a:endParaRPr>
+          </a:p>
+          <a:p>
+            <a:pPr marL="342900" indent="-342900" algn="ctr">
+              <a:buFont typeface="Arial"/>
+              <a:buChar char="•"/>
+            </a:pPr>
+            <a:endParaRPr lang="en-GB" sz="2000" b="1" dirty="0">
+              <a:latin typeface="Calibri"/>
+            </a:endParaRPr>
+          </a:p>
+        </p:txBody>
+      </p:sp>
+      <p:sp>
+        <p:nvSpPr>
+          <p:cNvPr id="13" name="Text Placeholder 2">
+            <a:extLst>
+              <a:ext uri="{FF2B5EF4-FFF2-40B4-BE49-F238E27FC236}">
+                <a16:creationId xmlns:a16="http://schemas.microsoft.com/office/drawing/2014/main" id="{A1FA3161-1025-496B-8678-2F2635C24E98}"/>
+              </a:ext>
+            </a:extLst>
+          </p:cNvPr>
+          <p:cNvSpPr txBox="1">
+            <a:spLocks/>
+          </p:cNvSpPr>
+          <p:nvPr/>
+        </p:nvSpPr>
+        <p:spPr>
+          <a:xfrm>
+            <a:off x="2995132" y="2047862"/>
+            <a:ext cx="2832114" cy="1663554"/>
+          </a:xfrm>
+          <a:prstGeom prst="rect">
+            <a:avLst/>
+          </a:prstGeom>
+        </p:spPr>
+        <p:txBody>
+          <a:bodyPr vert="horz" anchor="t"/>
+          <a:lstStyle>
+            <a:lvl1pPr marL="0" indent="0" algn="l" defTabSz="457200" rtl="0" eaLnBrk="1" latinLnBrk="0" hangingPunct="1">
+              <a:spcBef>
+                <a:spcPts val="0"/>
+              </a:spcBef>
+              <a:buFont typeface="Arial"/>
+              <a:buNone/>
+              <a:defRPr sz="2400" kern="1200" baseline="0">
+                <a:solidFill>
+                  <a:schemeClr val="tx1"/>
+                </a:solidFill>
+                <a:latin typeface="Arial" pitchFamily="34" charset="0"/>
+                <a:ea typeface="+mn-ea"/>
+                <a:cs typeface="Arial" pitchFamily="34" charset="0"/>
+              </a:defRPr>
+            </a:lvl1pPr>
+            <a:lvl2pPr marL="457200" indent="0" algn="l" defTabSz="457200" rtl="0" eaLnBrk="1" latinLnBrk="0" hangingPunct="1">
+              <a:spcBef>
+                <a:spcPct val="20000"/>
+              </a:spcBef>
+              <a:buFont typeface="Arial"/>
+              <a:buNone/>
+              <a:defRPr sz="2400" kern="1200">
+                <a:solidFill>
+                  <a:schemeClr val="tx1"/>
+                </a:solidFill>
+                <a:latin typeface="+mn-lt"/>
+                <a:ea typeface="+mn-ea"/>
+                <a:cs typeface="+mn-cs"/>
+              </a:defRPr>
+            </a:lvl2pPr>
+            <a:lvl3pPr marL="914400" indent="0" algn="l" defTabSz="457200" rtl="0" eaLnBrk="1" latinLnBrk="0" hangingPunct="1">
+              <a:spcBef>
+                <a:spcPct val="20000"/>
+              </a:spcBef>
+              <a:buFont typeface="Arial"/>
+              <a:buNone/>
+              <a:defRPr sz="2400" kern="1200">
+                <a:solidFill>
+                  <a:schemeClr val="tx1"/>
+                </a:solidFill>
+                <a:latin typeface="+mn-lt"/>
+                <a:ea typeface="+mn-ea"/>
+                <a:cs typeface="+mn-cs"/>
+              </a:defRPr>
+            </a:lvl3pPr>
+            <a:lvl4pPr marL="1371600" indent="0" algn="l" defTabSz="457200" rtl="0" eaLnBrk="1" latinLnBrk="0" hangingPunct="1">
+              <a:spcBef>
+                <a:spcPct val="20000"/>
+              </a:spcBef>
+              <a:buFont typeface="Arial"/>
+              <a:buNone/>
+              <a:defRPr sz="2400" kern="1200">
+                <a:solidFill>
+                  <a:schemeClr val="tx1"/>
+                </a:solidFill>
+                <a:latin typeface="+mn-lt"/>
+                <a:ea typeface="+mn-ea"/>
+                <a:cs typeface="+mn-cs"/>
+              </a:defRPr>
+            </a:lvl4pPr>
+            <a:lvl5pPr marL="1828800" indent="0" algn="l" defTabSz="457200" rtl="0" eaLnBrk="1" latinLnBrk="0" hangingPunct="1">
+              <a:spcBef>
+                <a:spcPct val="20000"/>
+              </a:spcBef>
+              <a:buFont typeface="Arial"/>
+              <a:buNone/>
+              <a:defRPr sz="2400" kern="1200">
+                <a:solidFill>
+                  <a:schemeClr val="tx1"/>
+                </a:solidFill>
+                <a:latin typeface="+mn-lt"/>
+                <a:ea typeface="+mn-ea"/>
+                <a:cs typeface="+mn-cs"/>
+              </a:defRPr>
+            </a:lvl5pPr>
+            <a:lvl6pPr marL="2514600" indent="-228600" algn="l" defTabSz="457200" rtl="0" eaLnBrk="1" latinLnBrk="0" hangingPunct="1">
+              <a:spcBef>
+                <a:spcPct val="20000"/>
+              </a:spcBef>
+              <a:buFont typeface="Arial"/>
+              <a:buChar char="•"/>
+              <a:defRPr sz="2000" kern="1200">
+                <a:solidFill>
+                  <a:schemeClr val="tx1"/>
+                </a:solidFill>
+                <a:latin typeface="+mn-lt"/>
+                <a:ea typeface="+mn-ea"/>
+                <a:cs typeface="+mn-cs"/>
+              </a:defRPr>
+            </a:lvl6pPr>
+            <a:lvl7pPr marL="2971800" indent="-228600" algn="l" defTabSz="457200" rtl="0" eaLnBrk="1" latinLnBrk="0" hangingPunct="1">
+              <a:spcBef>
+                <a:spcPct val="20000"/>
+              </a:spcBef>
+              <a:buFont typeface="Arial"/>
+              <a:buChar char="•"/>
+              <a:defRPr sz="2000" kern="1200">
+                <a:solidFill>
+                  <a:schemeClr val="tx1"/>
+                </a:solidFill>
+                <a:latin typeface="+mn-lt"/>
+                <a:ea typeface="+mn-ea"/>
+                <a:cs typeface="+mn-cs"/>
+              </a:defRPr>
+            </a:lvl7pPr>
+            <a:lvl8pPr marL="3429000" indent="-228600" algn="l" defTabSz="457200" rtl="0" eaLnBrk="1" latinLnBrk="0" hangingPunct="1">
+              <a:spcBef>
+                <a:spcPct val="20000"/>
+              </a:spcBef>
+              <a:buFont typeface="Arial"/>
+              <a:buChar char="•"/>
+              <a:defRPr sz="2000" kern="1200">
+                <a:solidFill>
+                  <a:schemeClr val="tx1"/>
+                </a:solidFill>
+                <a:latin typeface="+mn-lt"/>
+                <a:ea typeface="+mn-ea"/>
+                <a:cs typeface="+mn-cs"/>
+              </a:defRPr>
+            </a:lvl8pPr>
+            <a:lvl9pPr marL="3886200" indent="-228600" algn="l" defTabSz="457200" rtl="0" eaLnBrk="1" latinLnBrk="0" hangingPunct="1">
+              <a:spcBef>
+                <a:spcPct val="20000"/>
+              </a:spcBef>
+              <a:buFont typeface="Arial"/>
+              <a:buChar char="•"/>
+              <a:defRPr sz="2000" kern="1200">
+                <a:solidFill>
+                  <a:schemeClr val="tx1"/>
+                </a:solidFill>
+                <a:latin typeface="+mn-lt"/>
+                <a:ea typeface="+mn-ea"/>
+                <a:cs typeface="+mn-cs"/>
+              </a:defRPr>
+            </a:lvl9pPr>
+          </a:lstStyle>
+          <a:p>
+            <a:pPr algn="ctr"/>
+            <a:r>
+              <a:rPr lang="en-GB" sz="2000" b="1" dirty="0">
+                <a:latin typeface="Calibri"/>
+                <a:cs typeface="Arial"/>
+              </a:rPr>
+              <a:t>Looping over a dictionary</a:t>
+            </a:r>
+            <a:endParaRPr lang="en-US" b="1" dirty="0"/>
+          </a:p>
+          <a:p>
+            <a:pPr marL="342900" indent="-342900" algn="ctr">
+              <a:buFont typeface="Arial"/>
+              <a:buChar char="•"/>
+            </a:pPr>
+            <a:endParaRPr lang="en-GB" sz="2000" b="1" dirty="0">
+              <a:latin typeface="Calibri"/>
+            </a:endParaRPr>
+          </a:p>
+          <a:p>
+            <a:pPr marL="342900" indent="-342900" algn="ctr">
+              <a:buFont typeface="Arial"/>
+              <a:buChar char="•"/>
+            </a:pPr>
+            <a:endParaRPr lang="en-GB" sz="2000" b="1" dirty="0">
+              <a:latin typeface="Calibri"/>
+            </a:endParaRPr>
+          </a:p>
+          <a:p>
+            <a:pPr marL="342900" indent="-342900" algn="ctr">
+              <a:buFont typeface="Arial"/>
+              <a:buChar char="•"/>
+            </a:pPr>
+            <a:endParaRPr lang="en-GB" sz="2000" b="1" dirty="0">
+              <a:latin typeface="Calibri"/>
+            </a:endParaRPr>
+          </a:p>
+          <a:p>
+            <a:pPr marL="342900" indent="-342900" algn="ctr">
+              <a:buFont typeface="Arial"/>
+              <a:buChar char="•"/>
+            </a:pPr>
+            <a:endParaRPr lang="en-GB" sz="2000" b="1" dirty="0">
+              <a:latin typeface="Calibri"/>
+            </a:endParaRPr>
+          </a:p>
+          <a:p>
+            <a:pPr marL="342900" indent="-342900" algn="ctr">
+              <a:buFont typeface="Arial"/>
+              <a:buChar char="•"/>
+            </a:pPr>
+            <a:endParaRPr lang="en-GB" sz="2000" b="1" dirty="0">
+              <a:latin typeface="Calibri"/>
+            </a:endParaRPr>
+          </a:p>
+          <a:p>
+            <a:pPr marL="342900" indent="-342900" algn="ctr">
+              <a:buFont typeface="Arial"/>
+              <a:buChar char="•"/>
+            </a:pPr>
+            <a:endParaRPr lang="en-GB" sz="2000" b="1" dirty="0">
+              <a:latin typeface="Calibri"/>
+            </a:endParaRPr>
+          </a:p>
+          <a:p>
+            <a:pPr marL="342900" indent="-342900" algn="ctr">
+              <a:buFont typeface="Arial"/>
+              <a:buChar char="•"/>
+            </a:pPr>
+            <a:endParaRPr lang="en-GB" sz="2000" b="1" dirty="0">
+              <a:latin typeface="Calibri"/>
+            </a:endParaRPr>
+          </a:p>
+          <a:p>
+            <a:pPr algn="ctr"/>
+            <a:endParaRPr lang="en-GB" sz="2000" b="1" dirty="0">
+              <a:latin typeface="Calibri"/>
+            </a:endParaRPr>
+          </a:p>
+          <a:p>
+            <a:pPr marL="342900" indent="-342900" algn="ctr">
+              <a:buFont typeface="Arial"/>
+              <a:buChar char="•"/>
+            </a:pPr>
+            <a:endParaRPr lang="en-GB" sz="2000" b="1" dirty="0">
+              <a:latin typeface="Calibri"/>
+            </a:endParaRPr>
+          </a:p>
+        </p:txBody>
+      </p:sp>
+      <p:sp>
+        <p:nvSpPr>
+          <p:cNvPr id="14" name="Text Placeholder 2">
+            <a:extLst>
+              <a:ext uri="{FF2B5EF4-FFF2-40B4-BE49-F238E27FC236}">
+                <a16:creationId xmlns:a16="http://schemas.microsoft.com/office/drawing/2014/main" id="{B1627655-64AA-463C-8F65-529CB6983D0D}"/>
+              </a:ext>
+            </a:extLst>
+          </p:cNvPr>
+          <p:cNvSpPr txBox="1">
+            <a:spLocks/>
+          </p:cNvSpPr>
+          <p:nvPr/>
+        </p:nvSpPr>
+        <p:spPr>
+          <a:xfrm>
+            <a:off x="5815404" y="2047862"/>
+            <a:ext cx="2832114" cy="1663554"/>
+          </a:xfrm>
+          <a:prstGeom prst="rect">
+            <a:avLst/>
+          </a:prstGeom>
+        </p:spPr>
+        <p:txBody>
+          <a:bodyPr vert="horz" anchor="t"/>
+          <a:lstStyle>
+            <a:lvl1pPr marL="0" indent="0" algn="l" defTabSz="457200" rtl="0" eaLnBrk="1" latinLnBrk="0" hangingPunct="1">
+              <a:spcBef>
+                <a:spcPts val="0"/>
+              </a:spcBef>
+              <a:buFont typeface="Arial"/>
+              <a:buNone/>
+              <a:defRPr sz="2400" kern="1200" baseline="0">
+                <a:solidFill>
+                  <a:schemeClr val="tx1"/>
+                </a:solidFill>
+                <a:latin typeface="Arial" pitchFamily="34" charset="0"/>
+                <a:ea typeface="+mn-ea"/>
+                <a:cs typeface="Arial" pitchFamily="34" charset="0"/>
+              </a:defRPr>
+            </a:lvl1pPr>
+            <a:lvl2pPr marL="457200" indent="0" algn="l" defTabSz="457200" rtl="0" eaLnBrk="1" latinLnBrk="0" hangingPunct="1">
+              <a:spcBef>
+                <a:spcPct val="20000"/>
+              </a:spcBef>
+              <a:buFont typeface="Arial"/>
+              <a:buNone/>
+              <a:defRPr sz="2400" kern="1200">
+                <a:solidFill>
+                  <a:schemeClr val="tx1"/>
+                </a:solidFill>
+                <a:latin typeface="+mn-lt"/>
+                <a:ea typeface="+mn-ea"/>
+                <a:cs typeface="+mn-cs"/>
+              </a:defRPr>
+            </a:lvl2pPr>
+            <a:lvl3pPr marL="914400" indent="0" algn="l" defTabSz="457200" rtl="0" eaLnBrk="1" latinLnBrk="0" hangingPunct="1">
+              <a:spcBef>
+                <a:spcPct val="20000"/>
+              </a:spcBef>
+              <a:buFont typeface="Arial"/>
+              <a:buNone/>
+              <a:defRPr sz="2400" kern="1200">
+                <a:solidFill>
+                  <a:schemeClr val="tx1"/>
+                </a:solidFill>
+                <a:latin typeface="+mn-lt"/>
+                <a:ea typeface="+mn-ea"/>
+                <a:cs typeface="+mn-cs"/>
+              </a:defRPr>
+            </a:lvl3pPr>
+            <a:lvl4pPr marL="1371600" indent="0" algn="l" defTabSz="457200" rtl="0" eaLnBrk="1" latinLnBrk="0" hangingPunct="1">
+              <a:spcBef>
+                <a:spcPct val="20000"/>
+              </a:spcBef>
+              <a:buFont typeface="Arial"/>
+              <a:buNone/>
+              <a:defRPr sz="2400" kern="1200">
+                <a:solidFill>
+                  <a:schemeClr val="tx1"/>
+                </a:solidFill>
+                <a:latin typeface="+mn-lt"/>
+                <a:ea typeface="+mn-ea"/>
+                <a:cs typeface="+mn-cs"/>
+              </a:defRPr>
+            </a:lvl4pPr>
+            <a:lvl5pPr marL="1828800" indent="0" algn="l" defTabSz="457200" rtl="0" eaLnBrk="1" latinLnBrk="0" hangingPunct="1">
+              <a:spcBef>
+                <a:spcPct val="20000"/>
+              </a:spcBef>
+              <a:buFont typeface="Arial"/>
+              <a:buNone/>
+              <a:defRPr sz="2400" kern="1200">
+                <a:solidFill>
+                  <a:schemeClr val="tx1"/>
+                </a:solidFill>
+                <a:latin typeface="+mn-lt"/>
+                <a:ea typeface="+mn-ea"/>
+                <a:cs typeface="+mn-cs"/>
+              </a:defRPr>
+            </a:lvl5pPr>
+            <a:lvl6pPr marL="2514600" indent="-228600" algn="l" defTabSz="457200" rtl="0" eaLnBrk="1" latinLnBrk="0" hangingPunct="1">
+              <a:spcBef>
+                <a:spcPct val="20000"/>
+              </a:spcBef>
+              <a:buFont typeface="Arial"/>
+              <a:buChar char="•"/>
+              <a:defRPr sz="2000" kern="1200">
+                <a:solidFill>
+                  <a:schemeClr val="tx1"/>
+                </a:solidFill>
+                <a:latin typeface="+mn-lt"/>
+                <a:ea typeface="+mn-ea"/>
+                <a:cs typeface="+mn-cs"/>
+              </a:defRPr>
+            </a:lvl6pPr>
+            <a:lvl7pPr marL="2971800" indent="-228600" algn="l" defTabSz="457200" rtl="0" eaLnBrk="1" latinLnBrk="0" hangingPunct="1">
+              <a:spcBef>
+                <a:spcPct val="20000"/>
+              </a:spcBef>
+              <a:buFont typeface="Arial"/>
+              <a:buChar char="•"/>
+              <a:defRPr sz="2000" kern="1200">
+                <a:solidFill>
+                  <a:schemeClr val="tx1"/>
+                </a:solidFill>
+                <a:latin typeface="+mn-lt"/>
+                <a:ea typeface="+mn-ea"/>
+                <a:cs typeface="+mn-cs"/>
+              </a:defRPr>
+            </a:lvl7pPr>
+            <a:lvl8pPr marL="3429000" indent="-228600" algn="l" defTabSz="457200" rtl="0" eaLnBrk="1" latinLnBrk="0" hangingPunct="1">
+              <a:spcBef>
+                <a:spcPct val="20000"/>
+              </a:spcBef>
+              <a:buFont typeface="Arial"/>
+              <a:buChar char="•"/>
+              <a:defRPr sz="2000" kern="1200">
+                <a:solidFill>
+                  <a:schemeClr val="tx1"/>
+                </a:solidFill>
+                <a:latin typeface="+mn-lt"/>
+                <a:ea typeface="+mn-ea"/>
+                <a:cs typeface="+mn-cs"/>
+              </a:defRPr>
+            </a:lvl8pPr>
+            <a:lvl9pPr marL="3886200" indent="-228600" algn="l" defTabSz="457200" rtl="0" eaLnBrk="1" latinLnBrk="0" hangingPunct="1">
+              <a:spcBef>
+                <a:spcPct val="20000"/>
+              </a:spcBef>
+              <a:buFont typeface="Arial"/>
+              <a:buChar char="•"/>
+              <a:defRPr sz="2000" kern="1200">
+                <a:solidFill>
+                  <a:schemeClr val="tx1"/>
+                </a:solidFill>
+                <a:latin typeface="+mn-lt"/>
+                <a:ea typeface="+mn-ea"/>
+                <a:cs typeface="+mn-cs"/>
+              </a:defRPr>
+            </a:lvl9pPr>
+          </a:lstStyle>
+          <a:p>
+            <a:pPr algn="ctr"/>
+            <a:r>
+              <a:rPr lang="en-GB" sz="2000" b="1" dirty="0">
+                <a:latin typeface="Calibri"/>
+                <a:cs typeface="Arial"/>
+              </a:rPr>
+              <a:t>Deleting an entry</a:t>
+            </a:r>
+            <a:endParaRPr lang="en-GB" sz="2000" b="1" dirty="0">
+              <a:latin typeface="Calibri"/>
+            </a:endParaRPr>
+          </a:p>
+          <a:p>
+            <a:pPr marL="342900" indent="-342900" algn="ctr">
+              <a:buFont typeface="Arial"/>
+              <a:buChar char="•"/>
+            </a:pPr>
+            <a:endParaRPr lang="en-GB" sz="2000" b="1" dirty="0">
+              <a:latin typeface="Calibri"/>
+            </a:endParaRPr>
+          </a:p>
+          <a:p>
+            <a:pPr marL="342900" indent="-342900" algn="ctr">
+              <a:buFont typeface="Arial"/>
+              <a:buChar char="•"/>
+            </a:pPr>
+            <a:endParaRPr lang="en-GB" sz="2000" b="1" dirty="0">
+              <a:latin typeface="Calibri"/>
+            </a:endParaRPr>
+          </a:p>
+          <a:p>
+            <a:pPr marL="342900" indent="-342900" algn="ctr">
+              <a:buFont typeface="Arial"/>
+              <a:buChar char="•"/>
+            </a:pPr>
+            <a:endParaRPr lang="en-GB" sz="2000" b="1" dirty="0">
+              <a:latin typeface="Calibri"/>
+            </a:endParaRPr>
+          </a:p>
+          <a:p>
+            <a:pPr marL="342900" indent="-342900" algn="ctr">
+              <a:buFont typeface="Arial"/>
+              <a:buChar char="•"/>
+            </a:pPr>
+            <a:endParaRPr lang="en-GB" sz="2000" b="1" dirty="0">
+              <a:latin typeface="Calibri"/>
+            </a:endParaRPr>
+          </a:p>
+          <a:p>
+            <a:pPr marL="342900" indent="-342900" algn="ctr">
+              <a:buFont typeface="Arial"/>
+              <a:buChar char="•"/>
+            </a:pPr>
+            <a:endParaRPr lang="en-GB" sz="2000" b="1" dirty="0">
+              <a:latin typeface="Calibri"/>
+            </a:endParaRPr>
+          </a:p>
+          <a:p>
+            <a:pPr marL="342900" indent="-342900" algn="ctr">
+              <a:buFont typeface="Arial"/>
+              <a:buChar char="•"/>
+            </a:pPr>
+            <a:endParaRPr lang="en-GB" sz="2000" b="1" dirty="0">
+              <a:latin typeface="Calibri"/>
+            </a:endParaRPr>
+          </a:p>
+          <a:p>
+            <a:pPr algn="ctr"/>
+            <a:endParaRPr lang="en-GB" sz="2000" b="1" dirty="0">
+              <a:latin typeface="Calibri"/>
+            </a:endParaRPr>
+          </a:p>
+          <a:p>
+            <a:pPr marL="342900" indent="-342900" algn="ctr">
+              <a:buFont typeface="Arial"/>
+              <a:buChar char="•"/>
+            </a:pPr>
+            <a:endParaRPr lang="en-GB" sz="2000" b="1" dirty="0">
+              <a:latin typeface="Calibri"/>
+            </a:endParaRPr>
+          </a:p>
+        </p:txBody>
+      </p:sp>
       <p:pic>
         <p:nvPicPr>
-          <p:cNvPr id="4" name="Picture 3">
+          <p:cNvPr id="12" name="Picture 11" descr="A screenshot of a computer&#10;&#10;Description automatically generated">
             <a:extLst>
               <a:ext uri="{FF2B5EF4-FFF2-40B4-BE49-F238E27FC236}">
-                <a16:creationId xmlns:a16="http://schemas.microsoft.com/office/drawing/2014/main" id="{086DF6B8-9658-447E-9310-708F9923319C}"/>
+                <a16:creationId xmlns:a16="http://schemas.microsoft.com/office/drawing/2014/main" id="{93CDC603-BEA7-C6A3-385F-08CDC26577C5}"/>
               </a:ext>
             </a:extLst>
           </p:cNvPr>
@@ -28219,8 +30345,8 @@
         </p:blipFill>
         <p:spPr>
           <a:xfrm>
-            <a:off x="1516345" y="1188438"/>
-            <a:ext cx="6111310" cy="1238041"/>
+            <a:off x="470972" y="2640668"/>
+            <a:ext cx="1974165" cy="1457521"/>
           </a:xfrm>
           <a:prstGeom prst="rect">
             <a:avLst/>
@@ -28229,10 +30355,10 @@
       </p:pic>
       <p:pic>
         <p:nvPicPr>
-          <p:cNvPr id="5" name="Picture 4">
+          <p:cNvPr id="17" name="Picture 16" descr="A screenshot of a computer&#10;&#10;Description automatically generated">
             <a:extLst>
               <a:ext uri="{FF2B5EF4-FFF2-40B4-BE49-F238E27FC236}">
-                <a16:creationId xmlns:a16="http://schemas.microsoft.com/office/drawing/2014/main" id="{362C70F6-8FF2-4745-B1DB-384D73581C3A}"/>
+                <a16:creationId xmlns:a16="http://schemas.microsoft.com/office/drawing/2014/main" id="{46662C96-9676-1507-6ECE-A84AEE22A089}"/>
               </a:ext>
             </a:extLst>
           </p:cNvPr>
@@ -28249,1091 +30375,8 @@
         </p:blipFill>
         <p:spPr>
           <a:xfrm>
-            <a:off x="2674715" y="2966917"/>
-            <a:ext cx="3794570" cy="1446206"/>
-          </a:xfrm>
-          <a:prstGeom prst="rect">
-            <a:avLst/>
-          </a:prstGeom>
-        </p:spPr>
-      </p:pic>
-    </p:spTree>
-    <p:extLst>
-      <p:ext uri="{BB962C8B-B14F-4D97-AF65-F5344CB8AC3E}">
-        <p14:creationId xmlns:p14="http://schemas.microsoft.com/office/powerpoint/2010/main" val="3894219608"/>
-      </p:ext>
-    </p:extLst>
-  </p:cSld>
-  <p:clrMapOvr>
-    <a:masterClrMapping/>
-  </p:clrMapOvr>
-</p:sld>
-</file>
-
-<file path=ppt/slides/slide11.xml><?xml version="1.0" encoding="utf-8"?>
-<p:sld xmlns:a="http://schemas.openxmlformats.org/drawingml/2006/main" xmlns:r="http://schemas.openxmlformats.org/officeDocument/2006/relationships" xmlns:p="http://schemas.openxmlformats.org/presentationml/2006/main" showMasterSp="0">
-  <p:cSld>
-    <p:spTree>
-      <p:nvGrpSpPr>
-        <p:cNvPr id="1" name=""/>
-        <p:cNvGrpSpPr/>
-        <p:nvPr/>
-      </p:nvGrpSpPr>
-      <p:grpSpPr>
-        <a:xfrm>
-          <a:off x="0" y="0"/>
-          <a:ext cx="0" cy="0"/>
-          <a:chOff x="0" y="0"/>
-          <a:chExt cx="0" cy="0"/>
-        </a:xfrm>
-      </p:grpSpPr>
-      <p:sp>
-        <p:nvSpPr>
-          <p:cNvPr id="2" name="Title 1">
-            <a:extLst>
-              <a:ext uri="{FF2B5EF4-FFF2-40B4-BE49-F238E27FC236}">
-                <a16:creationId xmlns:a16="http://schemas.microsoft.com/office/drawing/2014/main" id="{F7DA9A4F-1DFD-49DB-8569-F5AB18BD6161}"/>
-              </a:ext>
-            </a:extLst>
-          </p:cNvPr>
-          <p:cNvSpPr>
-            <a:spLocks noGrp="1"/>
-          </p:cNvSpPr>
-          <p:nvPr>
-            <p:ph type="title"/>
-          </p:nvPr>
-        </p:nvSpPr>
-        <p:spPr/>
-        <p:txBody>
-          <a:bodyPr/>
-          <a:lstStyle/>
-          <a:p>
-            <a:r>
-              <a:rPr lang="en-GB" dirty="0"/>
-              <a:t>Looping Through Dictionaries</a:t>
-            </a:r>
-          </a:p>
-        </p:txBody>
-      </p:sp>
-      <p:sp>
-        <p:nvSpPr>
-          <p:cNvPr id="3" name="Slide Number Placeholder 2">
-            <a:extLst>
-              <a:ext uri="{FF2B5EF4-FFF2-40B4-BE49-F238E27FC236}">
-                <a16:creationId xmlns:a16="http://schemas.microsoft.com/office/drawing/2014/main" id="{7C3E703A-A386-472F-AD27-D2D983CC7A66}"/>
-              </a:ext>
-            </a:extLst>
-          </p:cNvPr>
-          <p:cNvSpPr>
-            <a:spLocks noGrp="1"/>
-          </p:cNvSpPr>
-          <p:nvPr>
-            <p:ph type="sldNum" sz="quarter" idx="4"/>
-          </p:nvPr>
-        </p:nvSpPr>
-        <p:spPr/>
-        <p:txBody>
-          <a:bodyPr/>
-          <a:lstStyle/>
-          <a:p>
-            <a:fld id="{3C4F54F3-C349-4609-AFEE-01462D5C7942}" type="slidenum">
-              <a:rPr lang="en-GB" smtClean="0"/>
-              <a:pPr/>
-              <a:t>11</a:t>
-            </a:fld>
-            <a:endParaRPr lang="en-GB"/>
-          </a:p>
-        </p:txBody>
-      </p:sp>
-      <p:pic>
-        <p:nvPicPr>
-          <p:cNvPr id="11" name="Picture 10">
-            <a:extLst>
-              <a:ext uri="{FF2B5EF4-FFF2-40B4-BE49-F238E27FC236}">
-                <a16:creationId xmlns:a16="http://schemas.microsoft.com/office/drawing/2014/main" id="{AE10D547-F5D1-43D9-93EA-E166E3C73F57}"/>
-              </a:ext>
-            </a:extLst>
-          </p:cNvPr>
-          <p:cNvPicPr>
-            <a:picLocks noChangeAspect="1"/>
-          </p:cNvPicPr>
-          <p:nvPr/>
-        </p:nvPicPr>
-        <p:blipFill rotWithShape="1">
-          <a:blip r:embed="rId3"/>
-          <a:srcRect l="2982" t="3174" r="2869" b="2900"/>
-          <a:stretch/>
-        </p:blipFill>
-        <p:spPr>
-          <a:xfrm>
-            <a:off x="8576572" y="4598283"/>
-            <a:ext cx="498106" cy="496941"/>
-          </a:xfrm>
-          <a:prstGeom prst="ellipse">
-            <a:avLst/>
-          </a:prstGeom>
-        </p:spPr>
-      </p:pic>
-      <p:sp>
-        <p:nvSpPr>
-          <p:cNvPr id="6" name="Text Placeholder 2">
-            <a:extLst>
-              <a:ext uri="{FF2B5EF4-FFF2-40B4-BE49-F238E27FC236}">
-                <a16:creationId xmlns:a16="http://schemas.microsoft.com/office/drawing/2014/main" id="{28280EFD-605B-4843-8D20-931E34B69861}"/>
-              </a:ext>
-            </a:extLst>
-          </p:cNvPr>
-          <p:cNvSpPr txBox="1">
-            <a:spLocks/>
-          </p:cNvSpPr>
-          <p:nvPr/>
-        </p:nvSpPr>
-        <p:spPr>
-          <a:xfrm>
-            <a:off x="237061" y="712957"/>
-            <a:ext cx="8619938" cy="2749572"/>
-          </a:xfrm>
-          <a:prstGeom prst="rect">
-            <a:avLst/>
-          </a:prstGeom>
-        </p:spPr>
-        <p:txBody>
-          <a:bodyPr vert="horz" anchor="t"/>
-          <a:lstStyle>
-            <a:lvl1pPr marL="0" indent="0" algn="l" defTabSz="457200" rtl="0" eaLnBrk="1" latinLnBrk="0" hangingPunct="1">
-              <a:spcBef>
-                <a:spcPts val="0"/>
-              </a:spcBef>
-              <a:buFont typeface="Arial"/>
-              <a:buNone/>
-              <a:defRPr sz="2400" kern="1200" baseline="0">
-                <a:solidFill>
-                  <a:schemeClr val="tx1"/>
-                </a:solidFill>
-                <a:latin typeface="Arial" pitchFamily="34" charset="0"/>
-                <a:ea typeface="+mn-ea"/>
-                <a:cs typeface="Arial" pitchFamily="34" charset="0"/>
-              </a:defRPr>
-            </a:lvl1pPr>
-            <a:lvl2pPr marL="457200" indent="0" algn="l" defTabSz="457200" rtl="0" eaLnBrk="1" latinLnBrk="0" hangingPunct="1">
-              <a:spcBef>
-                <a:spcPct val="20000"/>
-              </a:spcBef>
-              <a:buFont typeface="Arial"/>
-              <a:buNone/>
-              <a:defRPr sz="2400" kern="1200">
-                <a:solidFill>
-                  <a:schemeClr val="tx1"/>
-                </a:solidFill>
-                <a:latin typeface="+mn-lt"/>
-                <a:ea typeface="+mn-ea"/>
-                <a:cs typeface="+mn-cs"/>
-              </a:defRPr>
-            </a:lvl2pPr>
-            <a:lvl3pPr marL="914400" indent="0" algn="l" defTabSz="457200" rtl="0" eaLnBrk="1" latinLnBrk="0" hangingPunct="1">
-              <a:spcBef>
-                <a:spcPct val="20000"/>
-              </a:spcBef>
-              <a:buFont typeface="Arial"/>
-              <a:buNone/>
-              <a:defRPr sz="2400" kern="1200">
-                <a:solidFill>
-                  <a:schemeClr val="tx1"/>
-                </a:solidFill>
-                <a:latin typeface="+mn-lt"/>
-                <a:ea typeface="+mn-ea"/>
-                <a:cs typeface="+mn-cs"/>
-              </a:defRPr>
-            </a:lvl3pPr>
-            <a:lvl4pPr marL="1371600" indent="0" algn="l" defTabSz="457200" rtl="0" eaLnBrk="1" latinLnBrk="0" hangingPunct="1">
-              <a:spcBef>
-                <a:spcPct val="20000"/>
-              </a:spcBef>
-              <a:buFont typeface="Arial"/>
-              <a:buNone/>
-              <a:defRPr sz="2400" kern="1200">
-                <a:solidFill>
-                  <a:schemeClr val="tx1"/>
-                </a:solidFill>
-                <a:latin typeface="+mn-lt"/>
-                <a:ea typeface="+mn-ea"/>
-                <a:cs typeface="+mn-cs"/>
-              </a:defRPr>
-            </a:lvl4pPr>
-            <a:lvl5pPr marL="1828800" indent="0" algn="l" defTabSz="457200" rtl="0" eaLnBrk="1" latinLnBrk="0" hangingPunct="1">
-              <a:spcBef>
-                <a:spcPct val="20000"/>
-              </a:spcBef>
-              <a:buFont typeface="Arial"/>
-              <a:buNone/>
-              <a:defRPr sz="2400" kern="1200">
-                <a:solidFill>
-                  <a:schemeClr val="tx1"/>
-                </a:solidFill>
-                <a:latin typeface="+mn-lt"/>
-                <a:ea typeface="+mn-ea"/>
-                <a:cs typeface="+mn-cs"/>
-              </a:defRPr>
-            </a:lvl5pPr>
-            <a:lvl6pPr marL="2514600" indent="-228600" algn="l" defTabSz="457200" rtl="0" eaLnBrk="1" latinLnBrk="0" hangingPunct="1">
-              <a:spcBef>
-                <a:spcPct val="20000"/>
-              </a:spcBef>
-              <a:buFont typeface="Arial"/>
-              <a:buChar char="•"/>
-              <a:defRPr sz="2000" kern="1200">
-                <a:solidFill>
-                  <a:schemeClr val="tx1"/>
-                </a:solidFill>
-                <a:latin typeface="+mn-lt"/>
-                <a:ea typeface="+mn-ea"/>
-                <a:cs typeface="+mn-cs"/>
-              </a:defRPr>
-            </a:lvl6pPr>
-            <a:lvl7pPr marL="2971800" indent="-228600" algn="l" defTabSz="457200" rtl="0" eaLnBrk="1" latinLnBrk="0" hangingPunct="1">
-              <a:spcBef>
-                <a:spcPct val="20000"/>
-              </a:spcBef>
-              <a:buFont typeface="Arial"/>
-              <a:buChar char="•"/>
-              <a:defRPr sz="2000" kern="1200">
-                <a:solidFill>
-                  <a:schemeClr val="tx1"/>
-                </a:solidFill>
-                <a:latin typeface="+mn-lt"/>
-                <a:ea typeface="+mn-ea"/>
-                <a:cs typeface="+mn-cs"/>
-              </a:defRPr>
-            </a:lvl7pPr>
-            <a:lvl8pPr marL="3429000" indent="-228600" algn="l" defTabSz="457200" rtl="0" eaLnBrk="1" latinLnBrk="0" hangingPunct="1">
-              <a:spcBef>
-                <a:spcPct val="20000"/>
-              </a:spcBef>
-              <a:buFont typeface="Arial"/>
-              <a:buChar char="•"/>
-              <a:defRPr sz="2000" kern="1200">
-                <a:solidFill>
-                  <a:schemeClr val="tx1"/>
-                </a:solidFill>
-                <a:latin typeface="+mn-lt"/>
-                <a:ea typeface="+mn-ea"/>
-                <a:cs typeface="+mn-cs"/>
-              </a:defRPr>
-            </a:lvl8pPr>
-            <a:lvl9pPr marL="3886200" indent="-228600" algn="l" defTabSz="457200" rtl="0" eaLnBrk="1" latinLnBrk="0" hangingPunct="1">
-              <a:spcBef>
-                <a:spcPct val="20000"/>
-              </a:spcBef>
-              <a:buFont typeface="Arial"/>
-              <a:buChar char="•"/>
-              <a:defRPr sz="2000" kern="1200">
-                <a:solidFill>
-                  <a:schemeClr val="tx1"/>
-                </a:solidFill>
-                <a:latin typeface="+mn-lt"/>
-                <a:ea typeface="+mn-ea"/>
-                <a:cs typeface="+mn-cs"/>
-              </a:defRPr>
-            </a:lvl9pPr>
-          </a:lstStyle>
-          <a:p>
-            <a:pPr marL="342900" indent="-342900">
-              <a:buFont typeface="Arial"/>
-              <a:buChar char="•"/>
-            </a:pPr>
-            <a:r>
-              <a:rPr lang="en-GB" sz="2000" dirty="0">
-                <a:latin typeface="Arial"/>
-                <a:cs typeface="Arial"/>
-              </a:rPr>
-              <a:t>Python offers use three ways to loop through dictionaries</a:t>
-            </a:r>
-          </a:p>
-        </p:txBody>
-      </p:sp>
-      <p:sp>
-        <p:nvSpPr>
-          <p:cNvPr id="9" name="Text Placeholder 2">
-            <a:extLst>
-              <a:ext uri="{FF2B5EF4-FFF2-40B4-BE49-F238E27FC236}">
-                <a16:creationId xmlns:a16="http://schemas.microsoft.com/office/drawing/2014/main" id="{757D3795-1486-40C0-A71B-F9CA199D1B92}"/>
-              </a:ext>
-            </a:extLst>
-          </p:cNvPr>
-          <p:cNvSpPr txBox="1">
-            <a:spLocks/>
-          </p:cNvSpPr>
-          <p:nvPr/>
-        </p:nvSpPr>
-        <p:spPr>
-          <a:xfrm>
-            <a:off x="139686" y="2047862"/>
-            <a:ext cx="2832114" cy="1663554"/>
-          </a:xfrm>
-          <a:prstGeom prst="rect">
-            <a:avLst/>
-          </a:prstGeom>
-        </p:spPr>
-        <p:txBody>
-          <a:bodyPr vert="horz" anchor="t"/>
-          <a:lstStyle>
-            <a:lvl1pPr marL="0" indent="0" algn="l" defTabSz="457200" rtl="0" eaLnBrk="1" latinLnBrk="0" hangingPunct="1">
-              <a:spcBef>
-                <a:spcPts val="0"/>
-              </a:spcBef>
-              <a:buFont typeface="Arial"/>
-              <a:buNone/>
-              <a:defRPr sz="2400" kern="1200" baseline="0">
-                <a:solidFill>
-                  <a:schemeClr val="tx1"/>
-                </a:solidFill>
-                <a:latin typeface="Arial" pitchFamily="34" charset="0"/>
-                <a:ea typeface="+mn-ea"/>
-                <a:cs typeface="Arial" pitchFamily="34" charset="0"/>
-              </a:defRPr>
-            </a:lvl1pPr>
-            <a:lvl2pPr marL="457200" indent="0" algn="l" defTabSz="457200" rtl="0" eaLnBrk="1" latinLnBrk="0" hangingPunct="1">
-              <a:spcBef>
-                <a:spcPct val="20000"/>
-              </a:spcBef>
-              <a:buFont typeface="Arial"/>
-              <a:buNone/>
-              <a:defRPr sz="2400" kern="1200">
-                <a:solidFill>
-                  <a:schemeClr val="tx1"/>
-                </a:solidFill>
-                <a:latin typeface="+mn-lt"/>
-                <a:ea typeface="+mn-ea"/>
-                <a:cs typeface="+mn-cs"/>
-              </a:defRPr>
-            </a:lvl2pPr>
-            <a:lvl3pPr marL="914400" indent="0" algn="l" defTabSz="457200" rtl="0" eaLnBrk="1" latinLnBrk="0" hangingPunct="1">
-              <a:spcBef>
-                <a:spcPct val="20000"/>
-              </a:spcBef>
-              <a:buFont typeface="Arial"/>
-              <a:buNone/>
-              <a:defRPr sz="2400" kern="1200">
-                <a:solidFill>
-                  <a:schemeClr val="tx1"/>
-                </a:solidFill>
-                <a:latin typeface="+mn-lt"/>
-                <a:ea typeface="+mn-ea"/>
-                <a:cs typeface="+mn-cs"/>
-              </a:defRPr>
-            </a:lvl3pPr>
-            <a:lvl4pPr marL="1371600" indent="0" algn="l" defTabSz="457200" rtl="0" eaLnBrk="1" latinLnBrk="0" hangingPunct="1">
-              <a:spcBef>
-                <a:spcPct val="20000"/>
-              </a:spcBef>
-              <a:buFont typeface="Arial"/>
-              <a:buNone/>
-              <a:defRPr sz="2400" kern="1200">
-                <a:solidFill>
-                  <a:schemeClr val="tx1"/>
-                </a:solidFill>
-                <a:latin typeface="+mn-lt"/>
-                <a:ea typeface="+mn-ea"/>
-                <a:cs typeface="+mn-cs"/>
-              </a:defRPr>
-            </a:lvl4pPr>
-            <a:lvl5pPr marL="1828800" indent="0" algn="l" defTabSz="457200" rtl="0" eaLnBrk="1" latinLnBrk="0" hangingPunct="1">
-              <a:spcBef>
-                <a:spcPct val="20000"/>
-              </a:spcBef>
-              <a:buFont typeface="Arial"/>
-              <a:buNone/>
-              <a:defRPr sz="2400" kern="1200">
-                <a:solidFill>
-                  <a:schemeClr val="tx1"/>
-                </a:solidFill>
-                <a:latin typeface="+mn-lt"/>
-                <a:ea typeface="+mn-ea"/>
-                <a:cs typeface="+mn-cs"/>
-              </a:defRPr>
-            </a:lvl5pPr>
-            <a:lvl6pPr marL="2514600" indent="-228600" algn="l" defTabSz="457200" rtl="0" eaLnBrk="1" latinLnBrk="0" hangingPunct="1">
-              <a:spcBef>
-                <a:spcPct val="20000"/>
-              </a:spcBef>
-              <a:buFont typeface="Arial"/>
-              <a:buChar char="•"/>
-              <a:defRPr sz="2000" kern="1200">
-                <a:solidFill>
-                  <a:schemeClr val="tx1"/>
-                </a:solidFill>
-                <a:latin typeface="+mn-lt"/>
-                <a:ea typeface="+mn-ea"/>
-                <a:cs typeface="+mn-cs"/>
-              </a:defRPr>
-            </a:lvl6pPr>
-            <a:lvl7pPr marL="2971800" indent="-228600" algn="l" defTabSz="457200" rtl="0" eaLnBrk="1" latinLnBrk="0" hangingPunct="1">
-              <a:spcBef>
-                <a:spcPct val="20000"/>
-              </a:spcBef>
-              <a:buFont typeface="Arial"/>
-              <a:buChar char="•"/>
-              <a:defRPr sz="2000" kern="1200">
-                <a:solidFill>
-                  <a:schemeClr val="tx1"/>
-                </a:solidFill>
-                <a:latin typeface="+mn-lt"/>
-                <a:ea typeface="+mn-ea"/>
-                <a:cs typeface="+mn-cs"/>
-              </a:defRPr>
-            </a:lvl7pPr>
-            <a:lvl8pPr marL="3429000" indent="-228600" algn="l" defTabSz="457200" rtl="0" eaLnBrk="1" latinLnBrk="0" hangingPunct="1">
-              <a:spcBef>
-                <a:spcPct val="20000"/>
-              </a:spcBef>
-              <a:buFont typeface="Arial"/>
-              <a:buChar char="•"/>
-              <a:defRPr sz="2000" kern="1200">
-                <a:solidFill>
-                  <a:schemeClr val="tx1"/>
-                </a:solidFill>
-                <a:latin typeface="+mn-lt"/>
-                <a:ea typeface="+mn-ea"/>
-                <a:cs typeface="+mn-cs"/>
-              </a:defRPr>
-            </a:lvl8pPr>
-            <a:lvl9pPr marL="3886200" indent="-228600" algn="l" defTabSz="457200" rtl="0" eaLnBrk="1" latinLnBrk="0" hangingPunct="1">
-              <a:spcBef>
-                <a:spcPct val="20000"/>
-              </a:spcBef>
-              <a:buFont typeface="Arial"/>
-              <a:buChar char="•"/>
-              <a:defRPr sz="2000" kern="1200">
-                <a:solidFill>
-                  <a:schemeClr val="tx1"/>
-                </a:solidFill>
-                <a:latin typeface="+mn-lt"/>
-                <a:ea typeface="+mn-ea"/>
-                <a:cs typeface="+mn-cs"/>
-              </a:defRPr>
-            </a:lvl9pPr>
-          </a:lstStyle>
-          <a:p>
-            <a:pPr algn="ctr"/>
-            <a:r>
-              <a:rPr lang="en-GB" sz="2000" b="1" dirty="0">
-                <a:latin typeface="Calibri"/>
-                <a:cs typeface="Arial"/>
-              </a:rPr>
-              <a:t>By Key</a:t>
-            </a:r>
-            <a:endParaRPr lang="en-US" b="1" dirty="0"/>
-          </a:p>
-          <a:p>
-            <a:pPr marL="342900" indent="-342900" algn="ctr">
-              <a:buFont typeface="Arial"/>
-              <a:buChar char="•"/>
-            </a:pPr>
-            <a:endParaRPr lang="en-GB" sz="2000" b="1" dirty="0">
-              <a:latin typeface="Calibri"/>
-            </a:endParaRPr>
-          </a:p>
-          <a:p>
-            <a:pPr marL="342900" indent="-342900" algn="ctr">
-              <a:buFont typeface="Arial"/>
-              <a:buChar char="•"/>
-            </a:pPr>
-            <a:endParaRPr lang="en-GB" sz="2000" b="1" dirty="0">
-              <a:latin typeface="Calibri"/>
-            </a:endParaRPr>
-          </a:p>
-          <a:p>
-            <a:pPr marL="342900" indent="-342900" algn="ctr">
-              <a:buFont typeface="Arial"/>
-              <a:buChar char="•"/>
-            </a:pPr>
-            <a:endParaRPr lang="en-GB" sz="2000" b="1" dirty="0">
-              <a:latin typeface="Calibri"/>
-            </a:endParaRPr>
-          </a:p>
-          <a:p>
-            <a:pPr marL="342900" indent="-342900" algn="ctr">
-              <a:buFont typeface="Arial"/>
-              <a:buChar char="•"/>
-            </a:pPr>
-            <a:endParaRPr lang="en-GB" sz="2000" b="1" dirty="0">
-              <a:latin typeface="Calibri"/>
-            </a:endParaRPr>
-          </a:p>
-          <a:p>
-            <a:pPr marL="342900" indent="-342900" algn="ctr">
-              <a:buFont typeface="Arial"/>
-              <a:buChar char="•"/>
-            </a:pPr>
-            <a:endParaRPr lang="en-GB" sz="2000" b="1" dirty="0">
-              <a:latin typeface="Calibri"/>
-            </a:endParaRPr>
-          </a:p>
-          <a:p>
-            <a:pPr marL="342900" indent="-342900" algn="ctr">
-              <a:buFont typeface="Arial"/>
-              <a:buChar char="•"/>
-            </a:pPr>
-            <a:endParaRPr lang="en-GB" sz="2000" b="1" dirty="0">
-              <a:latin typeface="Calibri"/>
-            </a:endParaRPr>
-          </a:p>
-          <a:p>
-            <a:pPr marL="342900" indent="-342900" algn="ctr">
-              <a:buFont typeface="Arial"/>
-              <a:buChar char="•"/>
-            </a:pPr>
-            <a:endParaRPr lang="en-GB" sz="2000" b="1" dirty="0">
-              <a:latin typeface="Calibri"/>
-            </a:endParaRPr>
-          </a:p>
-          <a:p>
-            <a:pPr algn="ctr"/>
-            <a:endParaRPr lang="en-GB" sz="2000" b="1" dirty="0">
-              <a:latin typeface="Calibri"/>
-            </a:endParaRPr>
-          </a:p>
-          <a:p>
-            <a:pPr marL="342900" indent="-342900" algn="ctr">
-              <a:buFont typeface="Arial"/>
-              <a:buChar char="•"/>
-            </a:pPr>
-            <a:endParaRPr lang="en-GB" sz="2000" b="1" dirty="0">
-              <a:latin typeface="Calibri"/>
-            </a:endParaRPr>
-          </a:p>
-        </p:txBody>
-      </p:sp>
-      <p:sp>
-        <p:nvSpPr>
-          <p:cNvPr id="13" name="Text Placeholder 2">
-            <a:extLst>
-              <a:ext uri="{FF2B5EF4-FFF2-40B4-BE49-F238E27FC236}">
-                <a16:creationId xmlns:a16="http://schemas.microsoft.com/office/drawing/2014/main" id="{A1FA3161-1025-496B-8678-2F2635C24E98}"/>
-              </a:ext>
-            </a:extLst>
-          </p:cNvPr>
-          <p:cNvSpPr txBox="1">
-            <a:spLocks/>
-          </p:cNvSpPr>
-          <p:nvPr/>
-        </p:nvSpPr>
-        <p:spPr>
-          <a:xfrm>
-            <a:off x="2995132" y="2047862"/>
-            <a:ext cx="2832114" cy="1663554"/>
-          </a:xfrm>
-          <a:prstGeom prst="rect">
-            <a:avLst/>
-          </a:prstGeom>
-        </p:spPr>
-        <p:txBody>
-          <a:bodyPr vert="horz" anchor="t"/>
-          <a:lstStyle>
-            <a:lvl1pPr marL="0" indent="0" algn="l" defTabSz="457200" rtl="0" eaLnBrk="1" latinLnBrk="0" hangingPunct="1">
-              <a:spcBef>
-                <a:spcPts val="0"/>
-              </a:spcBef>
-              <a:buFont typeface="Arial"/>
-              <a:buNone/>
-              <a:defRPr sz="2400" kern="1200" baseline="0">
-                <a:solidFill>
-                  <a:schemeClr val="tx1"/>
-                </a:solidFill>
-                <a:latin typeface="Arial" pitchFamily="34" charset="0"/>
-                <a:ea typeface="+mn-ea"/>
-                <a:cs typeface="Arial" pitchFamily="34" charset="0"/>
-              </a:defRPr>
-            </a:lvl1pPr>
-            <a:lvl2pPr marL="457200" indent="0" algn="l" defTabSz="457200" rtl="0" eaLnBrk="1" latinLnBrk="0" hangingPunct="1">
-              <a:spcBef>
-                <a:spcPct val="20000"/>
-              </a:spcBef>
-              <a:buFont typeface="Arial"/>
-              <a:buNone/>
-              <a:defRPr sz="2400" kern="1200">
-                <a:solidFill>
-                  <a:schemeClr val="tx1"/>
-                </a:solidFill>
-                <a:latin typeface="+mn-lt"/>
-                <a:ea typeface="+mn-ea"/>
-                <a:cs typeface="+mn-cs"/>
-              </a:defRPr>
-            </a:lvl2pPr>
-            <a:lvl3pPr marL="914400" indent="0" algn="l" defTabSz="457200" rtl="0" eaLnBrk="1" latinLnBrk="0" hangingPunct="1">
-              <a:spcBef>
-                <a:spcPct val="20000"/>
-              </a:spcBef>
-              <a:buFont typeface="Arial"/>
-              <a:buNone/>
-              <a:defRPr sz="2400" kern="1200">
-                <a:solidFill>
-                  <a:schemeClr val="tx1"/>
-                </a:solidFill>
-                <a:latin typeface="+mn-lt"/>
-                <a:ea typeface="+mn-ea"/>
-                <a:cs typeface="+mn-cs"/>
-              </a:defRPr>
-            </a:lvl3pPr>
-            <a:lvl4pPr marL="1371600" indent="0" algn="l" defTabSz="457200" rtl="0" eaLnBrk="1" latinLnBrk="0" hangingPunct="1">
-              <a:spcBef>
-                <a:spcPct val="20000"/>
-              </a:spcBef>
-              <a:buFont typeface="Arial"/>
-              <a:buNone/>
-              <a:defRPr sz="2400" kern="1200">
-                <a:solidFill>
-                  <a:schemeClr val="tx1"/>
-                </a:solidFill>
-                <a:latin typeface="+mn-lt"/>
-                <a:ea typeface="+mn-ea"/>
-                <a:cs typeface="+mn-cs"/>
-              </a:defRPr>
-            </a:lvl4pPr>
-            <a:lvl5pPr marL="1828800" indent="0" algn="l" defTabSz="457200" rtl="0" eaLnBrk="1" latinLnBrk="0" hangingPunct="1">
-              <a:spcBef>
-                <a:spcPct val="20000"/>
-              </a:spcBef>
-              <a:buFont typeface="Arial"/>
-              <a:buNone/>
-              <a:defRPr sz="2400" kern="1200">
-                <a:solidFill>
-                  <a:schemeClr val="tx1"/>
-                </a:solidFill>
-                <a:latin typeface="+mn-lt"/>
-                <a:ea typeface="+mn-ea"/>
-                <a:cs typeface="+mn-cs"/>
-              </a:defRPr>
-            </a:lvl5pPr>
-            <a:lvl6pPr marL="2514600" indent="-228600" algn="l" defTabSz="457200" rtl="0" eaLnBrk="1" latinLnBrk="0" hangingPunct="1">
-              <a:spcBef>
-                <a:spcPct val="20000"/>
-              </a:spcBef>
-              <a:buFont typeface="Arial"/>
-              <a:buChar char="•"/>
-              <a:defRPr sz="2000" kern="1200">
-                <a:solidFill>
-                  <a:schemeClr val="tx1"/>
-                </a:solidFill>
-                <a:latin typeface="+mn-lt"/>
-                <a:ea typeface="+mn-ea"/>
-                <a:cs typeface="+mn-cs"/>
-              </a:defRPr>
-            </a:lvl6pPr>
-            <a:lvl7pPr marL="2971800" indent="-228600" algn="l" defTabSz="457200" rtl="0" eaLnBrk="1" latinLnBrk="0" hangingPunct="1">
-              <a:spcBef>
-                <a:spcPct val="20000"/>
-              </a:spcBef>
-              <a:buFont typeface="Arial"/>
-              <a:buChar char="•"/>
-              <a:defRPr sz="2000" kern="1200">
-                <a:solidFill>
-                  <a:schemeClr val="tx1"/>
-                </a:solidFill>
-                <a:latin typeface="+mn-lt"/>
-                <a:ea typeface="+mn-ea"/>
-                <a:cs typeface="+mn-cs"/>
-              </a:defRPr>
-            </a:lvl7pPr>
-            <a:lvl8pPr marL="3429000" indent="-228600" algn="l" defTabSz="457200" rtl="0" eaLnBrk="1" latinLnBrk="0" hangingPunct="1">
-              <a:spcBef>
-                <a:spcPct val="20000"/>
-              </a:spcBef>
-              <a:buFont typeface="Arial"/>
-              <a:buChar char="•"/>
-              <a:defRPr sz="2000" kern="1200">
-                <a:solidFill>
-                  <a:schemeClr val="tx1"/>
-                </a:solidFill>
-                <a:latin typeface="+mn-lt"/>
-                <a:ea typeface="+mn-ea"/>
-                <a:cs typeface="+mn-cs"/>
-              </a:defRPr>
-            </a:lvl8pPr>
-            <a:lvl9pPr marL="3886200" indent="-228600" algn="l" defTabSz="457200" rtl="0" eaLnBrk="1" latinLnBrk="0" hangingPunct="1">
-              <a:spcBef>
-                <a:spcPct val="20000"/>
-              </a:spcBef>
-              <a:buFont typeface="Arial"/>
-              <a:buChar char="•"/>
-              <a:defRPr sz="2000" kern="1200">
-                <a:solidFill>
-                  <a:schemeClr val="tx1"/>
-                </a:solidFill>
-                <a:latin typeface="+mn-lt"/>
-                <a:ea typeface="+mn-ea"/>
-                <a:cs typeface="+mn-cs"/>
-              </a:defRPr>
-            </a:lvl9pPr>
-          </a:lstStyle>
-          <a:p>
-            <a:pPr algn="ctr"/>
-            <a:r>
-              <a:rPr lang="en-GB" sz="2000" b="1" dirty="0">
-                <a:latin typeface="Calibri"/>
-                <a:cs typeface="Arial"/>
-              </a:rPr>
-              <a:t>By Value</a:t>
-            </a:r>
-            <a:endParaRPr lang="en-US" b="1" dirty="0"/>
-          </a:p>
-          <a:p>
-            <a:pPr marL="342900" indent="-342900" algn="ctr">
-              <a:buFont typeface="Arial"/>
-              <a:buChar char="•"/>
-            </a:pPr>
-            <a:endParaRPr lang="en-GB" sz="2000" b="1" dirty="0">
-              <a:latin typeface="Calibri"/>
-            </a:endParaRPr>
-          </a:p>
-          <a:p>
-            <a:pPr marL="342900" indent="-342900" algn="ctr">
-              <a:buFont typeface="Arial"/>
-              <a:buChar char="•"/>
-            </a:pPr>
-            <a:endParaRPr lang="en-GB" sz="2000" b="1" dirty="0">
-              <a:latin typeface="Calibri"/>
-            </a:endParaRPr>
-          </a:p>
-          <a:p>
-            <a:pPr marL="342900" indent="-342900" algn="ctr">
-              <a:buFont typeface="Arial"/>
-              <a:buChar char="•"/>
-            </a:pPr>
-            <a:endParaRPr lang="en-GB" sz="2000" b="1" dirty="0">
-              <a:latin typeface="Calibri"/>
-            </a:endParaRPr>
-          </a:p>
-          <a:p>
-            <a:pPr marL="342900" indent="-342900" algn="ctr">
-              <a:buFont typeface="Arial"/>
-              <a:buChar char="•"/>
-            </a:pPr>
-            <a:endParaRPr lang="en-GB" sz="2000" b="1" dirty="0">
-              <a:latin typeface="Calibri"/>
-            </a:endParaRPr>
-          </a:p>
-          <a:p>
-            <a:pPr marL="342900" indent="-342900" algn="ctr">
-              <a:buFont typeface="Arial"/>
-              <a:buChar char="•"/>
-            </a:pPr>
-            <a:endParaRPr lang="en-GB" sz="2000" b="1" dirty="0">
-              <a:latin typeface="Calibri"/>
-            </a:endParaRPr>
-          </a:p>
-          <a:p>
-            <a:pPr marL="342900" indent="-342900" algn="ctr">
-              <a:buFont typeface="Arial"/>
-              <a:buChar char="•"/>
-            </a:pPr>
-            <a:endParaRPr lang="en-GB" sz="2000" b="1" dirty="0">
-              <a:latin typeface="Calibri"/>
-            </a:endParaRPr>
-          </a:p>
-          <a:p>
-            <a:pPr marL="342900" indent="-342900" algn="ctr">
-              <a:buFont typeface="Arial"/>
-              <a:buChar char="•"/>
-            </a:pPr>
-            <a:endParaRPr lang="en-GB" sz="2000" b="1" dirty="0">
-              <a:latin typeface="Calibri"/>
-            </a:endParaRPr>
-          </a:p>
-          <a:p>
-            <a:pPr algn="ctr"/>
-            <a:endParaRPr lang="en-GB" sz="2000" b="1" dirty="0">
-              <a:latin typeface="Calibri"/>
-            </a:endParaRPr>
-          </a:p>
-          <a:p>
-            <a:pPr marL="342900" indent="-342900" algn="ctr">
-              <a:buFont typeface="Arial"/>
-              <a:buChar char="•"/>
-            </a:pPr>
-            <a:endParaRPr lang="en-GB" sz="2000" b="1" dirty="0">
-              <a:latin typeface="Calibri"/>
-            </a:endParaRPr>
-          </a:p>
-        </p:txBody>
-      </p:sp>
-      <p:sp>
-        <p:nvSpPr>
-          <p:cNvPr id="14" name="Text Placeholder 2">
-            <a:extLst>
-              <a:ext uri="{FF2B5EF4-FFF2-40B4-BE49-F238E27FC236}">
-                <a16:creationId xmlns:a16="http://schemas.microsoft.com/office/drawing/2014/main" id="{B1627655-64AA-463C-8F65-529CB6983D0D}"/>
-              </a:ext>
-            </a:extLst>
-          </p:cNvPr>
-          <p:cNvSpPr txBox="1">
-            <a:spLocks/>
-          </p:cNvSpPr>
-          <p:nvPr/>
-        </p:nvSpPr>
-        <p:spPr>
-          <a:xfrm>
-            <a:off x="5979862" y="2047862"/>
-            <a:ext cx="2832114" cy="1663554"/>
-          </a:xfrm>
-          <a:prstGeom prst="rect">
-            <a:avLst/>
-          </a:prstGeom>
-        </p:spPr>
-        <p:txBody>
-          <a:bodyPr vert="horz" anchor="t"/>
-          <a:lstStyle>
-            <a:lvl1pPr marL="0" indent="0" algn="l" defTabSz="457200" rtl="0" eaLnBrk="1" latinLnBrk="0" hangingPunct="1">
-              <a:spcBef>
-                <a:spcPts val="0"/>
-              </a:spcBef>
-              <a:buFont typeface="Arial"/>
-              <a:buNone/>
-              <a:defRPr sz="2400" kern="1200" baseline="0">
-                <a:solidFill>
-                  <a:schemeClr val="tx1"/>
-                </a:solidFill>
-                <a:latin typeface="Arial" pitchFamily="34" charset="0"/>
-                <a:ea typeface="+mn-ea"/>
-                <a:cs typeface="Arial" pitchFamily="34" charset="0"/>
-              </a:defRPr>
-            </a:lvl1pPr>
-            <a:lvl2pPr marL="457200" indent="0" algn="l" defTabSz="457200" rtl="0" eaLnBrk="1" latinLnBrk="0" hangingPunct="1">
-              <a:spcBef>
-                <a:spcPct val="20000"/>
-              </a:spcBef>
-              <a:buFont typeface="Arial"/>
-              <a:buNone/>
-              <a:defRPr sz="2400" kern="1200">
-                <a:solidFill>
-                  <a:schemeClr val="tx1"/>
-                </a:solidFill>
-                <a:latin typeface="+mn-lt"/>
-                <a:ea typeface="+mn-ea"/>
-                <a:cs typeface="+mn-cs"/>
-              </a:defRPr>
-            </a:lvl2pPr>
-            <a:lvl3pPr marL="914400" indent="0" algn="l" defTabSz="457200" rtl="0" eaLnBrk="1" latinLnBrk="0" hangingPunct="1">
-              <a:spcBef>
-                <a:spcPct val="20000"/>
-              </a:spcBef>
-              <a:buFont typeface="Arial"/>
-              <a:buNone/>
-              <a:defRPr sz="2400" kern="1200">
-                <a:solidFill>
-                  <a:schemeClr val="tx1"/>
-                </a:solidFill>
-                <a:latin typeface="+mn-lt"/>
-                <a:ea typeface="+mn-ea"/>
-                <a:cs typeface="+mn-cs"/>
-              </a:defRPr>
-            </a:lvl3pPr>
-            <a:lvl4pPr marL="1371600" indent="0" algn="l" defTabSz="457200" rtl="0" eaLnBrk="1" latinLnBrk="0" hangingPunct="1">
-              <a:spcBef>
-                <a:spcPct val="20000"/>
-              </a:spcBef>
-              <a:buFont typeface="Arial"/>
-              <a:buNone/>
-              <a:defRPr sz="2400" kern="1200">
-                <a:solidFill>
-                  <a:schemeClr val="tx1"/>
-                </a:solidFill>
-                <a:latin typeface="+mn-lt"/>
-                <a:ea typeface="+mn-ea"/>
-                <a:cs typeface="+mn-cs"/>
-              </a:defRPr>
-            </a:lvl4pPr>
-            <a:lvl5pPr marL="1828800" indent="0" algn="l" defTabSz="457200" rtl="0" eaLnBrk="1" latinLnBrk="0" hangingPunct="1">
-              <a:spcBef>
-                <a:spcPct val="20000"/>
-              </a:spcBef>
-              <a:buFont typeface="Arial"/>
-              <a:buNone/>
-              <a:defRPr sz="2400" kern="1200">
-                <a:solidFill>
-                  <a:schemeClr val="tx1"/>
-                </a:solidFill>
-                <a:latin typeface="+mn-lt"/>
-                <a:ea typeface="+mn-ea"/>
-                <a:cs typeface="+mn-cs"/>
-              </a:defRPr>
-            </a:lvl5pPr>
-            <a:lvl6pPr marL="2514600" indent="-228600" algn="l" defTabSz="457200" rtl="0" eaLnBrk="1" latinLnBrk="0" hangingPunct="1">
-              <a:spcBef>
-                <a:spcPct val="20000"/>
-              </a:spcBef>
-              <a:buFont typeface="Arial"/>
-              <a:buChar char="•"/>
-              <a:defRPr sz="2000" kern="1200">
-                <a:solidFill>
-                  <a:schemeClr val="tx1"/>
-                </a:solidFill>
-                <a:latin typeface="+mn-lt"/>
-                <a:ea typeface="+mn-ea"/>
-                <a:cs typeface="+mn-cs"/>
-              </a:defRPr>
-            </a:lvl6pPr>
-            <a:lvl7pPr marL="2971800" indent="-228600" algn="l" defTabSz="457200" rtl="0" eaLnBrk="1" latinLnBrk="0" hangingPunct="1">
-              <a:spcBef>
-                <a:spcPct val="20000"/>
-              </a:spcBef>
-              <a:buFont typeface="Arial"/>
-              <a:buChar char="•"/>
-              <a:defRPr sz="2000" kern="1200">
-                <a:solidFill>
-                  <a:schemeClr val="tx1"/>
-                </a:solidFill>
-                <a:latin typeface="+mn-lt"/>
-                <a:ea typeface="+mn-ea"/>
-                <a:cs typeface="+mn-cs"/>
-              </a:defRPr>
-            </a:lvl7pPr>
-            <a:lvl8pPr marL="3429000" indent="-228600" algn="l" defTabSz="457200" rtl="0" eaLnBrk="1" latinLnBrk="0" hangingPunct="1">
-              <a:spcBef>
-                <a:spcPct val="20000"/>
-              </a:spcBef>
-              <a:buFont typeface="Arial"/>
-              <a:buChar char="•"/>
-              <a:defRPr sz="2000" kern="1200">
-                <a:solidFill>
-                  <a:schemeClr val="tx1"/>
-                </a:solidFill>
-                <a:latin typeface="+mn-lt"/>
-                <a:ea typeface="+mn-ea"/>
-                <a:cs typeface="+mn-cs"/>
-              </a:defRPr>
-            </a:lvl8pPr>
-            <a:lvl9pPr marL="3886200" indent="-228600" algn="l" defTabSz="457200" rtl="0" eaLnBrk="1" latinLnBrk="0" hangingPunct="1">
-              <a:spcBef>
-                <a:spcPct val="20000"/>
-              </a:spcBef>
-              <a:buFont typeface="Arial"/>
-              <a:buChar char="•"/>
-              <a:defRPr sz="2000" kern="1200">
-                <a:solidFill>
-                  <a:schemeClr val="tx1"/>
-                </a:solidFill>
-                <a:latin typeface="+mn-lt"/>
-                <a:ea typeface="+mn-ea"/>
-                <a:cs typeface="+mn-cs"/>
-              </a:defRPr>
-            </a:lvl9pPr>
-          </a:lstStyle>
-          <a:p>
-            <a:pPr algn="ctr"/>
-            <a:r>
-              <a:rPr lang="en-GB" sz="2000" b="1" dirty="0">
-                <a:latin typeface="Calibri"/>
-                <a:cs typeface="Arial"/>
-              </a:rPr>
-              <a:t>By Item (Both)</a:t>
-            </a:r>
-            <a:endParaRPr lang="en-US" b="1" dirty="0"/>
-          </a:p>
-          <a:p>
-            <a:pPr marL="342900" indent="-342900" algn="ctr">
-              <a:buFont typeface="Arial"/>
-              <a:buChar char="•"/>
-            </a:pPr>
-            <a:endParaRPr lang="en-GB" sz="2000" b="1" dirty="0">
-              <a:latin typeface="Calibri"/>
-            </a:endParaRPr>
-          </a:p>
-          <a:p>
-            <a:pPr marL="342900" indent="-342900" algn="ctr">
-              <a:buFont typeface="Arial"/>
-              <a:buChar char="•"/>
-            </a:pPr>
-            <a:endParaRPr lang="en-GB" sz="2000" b="1" dirty="0">
-              <a:latin typeface="Calibri"/>
-            </a:endParaRPr>
-          </a:p>
-          <a:p>
-            <a:pPr marL="342900" indent="-342900" algn="ctr">
-              <a:buFont typeface="Arial"/>
-              <a:buChar char="•"/>
-            </a:pPr>
-            <a:endParaRPr lang="en-GB" sz="2000" b="1" dirty="0">
-              <a:latin typeface="Calibri"/>
-            </a:endParaRPr>
-          </a:p>
-          <a:p>
-            <a:pPr marL="342900" indent="-342900" algn="ctr">
-              <a:buFont typeface="Arial"/>
-              <a:buChar char="•"/>
-            </a:pPr>
-            <a:endParaRPr lang="en-GB" sz="2000" b="1" dirty="0">
-              <a:latin typeface="Calibri"/>
-            </a:endParaRPr>
-          </a:p>
-          <a:p>
-            <a:pPr marL="342900" indent="-342900" algn="ctr">
-              <a:buFont typeface="Arial"/>
-              <a:buChar char="•"/>
-            </a:pPr>
-            <a:endParaRPr lang="en-GB" sz="2000" b="1" dirty="0">
-              <a:latin typeface="Calibri"/>
-            </a:endParaRPr>
-          </a:p>
-          <a:p>
-            <a:pPr marL="342900" indent="-342900" algn="ctr">
-              <a:buFont typeface="Arial"/>
-              <a:buChar char="•"/>
-            </a:pPr>
-            <a:endParaRPr lang="en-GB" sz="2000" b="1" dirty="0">
-              <a:latin typeface="Calibri"/>
-            </a:endParaRPr>
-          </a:p>
-          <a:p>
-            <a:pPr marL="342900" indent="-342900" algn="ctr">
-              <a:buFont typeface="Arial"/>
-              <a:buChar char="•"/>
-            </a:pPr>
-            <a:endParaRPr lang="en-GB" sz="2000" b="1" dirty="0">
-              <a:latin typeface="Calibri"/>
-            </a:endParaRPr>
-          </a:p>
-          <a:p>
-            <a:pPr algn="ctr"/>
-            <a:endParaRPr lang="en-GB" sz="2000" b="1" dirty="0">
-              <a:latin typeface="Calibri"/>
-            </a:endParaRPr>
-          </a:p>
-          <a:p>
-            <a:pPr marL="342900" indent="-342900" algn="ctr">
-              <a:buFont typeface="Arial"/>
-              <a:buChar char="•"/>
-            </a:pPr>
-            <a:endParaRPr lang="en-GB" sz="2000" b="1" dirty="0">
-              <a:latin typeface="Calibri"/>
-            </a:endParaRPr>
-          </a:p>
-        </p:txBody>
-      </p:sp>
-      <p:pic>
-        <p:nvPicPr>
-          <p:cNvPr id="4" name="Picture 3">
-            <a:extLst>
-              <a:ext uri="{FF2B5EF4-FFF2-40B4-BE49-F238E27FC236}">
-                <a16:creationId xmlns:a16="http://schemas.microsoft.com/office/drawing/2014/main" id="{B581D9D4-6DD4-472C-9445-63BE313263D9}"/>
-              </a:ext>
-            </a:extLst>
-          </p:cNvPr>
-          <p:cNvPicPr>
-            <a:picLocks noChangeAspect="1"/>
-          </p:cNvPicPr>
-          <p:nvPr/>
-        </p:nvPicPr>
-        <p:blipFill>
-          <a:blip r:embed="rId4"/>
-          <a:stretch>
-            <a:fillRect/>
-          </a:stretch>
-        </p:blipFill>
-        <p:spPr>
-          <a:xfrm>
-            <a:off x="2293055" y="1339606"/>
-            <a:ext cx="4229665" cy="557955"/>
+            <a:off x="3538522" y="2845959"/>
+            <a:ext cx="1738729" cy="1782197"/>
           </a:xfrm>
           <a:prstGeom prst="rect">
             <a:avLst/>
@@ -29342,40 +30385,10 @@
       </p:pic>
       <p:pic>
         <p:nvPicPr>
-          <p:cNvPr id="7" name="Picture 6">
+          <p:cNvPr id="19" name="Picture 18" descr="A screenshot of a computer code&#10;&#10;Description automatically generated">
             <a:extLst>
               <a:ext uri="{FF2B5EF4-FFF2-40B4-BE49-F238E27FC236}">
-                <a16:creationId xmlns:a16="http://schemas.microsoft.com/office/drawing/2014/main" id="{11DE1D7A-2CC0-4FDC-B864-38C1D90D18F9}"/>
-              </a:ext>
-            </a:extLst>
-          </p:cNvPr>
-          <p:cNvPicPr>
-            <a:picLocks noChangeAspect="1"/>
-          </p:cNvPicPr>
-          <p:nvPr/>
-        </p:nvPicPr>
-        <p:blipFill>
-          <a:blip r:embed="rId5"/>
-          <a:stretch>
-            <a:fillRect/>
-          </a:stretch>
-        </p:blipFill>
-        <p:spPr>
-          <a:xfrm>
-            <a:off x="547428" y="2639930"/>
-            <a:ext cx="2295088" cy="1185071"/>
-          </a:xfrm>
-          <a:prstGeom prst="rect">
-            <a:avLst/>
-          </a:prstGeom>
-        </p:spPr>
-      </p:pic>
-      <p:pic>
-        <p:nvPicPr>
-          <p:cNvPr id="8" name="Picture 7">
-            <a:extLst>
-              <a:ext uri="{FF2B5EF4-FFF2-40B4-BE49-F238E27FC236}">
-                <a16:creationId xmlns:a16="http://schemas.microsoft.com/office/drawing/2014/main" id="{954B117E-FD6C-4F9B-BDE4-80D3BE6223B9}"/>
+                <a16:creationId xmlns:a16="http://schemas.microsoft.com/office/drawing/2014/main" id="{2E0DC09F-E82C-3B26-5234-38D13BD51D1E}"/>
               </a:ext>
             </a:extLst>
           </p:cNvPr>
@@ -29392,8 +30405,8 @@
         </p:blipFill>
         <p:spPr>
           <a:xfrm>
-            <a:off x="3282167" y="2639930"/>
-            <a:ext cx="2295088" cy="1123128"/>
+            <a:off x="6149858" y="2559169"/>
+            <a:ext cx="2040150" cy="1936633"/>
           </a:xfrm>
           <a:prstGeom prst="rect">
             <a:avLst/>
@@ -29402,10 +30415,10 @@
       </p:pic>
       <p:pic>
         <p:nvPicPr>
-          <p:cNvPr id="15" name="Picture 14">
+          <p:cNvPr id="25" name="Picture 24">
             <a:extLst>
               <a:ext uri="{FF2B5EF4-FFF2-40B4-BE49-F238E27FC236}">
-                <a16:creationId xmlns:a16="http://schemas.microsoft.com/office/drawing/2014/main" id="{7D622C9A-905A-45D0-8C09-B8BD6AFB0C0F}"/>
+                <a16:creationId xmlns:a16="http://schemas.microsoft.com/office/drawing/2014/main" id="{B71C38C6-B139-743B-D52C-152A55C3EA3D}"/>
               </a:ext>
             </a:extLst>
           </p:cNvPr>
@@ -29422,8 +30435,8 @@
         </p:blipFill>
         <p:spPr>
           <a:xfrm>
-            <a:off x="5934839" y="2571750"/>
-            <a:ext cx="2832114" cy="1169871"/>
+            <a:off x="694369" y="1239737"/>
+            <a:ext cx="7427033" cy="605921"/>
           </a:xfrm>
           <a:prstGeom prst="rect">
             <a:avLst/>
@@ -29433,7 +30446,7 @@
     </p:spTree>
     <p:extLst>
       <p:ext uri="{BB962C8B-B14F-4D97-AF65-F5344CB8AC3E}">
-        <p14:creationId xmlns:p14="http://schemas.microsoft.com/office/powerpoint/2010/main" val="352443531"/>
+        <p14:creationId xmlns:p14="http://schemas.microsoft.com/office/powerpoint/2010/main" val="3835775827"/>
       </p:ext>
     </p:extLst>
   </p:cSld>
@@ -29546,55 +30559,6 @@
                       </p:childTnLst>
                     </p:cTn>
                   </p:par>
-                  <p:par>
-                    <p:cTn id="11" fill="hold">
-                      <p:stCondLst>
-                        <p:cond delay="indefinite"/>
-                      </p:stCondLst>
-                      <p:childTnLst>
-                        <p:par>
-                          <p:cTn id="12" fill="hold">
-                            <p:stCondLst>
-                              <p:cond delay="0"/>
-                            </p:stCondLst>
-                            <p:childTnLst>
-                              <p:par>
-                                <p:cTn id="13" presetID="1" presetClass="entr" presetSubtype="0" fill="hold" nodeType="clickEffect">
-                                  <p:stCondLst>
-                                    <p:cond delay="0"/>
-                                  </p:stCondLst>
-                                  <p:childTnLst>
-                                    <p:set>
-                                      <p:cBhvr>
-                                        <p:cTn id="14" dur="1" fill="hold">
-                                          <p:stCondLst>
-                                            <p:cond delay="0"/>
-                                          </p:stCondLst>
-                                        </p:cTn>
-                                        <p:tgtEl>
-                                          <p:spTgt spid="14">
-                                            <p:txEl>
-                                              <p:pRg st="0" end="0"/>
-                                            </p:txEl>
-                                          </p:spTgt>
-                                        </p:tgtEl>
-                                        <p:attrNameLst>
-                                          <p:attrName>style.visibility</p:attrName>
-                                        </p:attrNameLst>
-                                      </p:cBhvr>
-                                      <p:to>
-                                        <p:strVal val="visible"/>
-                                      </p:to>
-                                    </p:set>
-                                  </p:childTnLst>
-                                </p:cTn>
-                              </p:par>
-                            </p:childTnLst>
-                          </p:cTn>
-                        </p:par>
-                      </p:childTnLst>
-                    </p:cTn>
-                  </p:par>
                 </p:childTnLst>
               </p:cTn>
               <p:prevCondLst>
@@ -29620,7 +30584,7 @@
 </p:sld>
 </file>
 
-<file path=ppt/slides/slide12.xml><?xml version="1.0" encoding="utf-8"?>
+<file path=ppt/slides/slide11.xml><?xml version="1.0" encoding="utf-8"?>
 <p:sld xmlns:a="http://schemas.openxmlformats.org/drawingml/2006/main" xmlns:r="http://schemas.openxmlformats.org/officeDocument/2006/relationships" xmlns:p="http://schemas.openxmlformats.org/presentationml/2006/main" showMasterSp="0">
   <p:cSld>
     <p:spTree>
@@ -29660,7 +30624,7 @@
           <a:p>
             <a:r>
               <a:rPr lang="en-GB" dirty="0"/>
-              <a:t>Looping Through Dictionaries Puzzles</a:t>
+              <a:t>Working with Dictionaries</a:t>
             </a:r>
           </a:p>
         </p:txBody>
@@ -29689,7 +30653,7 @@
             <a:fld id="{3C4F54F3-C349-4609-AFEE-01462D5C7942}" type="slidenum">
               <a:rPr lang="en-GB" smtClean="0"/>
               <a:pPr/>
-              <a:t>12</a:t>
+              <a:t>11</a:t>
             </a:fld>
             <a:endParaRPr lang="en-GB"/>
           </a:p>
@@ -29740,8 +30704,8 @@
         </p:nvSpPr>
         <p:spPr>
           <a:xfrm>
-            <a:off x="237061" y="712956"/>
-            <a:ext cx="8619938" cy="4430543"/>
+            <a:off x="237061" y="712957"/>
+            <a:ext cx="8619938" cy="2749572"/>
           </a:xfrm>
           <a:prstGeom prst="rect">
             <a:avLst/>
@@ -29887,92 +30851,140 @@
             </a:lvl9pPr>
           </a:lstStyle>
           <a:p>
-            <a:pPr marL="342900" indent="-342900">
-              <a:buChar char="•"/>
-            </a:pPr>
             <a:r>
               <a:rPr lang="en-GB" sz="2000" dirty="0">
-                <a:latin typeface="Calibri"/>
+                <a:latin typeface="Arial"/>
                 <a:cs typeface="Arial"/>
               </a:rPr>
-              <a:t>Create a function that accepts a list of strings and counts how many times each string occurs, printing the results in the form</a:t>
-            </a:r>
-          </a:p>
-          <a:p>
-            <a:pPr marL="342900" indent="-342900">
-              <a:buChar char="•"/>
-            </a:pPr>
-            <a:endParaRPr lang="en-GB" sz="2000" dirty="0">
-              <a:latin typeface="Calibri"/>
-              <a:cs typeface="Arial"/>
-            </a:endParaRPr>
-          </a:p>
-          <a:p>
-            <a:pPr algn="ctr"/>
-            <a:r>
-              <a:rPr lang="en-GB" sz="2000" dirty="0">
-                <a:latin typeface="Consolas" panose="020B0609020204030204" pitchFamily="49" charset="0"/>
-                <a:cs typeface="Arial"/>
-              </a:rPr>
-              <a:t>There are 12 occurrences of ‘spam’</a:t>
-            </a:r>
-            <a:endParaRPr lang="en-US" sz="2000" dirty="0">
-              <a:latin typeface="Consolas" panose="020B0609020204030204" pitchFamily="49" charset="0"/>
-            </a:endParaRPr>
-          </a:p>
-          <a:p>
-            <a:pPr marL="342900" indent="-342900">
-              <a:buChar char="•"/>
-            </a:pPr>
-            <a:endParaRPr lang="en-GB" sz="2000" dirty="0">
-              <a:latin typeface="Calibri"/>
-            </a:endParaRPr>
-          </a:p>
-          <a:p>
-            <a:pPr marL="342900" indent="-342900">
-              <a:buChar char="•"/>
-            </a:pPr>
-            <a:r>
-              <a:rPr lang="en-GB" sz="2000" b="1" dirty="0">
-                <a:latin typeface="Calibri"/>
-              </a:rPr>
-              <a:t>Hint: </a:t>
-            </a:r>
-            <a:r>
-              <a:rPr lang="en-GB" sz="2000" dirty="0">
-                <a:latin typeface="Calibri"/>
-              </a:rPr>
-              <a:t>Create an empty dictionary to store these counts. Loop through each string in the list. If the string is already a key for the dictionary, increment its value; otherwise, add it with value one.</a:t>
-            </a:r>
-          </a:p>
-          <a:p>
-            <a:endParaRPr lang="en-GB" sz="2000" dirty="0">
-              <a:latin typeface="Calibri"/>
-            </a:endParaRPr>
-          </a:p>
-          <a:p>
-            <a:pPr marL="342900" indent="-342900">
-              <a:buChar char="•"/>
-            </a:pPr>
-            <a:r>
-              <a:rPr lang="en-GB" sz="2000" b="1" dirty="0">
-                <a:latin typeface="Calibri"/>
-              </a:rPr>
-              <a:t>Bonus: </a:t>
-            </a:r>
-            <a:r>
-              <a:rPr lang="en-GB" sz="2000" dirty="0">
-                <a:latin typeface="Calibri"/>
-              </a:rPr>
-              <a:t>Add a special case for when there is only one occurrence of a string so that the output is grammatically correct</a:t>
-            </a:r>
-          </a:p>
-        </p:txBody>
-      </p:sp>
+              <a:t>If you want to interact with a dictionary via it’s keys or items, this can be done manually.</a:t>
+            </a:r>
+          </a:p>
+        </p:txBody>
+      </p:sp>
+      <p:pic>
+        <p:nvPicPr>
+          <p:cNvPr id="25" name="Picture 24">
+            <a:extLst>
+              <a:ext uri="{FF2B5EF4-FFF2-40B4-BE49-F238E27FC236}">
+                <a16:creationId xmlns:a16="http://schemas.microsoft.com/office/drawing/2014/main" id="{B71C38C6-B139-743B-D52C-152A55C3EA3D}"/>
+              </a:ext>
+            </a:extLst>
+          </p:cNvPr>
+          <p:cNvPicPr>
+            <a:picLocks noChangeAspect="1"/>
+          </p:cNvPicPr>
+          <p:nvPr/>
+        </p:nvPicPr>
+        <p:blipFill>
+          <a:blip r:embed="rId4"/>
+          <a:stretch>
+            <a:fillRect/>
+          </a:stretch>
+        </p:blipFill>
+        <p:spPr>
+          <a:xfrm>
+            <a:off x="694369" y="1516024"/>
+            <a:ext cx="7427033" cy="605921"/>
+          </a:xfrm>
+          <a:prstGeom prst="rect">
+            <a:avLst/>
+          </a:prstGeom>
+        </p:spPr>
+      </p:pic>
+      <p:pic>
+        <p:nvPicPr>
+          <p:cNvPr id="5" name="Picture 4" descr="A close-up of a website&#10;&#10;Description automatically generated">
+            <a:extLst>
+              <a:ext uri="{FF2B5EF4-FFF2-40B4-BE49-F238E27FC236}">
+                <a16:creationId xmlns:a16="http://schemas.microsoft.com/office/drawing/2014/main" id="{6377B8D9-7742-7626-65B9-7394F2C6DB15}"/>
+              </a:ext>
+            </a:extLst>
+          </p:cNvPr>
+          <p:cNvPicPr>
+            <a:picLocks noChangeAspect="1"/>
+          </p:cNvPicPr>
+          <p:nvPr/>
+        </p:nvPicPr>
+        <p:blipFill>
+          <a:blip r:embed="rId5"/>
+          <a:stretch>
+            <a:fillRect/>
+          </a:stretch>
+        </p:blipFill>
+        <p:spPr>
+          <a:xfrm>
+            <a:off x="453716" y="2996322"/>
+            <a:ext cx="2480258" cy="853209"/>
+          </a:xfrm>
+          <a:prstGeom prst="rect">
+            <a:avLst/>
+          </a:prstGeom>
+        </p:spPr>
+      </p:pic>
+      <p:pic>
+        <p:nvPicPr>
+          <p:cNvPr id="15" name="Picture 14" descr="A screenshot of a computer code&#10;&#10;Description automatically generated">
+            <a:extLst>
+              <a:ext uri="{FF2B5EF4-FFF2-40B4-BE49-F238E27FC236}">
+                <a16:creationId xmlns:a16="http://schemas.microsoft.com/office/drawing/2014/main" id="{0A210B29-BE9B-83CA-67CE-D1DE13ABC445}"/>
+              </a:ext>
+            </a:extLst>
+          </p:cNvPr>
+          <p:cNvPicPr>
+            <a:picLocks noChangeAspect="1"/>
+          </p:cNvPicPr>
+          <p:nvPr/>
+        </p:nvPicPr>
+        <p:blipFill>
+          <a:blip r:embed="rId6"/>
+          <a:stretch>
+            <a:fillRect/>
+          </a:stretch>
+        </p:blipFill>
+        <p:spPr>
+          <a:xfrm>
+            <a:off x="3109697" y="2609319"/>
+            <a:ext cx="2367294" cy="1753551"/>
+          </a:xfrm>
+          <a:prstGeom prst="rect">
+            <a:avLst/>
+          </a:prstGeom>
+        </p:spPr>
+      </p:pic>
+      <p:pic>
+        <p:nvPicPr>
+          <p:cNvPr id="18" name="Picture 17" descr="A screenshot of a computer code&#10;&#10;Description automatically generated">
+            <a:extLst>
+              <a:ext uri="{FF2B5EF4-FFF2-40B4-BE49-F238E27FC236}">
+                <a16:creationId xmlns:a16="http://schemas.microsoft.com/office/drawing/2014/main" id="{BC94007E-42B0-DD59-A1AF-40A48406D272}"/>
+              </a:ext>
+            </a:extLst>
+          </p:cNvPr>
+          <p:cNvPicPr>
+            <a:picLocks noChangeAspect="1"/>
+          </p:cNvPicPr>
+          <p:nvPr/>
+        </p:nvPicPr>
+        <p:blipFill>
+          <a:blip r:embed="rId7"/>
+          <a:stretch>
+            <a:fillRect/>
+          </a:stretch>
+        </p:blipFill>
+        <p:spPr>
+          <a:xfrm>
+            <a:off x="5702989" y="2571749"/>
+            <a:ext cx="2579915" cy="1858793"/>
+          </a:xfrm>
+          <a:prstGeom prst="rect">
+            <a:avLst/>
+          </a:prstGeom>
+        </p:spPr>
+      </p:pic>
     </p:spTree>
     <p:extLst>
       <p:ext uri="{BB962C8B-B14F-4D97-AF65-F5344CB8AC3E}">
-        <p14:creationId xmlns:p14="http://schemas.microsoft.com/office/powerpoint/2010/main" val="441067147"/>
+        <p14:creationId xmlns:p14="http://schemas.microsoft.com/office/powerpoint/2010/main" val="3086354331"/>
       </p:ext>
     </p:extLst>
   </p:cSld>
@@ -29982,8 +30994,8 @@
 </p:sld>
 </file>
 
-<file path=ppt/slides/slide13.xml><?xml version="1.0" encoding="utf-8"?>
-<p:sld xmlns:a="http://schemas.openxmlformats.org/drawingml/2006/main" xmlns:r="http://schemas.openxmlformats.org/officeDocument/2006/relationships" xmlns:p="http://schemas.openxmlformats.org/presentationml/2006/main" showMasterSp="0">
+<file path=ppt/slides/slide12.xml><?xml version="1.0" encoding="utf-8"?>
+<p:sld xmlns:a="http://schemas.openxmlformats.org/drawingml/2006/main" xmlns:r="http://schemas.openxmlformats.org/officeDocument/2006/relationships" xmlns:p="http://schemas.openxmlformats.org/presentationml/2006/main">
   <p:cSld>
     <p:spTree>
       <p:nvGrpSpPr>
@@ -30022,7 +31034,7 @@
           <a:p>
             <a:r>
               <a:rPr lang="en-GB" dirty="0"/>
-              <a:t>Looping Through Dictionaries Puzzles Solutions</a:t>
+              <a:t>More Dictionaries Puzzles</a:t>
             </a:r>
           </a:p>
         </p:txBody>
@@ -30051,7 +31063,7 @@
             <a:fld id="{3C4F54F3-C349-4609-AFEE-01462D5C7942}" type="slidenum">
               <a:rPr lang="en-GB" smtClean="0"/>
               <a:pPr/>
-              <a:t>13</a:t>
+              <a:t>12</a:t>
             </a:fld>
             <a:endParaRPr lang="en-GB"/>
           </a:p>
@@ -30086,12 +31098,347 @@
           </a:prstGeom>
         </p:spPr>
       </p:pic>
+      <p:sp>
+        <p:nvSpPr>
+          <p:cNvPr id="6" name="Text Placeholder 2">
+            <a:extLst>
+              <a:ext uri="{FF2B5EF4-FFF2-40B4-BE49-F238E27FC236}">
+                <a16:creationId xmlns:a16="http://schemas.microsoft.com/office/drawing/2014/main" id="{28280EFD-605B-4843-8D20-931E34B69861}"/>
+              </a:ext>
+            </a:extLst>
+          </p:cNvPr>
+          <p:cNvSpPr txBox="1">
+            <a:spLocks/>
+          </p:cNvSpPr>
+          <p:nvPr/>
+        </p:nvSpPr>
+        <p:spPr>
+          <a:xfrm>
+            <a:off x="237061" y="712956"/>
+            <a:ext cx="8619938" cy="4295797"/>
+          </a:xfrm>
+          <a:prstGeom prst="rect">
+            <a:avLst/>
+          </a:prstGeom>
+        </p:spPr>
+        <p:txBody>
+          <a:bodyPr vert="horz" anchor="t"/>
+          <a:lstStyle>
+            <a:lvl1pPr marL="0" indent="0" algn="l" defTabSz="457200" rtl="0" eaLnBrk="1" latinLnBrk="0" hangingPunct="1">
+              <a:spcBef>
+                <a:spcPts val="0"/>
+              </a:spcBef>
+              <a:buFont typeface="Arial"/>
+              <a:buNone/>
+              <a:defRPr sz="2400" kern="1200" baseline="0">
+                <a:solidFill>
+                  <a:schemeClr val="tx1"/>
+                </a:solidFill>
+                <a:latin typeface="Arial" pitchFamily="34" charset="0"/>
+                <a:ea typeface="+mn-ea"/>
+                <a:cs typeface="Arial" pitchFamily="34" charset="0"/>
+              </a:defRPr>
+            </a:lvl1pPr>
+            <a:lvl2pPr marL="457200" indent="0" algn="l" defTabSz="457200" rtl="0" eaLnBrk="1" latinLnBrk="0" hangingPunct="1">
+              <a:spcBef>
+                <a:spcPct val="20000"/>
+              </a:spcBef>
+              <a:buFont typeface="Arial"/>
+              <a:buNone/>
+              <a:defRPr sz="2400" kern="1200">
+                <a:solidFill>
+                  <a:schemeClr val="tx1"/>
+                </a:solidFill>
+                <a:latin typeface="+mn-lt"/>
+                <a:ea typeface="+mn-ea"/>
+                <a:cs typeface="+mn-cs"/>
+              </a:defRPr>
+            </a:lvl2pPr>
+            <a:lvl3pPr marL="914400" indent="0" algn="l" defTabSz="457200" rtl="0" eaLnBrk="1" latinLnBrk="0" hangingPunct="1">
+              <a:spcBef>
+                <a:spcPct val="20000"/>
+              </a:spcBef>
+              <a:buFont typeface="Arial"/>
+              <a:buNone/>
+              <a:defRPr sz="2400" kern="1200">
+                <a:solidFill>
+                  <a:schemeClr val="tx1"/>
+                </a:solidFill>
+                <a:latin typeface="+mn-lt"/>
+                <a:ea typeface="+mn-ea"/>
+                <a:cs typeface="+mn-cs"/>
+              </a:defRPr>
+            </a:lvl3pPr>
+            <a:lvl4pPr marL="1371600" indent="0" algn="l" defTabSz="457200" rtl="0" eaLnBrk="1" latinLnBrk="0" hangingPunct="1">
+              <a:spcBef>
+                <a:spcPct val="20000"/>
+              </a:spcBef>
+              <a:buFont typeface="Arial"/>
+              <a:buNone/>
+              <a:defRPr sz="2400" kern="1200">
+                <a:solidFill>
+                  <a:schemeClr val="tx1"/>
+                </a:solidFill>
+                <a:latin typeface="+mn-lt"/>
+                <a:ea typeface="+mn-ea"/>
+                <a:cs typeface="+mn-cs"/>
+              </a:defRPr>
+            </a:lvl4pPr>
+            <a:lvl5pPr marL="1828800" indent="0" algn="l" defTabSz="457200" rtl="0" eaLnBrk="1" latinLnBrk="0" hangingPunct="1">
+              <a:spcBef>
+                <a:spcPct val="20000"/>
+              </a:spcBef>
+              <a:buFont typeface="Arial"/>
+              <a:buNone/>
+              <a:defRPr sz="2400" kern="1200">
+                <a:solidFill>
+                  <a:schemeClr val="tx1"/>
+                </a:solidFill>
+                <a:latin typeface="+mn-lt"/>
+                <a:ea typeface="+mn-ea"/>
+                <a:cs typeface="+mn-cs"/>
+              </a:defRPr>
+            </a:lvl5pPr>
+            <a:lvl6pPr marL="2514600" indent="-228600" algn="l" defTabSz="457200" rtl="0" eaLnBrk="1" latinLnBrk="0" hangingPunct="1">
+              <a:spcBef>
+                <a:spcPct val="20000"/>
+              </a:spcBef>
+              <a:buFont typeface="Arial"/>
+              <a:buChar char="•"/>
+              <a:defRPr sz="2000" kern="1200">
+                <a:solidFill>
+                  <a:schemeClr val="tx1"/>
+                </a:solidFill>
+                <a:latin typeface="+mn-lt"/>
+                <a:ea typeface="+mn-ea"/>
+                <a:cs typeface="+mn-cs"/>
+              </a:defRPr>
+            </a:lvl6pPr>
+            <a:lvl7pPr marL="2971800" indent="-228600" algn="l" defTabSz="457200" rtl="0" eaLnBrk="1" latinLnBrk="0" hangingPunct="1">
+              <a:spcBef>
+                <a:spcPct val="20000"/>
+              </a:spcBef>
+              <a:buFont typeface="Arial"/>
+              <a:buChar char="•"/>
+              <a:defRPr sz="2000" kern="1200">
+                <a:solidFill>
+                  <a:schemeClr val="tx1"/>
+                </a:solidFill>
+                <a:latin typeface="+mn-lt"/>
+                <a:ea typeface="+mn-ea"/>
+                <a:cs typeface="+mn-cs"/>
+              </a:defRPr>
+            </a:lvl7pPr>
+            <a:lvl8pPr marL="3429000" indent="-228600" algn="l" defTabSz="457200" rtl="0" eaLnBrk="1" latinLnBrk="0" hangingPunct="1">
+              <a:spcBef>
+                <a:spcPct val="20000"/>
+              </a:spcBef>
+              <a:buFont typeface="Arial"/>
+              <a:buChar char="•"/>
+              <a:defRPr sz="2000" kern="1200">
+                <a:solidFill>
+                  <a:schemeClr val="tx1"/>
+                </a:solidFill>
+                <a:latin typeface="+mn-lt"/>
+                <a:ea typeface="+mn-ea"/>
+                <a:cs typeface="+mn-cs"/>
+              </a:defRPr>
+            </a:lvl8pPr>
+            <a:lvl9pPr marL="3886200" indent="-228600" algn="l" defTabSz="457200" rtl="0" eaLnBrk="1" latinLnBrk="0" hangingPunct="1">
+              <a:spcBef>
+                <a:spcPct val="20000"/>
+              </a:spcBef>
+              <a:buFont typeface="Arial"/>
+              <a:buChar char="•"/>
+              <a:defRPr sz="2000" kern="1200">
+                <a:solidFill>
+                  <a:schemeClr val="tx1"/>
+                </a:solidFill>
+                <a:latin typeface="+mn-lt"/>
+                <a:ea typeface="+mn-ea"/>
+                <a:cs typeface="+mn-cs"/>
+              </a:defRPr>
+            </a:lvl9pPr>
+          </a:lstStyle>
+          <a:p>
+            <a:pPr marL="342900" indent="-342900">
+              <a:buFont typeface="Arial"/>
+              <a:buChar char="•"/>
+            </a:pPr>
+            <a:r>
+              <a:rPr lang="en-GB" sz="2000" dirty="0">
+                <a:latin typeface="Arial"/>
+                <a:cs typeface="Arial"/>
+              </a:rPr>
+              <a:t>Create a function that takes a string as input, and outputs a dictionary containing the number of times each character appears in the string. Try running it on the string “beginners python”.</a:t>
+            </a:r>
+          </a:p>
+          <a:p>
+            <a:pPr marL="342900" indent="-342900">
+              <a:buFont typeface="Arial"/>
+              <a:buChar char="•"/>
+            </a:pPr>
+            <a:r>
+              <a:rPr lang="en-GB" sz="2000" dirty="0">
+                <a:latin typeface="Arial"/>
+                <a:cs typeface="Arial"/>
+              </a:rPr>
+              <a:t>Modify the function so it prints an output of the form below (bonus points if you can correct my grammar):</a:t>
+            </a:r>
+          </a:p>
+          <a:p>
+            <a:pPr marL="342900" indent="-342900">
+              <a:buFont typeface="Arial"/>
+              <a:buChar char="•"/>
+            </a:pPr>
+            <a:endParaRPr lang="en-GB" sz="2000" dirty="0">
+              <a:latin typeface="Arial"/>
+              <a:cs typeface="Arial"/>
+            </a:endParaRPr>
+          </a:p>
+          <a:p>
+            <a:pPr marL="342900" indent="-342900">
+              <a:buFont typeface="Arial"/>
+              <a:buChar char="•"/>
+            </a:pPr>
+            <a:endParaRPr lang="en-GB" sz="2000" dirty="0">
+              <a:latin typeface="Arial"/>
+              <a:cs typeface="Arial"/>
+            </a:endParaRPr>
+          </a:p>
+          <a:p>
+            <a:pPr marL="342900" indent="-342900">
+              <a:buFont typeface="Arial"/>
+              <a:buChar char="•"/>
+            </a:pPr>
+            <a:endParaRPr lang="en-GB" sz="2000" dirty="0">
+              <a:latin typeface="Arial"/>
+              <a:cs typeface="Arial"/>
+            </a:endParaRPr>
+          </a:p>
+          <a:p>
+            <a:pPr marL="342900" indent="-342900">
+              <a:buFont typeface="Arial"/>
+              <a:buChar char="•"/>
+            </a:pPr>
+            <a:endParaRPr lang="en-GB" sz="2000" dirty="0">
+              <a:latin typeface="Arial"/>
+              <a:cs typeface="Arial"/>
+            </a:endParaRPr>
+          </a:p>
+          <a:p>
+            <a:pPr marL="342900" indent="-342900">
+              <a:buFont typeface="Arial"/>
+              <a:buChar char="•"/>
+            </a:pPr>
+            <a:endParaRPr lang="en-GB" sz="2000" dirty="0">
+              <a:latin typeface="Arial"/>
+              <a:cs typeface="Arial"/>
+            </a:endParaRPr>
+          </a:p>
+          <a:p>
+            <a:pPr marL="342900" indent="-342900">
+              <a:buFont typeface="Arial"/>
+              <a:buChar char="•"/>
+            </a:pPr>
+            <a:r>
+              <a:rPr lang="en-GB" sz="2000" dirty="0">
+                <a:latin typeface="Arial"/>
+                <a:cs typeface="Arial"/>
+              </a:rPr>
+              <a:t>There are many modifications you could make to this function, e.g. printing out the letters in order of frequency, dealing with capital letters. I encourage you to do some experimenting in your own time.</a:t>
+            </a:r>
+          </a:p>
+          <a:p>
+            <a:pPr marL="342900" indent="-342900">
+              <a:buFont typeface="Arial"/>
+              <a:buChar char="•"/>
+            </a:pPr>
+            <a:endParaRPr lang="en-GB" sz="2000" dirty="0">
+              <a:latin typeface="Arial"/>
+              <a:cs typeface="Arial"/>
+            </a:endParaRPr>
+          </a:p>
+          <a:p>
+            <a:pPr marL="342900" indent="-342900">
+              <a:buFont typeface="Arial"/>
+              <a:buChar char="•"/>
+            </a:pPr>
+            <a:endParaRPr lang="en-GB" sz="2000" dirty="0">
+              <a:latin typeface="Arial"/>
+              <a:cs typeface="Arial"/>
+            </a:endParaRPr>
+          </a:p>
+          <a:p>
+            <a:pPr marL="342900" indent="-342900">
+              <a:buFont typeface="Arial"/>
+              <a:buChar char="•"/>
+            </a:pPr>
+            <a:endParaRPr lang="en-GB" sz="2000" dirty="0">
+              <a:latin typeface="Arial"/>
+              <a:cs typeface="Arial"/>
+            </a:endParaRPr>
+          </a:p>
+          <a:p>
+            <a:endParaRPr lang="en-GB" sz="2000" dirty="0">
+              <a:latin typeface="Arial"/>
+              <a:cs typeface="Arial"/>
+            </a:endParaRPr>
+          </a:p>
+          <a:p>
+            <a:endParaRPr lang="en-GB" sz="2000" dirty="0">
+              <a:latin typeface="Arial"/>
+              <a:cs typeface="Arial"/>
+            </a:endParaRPr>
+          </a:p>
+          <a:p>
+            <a:pPr marL="342900" indent="-342900">
+              <a:buFont typeface="Arial"/>
+              <a:buChar char="•"/>
+            </a:pPr>
+            <a:endParaRPr lang="en-GB" sz="2000" dirty="0">
+              <a:latin typeface="Arial"/>
+              <a:cs typeface="Arial"/>
+            </a:endParaRPr>
+          </a:p>
+          <a:p>
+            <a:pPr marL="342900" indent="-342900">
+              <a:buFont typeface="Arial"/>
+              <a:buChar char="•"/>
+            </a:pPr>
+            <a:endParaRPr lang="en-GB" sz="2000" dirty="0">
+              <a:latin typeface="Arial"/>
+              <a:cs typeface="Arial"/>
+            </a:endParaRPr>
+          </a:p>
+          <a:p>
+            <a:pPr marL="342900" indent="-342900">
+              <a:buFont typeface="Arial"/>
+              <a:buChar char="•"/>
+            </a:pPr>
+            <a:endParaRPr lang="en-GB" sz="2000" dirty="0">
+              <a:latin typeface="Arial"/>
+              <a:cs typeface="Arial"/>
+            </a:endParaRPr>
+          </a:p>
+          <a:p>
+            <a:pPr marL="342900" indent="-342900">
+              <a:buFont typeface="Arial"/>
+              <a:buChar char="•"/>
+            </a:pPr>
+            <a:endParaRPr lang="en-GB" sz="2000" dirty="0">
+              <a:latin typeface="Arial"/>
+              <a:cs typeface="Arial"/>
+            </a:endParaRPr>
+          </a:p>
+        </p:txBody>
+      </p:sp>
       <p:pic>
         <p:nvPicPr>
-          <p:cNvPr id="5" name="Picture 4">
+          <p:cNvPr id="7" name="Picture 6" descr="A white background with black text&#10;&#10;Description automatically generated">
             <a:extLst>
               <a:ext uri="{FF2B5EF4-FFF2-40B4-BE49-F238E27FC236}">
-                <a16:creationId xmlns:a16="http://schemas.microsoft.com/office/drawing/2014/main" id="{6FFEA870-4812-46E3-AE8E-861E1F7A3BF5}"/>
+                <a16:creationId xmlns:a16="http://schemas.microsoft.com/office/drawing/2014/main" id="{60370483-D22E-229D-3F14-790A7C923EDA}"/>
               </a:ext>
             </a:extLst>
           </p:cNvPr>
@@ -30100,16 +31447,15 @@
           </p:cNvPicPr>
           <p:nvPr/>
         </p:nvPicPr>
-        <p:blipFill>
+        <p:blipFill rotWithShape="1">
           <a:blip r:embed="rId4"/>
-          <a:stretch>
-            <a:fillRect/>
-          </a:stretch>
+          <a:srcRect b="77740"/>
+          <a:stretch/>
         </p:blipFill>
         <p:spPr>
           <a:xfrm>
-            <a:off x="2335534" y="950056"/>
-            <a:ext cx="4472931" cy="3791107"/>
+            <a:off x="2572161" y="2571750"/>
+            <a:ext cx="3999678" cy="711179"/>
           </a:xfrm>
           <a:prstGeom prst="rect">
             <a:avLst/>
@@ -30119,7 +31465,7 @@
     </p:spTree>
     <p:extLst>
       <p:ext uri="{BB962C8B-B14F-4D97-AF65-F5344CB8AC3E}">
-        <p14:creationId xmlns:p14="http://schemas.microsoft.com/office/powerpoint/2010/main" val="3469896898"/>
+        <p14:creationId xmlns:p14="http://schemas.microsoft.com/office/powerpoint/2010/main" val="646436136"/>
       </p:ext>
     </p:extLst>
   </p:cSld>
@@ -30129,8 +31475,8 @@
 </p:sld>
 </file>
 
-<file path=ppt/slides/slide14.xml><?xml version="1.0" encoding="utf-8"?>
-<p:sld xmlns:a="http://schemas.openxmlformats.org/drawingml/2006/main" xmlns:r="http://schemas.openxmlformats.org/officeDocument/2006/relationships" xmlns:p="http://schemas.openxmlformats.org/presentationml/2006/main" showMasterSp="0">
+<file path=ppt/slides/slide13.xml><?xml version="1.0" encoding="utf-8"?>
+<p:sld xmlns:a="http://schemas.openxmlformats.org/drawingml/2006/main" xmlns:r="http://schemas.openxmlformats.org/officeDocument/2006/relationships" xmlns:p="http://schemas.openxmlformats.org/presentationml/2006/main">
   <p:cSld>
     <p:spTree>
       <p:nvGrpSpPr>
@@ -30169,7 +31515,7 @@
           <a:p>
             <a:r>
               <a:rPr lang="en-GB" dirty="0"/>
-              <a:t>Tangent: APIs and JSON</a:t>
+              <a:t>More Dictionaries Puzzles – Solutions</a:t>
             </a:r>
           </a:p>
         </p:txBody>
@@ -30198,7 +31544,7 @@
             <a:fld id="{3C4F54F3-C349-4609-AFEE-01462D5C7942}" type="slidenum">
               <a:rPr lang="en-GB" smtClean="0"/>
               <a:pPr/>
-              <a:t>14</a:t>
+              <a:t>13</a:t>
             </a:fld>
             <a:endParaRPr lang="en-GB"/>
           </a:p>
@@ -30235,10 +31581,10 @@
       </p:pic>
       <p:pic>
         <p:nvPicPr>
-          <p:cNvPr id="4" name="Picture 3">
+          <p:cNvPr id="5" name="Picture 4" descr="A screen shot of a computer program&#10;&#10;Description automatically generated">
             <a:extLst>
               <a:ext uri="{FF2B5EF4-FFF2-40B4-BE49-F238E27FC236}">
-                <a16:creationId xmlns:a16="http://schemas.microsoft.com/office/drawing/2014/main" id="{FA6CBD08-E586-4797-BAE3-DB7EDD9A371F}"/>
+                <a16:creationId xmlns:a16="http://schemas.microsoft.com/office/drawing/2014/main" id="{7C45F57C-5AEE-8363-BF20-2C9648903570}"/>
               </a:ext>
             </a:extLst>
           </p:cNvPr>
@@ -30255,8 +31601,8 @@
         </p:blipFill>
         <p:spPr>
           <a:xfrm>
-            <a:off x="2332994" y="824331"/>
-            <a:ext cx="4478012" cy="2168699"/>
+            <a:off x="237062" y="1599802"/>
+            <a:ext cx="2417598" cy="2046679"/>
           </a:xfrm>
           <a:prstGeom prst="rect">
             <a:avLst/>
@@ -30265,10 +31611,10 @@
       </p:pic>
       <p:pic>
         <p:nvPicPr>
-          <p:cNvPr id="6" name="Picture 5">
+          <p:cNvPr id="9" name="Picture 8" descr="A computer code with colorful text&#10;&#10;Description automatically generated">
             <a:extLst>
               <a:ext uri="{FF2B5EF4-FFF2-40B4-BE49-F238E27FC236}">
-                <a16:creationId xmlns:a16="http://schemas.microsoft.com/office/drawing/2014/main" id="{89036E8B-AD85-4E61-B119-17A3024A3D07}"/>
+                <a16:creationId xmlns:a16="http://schemas.microsoft.com/office/drawing/2014/main" id="{EC6904AE-9017-E0FB-8456-C4BA3A2C7026}"/>
               </a:ext>
             </a:extLst>
           </p:cNvPr>
@@ -30285,8 +31631,621 @@
         </p:blipFill>
         <p:spPr>
           <a:xfrm>
-            <a:off x="2048256" y="3234819"/>
-            <a:ext cx="5047488" cy="1560503"/>
+            <a:off x="2846111" y="683856"/>
+            <a:ext cx="5621055" cy="1928321"/>
+          </a:xfrm>
+          <a:prstGeom prst="rect">
+            <a:avLst/>
+          </a:prstGeom>
+        </p:spPr>
+      </p:pic>
+      <p:pic>
+        <p:nvPicPr>
+          <p:cNvPr id="12" name="Picture 11" descr="A computer code with text&#10;&#10;Description automatically generated with medium confidence">
+            <a:extLst>
+              <a:ext uri="{FF2B5EF4-FFF2-40B4-BE49-F238E27FC236}">
+                <a16:creationId xmlns:a16="http://schemas.microsoft.com/office/drawing/2014/main" id="{AE1C371F-388B-0374-A72A-978CD5694FF9}"/>
+              </a:ext>
+            </a:extLst>
+          </p:cNvPr>
+          <p:cNvPicPr>
+            <a:picLocks noChangeAspect="1"/>
+          </p:cNvPicPr>
+          <p:nvPr/>
+        </p:nvPicPr>
+        <p:blipFill>
+          <a:blip r:embed="rId6"/>
+          <a:stretch>
+            <a:fillRect/>
+          </a:stretch>
+        </p:blipFill>
+        <p:spPr>
+          <a:xfrm>
+            <a:off x="2846110" y="2729509"/>
+            <a:ext cx="5621055" cy="2292126"/>
+          </a:xfrm>
+          <a:prstGeom prst="rect">
+            <a:avLst/>
+          </a:prstGeom>
+        </p:spPr>
+      </p:pic>
+      <p:sp>
+        <p:nvSpPr>
+          <p:cNvPr id="13" name="TextBox 12">
+            <a:extLst>
+              <a:ext uri="{FF2B5EF4-FFF2-40B4-BE49-F238E27FC236}">
+                <a16:creationId xmlns:a16="http://schemas.microsoft.com/office/drawing/2014/main" id="{F770EE66-3BEE-C08F-2A28-E3BB9A85DD24}"/>
+              </a:ext>
+            </a:extLst>
+          </p:cNvPr>
+          <p:cNvSpPr txBox="1"/>
+          <p:nvPr/>
+        </p:nvSpPr>
+        <p:spPr>
+          <a:xfrm>
+            <a:off x="237062" y="1261248"/>
+            <a:ext cx="1750919" cy="338554"/>
+          </a:xfrm>
+          <a:prstGeom prst="rect">
+            <a:avLst/>
+          </a:prstGeom>
+          <a:noFill/>
+        </p:spPr>
+        <p:txBody>
+          <a:bodyPr wrap="square" rtlCol="0">
+            <a:spAutoFit/>
+          </a:bodyPr>
+          <a:lstStyle/>
+          <a:p>
+            <a:r>
+              <a:rPr lang="en-GB" sz="1600" dirty="0"/>
+              <a:t>Initial solution</a:t>
+            </a:r>
+          </a:p>
+        </p:txBody>
+      </p:sp>
+      <p:sp>
+        <p:nvSpPr>
+          <p:cNvPr id="14" name="TextBox 13">
+            <a:extLst>
+              <a:ext uri="{FF2B5EF4-FFF2-40B4-BE49-F238E27FC236}">
+                <a16:creationId xmlns:a16="http://schemas.microsoft.com/office/drawing/2014/main" id="{F9035B0B-A3E9-D9E3-69C8-36B22F4BAF08}"/>
+              </a:ext>
+            </a:extLst>
+          </p:cNvPr>
+          <p:cNvSpPr txBox="1"/>
+          <p:nvPr/>
+        </p:nvSpPr>
+        <p:spPr>
+          <a:xfrm>
+            <a:off x="5773272" y="683856"/>
+            <a:ext cx="2693894" cy="338554"/>
+          </a:xfrm>
+          <a:prstGeom prst="rect">
+            <a:avLst/>
+          </a:prstGeom>
+          <a:noFill/>
+        </p:spPr>
+        <p:txBody>
+          <a:bodyPr wrap="square" rtlCol="0">
+            <a:spAutoFit/>
+          </a:bodyPr>
+          <a:lstStyle/>
+          <a:p>
+            <a:pPr algn="r"/>
+            <a:r>
+              <a:rPr lang="en-GB" sz="1600" dirty="0"/>
+              <a:t>With print functionality</a:t>
+            </a:r>
+          </a:p>
+        </p:txBody>
+      </p:sp>
+      <p:sp>
+        <p:nvSpPr>
+          <p:cNvPr id="15" name="TextBox 14">
+            <a:extLst>
+              <a:ext uri="{FF2B5EF4-FFF2-40B4-BE49-F238E27FC236}">
+                <a16:creationId xmlns:a16="http://schemas.microsoft.com/office/drawing/2014/main" id="{139FB69E-95D0-D252-5EF9-237C7357AE00}"/>
+              </a:ext>
+            </a:extLst>
+          </p:cNvPr>
+          <p:cNvSpPr txBox="1"/>
+          <p:nvPr/>
+        </p:nvSpPr>
+        <p:spPr>
+          <a:xfrm>
+            <a:off x="5773271" y="2729509"/>
+            <a:ext cx="2693894" cy="338554"/>
+          </a:xfrm>
+          <a:prstGeom prst="rect">
+            <a:avLst/>
+          </a:prstGeom>
+          <a:noFill/>
+        </p:spPr>
+        <p:txBody>
+          <a:bodyPr wrap="square" rtlCol="0">
+            <a:spAutoFit/>
+          </a:bodyPr>
+          <a:lstStyle/>
+          <a:p>
+            <a:pPr algn="r"/>
+            <a:r>
+              <a:rPr lang="en-GB" sz="1600" dirty="0"/>
+              <a:t>With correct grammar</a:t>
+            </a:r>
+          </a:p>
+        </p:txBody>
+      </p:sp>
+    </p:spTree>
+    <p:extLst>
+      <p:ext uri="{BB962C8B-B14F-4D97-AF65-F5344CB8AC3E}">
+        <p14:creationId xmlns:p14="http://schemas.microsoft.com/office/powerpoint/2010/main" val="3209071012"/>
+      </p:ext>
+    </p:extLst>
+  </p:cSld>
+  <p:clrMapOvr>
+    <a:masterClrMapping/>
+  </p:clrMapOvr>
+</p:sld>
+</file>
+
+<file path=ppt/slides/slide14.xml><?xml version="1.0" encoding="utf-8"?>
+<p:sld xmlns:a="http://schemas.openxmlformats.org/drawingml/2006/main" xmlns:r="http://schemas.openxmlformats.org/officeDocument/2006/relationships" xmlns:p="http://schemas.openxmlformats.org/presentationml/2006/main">
+  <p:cSld>
+    <p:spTree>
+      <p:nvGrpSpPr>
+        <p:cNvPr id="1" name=""/>
+        <p:cNvGrpSpPr/>
+        <p:nvPr/>
+      </p:nvGrpSpPr>
+      <p:grpSpPr>
+        <a:xfrm>
+          <a:off x="0" y="0"/>
+          <a:ext cx="0" cy="0"/>
+          <a:chOff x="0" y="0"/>
+          <a:chExt cx="0" cy="0"/>
+        </a:xfrm>
+      </p:grpSpPr>
+      <p:sp>
+        <p:nvSpPr>
+          <p:cNvPr id="2" name="Title 1">
+            <a:extLst>
+              <a:ext uri="{FF2B5EF4-FFF2-40B4-BE49-F238E27FC236}">
+                <a16:creationId xmlns:a16="http://schemas.microsoft.com/office/drawing/2014/main" id="{F7DA9A4F-1DFD-49DB-8569-F5AB18BD6161}"/>
+              </a:ext>
+            </a:extLst>
+          </p:cNvPr>
+          <p:cNvSpPr>
+            <a:spLocks noGrp="1"/>
+          </p:cNvSpPr>
+          <p:nvPr>
+            <p:ph type="title"/>
+          </p:nvPr>
+        </p:nvSpPr>
+        <p:spPr/>
+        <p:txBody>
+          <a:bodyPr/>
+          <a:lstStyle/>
+          <a:p>
+            <a:r>
+              <a:rPr lang="en-GB" dirty="0"/>
+              <a:t>Handling Missing Keys</a:t>
+            </a:r>
+          </a:p>
+        </p:txBody>
+      </p:sp>
+      <p:sp>
+        <p:nvSpPr>
+          <p:cNvPr id="3" name="Slide Number Placeholder 2">
+            <a:extLst>
+              <a:ext uri="{FF2B5EF4-FFF2-40B4-BE49-F238E27FC236}">
+                <a16:creationId xmlns:a16="http://schemas.microsoft.com/office/drawing/2014/main" id="{7C3E703A-A386-472F-AD27-D2D983CC7A66}"/>
+              </a:ext>
+            </a:extLst>
+          </p:cNvPr>
+          <p:cNvSpPr>
+            <a:spLocks noGrp="1"/>
+          </p:cNvSpPr>
+          <p:nvPr>
+            <p:ph type="sldNum" sz="quarter" idx="4"/>
+          </p:nvPr>
+        </p:nvSpPr>
+        <p:spPr/>
+        <p:txBody>
+          <a:bodyPr/>
+          <a:lstStyle/>
+          <a:p>
+            <a:fld id="{3C4F54F3-C349-4609-AFEE-01462D5C7942}" type="slidenum">
+              <a:rPr lang="en-GB" smtClean="0"/>
+              <a:pPr/>
+              <a:t>14</a:t>
+            </a:fld>
+            <a:endParaRPr lang="en-GB"/>
+          </a:p>
+        </p:txBody>
+      </p:sp>
+      <p:pic>
+        <p:nvPicPr>
+          <p:cNvPr id="11" name="Picture 10">
+            <a:extLst>
+              <a:ext uri="{FF2B5EF4-FFF2-40B4-BE49-F238E27FC236}">
+                <a16:creationId xmlns:a16="http://schemas.microsoft.com/office/drawing/2014/main" id="{AE10D547-F5D1-43D9-93EA-E166E3C73F57}"/>
+              </a:ext>
+            </a:extLst>
+          </p:cNvPr>
+          <p:cNvPicPr>
+            <a:picLocks noChangeAspect="1"/>
+          </p:cNvPicPr>
+          <p:nvPr/>
+        </p:nvPicPr>
+        <p:blipFill rotWithShape="1">
+          <a:blip r:embed="rId3"/>
+          <a:srcRect l="2982" t="3174" r="2869" b="2900"/>
+          <a:stretch/>
+        </p:blipFill>
+        <p:spPr>
+          <a:xfrm>
+            <a:off x="8576572" y="4598283"/>
+            <a:ext cx="498106" cy="496941"/>
+          </a:xfrm>
+          <a:prstGeom prst="ellipse">
+            <a:avLst/>
+          </a:prstGeom>
+        </p:spPr>
+      </p:pic>
+      <p:sp>
+        <p:nvSpPr>
+          <p:cNvPr id="6" name="Text Placeholder 2">
+            <a:extLst>
+              <a:ext uri="{FF2B5EF4-FFF2-40B4-BE49-F238E27FC236}">
+                <a16:creationId xmlns:a16="http://schemas.microsoft.com/office/drawing/2014/main" id="{28280EFD-605B-4843-8D20-931E34B69861}"/>
+              </a:ext>
+            </a:extLst>
+          </p:cNvPr>
+          <p:cNvSpPr txBox="1">
+            <a:spLocks/>
+          </p:cNvSpPr>
+          <p:nvPr/>
+        </p:nvSpPr>
+        <p:spPr>
+          <a:xfrm>
+            <a:off x="237061" y="712956"/>
+            <a:ext cx="8619938" cy="4295797"/>
+          </a:xfrm>
+          <a:prstGeom prst="rect">
+            <a:avLst/>
+          </a:prstGeom>
+        </p:spPr>
+        <p:txBody>
+          <a:bodyPr vert="horz" anchor="t"/>
+          <a:lstStyle>
+            <a:lvl1pPr marL="0" indent="0" algn="l" defTabSz="457200" rtl="0" eaLnBrk="1" latinLnBrk="0" hangingPunct="1">
+              <a:spcBef>
+                <a:spcPts val="0"/>
+              </a:spcBef>
+              <a:buFont typeface="Arial"/>
+              <a:buNone/>
+              <a:defRPr sz="2400" kern="1200" baseline="0">
+                <a:solidFill>
+                  <a:schemeClr val="tx1"/>
+                </a:solidFill>
+                <a:latin typeface="Arial" pitchFamily="34" charset="0"/>
+                <a:ea typeface="+mn-ea"/>
+                <a:cs typeface="Arial" pitchFamily="34" charset="0"/>
+              </a:defRPr>
+            </a:lvl1pPr>
+            <a:lvl2pPr marL="457200" indent="0" algn="l" defTabSz="457200" rtl="0" eaLnBrk="1" latinLnBrk="0" hangingPunct="1">
+              <a:spcBef>
+                <a:spcPct val="20000"/>
+              </a:spcBef>
+              <a:buFont typeface="Arial"/>
+              <a:buNone/>
+              <a:defRPr sz="2400" kern="1200">
+                <a:solidFill>
+                  <a:schemeClr val="tx1"/>
+                </a:solidFill>
+                <a:latin typeface="+mn-lt"/>
+                <a:ea typeface="+mn-ea"/>
+                <a:cs typeface="+mn-cs"/>
+              </a:defRPr>
+            </a:lvl2pPr>
+            <a:lvl3pPr marL="914400" indent="0" algn="l" defTabSz="457200" rtl="0" eaLnBrk="1" latinLnBrk="0" hangingPunct="1">
+              <a:spcBef>
+                <a:spcPct val="20000"/>
+              </a:spcBef>
+              <a:buFont typeface="Arial"/>
+              <a:buNone/>
+              <a:defRPr sz="2400" kern="1200">
+                <a:solidFill>
+                  <a:schemeClr val="tx1"/>
+                </a:solidFill>
+                <a:latin typeface="+mn-lt"/>
+                <a:ea typeface="+mn-ea"/>
+                <a:cs typeface="+mn-cs"/>
+              </a:defRPr>
+            </a:lvl3pPr>
+            <a:lvl4pPr marL="1371600" indent="0" algn="l" defTabSz="457200" rtl="0" eaLnBrk="1" latinLnBrk="0" hangingPunct="1">
+              <a:spcBef>
+                <a:spcPct val="20000"/>
+              </a:spcBef>
+              <a:buFont typeface="Arial"/>
+              <a:buNone/>
+              <a:defRPr sz="2400" kern="1200">
+                <a:solidFill>
+                  <a:schemeClr val="tx1"/>
+                </a:solidFill>
+                <a:latin typeface="+mn-lt"/>
+                <a:ea typeface="+mn-ea"/>
+                <a:cs typeface="+mn-cs"/>
+              </a:defRPr>
+            </a:lvl4pPr>
+            <a:lvl5pPr marL="1828800" indent="0" algn="l" defTabSz="457200" rtl="0" eaLnBrk="1" latinLnBrk="0" hangingPunct="1">
+              <a:spcBef>
+                <a:spcPct val="20000"/>
+              </a:spcBef>
+              <a:buFont typeface="Arial"/>
+              <a:buNone/>
+              <a:defRPr sz="2400" kern="1200">
+                <a:solidFill>
+                  <a:schemeClr val="tx1"/>
+                </a:solidFill>
+                <a:latin typeface="+mn-lt"/>
+                <a:ea typeface="+mn-ea"/>
+                <a:cs typeface="+mn-cs"/>
+              </a:defRPr>
+            </a:lvl5pPr>
+            <a:lvl6pPr marL="2514600" indent="-228600" algn="l" defTabSz="457200" rtl="0" eaLnBrk="1" latinLnBrk="0" hangingPunct="1">
+              <a:spcBef>
+                <a:spcPct val="20000"/>
+              </a:spcBef>
+              <a:buFont typeface="Arial"/>
+              <a:buChar char="•"/>
+              <a:defRPr sz="2000" kern="1200">
+                <a:solidFill>
+                  <a:schemeClr val="tx1"/>
+                </a:solidFill>
+                <a:latin typeface="+mn-lt"/>
+                <a:ea typeface="+mn-ea"/>
+                <a:cs typeface="+mn-cs"/>
+              </a:defRPr>
+            </a:lvl6pPr>
+            <a:lvl7pPr marL="2971800" indent="-228600" algn="l" defTabSz="457200" rtl="0" eaLnBrk="1" latinLnBrk="0" hangingPunct="1">
+              <a:spcBef>
+                <a:spcPct val="20000"/>
+              </a:spcBef>
+              <a:buFont typeface="Arial"/>
+              <a:buChar char="•"/>
+              <a:defRPr sz="2000" kern="1200">
+                <a:solidFill>
+                  <a:schemeClr val="tx1"/>
+                </a:solidFill>
+                <a:latin typeface="+mn-lt"/>
+                <a:ea typeface="+mn-ea"/>
+                <a:cs typeface="+mn-cs"/>
+              </a:defRPr>
+            </a:lvl7pPr>
+            <a:lvl8pPr marL="3429000" indent="-228600" algn="l" defTabSz="457200" rtl="0" eaLnBrk="1" latinLnBrk="0" hangingPunct="1">
+              <a:spcBef>
+                <a:spcPct val="20000"/>
+              </a:spcBef>
+              <a:buFont typeface="Arial"/>
+              <a:buChar char="•"/>
+              <a:defRPr sz="2000" kern="1200">
+                <a:solidFill>
+                  <a:schemeClr val="tx1"/>
+                </a:solidFill>
+                <a:latin typeface="+mn-lt"/>
+                <a:ea typeface="+mn-ea"/>
+                <a:cs typeface="+mn-cs"/>
+              </a:defRPr>
+            </a:lvl8pPr>
+            <a:lvl9pPr marL="3886200" indent="-228600" algn="l" defTabSz="457200" rtl="0" eaLnBrk="1" latinLnBrk="0" hangingPunct="1">
+              <a:spcBef>
+                <a:spcPct val="20000"/>
+              </a:spcBef>
+              <a:buFont typeface="Arial"/>
+              <a:buChar char="•"/>
+              <a:defRPr sz="2000" kern="1200">
+                <a:solidFill>
+                  <a:schemeClr val="tx1"/>
+                </a:solidFill>
+                <a:latin typeface="+mn-lt"/>
+                <a:ea typeface="+mn-ea"/>
+                <a:cs typeface="+mn-cs"/>
+              </a:defRPr>
+            </a:lvl9pPr>
+          </a:lstStyle>
+          <a:p>
+            <a:r>
+              <a:rPr lang="en-GB" sz="2000" dirty="0">
+                <a:latin typeface="Arial"/>
+                <a:cs typeface="Arial"/>
+              </a:rPr>
+              <a:t>The </a:t>
+            </a:r>
+            <a:r>
+              <a:rPr lang="en-GB" sz="2000" dirty="0">
+                <a:latin typeface="Consolas" panose="020B0609020204030204" pitchFamily="49" charset="0"/>
+                <a:cs typeface="Arial"/>
+              </a:rPr>
+              <a:t>.get()</a:t>
+            </a:r>
+            <a:r>
+              <a:rPr lang="en-GB" sz="2000" dirty="0">
+                <a:latin typeface="Arial"/>
+                <a:cs typeface="Arial"/>
+              </a:rPr>
+              <a:t> method allows you to specify a default value to return if the given key does not appear in the dictionary.</a:t>
+            </a:r>
+          </a:p>
+          <a:p>
+            <a:pPr marL="342900" indent="-342900">
+              <a:buFont typeface="Arial"/>
+              <a:buChar char="•"/>
+            </a:pPr>
+            <a:endParaRPr lang="en-GB" sz="2000" dirty="0">
+              <a:latin typeface="Arial"/>
+              <a:cs typeface="Arial"/>
+            </a:endParaRPr>
+          </a:p>
+          <a:p>
+            <a:pPr marL="342900" indent="-342900">
+              <a:buFont typeface="Arial"/>
+              <a:buChar char="•"/>
+            </a:pPr>
+            <a:endParaRPr lang="en-GB" sz="2000" dirty="0">
+              <a:latin typeface="Arial"/>
+              <a:cs typeface="Arial"/>
+            </a:endParaRPr>
+          </a:p>
+          <a:p>
+            <a:pPr marL="342900" indent="-342900">
+              <a:buFont typeface="Arial"/>
+              <a:buChar char="•"/>
+            </a:pPr>
+            <a:endParaRPr lang="en-GB" sz="2000" dirty="0">
+              <a:latin typeface="Arial"/>
+              <a:cs typeface="Arial"/>
+            </a:endParaRPr>
+          </a:p>
+          <a:p>
+            <a:endParaRPr lang="en-GB" sz="2000" dirty="0">
+              <a:latin typeface="Arial"/>
+              <a:cs typeface="Arial"/>
+            </a:endParaRPr>
+          </a:p>
+          <a:p>
+            <a:endParaRPr lang="en-GB" sz="2000" dirty="0">
+              <a:latin typeface="Arial"/>
+              <a:cs typeface="Arial"/>
+            </a:endParaRPr>
+          </a:p>
+          <a:p>
+            <a:pPr marL="342900" indent="-342900">
+              <a:buFont typeface="Arial"/>
+              <a:buChar char="•"/>
+            </a:pPr>
+            <a:endParaRPr lang="en-GB" sz="2000" dirty="0">
+              <a:latin typeface="Arial"/>
+              <a:cs typeface="Arial"/>
+            </a:endParaRPr>
+          </a:p>
+          <a:p>
+            <a:pPr marL="342900" indent="-342900">
+              <a:buFont typeface="Arial"/>
+              <a:buChar char="•"/>
+            </a:pPr>
+            <a:endParaRPr lang="en-GB" sz="2000" dirty="0">
+              <a:latin typeface="Arial"/>
+              <a:cs typeface="Arial"/>
+            </a:endParaRPr>
+          </a:p>
+          <a:p>
+            <a:pPr marL="342900" indent="-342900">
+              <a:buFont typeface="Arial"/>
+              <a:buChar char="•"/>
+            </a:pPr>
+            <a:endParaRPr lang="en-GB" sz="2000" dirty="0">
+              <a:latin typeface="Arial"/>
+              <a:cs typeface="Arial"/>
+            </a:endParaRPr>
+          </a:p>
+          <a:p>
+            <a:pPr marL="342900" indent="-342900">
+              <a:buFont typeface="Arial"/>
+              <a:buChar char="•"/>
+            </a:pPr>
+            <a:endParaRPr lang="en-GB" sz="2000" dirty="0">
+              <a:latin typeface="Arial"/>
+              <a:cs typeface="Arial"/>
+            </a:endParaRPr>
+          </a:p>
+        </p:txBody>
+      </p:sp>
+      <p:pic>
+        <p:nvPicPr>
+          <p:cNvPr id="7" name="Picture 6" descr="A screenshot of a computer&#10;&#10;Description automatically generated">
+            <a:extLst>
+              <a:ext uri="{FF2B5EF4-FFF2-40B4-BE49-F238E27FC236}">
+                <a16:creationId xmlns:a16="http://schemas.microsoft.com/office/drawing/2014/main" id="{D8F836E3-95F8-299E-7331-8DBE309593BF}"/>
+              </a:ext>
+            </a:extLst>
+          </p:cNvPr>
+          <p:cNvPicPr>
+            <a:picLocks noChangeAspect="1"/>
+          </p:cNvPicPr>
+          <p:nvPr/>
+        </p:nvPicPr>
+        <p:blipFill>
+          <a:blip r:embed="rId4"/>
+          <a:stretch>
+            <a:fillRect/>
+          </a:stretch>
+        </p:blipFill>
+        <p:spPr>
+          <a:xfrm>
+            <a:off x="286607" y="2103238"/>
+            <a:ext cx="2627632" cy="2099041"/>
+          </a:xfrm>
+          <a:prstGeom prst="rect">
+            <a:avLst/>
+          </a:prstGeom>
+        </p:spPr>
+      </p:pic>
+      <p:pic>
+        <p:nvPicPr>
+          <p:cNvPr id="12" name="Picture 11" descr="A screenshot of a computer error&#10;&#10;Description automatically generated">
+            <a:extLst>
+              <a:ext uri="{FF2B5EF4-FFF2-40B4-BE49-F238E27FC236}">
+                <a16:creationId xmlns:a16="http://schemas.microsoft.com/office/drawing/2014/main" id="{CAD76931-09FF-54AA-C86B-965D6D1D9CDC}"/>
+              </a:ext>
+            </a:extLst>
+          </p:cNvPr>
+          <p:cNvPicPr>
+            <a:picLocks noChangeAspect="1"/>
+          </p:cNvPicPr>
+          <p:nvPr/>
+        </p:nvPicPr>
+        <p:blipFill>
+          <a:blip r:embed="rId5"/>
+          <a:stretch>
+            <a:fillRect/>
+          </a:stretch>
+        </p:blipFill>
+        <p:spPr>
+          <a:xfrm>
+            <a:off x="3043420" y="2103238"/>
+            <a:ext cx="2713141" cy="2048025"/>
+          </a:xfrm>
+          <a:prstGeom prst="rect">
+            <a:avLst/>
+          </a:prstGeom>
+        </p:spPr>
+      </p:pic>
+      <p:pic>
+        <p:nvPicPr>
+          <p:cNvPr id="14" name="Picture 13" descr="A close-up of a computer screen&#10;&#10;Description automatically generated">
+            <a:extLst>
+              <a:ext uri="{FF2B5EF4-FFF2-40B4-BE49-F238E27FC236}">
+                <a16:creationId xmlns:a16="http://schemas.microsoft.com/office/drawing/2014/main" id="{83E2B9FE-6886-AF22-3F08-915D35EE2F45}"/>
+              </a:ext>
+            </a:extLst>
+          </p:cNvPr>
+          <p:cNvPicPr>
+            <a:picLocks noChangeAspect="1"/>
+          </p:cNvPicPr>
+          <p:nvPr/>
+        </p:nvPicPr>
+        <p:blipFill>
+          <a:blip r:embed="rId6"/>
+          <a:stretch>
+            <a:fillRect/>
+          </a:stretch>
+        </p:blipFill>
+        <p:spPr>
+          <a:xfrm>
+            <a:off x="5885742" y="2116394"/>
+            <a:ext cx="2859166" cy="988618"/>
           </a:xfrm>
           <a:prstGeom prst="rect">
             <a:avLst/>
@@ -30296,7 +32255,1135 @@
     </p:spTree>
     <p:extLst>
       <p:ext uri="{BB962C8B-B14F-4D97-AF65-F5344CB8AC3E}">
-        <p14:creationId xmlns:p14="http://schemas.microsoft.com/office/powerpoint/2010/main" val="2600252083"/>
+        <p14:creationId xmlns:p14="http://schemas.microsoft.com/office/powerpoint/2010/main" val="1288073465"/>
+      </p:ext>
+    </p:extLst>
+  </p:cSld>
+  <p:clrMapOvr>
+    <a:masterClrMapping/>
+  </p:clrMapOvr>
+</p:sld>
+</file>
+
+<file path=ppt/slides/slide15.xml><?xml version="1.0" encoding="utf-8"?>
+<p:sld xmlns:a="http://schemas.openxmlformats.org/drawingml/2006/main" xmlns:r="http://schemas.openxmlformats.org/officeDocument/2006/relationships" xmlns:p="http://schemas.openxmlformats.org/presentationml/2006/main">
+  <p:cSld>
+    <p:spTree>
+      <p:nvGrpSpPr>
+        <p:cNvPr id="1" name=""/>
+        <p:cNvGrpSpPr/>
+        <p:nvPr/>
+      </p:nvGrpSpPr>
+      <p:grpSpPr>
+        <a:xfrm>
+          <a:off x="0" y="0"/>
+          <a:ext cx="0" cy="0"/>
+          <a:chOff x="0" y="0"/>
+          <a:chExt cx="0" cy="0"/>
+        </a:xfrm>
+      </p:grpSpPr>
+      <p:sp>
+        <p:nvSpPr>
+          <p:cNvPr id="2" name="Title 1">
+            <a:extLst>
+              <a:ext uri="{FF2B5EF4-FFF2-40B4-BE49-F238E27FC236}">
+                <a16:creationId xmlns:a16="http://schemas.microsoft.com/office/drawing/2014/main" id="{F7DA9A4F-1DFD-49DB-8569-F5AB18BD6161}"/>
+              </a:ext>
+            </a:extLst>
+          </p:cNvPr>
+          <p:cNvSpPr>
+            <a:spLocks noGrp="1"/>
+          </p:cNvSpPr>
+          <p:nvPr>
+            <p:ph type="title"/>
+          </p:nvPr>
+        </p:nvSpPr>
+        <p:spPr/>
+        <p:txBody>
+          <a:bodyPr/>
+          <a:lstStyle/>
+          <a:p>
+            <a:r>
+              <a:rPr lang="en-GB" dirty="0"/>
+              <a:t>Dictionaries and Lists</a:t>
+            </a:r>
+          </a:p>
+        </p:txBody>
+      </p:sp>
+      <p:sp>
+        <p:nvSpPr>
+          <p:cNvPr id="3" name="Slide Number Placeholder 2">
+            <a:extLst>
+              <a:ext uri="{FF2B5EF4-FFF2-40B4-BE49-F238E27FC236}">
+                <a16:creationId xmlns:a16="http://schemas.microsoft.com/office/drawing/2014/main" id="{7C3E703A-A386-472F-AD27-D2D983CC7A66}"/>
+              </a:ext>
+            </a:extLst>
+          </p:cNvPr>
+          <p:cNvSpPr>
+            <a:spLocks noGrp="1"/>
+          </p:cNvSpPr>
+          <p:nvPr>
+            <p:ph type="sldNum" sz="quarter" idx="4"/>
+          </p:nvPr>
+        </p:nvSpPr>
+        <p:spPr/>
+        <p:txBody>
+          <a:bodyPr/>
+          <a:lstStyle/>
+          <a:p>
+            <a:fld id="{3C4F54F3-C349-4609-AFEE-01462D5C7942}" type="slidenum">
+              <a:rPr lang="en-GB" smtClean="0"/>
+              <a:pPr/>
+              <a:t>15</a:t>
+            </a:fld>
+            <a:endParaRPr lang="en-GB"/>
+          </a:p>
+        </p:txBody>
+      </p:sp>
+      <p:pic>
+        <p:nvPicPr>
+          <p:cNvPr id="11" name="Picture 10">
+            <a:extLst>
+              <a:ext uri="{FF2B5EF4-FFF2-40B4-BE49-F238E27FC236}">
+                <a16:creationId xmlns:a16="http://schemas.microsoft.com/office/drawing/2014/main" id="{AE10D547-F5D1-43D9-93EA-E166E3C73F57}"/>
+              </a:ext>
+            </a:extLst>
+          </p:cNvPr>
+          <p:cNvPicPr>
+            <a:picLocks noChangeAspect="1"/>
+          </p:cNvPicPr>
+          <p:nvPr/>
+        </p:nvPicPr>
+        <p:blipFill rotWithShape="1">
+          <a:blip r:embed="rId3"/>
+          <a:srcRect l="2982" t="3174" r="2869" b="2900"/>
+          <a:stretch/>
+        </p:blipFill>
+        <p:spPr>
+          <a:xfrm>
+            <a:off x="8576572" y="4598283"/>
+            <a:ext cx="498106" cy="496941"/>
+          </a:xfrm>
+          <a:prstGeom prst="ellipse">
+            <a:avLst/>
+          </a:prstGeom>
+        </p:spPr>
+      </p:pic>
+      <p:sp>
+        <p:nvSpPr>
+          <p:cNvPr id="6" name="Text Placeholder 2">
+            <a:extLst>
+              <a:ext uri="{FF2B5EF4-FFF2-40B4-BE49-F238E27FC236}">
+                <a16:creationId xmlns:a16="http://schemas.microsoft.com/office/drawing/2014/main" id="{28280EFD-605B-4843-8D20-931E34B69861}"/>
+              </a:ext>
+            </a:extLst>
+          </p:cNvPr>
+          <p:cNvSpPr txBox="1">
+            <a:spLocks/>
+          </p:cNvSpPr>
+          <p:nvPr/>
+        </p:nvSpPr>
+        <p:spPr>
+          <a:xfrm>
+            <a:off x="237061" y="712956"/>
+            <a:ext cx="8619938" cy="4295797"/>
+          </a:xfrm>
+          <a:prstGeom prst="rect">
+            <a:avLst/>
+          </a:prstGeom>
+        </p:spPr>
+        <p:txBody>
+          <a:bodyPr vert="horz" anchor="t"/>
+          <a:lstStyle>
+            <a:lvl1pPr marL="0" indent="0" algn="l" defTabSz="457200" rtl="0" eaLnBrk="1" latinLnBrk="0" hangingPunct="1">
+              <a:spcBef>
+                <a:spcPts val="0"/>
+              </a:spcBef>
+              <a:buFont typeface="Arial"/>
+              <a:buNone/>
+              <a:defRPr sz="2400" kern="1200" baseline="0">
+                <a:solidFill>
+                  <a:schemeClr val="tx1"/>
+                </a:solidFill>
+                <a:latin typeface="Arial" pitchFamily="34" charset="0"/>
+                <a:ea typeface="+mn-ea"/>
+                <a:cs typeface="Arial" pitchFamily="34" charset="0"/>
+              </a:defRPr>
+            </a:lvl1pPr>
+            <a:lvl2pPr marL="457200" indent="0" algn="l" defTabSz="457200" rtl="0" eaLnBrk="1" latinLnBrk="0" hangingPunct="1">
+              <a:spcBef>
+                <a:spcPct val="20000"/>
+              </a:spcBef>
+              <a:buFont typeface="Arial"/>
+              <a:buNone/>
+              <a:defRPr sz="2400" kern="1200">
+                <a:solidFill>
+                  <a:schemeClr val="tx1"/>
+                </a:solidFill>
+                <a:latin typeface="+mn-lt"/>
+                <a:ea typeface="+mn-ea"/>
+                <a:cs typeface="+mn-cs"/>
+              </a:defRPr>
+            </a:lvl2pPr>
+            <a:lvl3pPr marL="914400" indent="0" algn="l" defTabSz="457200" rtl="0" eaLnBrk="1" latinLnBrk="0" hangingPunct="1">
+              <a:spcBef>
+                <a:spcPct val="20000"/>
+              </a:spcBef>
+              <a:buFont typeface="Arial"/>
+              <a:buNone/>
+              <a:defRPr sz="2400" kern="1200">
+                <a:solidFill>
+                  <a:schemeClr val="tx1"/>
+                </a:solidFill>
+                <a:latin typeface="+mn-lt"/>
+                <a:ea typeface="+mn-ea"/>
+                <a:cs typeface="+mn-cs"/>
+              </a:defRPr>
+            </a:lvl3pPr>
+            <a:lvl4pPr marL="1371600" indent="0" algn="l" defTabSz="457200" rtl="0" eaLnBrk="1" latinLnBrk="0" hangingPunct="1">
+              <a:spcBef>
+                <a:spcPct val="20000"/>
+              </a:spcBef>
+              <a:buFont typeface="Arial"/>
+              <a:buNone/>
+              <a:defRPr sz="2400" kern="1200">
+                <a:solidFill>
+                  <a:schemeClr val="tx1"/>
+                </a:solidFill>
+                <a:latin typeface="+mn-lt"/>
+                <a:ea typeface="+mn-ea"/>
+                <a:cs typeface="+mn-cs"/>
+              </a:defRPr>
+            </a:lvl4pPr>
+            <a:lvl5pPr marL="1828800" indent="0" algn="l" defTabSz="457200" rtl="0" eaLnBrk="1" latinLnBrk="0" hangingPunct="1">
+              <a:spcBef>
+                <a:spcPct val="20000"/>
+              </a:spcBef>
+              <a:buFont typeface="Arial"/>
+              <a:buNone/>
+              <a:defRPr sz="2400" kern="1200">
+                <a:solidFill>
+                  <a:schemeClr val="tx1"/>
+                </a:solidFill>
+                <a:latin typeface="+mn-lt"/>
+                <a:ea typeface="+mn-ea"/>
+                <a:cs typeface="+mn-cs"/>
+              </a:defRPr>
+            </a:lvl5pPr>
+            <a:lvl6pPr marL="2514600" indent="-228600" algn="l" defTabSz="457200" rtl="0" eaLnBrk="1" latinLnBrk="0" hangingPunct="1">
+              <a:spcBef>
+                <a:spcPct val="20000"/>
+              </a:spcBef>
+              <a:buFont typeface="Arial"/>
+              <a:buChar char="•"/>
+              <a:defRPr sz="2000" kern="1200">
+                <a:solidFill>
+                  <a:schemeClr val="tx1"/>
+                </a:solidFill>
+                <a:latin typeface="+mn-lt"/>
+                <a:ea typeface="+mn-ea"/>
+                <a:cs typeface="+mn-cs"/>
+              </a:defRPr>
+            </a:lvl6pPr>
+            <a:lvl7pPr marL="2971800" indent="-228600" algn="l" defTabSz="457200" rtl="0" eaLnBrk="1" latinLnBrk="0" hangingPunct="1">
+              <a:spcBef>
+                <a:spcPct val="20000"/>
+              </a:spcBef>
+              <a:buFont typeface="Arial"/>
+              <a:buChar char="•"/>
+              <a:defRPr sz="2000" kern="1200">
+                <a:solidFill>
+                  <a:schemeClr val="tx1"/>
+                </a:solidFill>
+                <a:latin typeface="+mn-lt"/>
+                <a:ea typeface="+mn-ea"/>
+                <a:cs typeface="+mn-cs"/>
+              </a:defRPr>
+            </a:lvl7pPr>
+            <a:lvl8pPr marL="3429000" indent="-228600" algn="l" defTabSz="457200" rtl="0" eaLnBrk="1" latinLnBrk="0" hangingPunct="1">
+              <a:spcBef>
+                <a:spcPct val="20000"/>
+              </a:spcBef>
+              <a:buFont typeface="Arial"/>
+              <a:buChar char="•"/>
+              <a:defRPr sz="2000" kern="1200">
+                <a:solidFill>
+                  <a:schemeClr val="tx1"/>
+                </a:solidFill>
+                <a:latin typeface="+mn-lt"/>
+                <a:ea typeface="+mn-ea"/>
+                <a:cs typeface="+mn-cs"/>
+              </a:defRPr>
+            </a:lvl8pPr>
+            <a:lvl9pPr marL="3886200" indent="-228600" algn="l" defTabSz="457200" rtl="0" eaLnBrk="1" latinLnBrk="0" hangingPunct="1">
+              <a:spcBef>
+                <a:spcPct val="20000"/>
+              </a:spcBef>
+              <a:buFont typeface="Arial"/>
+              <a:buChar char="•"/>
+              <a:defRPr sz="2000" kern="1200">
+                <a:solidFill>
+                  <a:schemeClr val="tx1"/>
+                </a:solidFill>
+                <a:latin typeface="+mn-lt"/>
+                <a:ea typeface="+mn-ea"/>
+                <a:cs typeface="+mn-cs"/>
+              </a:defRPr>
+            </a:lvl9pPr>
+          </a:lstStyle>
+          <a:p>
+            <a:pPr marL="342900" indent="-342900">
+              <a:buFont typeface="Arial"/>
+              <a:buChar char="•"/>
+            </a:pPr>
+            <a:r>
+              <a:rPr lang="en-GB" sz="2000" dirty="0">
+                <a:latin typeface="Arial"/>
+                <a:cs typeface="Arial"/>
+              </a:rPr>
+              <a:t>Lists can appear as values in a dictionary (though this can quickly get confusing with double indexing – </a:t>
+            </a:r>
+            <a:r>
+              <a:rPr lang="en-GB" sz="2000" dirty="0">
+                <a:latin typeface="Consolas" panose="020B0609020204030204" pitchFamily="49" charset="0"/>
+                <a:cs typeface="Arial"/>
+              </a:rPr>
+              <a:t>d[“x”][0])</a:t>
+            </a:r>
+          </a:p>
+          <a:p>
+            <a:pPr marL="342900" indent="-342900">
+              <a:buFont typeface="Arial"/>
+              <a:buChar char="•"/>
+            </a:pPr>
+            <a:r>
+              <a:rPr lang="en-GB" sz="2000" dirty="0">
+                <a:latin typeface="Arial"/>
+                <a:cs typeface="Arial"/>
+              </a:rPr>
+              <a:t>However, lists </a:t>
+            </a:r>
+            <a:r>
+              <a:rPr lang="en-GB" sz="2000" b="1" dirty="0">
+                <a:latin typeface="Arial"/>
+                <a:cs typeface="Arial"/>
+              </a:rPr>
+              <a:t>cannot </a:t>
+            </a:r>
+            <a:r>
+              <a:rPr lang="en-GB" sz="2000" dirty="0">
+                <a:latin typeface="Arial"/>
+                <a:cs typeface="Arial"/>
+              </a:rPr>
+              <a:t>be used as keys. This is because they are </a:t>
+            </a:r>
+            <a:r>
+              <a:rPr lang="en-GB" sz="2000" b="1" dirty="0">
+                <a:latin typeface="Arial"/>
+                <a:cs typeface="Arial"/>
+              </a:rPr>
+              <a:t>mutable </a:t>
+            </a:r>
+            <a:r>
+              <a:rPr lang="en-GB" sz="2000" dirty="0">
+                <a:latin typeface="Arial"/>
+                <a:cs typeface="Arial"/>
+              </a:rPr>
+              <a:t>– they can be altered after their creation, and without re-assignment.</a:t>
+            </a:r>
+          </a:p>
+          <a:p>
+            <a:pPr marL="342900" indent="-342900">
+              <a:buFont typeface="Arial"/>
+              <a:buChar char="•"/>
+            </a:pPr>
+            <a:r>
+              <a:rPr lang="en-GB" sz="2000" dirty="0">
+                <a:latin typeface="Arial"/>
+                <a:cs typeface="Arial"/>
+              </a:rPr>
+              <a:t>Tuples are immutable, and thus can be used as keys.</a:t>
+            </a:r>
+          </a:p>
+          <a:p>
+            <a:pPr marL="342900" indent="-342900">
+              <a:buFont typeface="Arial"/>
+              <a:buChar char="•"/>
+            </a:pPr>
+            <a:endParaRPr lang="en-GB" sz="2000" dirty="0">
+              <a:latin typeface="Arial"/>
+              <a:cs typeface="Arial"/>
+            </a:endParaRPr>
+          </a:p>
+          <a:p>
+            <a:pPr marL="342900" indent="-342900">
+              <a:buFont typeface="Arial"/>
+              <a:buChar char="•"/>
+            </a:pPr>
+            <a:endParaRPr lang="en-GB" sz="2000" dirty="0">
+              <a:latin typeface="Arial"/>
+              <a:cs typeface="Arial"/>
+            </a:endParaRPr>
+          </a:p>
+          <a:p>
+            <a:endParaRPr lang="en-GB" sz="2000" dirty="0">
+              <a:latin typeface="Arial"/>
+              <a:cs typeface="Arial"/>
+            </a:endParaRPr>
+          </a:p>
+          <a:p>
+            <a:endParaRPr lang="en-GB" sz="2000" dirty="0">
+              <a:latin typeface="Arial"/>
+              <a:cs typeface="Arial"/>
+            </a:endParaRPr>
+          </a:p>
+          <a:p>
+            <a:pPr marL="342900" indent="-342900">
+              <a:buFont typeface="Arial"/>
+              <a:buChar char="•"/>
+            </a:pPr>
+            <a:endParaRPr lang="en-GB" sz="2000" dirty="0">
+              <a:latin typeface="Arial"/>
+              <a:cs typeface="Arial"/>
+            </a:endParaRPr>
+          </a:p>
+          <a:p>
+            <a:pPr marL="342900" indent="-342900">
+              <a:buFont typeface="Arial"/>
+              <a:buChar char="•"/>
+            </a:pPr>
+            <a:endParaRPr lang="en-GB" sz="2000" dirty="0">
+              <a:latin typeface="Arial"/>
+              <a:cs typeface="Arial"/>
+            </a:endParaRPr>
+          </a:p>
+          <a:p>
+            <a:pPr marL="342900" indent="-342900">
+              <a:buFont typeface="Arial"/>
+              <a:buChar char="•"/>
+            </a:pPr>
+            <a:endParaRPr lang="en-GB" sz="2000" dirty="0">
+              <a:latin typeface="Arial"/>
+              <a:cs typeface="Arial"/>
+            </a:endParaRPr>
+          </a:p>
+          <a:p>
+            <a:pPr marL="342900" indent="-342900">
+              <a:buFont typeface="Arial"/>
+              <a:buChar char="•"/>
+            </a:pPr>
+            <a:endParaRPr lang="en-GB" sz="2000" dirty="0">
+              <a:latin typeface="Arial"/>
+              <a:cs typeface="Arial"/>
+            </a:endParaRPr>
+          </a:p>
+        </p:txBody>
+      </p:sp>
+    </p:spTree>
+    <p:extLst>
+      <p:ext uri="{BB962C8B-B14F-4D97-AF65-F5344CB8AC3E}">
+        <p14:creationId xmlns:p14="http://schemas.microsoft.com/office/powerpoint/2010/main" val="1356777455"/>
+      </p:ext>
+    </p:extLst>
+  </p:cSld>
+  <p:clrMapOvr>
+    <a:masterClrMapping/>
+  </p:clrMapOvr>
+</p:sld>
+</file>
+
+<file path=ppt/slides/slide16.xml><?xml version="1.0" encoding="utf-8"?>
+<p:sld xmlns:a="http://schemas.openxmlformats.org/drawingml/2006/main" xmlns:r="http://schemas.openxmlformats.org/officeDocument/2006/relationships" xmlns:p="http://schemas.openxmlformats.org/presentationml/2006/main">
+  <p:cSld>
+    <p:spTree>
+      <p:nvGrpSpPr>
+        <p:cNvPr id="1" name=""/>
+        <p:cNvGrpSpPr/>
+        <p:nvPr/>
+      </p:nvGrpSpPr>
+      <p:grpSpPr>
+        <a:xfrm>
+          <a:off x="0" y="0"/>
+          <a:ext cx="0" cy="0"/>
+          <a:chOff x="0" y="0"/>
+          <a:chExt cx="0" cy="0"/>
+        </a:xfrm>
+      </p:grpSpPr>
+      <p:sp>
+        <p:nvSpPr>
+          <p:cNvPr id="2" name="Title 1">
+            <a:extLst>
+              <a:ext uri="{FF2B5EF4-FFF2-40B4-BE49-F238E27FC236}">
+                <a16:creationId xmlns:a16="http://schemas.microsoft.com/office/drawing/2014/main" id="{F7DA9A4F-1DFD-49DB-8569-F5AB18BD6161}"/>
+              </a:ext>
+            </a:extLst>
+          </p:cNvPr>
+          <p:cNvSpPr>
+            <a:spLocks noGrp="1"/>
+          </p:cNvSpPr>
+          <p:nvPr>
+            <p:ph type="title"/>
+          </p:nvPr>
+        </p:nvSpPr>
+        <p:spPr/>
+        <p:txBody>
+          <a:bodyPr/>
+          <a:lstStyle/>
+          <a:p>
+            <a:r>
+              <a:rPr lang="en-GB" dirty="0"/>
+              <a:t>Advanced Dictionaries Puzzles</a:t>
+            </a:r>
+          </a:p>
+        </p:txBody>
+      </p:sp>
+      <p:sp>
+        <p:nvSpPr>
+          <p:cNvPr id="3" name="Slide Number Placeholder 2">
+            <a:extLst>
+              <a:ext uri="{FF2B5EF4-FFF2-40B4-BE49-F238E27FC236}">
+                <a16:creationId xmlns:a16="http://schemas.microsoft.com/office/drawing/2014/main" id="{7C3E703A-A386-472F-AD27-D2D983CC7A66}"/>
+              </a:ext>
+            </a:extLst>
+          </p:cNvPr>
+          <p:cNvSpPr>
+            <a:spLocks noGrp="1"/>
+          </p:cNvSpPr>
+          <p:nvPr>
+            <p:ph type="sldNum" sz="quarter" idx="4"/>
+          </p:nvPr>
+        </p:nvSpPr>
+        <p:spPr/>
+        <p:txBody>
+          <a:bodyPr/>
+          <a:lstStyle/>
+          <a:p>
+            <a:fld id="{3C4F54F3-C349-4609-AFEE-01462D5C7942}" type="slidenum">
+              <a:rPr lang="en-GB" smtClean="0"/>
+              <a:pPr/>
+              <a:t>16</a:t>
+            </a:fld>
+            <a:endParaRPr lang="en-GB"/>
+          </a:p>
+        </p:txBody>
+      </p:sp>
+      <p:pic>
+        <p:nvPicPr>
+          <p:cNvPr id="11" name="Picture 10">
+            <a:extLst>
+              <a:ext uri="{FF2B5EF4-FFF2-40B4-BE49-F238E27FC236}">
+                <a16:creationId xmlns:a16="http://schemas.microsoft.com/office/drawing/2014/main" id="{AE10D547-F5D1-43D9-93EA-E166E3C73F57}"/>
+              </a:ext>
+            </a:extLst>
+          </p:cNvPr>
+          <p:cNvPicPr>
+            <a:picLocks noChangeAspect="1"/>
+          </p:cNvPicPr>
+          <p:nvPr/>
+        </p:nvPicPr>
+        <p:blipFill rotWithShape="1">
+          <a:blip r:embed="rId3"/>
+          <a:srcRect l="2982" t="3174" r="2869" b="2900"/>
+          <a:stretch/>
+        </p:blipFill>
+        <p:spPr>
+          <a:xfrm>
+            <a:off x="8576572" y="4598283"/>
+            <a:ext cx="498106" cy="496941"/>
+          </a:xfrm>
+          <a:prstGeom prst="ellipse">
+            <a:avLst/>
+          </a:prstGeom>
+        </p:spPr>
+      </p:pic>
+      <p:sp>
+        <p:nvSpPr>
+          <p:cNvPr id="6" name="Text Placeholder 2">
+            <a:extLst>
+              <a:ext uri="{FF2B5EF4-FFF2-40B4-BE49-F238E27FC236}">
+                <a16:creationId xmlns:a16="http://schemas.microsoft.com/office/drawing/2014/main" id="{28280EFD-605B-4843-8D20-931E34B69861}"/>
+              </a:ext>
+            </a:extLst>
+          </p:cNvPr>
+          <p:cNvSpPr txBox="1">
+            <a:spLocks/>
+          </p:cNvSpPr>
+          <p:nvPr/>
+        </p:nvSpPr>
+        <p:spPr>
+          <a:xfrm>
+            <a:off x="237061" y="712956"/>
+            <a:ext cx="8619938" cy="4295797"/>
+          </a:xfrm>
+          <a:prstGeom prst="rect">
+            <a:avLst/>
+          </a:prstGeom>
+        </p:spPr>
+        <p:txBody>
+          <a:bodyPr vert="horz" anchor="t"/>
+          <a:lstStyle>
+            <a:lvl1pPr marL="0" indent="0" algn="l" defTabSz="457200" rtl="0" eaLnBrk="1" latinLnBrk="0" hangingPunct="1">
+              <a:spcBef>
+                <a:spcPts val="0"/>
+              </a:spcBef>
+              <a:buFont typeface="Arial"/>
+              <a:buNone/>
+              <a:defRPr sz="2400" kern="1200" baseline="0">
+                <a:solidFill>
+                  <a:schemeClr val="tx1"/>
+                </a:solidFill>
+                <a:latin typeface="Arial" pitchFamily="34" charset="0"/>
+                <a:ea typeface="+mn-ea"/>
+                <a:cs typeface="Arial" pitchFamily="34" charset="0"/>
+              </a:defRPr>
+            </a:lvl1pPr>
+            <a:lvl2pPr marL="457200" indent="0" algn="l" defTabSz="457200" rtl="0" eaLnBrk="1" latinLnBrk="0" hangingPunct="1">
+              <a:spcBef>
+                <a:spcPct val="20000"/>
+              </a:spcBef>
+              <a:buFont typeface="Arial"/>
+              <a:buNone/>
+              <a:defRPr sz="2400" kern="1200">
+                <a:solidFill>
+                  <a:schemeClr val="tx1"/>
+                </a:solidFill>
+                <a:latin typeface="+mn-lt"/>
+                <a:ea typeface="+mn-ea"/>
+                <a:cs typeface="+mn-cs"/>
+              </a:defRPr>
+            </a:lvl2pPr>
+            <a:lvl3pPr marL="914400" indent="0" algn="l" defTabSz="457200" rtl="0" eaLnBrk="1" latinLnBrk="0" hangingPunct="1">
+              <a:spcBef>
+                <a:spcPct val="20000"/>
+              </a:spcBef>
+              <a:buFont typeface="Arial"/>
+              <a:buNone/>
+              <a:defRPr sz="2400" kern="1200">
+                <a:solidFill>
+                  <a:schemeClr val="tx1"/>
+                </a:solidFill>
+                <a:latin typeface="+mn-lt"/>
+                <a:ea typeface="+mn-ea"/>
+                <a:cs typeface="+mn-cs"/>
+              </a:defRPr>
+            </a:lvl3pPr>
+            <a:lvl4pPr marL="1371600" indent="0" algn="l" defTabSz="457200" rtl="0" eaLnBrk="1" latinLnBrk="0" hangingPunct="1">
+              <a:spcBef>
+                <a:spcPct val="20000"/>
+              </a:spcBef>
+              <a:buFont typeface="Arial"/>
+              <a:buNone/>
+              <a:defRPr sz="2400" kern="1200">
+                <a:solidFill>
+                  <a:schemeClr val="tx1"/>
+                </a:solidFill>
+                <a:latin typeface="+mn-lt"/>
+                <a:ea typeface="+mn-ea"/>
+                <a:cs typeface="+mn-cs"/>
+              </a:defRPr>
+            </a:lvl4pPr>
+            <a:lvl5pPr marL="1828800" indent="0" algn="l" defTabSz="457200" rtl="0" eaLnBrk="1" latinLnBrk="0" hangingPunct="1">
+              <a:spcBef>
+                <a:spcPct val="20000"/>
+              </a:spcBef>
+              <a:buFont typeface="Arial"/>
+              <a:buNone/>
+              <a:defRPr sz="2400" kern="1200">
+                <a:solidFill>
+                  <a:schemeClr val="tx1"/>
+                </a:solidFill>
+                <a:latin typeface="+mn-lt"/>
+                <a:ea typeface="+mn-ea"/>
+                <a:cs typeface="+mn-cs"/>
+              </a:defRPr>
+            </a:lvl5pPr>
+            <a:lvl6pPr marL="2514600" indent="-228600" algn="l" defTabSz="457200" rtl="0" eaLnBrk="1" latinLnBrk="0" hangingPunct="1">
+              <a:spcBef>
+                <a:spcPct val="20000"/>
+              </a:spcBef>
+              <a:buFont typeface="Arial"/>
+              <a:buChar char="•"/>
+              <a:defRPr sz="2000" kern="1200">
+                <a:solidFill>
+                  <a:schemeClr val="tx1"/>
+                </a:solidFill>
+                <a:latin typeface="+mn-lt"/>
+                <a:ea typeface="+mn-ea"/>
+                <a:cs typeface="+mn-cs"/>
+              </a:defRPr>
+            </a:lvl6pPr>
+            <a:lvl7pPr marL="2971800" indent="-228600" algn="l" defTabSz="457200" rtl="0" eaLnBrk="1" latinLnBrk="0" hangingPunct="1">
+              <a:spcBef>
+                <a:spcPct val="20000"/>
+              </a:spcBef>
+              <a:buFont typeface="Arial"/>
+              <a:buChar char="•"/>
+              <a:defRPr sz="2000" kern="1200">
+                <a:solidFill>
+                  <a:schemeClr val="tx1"/>
+                </a:solidFill>
+                <a:latin typeface="+mn-lt"/>
+                <a:ea typeface="+mn-ea"/>
+                <a:cs typeface="+mn-cs"/>
+              </a:defRPr>
+            </a:lvl7pPr>
+            <a:lvl8pPr marL="3429000" indent="-228600" algn="l" defTabSz="457200" rtl="0" eaLnBrk="1" latinLnBrk="0" hangingPunct="1">
+              <a:spcBef>
+                <a:spcPct val="20000"/>
+              </a:spcBef>
+              <a:buFont typeface="Arial"/>
+              <a:buChar char="•"/>
+              <a:defRPr sz="2000" kern="1200">
+                <a:solidFill>
+                  <a:schemeClr val="tx1"/>
+                </a:solidFill>
+                <a:latin typeface="+mn-lt"/>
+                <a:ea typeface="+mn-ea"/>
+                <a:cs typeface="+mn-cs"/>
+              </a:defRPr>
+            </a:lvl8pPr>
+            <a:lvl9pPr marL="3886200" indent="-228600" algn="l" defTabSz="457200" rtl="0" eaLnBrk="1" latinLnBrk="0" hangingPunct="1">
+              <a:spcBef>
+                <a:spcPct val="20000"/>
+              </a:spcBef>
+              <a:buFont typeface="Arial"/>
+              <a:buChar char="•"/>
+              <a:defRPr sz="2000" kern="1200">
+                <a:solidFill>
+                  <a:schemeClr val="tx1"/>
+                </a:solidFill>
+                <a:latin typeface="+mn-lt"/>
+                <a:ea typeface="+mn-ea"/>
+                <a:cs typeface="+mn-cs"/>
+              </a:defRPr>
+            </a:lvl9pPr>
+          </a:lstStyle>
+          <a:p>
+            <a:pPr marL="342900" indent="-342900">
+              <a:buFont typeface="Arial"/>
+              <a:buChar char="•"/>
+            </a:pPr>
+            <a:r>
+              <a:rPr lang="en-GB" sz="2000" dirty="0">
+                <a:latin typeface="Arial"/>
+                <a:cs typeface="Arial"/>
+              </a:rPr>
+              <a:t>Use the </a:t>
+            </a:r>
+            <a:r>
+              <a:rPr lang="en-GB" sz="2000" dirty="0">
+                <a:latin typeface="Consolas" panose="020B0609020204030204" pitchFamily="49" charset="0"/>
+                <a:cs typeface="Arial"/>
+              </a:rPr>
+              <a:t>.get()</a:t>
+            </a:r>
+            <a:r>
+              <a:rPr lang="en-GB" sz="2000" dirty="0">
+                <a:latin typeface="+mn-lt"/>
+                <a:cs typeface="Arial"/>
+              </a:rPr>
+              <a:t> </a:t>
+            </a:r>
+            <a:r>
+              <a:rPr lang="en-GB" sz="2000" dirty="0">
+                <a:latin typeface="Arial"/>
+                <a:cs typeface="Arial"/>
+              </a:rPr>
+              <a:t>method to re-write the function you wrote in the previous exercise without any </a:t>
+            </a:r>
+            <a:r>
+              <a:rPr lang="en-GB" sz="2000" dirty="0">
+                <a:latin typeface="Consolas" panose="020B0609020204030204" pitchFamily="49" charset="0"/>
+                <a:cs typeface="Arial"/>
+              </a:rPr>
+              <a:t>if</a:t>
+            </a:r>
+            <a:r>
+              <a:rPr lang="en-GB" sz="2000" dirty="0">
+                <a:latin typeface="Arial"/>
+                <a:cs typeface="Arial"/>
+              </a:rPr>
+              <a:t> statements.</a:t>
+            </a:r>
+          </a:p>
+          <a:p>
+            <a:pPr marL="342900" indent="-342900">
+              <a:buFont typeface="Arial"/>
+              <a:buChar char="•"/>
+            </a:pPr>
+            <a:r>
+              <a:rPr lang="en-GB" sz="2000" dirty="0">
+                <a:latin typeface="Arial"/>
+                <a:cs typeface="Arial"/>
+              </a:rPr>
+              <a:t>Create a function that takes as input a dictionary </a:t>
+            </a:r>
+            <a:r>
+              <a:rPr lang="en-GB" sz="2000" dirty="0">
+                <a:latin typeface="Consolas" panose="020B0609020204030204" pitchFamily="49" charset="0"/>
+                <a:cs typeface="Arial"/>
+              </a:rPr>
+              <a:t>g</a:t>
+            </a:r>
+            <a:r>
+              <a:rPr lang="en-GB" sz="2000" dirty="0">
+                <a:latin typeface="Arial"/>
+                <a:cs typeface="Arial"/>
+              </a:rPr>
+              <a:t>, and returns a dictionary </a:t>
+            </a:r>
+            <a:r>
+              <a:rPr lang="en-GB" sz="2000" dirty="0">
+                <a:latin typeface="Consolas" panose="020B0609020204030204" pitchFamily="49" charset="0"/>
+                <a:cs typeface="Arial"/>
+              </a:rPr>
+              <a:t>h</a:t>
+            </a:r>
+            <a:r>
+              <a:rPr lang="en-GB" sz="2000" dirty="0">
+                <a:latin typeface="Arial"/>
+                <a:cs typeface="Arial"/>
+              </a:rPr>
+              <a:t> such that </a:t>
+            </a:r>
+          </a:p>
+          <a:p>
+            <a:pPr marL="800100" lvl="1" indent="-342900">
+              <a:buFont typeface="Arial" panose="020B0604020202020204" pitchFamily="34" charset="0"/>
+              <a:buChar char="•"/>
+            </a:pPr>
+            <a:r>
+              <a:rPr lang="en-GB" sz="2000" dirty="0">
+                <a:latin typeface="Arial"/>
+                <a:cs typeface="Arial"/>
+              </a:rPr>
+              <a:t>the keys of </a:t>
+            </a:r>
+            <a:r>
+              <a:rPr lang="en-GB" sz="2000" dirty="0">
+                <a:latin typeface="Consolas" panose="020B0609020204030204" pitchFamily="49" charset="0"/>
+                <a:cs typeface="Arial"/>
+              </a:rPr>
+              <a:t>h</a:t>
+            </a:r>
+            <a:r>
+              <a:rPr lang="en-GB" sz="2000" dirty="0">
+                <a:latin typeface="Arial"/>
+                <a:cs typeface="Arial"/>
+              </a:rPr>
+              <a:t> are the values </a:t>
+            </a:r>
+            <a:r>
+              <a:rPr lang="en-GB" sz="2000" dirty="0">
+                <a:latin typeface="Consolas" panose="020B0609020204030204" pitchFamily="49" charset="0"/>
+                <a:cs typeface="Arial"/>
+              </a:rPr>
+              <a:t>g</a:t>
+            </a:r>
+          </a:p>
+          <a:p>
+            <a:pPr marL="800100" lvl="1" indent="-342900">
+              <a:buFont typeface="Arial"/>
+              <a:buChar char="•"/>
+            </a:pPr>
+            <a:r>
+              <a:rPr lang="en-GB" sz="2000" dirty="0">
+                <a:latin typeface="Arial"/>
+                <a:cs typeface="Arial"/>
+              </a:rPr>
+              <a:t>The value of </a:t>
+            </a:r>
+            <a:r>
+              <a:rPr lang="en-GB" sz="2000" dirty="0">
+                <a:latin typeface="Consolas" panose="020B0609020204030204" pitchFamily="49" charset="0"/>
+                <a:cs typeface="Arial"/>
+              </a:rPr>
+              <a:t>h[y]</a:t>
+            </a:r>
+            <a:r>
+              <a:rPr lang="en-GB" sz="2000" dirty="0">
+                <a:latin typeface="Arial"/>
+                <a:cs typeface="Arial"/>
+              </a:rPr>
+              <a:t> is a is a list of keys </a:t>
+            </a:r>
+            <a:r>
+              <a:rPr lang="en-GB" sz="2000" dirty="0">
+                <a:latin typeface="Consolas" panose="020B0609020204030204" pitchFamily="49" charset="0"/>
+                <a:cs typeface="Arial"/>
+              </a:rPr>
+              <a:t>x</a:t>
+            </a:r>
+            <a:r>
+              <a:rPr lang="en-GB" sz="2000" dirty="0">
+                <a:latin typeface="Arial"/>
+                <a:cs typeface="Arial"/>
+              </a:rPr>
+              <a:t> such that </a:t>
+            </a:r>
+            <a:r>
+              <a:rPr lang="en-GB" sz="2000" dirty="0">
+                <a:latin typeface="Consolas" panose="020B0609020204030204" pitchFamily="49" charset="0"/>
+                <a:cs typeface="Arial"/>
+              </a:rPr>
+              <a:t>g[x] = y</a:t>
+            </a:r>
+          </a:p>
+          <a:p>
+            <a:pPr marL="342900" indent="-342900">
+              <a:buFont typeface="Arial"/>
+              <a:buChar char="•"/>
+            </a:pPr>
+            <a:endParaRPr lang="en-GB" sz="2000" dirty="0">
+              <a:latin typeface="Arial"/>
+              <a:cs typeface="Arial"/>
+            </a:endParaRPr>
+          </a:p>
+          <a:p>
+            <a:pPr marL="342900" indent="-342900">
+              <a:buFont typeface="Arial"/>
+              <a:buChar char="•"/>
+            </a:pPr>
+            <a:endParaRPr lang="en-GB" sz="2000" dirty="0">
+              <a:latin typeface="Arial"/>
+              <a:cs typeface="Arial"/>
+            </a:endParaRPr>
+          </a:p>
+          <a:p>
+            <a:endParaRPr lang="en-GB" sz="2000" dirty="0">
+              <a:latin typeface="Arial"/>
+              <a:cs typeface="Arial"/>
+            </a:endParaRPr>
+          </a:p>
+          <a:p>
+            <a:endParaRPr lang="en-GB" sz="2000" dirty="0">
+              <a:latin typeface="Arial"/>
+              <a:cs typeface="Arial"/>
+            </a:endParaRPr>
+          </a:p>
+          <a:p>
+            <a:pPr marL="342900" indent="-342900">
+              <a:buFont typeface="Arial"/>
+              <a:buChar char="•"/>
+            </a:pPr>
+            <a:endParaRPr lang="en-GB" sz="2000" dirty="0">
+              <a:latin typeface="Arial"/>
+              <a:cs typeface="Arial"/>
+            </a:endParaRPr>
+          </a:p>
+          <a:p>
+            <a:pPr marL="342900" indent="-342900">
+              <a:buFont typeface="Arial"/>
+              <a:buChar char="•"/>
+            </a:pPr>
+            <a:endParaRPr lang="en-GB" sz="2000" dirty="0">
+              <a:latin typeface="Arial"/>
+              <a:cs typeface="Arial"/>
+            </a:endParaRPr>
+          </a:p>
+          <a:p>
+            <a:pPr marL="342900" indent="-342900">
+              <a:buFont typeface="Arial"/>
+              <a:buChar char="•"/>
+            </a:pPr>
+            <a:endParaRPr lang="en-GB" sz="2000" dirty="0">
+              <a:latin typeface="Arial"/>
+              <a:cs typeface="Arial"/>
+            </a:endParaRPr>
+          </a:p>
+          <a:p>
+            <a:pPr marL="342900" indent="-342900">
+              <a:buFont typeface="Arial"/>
+              <a:buChar char="•"/>
+            </a:pPr>
+            <a:endParaRPr lang="en-GB" sz="2000" dirty="0">
+              <a:latin typeface="Arial"/>
+              <a:cs typeface="Arial"/>
+            </a:endParaRPr>
+          </a:p>
+        </p:txBody>
+      </p:sp>
+    </p:spTree>
+    <p:extLst>
+      <p:ext uri="{BB962C8B-B14F-4D97-AF65-F5344CB8AC3E}">
+        <p14:creationId xmlns:p14="http://schemas.microsoft.com/office/powerpoint/2010/main" val="3953602100"/>
+      </p:ext>
+    </p:extLst>
+  </p:cSld>
+  <p:clrMapOvr>
+    <a:masterClrMapping/>
+  </p:clrMapOvr>
+</p:sld>
+</file>
+
+<file path=ppt/slides/slide17.xml><?xml version="1.0" encoding="utf-8"?>
+<p:sld xmlns:a="http://schemas.openxmlformats.org/drawingml/2006/main" xmlns:r="http://schemas.openxmlformats.org/officeDocument/2006/relationships" xmlns:p="http://schemas.openxmlformats.org/presentationml/2006/main">
+  <p:cSld>
+    <p:spTree>
+      <p:nvGrpSpPr>
+        <p:cNvPr id="1" name=""/>
+        <p:cNvGrpSpPr/>
+        <p:nvPr/>
+      </p:nvGrpSpPr>
+      <p:grpSpPr>
+        <a:xfrm>
+          <a:off x="0" y="0"/>
+          <a:ext cx="0" cy="0"/>
+          <a:chOff x="0" y="0"/>
+          <a:chExt cx="0" cy="0"/>
+        </a:xfrm>
+      </p:grpSpPr>
+      <p:sp>
+        <p:nvSpPr>
+          <p:cNvPr id="2" name="Title 1">
+            <a:extLst>
+              <a:ext uri="{FF2B5EF4-FFF2-40B4-BE49-F238E27FC236}">
+                <a16:creationId xmlns:a16="http://schemas.microsoft.com/office/drawing/2014/main" id="{F7DA9A4F-1DFD-49DB-8569-F5AB18BD6161}"/>
+              </a:ext>
+            </a:extLst>
+          </p:cNvPr>
+          <p:cNvSpPr>
+            <a:spLocks noGrp="1"/>
+          </p:cNvSpPr>
+          <p:nvPr>
+            <p:ph type="title"/>
+          </p:nvPr>
+        </p:nvSpPr>
+        <p:spPr/>
+        <p:txBody>
+          <a:bodyPr/>
+          <a:lstStyle/>
+          <a:p>
+            <a:r>
+              <a:rPr lang="en-GB" dirty="0"/>
+              <a:t>Advanced Dictionaries Puzzles – Solutions</a:t>
+            </a:r>
+          </a:p>
+        </p:txBody>
+      </p:sp>
+      <p:sp>
+        <p:nvSpPr>
+          <p:cNvPr id="3" name="Slide Number Placeholder 2">
+            <a:extLst>
+              <a:ext uri="{FF2B5EF4-FFF2-40B4-BE49-F238E27FC236}">
+                <a16:creationId xmlns:a16="http://schemas.microsoft.com/office/drawing/2014/main" id="{7C3E703A-A386-472F-AD27-D2D983CC7A66}"/>
+              </a:ext>
+            </a:extLst>
+          </p:cNvPr>
+          <p:cNvSpPr>
+            <a:spLocks noGrp="1"/>
+          </p:cNvSpPr>
+          <p:nvPr>
+            <p:ph type="sldNum" sz="quarter" idx="4"/>
+          </p:nvPr>
+        </p:nvSpPr>
+        <p:spPr/>
+        <p:txBody>
+          <a:bodyPr/>
+          <a:lstStyle/>
+          <a:p>
+            <a:fld id="{3C4F54F3-C349-4609-AFEE-01462D5C7942}" type="slidenum">
+              <a:rPr lang="en-GB" smtClean="0"/>
+              <a:pPr/>
+              <a:t>17</a:t>
+            </a:fld>
+            <a:endParaRPr lang="en-GB"/>
+          </a:p>
+        </p:txBody>
+      </p:sp>
+      <p:pic>
+        <p:nvPicPr>
+          <p:cNvPr id="11" name="Picture 10">
+            <a:extLst>
+              <a:ext uri="{FF2B5EF4-FFF2-40B4-BE49-F238E27FC236}">
+                <a16:creationId xmlns:a16="http://schemas.microsoft.com/office/drawing/2014/main" id="{AE10D547-F5D1-43D9-93EA-E166E3C73F57}"/>
+              </a:ext>
+            </a:extLst>
+          </p:cNvPr>
+          <p:cNvPicPr>
+            <a:picLocks noChangeAspect="1"/>
+          </p:cNvPicPr>
+          <p:nvPr/>
+        </p:nvPicPr>
+        <p:blipFill rotWithShape="1">
+          <a:blip r:embed="rId3"/>
+          <a:srcRect l="2982" t="3174" r="2869" b="2900"/>
+          <a:stretch/>
+        </p:blipFill>
+        <p:spPr>
+          <a:xfrm>
+            <a:off x="8576572" y="4598283"/>
+            <a:ext cx="498106" cy="496941"/>
+          </a:xfrm>
+          <a:prstGeom prst="ellipse">
+            <a:avLst/>
+          </a:prstGeom>
+        </p:spPr>
+      </p:pic>
+      <p:pic>
+        <p:nvPicPr>
+          <p:cNvPr id="9" name="Picture 8" descr="A computer screen shot of a code&#10;&#10;Description automatically generated">
+            <a:extLst>
+              <a:ext uri="{FF2B5EF4-FFF2-40B4-BE49-F238E27FC236}">
+                <a16:creationId xmlns:a16="http://schemas.microsoft.com/office/drawing/2014/main" id="{8307C196-5C35-3492-FB61-6CEA3CABE68E}"/>
+              </a:ext>
+            </a:extLst>
+          </p:cNvPr>
+          <p:cNvPicPr>
+            <a:picLocks noChangeAspect="1"/>
+          </p:cNvPicPr>
+          <p:nvPr/>
+        </p:nvPicPr>
+        <p:blipFill>
+          <a:blip r:embed="rId4"/>
+          <a:stretch>
+            <a:fillRect/>
+          </a:stretch>
+        </p:blipFill>
+        <p:spPr>
+          <a:xfrm>
+            <a:off x="430306" y="1945354"/>
+            <a:ext cx="3939988" cy="1516003"/>
+          </a:xfrm>
+          <a:prstGeom prst="rect">
+            <a:avLst/>
+          </a:prstGeom>
+        </p:spPr>
+      </p:pic>
+      <p:pic>
+        <p:nvPicPr>
+          <p:cNvPr id="12" name="Picture 11" descr="A computer screen shot of a code&#10;&#10;Description automatically generated">
+            <a:extLst>
+              <a:ext uri="{FF2B5EF4-FFF2-40B4-BE49-F238E27FC236}">
+                <a16:creationId xmlns:a16="http://schemas.microsoft.com/office/drawing/2014/main" id="{D912B6DF-44EB-6E8C-A792-2EA2C265BBA1}"/>
+              </a:ext>
+            </a:extLst>
+          </p:cNvPr>
+          <p:cNvPicPr>
+            <a:picLocks noChangeAspect="1"/>
+          </p:cNvPicPr>
+          <p:nvPr/>
+        </p:nvPicPr>
+        <p:blipFill>
+          <a:blip r:embed="rId5"/>
+          <a:stretch>
+            <a:fillRect/>
+          </a:stretch>
+        </p:blipFill>
+        <p:spPr>
+          <a:xfrm>
+            <a:off x="4773708" y="1585327"/>
+            <a:ext cx="3240021" cy="2324100"/>
+          </a:xfrm>
+          <a:prstGeom prst="rect">
+            <a:avLst/>
+          </a:prstGeom>
+        </p:spPr>
+      </p:pic>
+    </p:spTree>
+    <p:extLst>
+      <p:ext uri="{BB962C8B-B14F-4D97-AF65-F5344CB8AC3E}">
+        <p14:creationId xmlns:p14="http://schemas.microsoft.com/office/powerpoint/2010/main" val="552336596"/>
       </p:ext>
     </p:extLst>
   </p:cSld>
@@ -30349,7 +33436,7 @@
                 <a:latin typeface="Arial"/>
                 <a:cs typeface="Arial"/>
               </a:rPr>
-              <a:t>Session Content</a:t>
+              <a:t>Beginners Python Session 7 - Dictionaries</a:t>
             </a:r>
             <a:endParaRPr lang="en-GB" dirty="0"/>
           </a:p>
@@ -30414,53 +33501,6 @@
           </a:prstGeom>
         </p:spPr>
       </p:pic>
-      <p:pic>
-        <p:nvPicPr>
-          <p:cNvPr id="28674" name="Picture 2" descr="Checklist vector icon | Free SVG">
-            <a:extLst>
-              <a:ext uri="{FF2B5EF4-FFF2-40B4-BE49-F238E27FC236}">
-                <a16:creationId xmlns:a16="http://schemas.microsoft.com/office/drawing/2014/main" id="{E97758C3-DF9E-4B2C-8DFA-DA6FAD88AD7E}"/>
-              </a:ext>
-            </a:extLst>
-          </p:cNvPr>
-          <p:cNvPicPr>
-            <a:picLocks noChangeAspect="1" noChangeArrowheads="1"/>
-          </p:cNvPicPr>
-          <p:nvPr/>
-        </p:nvPicPr>
-        <p:blipFill>
-          <a:blip r:embed="rId3">
-            <a:extLst>
-              <a:ext uri="{28A0092B-C50C-407E-A947-70E740481C1C}">
-                <a14:useLocalDpi xmlns:a14="http://schemas.microsoft.com/office/drawing/2010/main" val="0"/>
-              </a:ext>
-            </a:extLst>
-          </a:blip>
-          <a:srcRect/>
-          <a:stretch>
-            <a:fillRect/>
-          </a:stretch>
-        </p:blipFill>
-        <p:spPr bwMode="auto">
-          <a:xfrm>
-            <a:off x="5140713" y="955171"/>
-            <a:ext cx="3233157" cy="3233157"/>
-          </a:xfrm>
-          <a:prstGeom prst="rect">
-            <a:avLst/>
-          </a:prstGeom>
-          <a:noFill/>
-          <a:extLst>
-            <a:ext uri="{909E8E84-426E-40DD-AFC4-6F175D3DCCD1}">
-              <a14:hiddenFill xmlns:a14="http://schemas.microsoft.com/office/drawing/2010/main">
-                <a:solidFill>
-                  <a:srgbClr val="FFFFFF"/>
-                </a:solidFill>
-              </a14:hiddenFill>
-            </a:ext>
-          </a:extLst>
-        </p:spPr>
-      </p:pic>
       <p:sp>
         <p:nvSpPr>
           <p:cNvPr id="9" name="Text Placeholder 2">
@@ -30479,63 +33519,57 @@
         </p:nvSpPr>
         <p:spPr>
           <a:xfrm>
-            <a:off x="237061" y="712956"/>
-            <a:ext cx="4530011" cy="3172141"/>
+            <a:off x="237061" y="726112"/>
+            <a:ext cx="8196470" cy="3172141"/>
           </a:xfrm>
         </p:spPr>
         <p:txBody>
           <a:bodyPr vert="horz" anchor="t"/>
           <a:lstStyle/>
           <a:p>
-            <a:pPr marL="342900" indent="-342900">
-              <a:buFont typeface="Arial"/>
-              <a:buChar char="•"/>
-            </a:pPr>
+            <a:r>
+              <a:rPr lang="en-GB" sz="2000" b="1" dirty="0">
+                <a:latin typeface="Arial"/>
+                <a:cs typeface="Arial"/>
+              </a:rPr>
+              <a:t>Starter Questions</a:t>
+            </a:r>
             <a:r>
               <a:rPr lang="en-GB" sz="2000" dirty="0">
                 <a:latin typeface="Arial"/>
                 <a:cs typeface="Arial"/>
               </a:rPr>
-              <a:t>Limitations of lists/tuples</a:t>
-            </a:r>
-          </a:p>
-          <a:p>
-            <a:pPr marL="342900" indent="-342900">
-              <a:buFont typeface="Arial"/>
-              <a:buChar char="•"/>
-            </a:pPr>
+              <a:t>:</a:t>
+            </a:r>
+          </a:p>
+          <a:p>
+            <a:endParaRPr lang="en-GB" sz="2000" dirty="0">
+              <a:latin typeface="Arial"/>
+              <a:cs typeface="Arial"/>
+            </a:endParaRPr>
+          </a:p>
+          <a:p>
             <a:r>
               <a:rPr lang="en-GB" sz="2000" dirty="0">
                 <a:latin typeface="Arial"/>
                 <a:cs typeface="Arial"/>
               </a:rPr>
-              <a:t>Introduction to dictionaries</a:t>
-            </a:r>
-          </a:p>
-          <a:p>
-            <a:pPr marL="342900" indent="-342900">
-              <a:buFont typeface="Arial"/>
-              <a:buChar char="•"/>
-            </a:pPr>
+              <a:t>	What are the relative advantages of lists and tuples, i.e. why might    	you choose to use one over the other?</a:t>
+            </a:r>
+          </a:p>
+          <a:p>
+            <a:endParaRPr lang="en-GB" sz="2000" dirty="0">
+              <a:latin typeface="Arial"/>
+              <a:cs typeface="Arial"/>
+            </a:endParaRPr>
+          </a:p>
+          <a:p>
             <a:r>
               <a:rPr lang="en-GB" sz="2000" dirty="0">
                 <a:latin typeface="Arial"/>
                 <a:cs typeface="Arial"/>
               </a:rPr>
-              <a:t>Manipulating dictionaries</a:t>
-            </a:r>
-          </a:p>
-          <a:p>
-            <a:pPr marL="342900" indent="-342900">
-              <a:buFont typeface="Arial"/>
-              <a:buChar char="•"/>
-            </a:pPr>
-            <a:r>
-              <a:rPr lang="en-GB" sz="2000" dirty="0">
-                <a:latin typeface="Arial"/>
-                <a:cs typeface="Arial"/>
-              </a:rPr>
-              <a:t>Looping through dictionaries</a:t>
+              <a:t>	Are there any common disadvantages of both lists and tuples?</a:t>
             </a:r>
           </a:p>
         </p:txBody>
@@ -30593,7 +33627,7 @@
           <a:p>
             <a:r>
               <a:rPr lang="en-GB" dirty="0"/>
-              <a:t>Limitations of Lists/Tuples</a:t>
+              <a:t>Limitations of Lists and Tuples</a:t>
             </a:r>
           </a:p>
         </p:txBody>
@@ -30643,7 +33677,7 @@
           <p:nvPr/>
         </p:nvPicPr>
         <p:blipFill rotWithShape="1">
-          <a:blip r:embed="rId2"/>
+          <a:blip r:embed="rId3"/>
           <a:srcRect l="2982" t="3174" r="2869" b="2900"/>
           <a:stretch/>
         </p:blipFill>
@@ -31367,7 +34401,7 @@
             <a:pPr algn="ctr"/>
             <a:r>
               <a:rPr lang="en-GB" sz="1600" b="1" dirty="0"/>
-              <a:t>Paradigm of list/tuple</a:t>
+              <a:t>List/tuple paradigm</a:t>
             </a:r>
           </a:p>
         </p:txBody>
@@ -31403,7 +34437,7 @@
             <a:pPr algn="ctr"/>
             <a:r>
               <a:rPr lang="en-GB" sz="1600" b="1" dirty="0"/>
-              <a:t>Paradigm of dictionary</a:t>
+              <a:t>Dictionary paradigm</a:t>
             </a:r>
           </a:p>
         </p:txBody>
@@ -31697,7 +34731,7 @@
                 <a:latin typeface="Arial"/>
                 <a:cs typeface="Arial"/>
               </a:rPr>
-              <a:t>We create dictionaries in Python using curly brackets</a:t>
+              <a:t>We create dictionaries in Python using curly brackets {}</a:t>
             </a:r>
           </a:p>
           <a:p>
@@ -31783,10 +34817,10 @@
       </p:sp>
       <p:pic>
         <p:nvPicPr>
-          <p:cNvPr id="4" name="Picture 3">
+          <p:cNvPr id="10" name="Picture 9" descr="A screenshot of a computer&#10;&#10;Description automatically generated">
             <a:extLst>
               <a:ext uri="{FF2B5EF4-FFF2-40B4-BE49-F238E27FC236}">
-                <a16:creationId xmlns:a16="http://schemas.microsoft.com/office/drawing/2014/main" id="{975A6674-29EA-450C-8946-4B7DE6D73741}"/>
+                <a16:creationId xmlns:a16="http://schemas.microsoft.com/office/drawing/2014/main" id="{2B0354D3-6D74-C626-3F3C-94D25CCEFBB0}"/>
               </a:ext>
             </a:extLst>
           </p:cNvPr>
@@ -31803,8 +34837,8 @@
         </p:blipFill>
         <p:spPr>
           <a:xfrm>
-            <a:off x="646527" y="3347617"/>
-            <a:ext cx="4348749" cy="1429478"/>
+            <a:off x="714375" y="3096275"/>
+            <a:ext cx="3633959" cy="1612419"/>
           </a:xfrm>
           <a:prstGeom prst="rect">
             <a:avLst/>
@@ -31813,10 +34847,10 @@
       </p:pic>
       <p:pic>
         <p:nvPicPr>
-          <p:cNvPr id="7" name="Picture 6">
+          <p:cNvPr id="13" name="Picture 12" descr="A white rectangular object with red text&#10;&#10;Description automatically generated">
             <a:extLst>
               <a:ext uri="{FF2B5EF4-FFF2-40B4-BE49-F238E27FC236}">
-                <a16:creationId xmlns:a16="http://schemas.microsoft.com/office/drawing/2014/main" id="{8584CB31-57CC-4EBA-B002-7D9A47FBBFB8}"/>
+                <a16:creationId xmlns:a16="http://schemas.microsoft.com/office/drawing/2014/main" id="{97975E96-1091-2343-B2E5-B2419654C39C}"/>
               </a:ext>
             </a:extLst>
           </p:cNvPr>
@@ -31833,8 +34867,8 @@
         </p:blipFill>
         <p:spPr>
           <a:xfrm>
-            <a:off x="5326919" y="3422514"/>
-            <a:ext cx="2993909" cy="1063097"/>
+            <a:off x="5181614" y="3433444"/>
+            <a:ext cx="2561677" cy="938079"/>
           </a:xfrm>
           <a:prstGeom prst="rect">
             <a:avLst/>
@@ -31894,7 +34928,7 @@
           <a:p>
             <a:r>
               <a:rPr lang="en-GB" dirty="0"/>
-              <a:t>Dictionaries</a:t>
+              <a:t>Components of a Dictionary</a:t>
             </a:r>
           </a:p>
         </p:txBody>
@@ -31944,7 +34978,7 @@
           <p:nvPr/>
         </p:nvPicPr>
         <p:blipFill rotWithShape="1">
-          <a:blip r:embed="rId3"/>
+          <a:blip r:embed="rId2"/>
           <a:srcRect l="2982" t="3174" r="2869" b="2900"/>
           <a:stretch/>
         </p:blipFill>
@@ -31974,8 +35008,8 @@
         </p:nvSpPr>
         <p:spPr>
           <a:xfrm>
-            <a:off x="237061" y="712957"/>
-            <a:ext cx="8619938" cy="2749572"/>
+            <a:off x="237061" y="712956"/>
+            <a:ext cx="8619938" cy="4226139"/>
           </a:xfrm>
           <a:prstGeom prst="rect">
             <a:avLst/>
@@ -32130,14 +35164,39 @@
                 <a:latin typeface="Arial"/>
                 <a:cs typeface="Arial"/>
               </a:rPr>
-              <a:t>What happens when we try to access a key that doesn’t exist in a dictionary?</a:t>
-            </a:r>
+              <a:t>The indexing objects of a dictionary are called </a:t>
+            </a:r>
+            <a:r>
+              <a:rPr lang="en-GB" sz="2000" b="1" dirty="0">
+                <a:latin typeface="Arial"/>
+                <a:cs typeface="Arial"/>
+              </a:rPr>
+              <a:t>keys</a:t>
+            </a:r>
+            <a:endParaRPr lang="en-GB" sz="2000" dirty="0">
+              <a:latin typeface="Arial"/>
+              <a:cs typeface="Arial"/>
+            </a:endParaRPr>
           </a:p>
           <a:p>
             <a:pPr marL="342900" indent="-342900">
               <a:buFont typeface="Arial"/>
               <a:buChar char="•"/>
             </a:pPr>
+            <a:r>
+              <a:rPr lang="en-GB" sz="2000" dirty="0">
+                <a:latin typeface="Arial"/>
+                <a:cs typeface="Arial"/>
+              </a:rPr>
+              <a:t>The values are called </a:t>
+            </a:r>
+            <a:r>
+              <a:rPr lang="en-GB" sz="2000" b="1" dirty="0">
+                <a:latin typeface="Arial"/>
+                <a:cs typeface="Arial"/>
+              </a:rPr>
+              <a:t>values</a:t>
+            </a:r>
             <a:endParaRPr lang="en-GB" sz="2000" dirty="0">
               <a:latin typeface="Arial"/>
               <a:cs typeface="Arial"/>
@@ -32148,69 +35207,33 @@
               <a:buFont typeface="Arial"/>
               <a:buChar char="•"/>
             </a:pPr>
+            <a:r>
+              <a:rPr lang="en-GB" sz="2000" dirty="0">
+                <a:latin typeface="Arial"/>
+                <a:cs typeface="Arial"/>
+              </a:rPr>
+              <a:t>The (key, value) pairs are called </a:t>
+            </a:r>
+            <a:r>
+              <a:rPr lang="en-GB" sz="2000" b="1" dirty="0">
+                <a:latin typeface="Arial"/>
+                <a:cs typeface="Arial"/>
+              </a:rPr>
+              <a:t>items</a:t>
+            </a:r>
             <a:endParaRPr lang="en-GB" sz="2000" dirty="0">
               <a:latin typeface="Arial"/>
               <a:cs typeface="Arial"/>
             </a:endParaRPr>
           </a:p>
-          <a:p>
-            <a:pPr marL="342900" indent="-342900">
-              <a:buFont typeface="Arial"/>
-              <a:buChar char="•"/>
-            </a:pPr>
-            <a:endParaRPr lang="en-GB" sz="2000" dirty="0">
-              <a:latin typeface="Arial"/>
-              <a:cs typeface="Arial"/>
-            </a:endParaRPr>
-          </a:p>
-          <a:p>
-            <a:pPr marL="342900" indent="-342900">
-              <a:buFont typeface="Arial"/>
-              <a:buChar char="•"/>
-            </a:pPr>
-            <a:endParaRPr lang="en-GB" sz="2000" dirty="0">
-              <a:latin typeface="Arial"/>
-              <a:cs typeface="Arial"/>
-            </a:endParaRPr>
-          </a:p>
-          <a:p>
-            <a:pPr marL="342900" indent="-342900">
-              <a:buFont typeface="Arial"/>
-              <a:buChar char="•"/>
-            </a:pPr>
-            <a:endParaRPr lang="en-GB" sz="2000" dirty="0">
-              <a:latin typeface="Arial"/>
-              <a:cs typeface="Arial"/>
-            </a:endParaRPr>
-          </a:p>
-          <a:p>
-            <a:pPr marL="342900" indent="-342900">
-              <a:buFont typeface="Arial"/>
-              <a:buChar char="•"/>
-            </a:pPr>
-            <a:endParaRPr lang="en-GB" sz="2000" dirty="0">
-              <a:latin typeface="Arial"/>
-              <a:cs typeface="Arial"/>
-            </a:endParaRPr>
-          </a:p>
-          <a:p>
-            <a:pPr marL="342900" indent="-342900">
-              <a:buFont typeface="Arial"/>
-              <a:buChar char="•"/>
-            </a:pPr>
-            <a:endParaRPr lang="en-GB" sz="2000" dirty="0">
-              <a:latin typeface="Arial"/>
-              <a:cs typeface="Arial"/>
-            </a:endParaRPr>
-          </a:p>
         </p:txBody>
       </p:sp>
       <p:pic>
         <p:nvPicPr>
-          <p:cNvPr id="5" name="Picture 4">
+          <p:cNvPr id="5" name="Picture 4" descr="A screenshot of a computer&#10;&#10;Description automatically generated">
             <a:extLst>
               <a:ext uri="{FF2B5EF4-FFF2-40B4-BE49-F238E27FC236}">
-                <a16:creationId xmlns:a16="http://schemas.microsoft.com/office/drawing/2014/main" id="{3B436EEA-3046-4EE4-8E3C-AA517C6B1624}"/>
+                <a16:creationId xmlns:a16="http://schemas.microsoft.com/office/drawing/2014/main" id="{4D88EA43-3410-3262-3ED7-9E41CADC96DA}"/>
               </a:ext>
             </a:extLst>
           </p:cNvPr>
@@ -32220,98 +35243,15 @@
           <p:nvPr/>
         </p:nvPicPr>
         <p:blipFill>
-          <a:blip r:embed="rId4"/>
+          <a:blip r:embed="rId3"/>
           <a:stretch>
             <a:fillRect/>
           </a:stretch>
         </p:blipFill>
         <p:spPr>
           <a:xfrm>
-            <a:off x="1297567" y="1612710"/>
-            <a:ext cx="6644640" cy="1674240"/>
-          </a:xfrm>
-          <a:prstGeom prst="rect">
-            <a:avLst/>
-          </a:prstGeom>
-        </p:spPr>
-      </p:pic>
-      <p:sp>
-        <p:nvSpPr>
-          <p:cNvPr id="10" name="Rectangle 9">
-            <a:extLst>
-              <a:ext uri="{FF2B5EF4-FFF2-40B4-BE49-F238E27FC236}">
-                <a16:creationId xmlns:a16="http://schemas.microsoft.com/office/drawing/2014/main" id="{2162D97B-D3EF-44DB-84F1-9988D25DDBF3}"/>
-              </a:ext>
-            </a:extLst>
-          </p:cNvPr>
-          <p:cNvSpPr/>
-          <p:nvPr/>
-        </p:nvSpPr>
-        <p:spPr>
-          <a:xfrm>
-            <a:off x="237061" y="3507949"/>
-            <a:ext cx="3981371" cy="646331"/>
-          </a:xfrm>
-          <a:prstGeom prst="rect">
-            <a:avLst/>
-          </a:prstGeom>
-        </p:spPr>
-        <p:txBody>
-          <a:bodyPr wrap="square">
-            <a:spAutoFit/>
-          </a:bodyPr>
-          <a:lstStyle/>
-          <a:p>
-            <a:pPr marL="342900" indent="-342900">
-              <a:buFont typeface="Arial"/>
-              <a:buChar char="•"/>
-            </a:pPr>
-            <a:r>
-              <a:rPr lang="en-GB" dirty="0">
-                <a:cs typeface="Arial"/>
-              </a:rPr>
-              <a:t>We can check for a key using the </a:t>
-            </a:r>
-            <a:r>
-              <a:rPr lang="en-GB" dirty="0">
-                <a:latin typeface="Consolas" panose="020B0609020204030204" pitchFamily="49" charset="0"/>
-                <a:cs typeface="Arial"/>
-              </a:rPr>
-              <a:t>in</a:t>
-            </a:r>
-            <a:r>
-              <a:rPr lang="en-GB" dirty="0">
-                <a:cs typeface="Arial"/>
-              </a:rPr>
-              <a:t> keyword</a:t>
-            </a:r>
-          </a:p>
-        </p:txBody>
-      </p:sp>
-      <p:pic>
-        <p:nvPicPr>
-          <p:cNvPr id="12" name="Picture 11">
-            <a:extLst>
-              <a:ext uri="{FF2B5EF4-FFF2-40B4-BE49-F238E27FC236}">
-                <a16:creationId xmlns:a16="http://schemas.microsoft.com/office/drawing/2014/main" id="{1F2906D6-0436-4535-8AAE-3AED641E2268}"/>
-              </a:ext>
-            </a:extLst>
-          </p:cNvPr>
-          <p:cNvPicPr>
-            <a:picLocks noChangeAspect="1"/>
-          </p:cNvPicPr>
-          <p:nvPr/>
-        </p:nvPicPr>
-        <p:blipFill>
-          <a:blip r:embed="rId5"/>
-          <a:stretch>
-            <a:fillRect/>
-          </a:stretch>
-        </p:blipFill>
-        <p:spPr>
-          <a:xfrm>
-            <a:off x="4572000" y="3242616"/>
-            <a:ext cx="3299403" cy="1575581"/>
+            <a:off x="343846" y="2131151"/>
+            <a:ext cx="8456307" cy="2190850"/>
           </a:xfrm>
           <a:prstGeom prst="rect">
             <a:avLst/>
@@ -32321,118 +35261,13 @@
     </p:spTree>
     <p:extLst>
       <p:ext uri="{BB962C8B-B14F-4D97-AF65-F5344CB8AC3E}">
-        <p14:creationId xmlns:p14="http://schemas.microsoft.com/office/powerpoint/2010/main" val="4270579721"/>
+        <p14:creationId xmlns:p14="http://schemas.microsoft.com/office/powerpoint/2010/main" val="2191254305"/>
       </p:ext>
     </p:extLst>
   </p:cSld>
   <p:clrMapOvr>
     <a:masterClrMapping/>
   </p:clrMapOvr>
-  <p:timing>
-    <p:tnLst>
-      <p:par>
-        <p:cTn id="1" dur="indefinite" restart="never" nodeType="tmRoot">
-          <p:childTnLst>
-            <p:seq concurrent="1" nextAc="seek">
-              <p:cTn id="2" dur="indefinite" nodeType="mainSeq">
-                <p:childTnLst>
-                  <p:par>
-                    <p:cTn id="3" fill="hold">
-                      <p:stCondLst>
-                        <p:cond delay="indefinite"/>
-                      </p:stCondLst>
-                      <p:childTnLst>
-                        <p:par>
-                          <p:cTn id="4" fill="hold">
-                            <p:stCondLst>
-                              <p:cond delay="0"/>
-                            </p:stCondLst>
-                            <p:childTnLst>
-                              <p:par>
-                                <p:cTn id="5" presetID="1" presetClass="entr" presetSubtype="0" fill="hold" grpId="0" nodeType="clickEffect">
-                                  <p:stCondLst>
-                                    <p:cond delay="0"/>
-                                  </p:stCondLst>
-                                  <p:childTnLst>
-                                    <p:set>
-                                      <p:cBhvr>
-                                        <p:cTn id="6" dur="1" fill="hold">
-                                          <p:stCondLst>
-                                            <p:cond delay="0"/>
-                                          </p:stCondLst>
-                                        </p:cTn>
-                                        <p:tgtEl>
-                                          <p:spTgt spid="10"/>
-                                        </p:tgtEl>
-                                        <p:attrNameLst>
-                                          <p:attrName>style.visibility</p:attrName>
-                                        </p:attrNameLst>
-                                      </p:cBhvr>
-                                      <p:to>
-                                        <p:strVal val="visible"/>
-                                      </p:to>
-                                    </p:set>
-                                  </p:childTnLst>
-                                </p:cTn>
-                              </p:par>
-                              <p:par>
-                                <p:cTn id="7" presetID="1" presetClass="entr" presetSubtype="0" fill="hold" nodeType="withEffect">
-                                  <p:stCondLst>
-                                    <p:cond delay="0"/>
-                                  </p:stCondLst>
-                                  <p:childTnLst>
-                                    <p:set>
-                                      <p:cBhvr>
-                                        <p:cTn id="8" dur="1" fill="hold">
-                                          <p:stCondLst>
-                                            <p:cond delay="0"/>
-                                          </p:stCondLst>
-                                        </p:cTn>
-                                        <p:tgtEl>
-                                          <p:spTgt spid="12"/>
-                                        </p:tgtEl>
-                                        <p:attrNameLst>
-                                          <p:attrName>style.visibility</p:attrName>
-                                        </p:attrNameLst>
-                                      </p:cBhvr>
-                                      <p:to>
-                                        <p:strVal val="visible"/>
-                                      </p:to>
-                                    </p:set>
-                                  </p:childTnLst>
-                                </p:cTn>
-                              </p:par>
-                            </p:childTnLst>
-                          </p:cTn>
-                        </p:par>
-                      </p:childTnLst>
-                    </p:cTn>
-                  </p:par>
-                </p:childTnLst>
-              </p:cTn>
-              <p:prevCondLst>
-                <p:cond evt="onPrev" delay="0">
-                  <p:tgtEl>
-                    <p:sldTgt/>
-                  </p:tgtEl>
-                </p:cond>
-              </p:prevCondLst>
-              <p:nextCondLst>
-                <p:cond evt="onNext" delay="0">
-                  <p:tgtEl>
-                    <p:sldTgt/>
-                  </p:tgtEl>
-                </p:cond>
-              </p:nextCondLst>
-            </p:seq>
-          </p:childTnLst>
-        </p:cTn>
-      </p:par>
-    </p:tnLst>
-    <p:bldLst>
-      <p:bldP spid="10" grpId="0"/>
-    </p:bldLst>
-  </p:timing>
 </p:sld>
 </file>
 
@@ -32476,7 +35311,7 @@
           <a:p>
             <a:r>
               <a:rPr lang="en-GB" dirty="0"/>
-              <a:t>Dictionaries Puzzles</a:t>
+              <a:t>Dictionaries – More Examples</a:t>
             </a:r>
           </a:p>
         </p:txBody>
@@ -32556,8 +35391,8 @@
         </p:nvSpPr>
         <p:spPr>
           <a:xfrm>
-            <a:off x="237061" y="712956"/>
-            <a:ext cx="8619938" cy="4295797"/>
+            <a:off x="237061" y="1370800"/>
+            <a:ext cx="8619938" cy="4226139"/>
           </a:xfrm>
           <a:prstGeom prst="rect">
             <a:avLst/>
@@ -32707,168 +35542,19 @@
               <a:buFont typeface="Arial"/>
               <a:buChar char="•"/>
             </a:pPr>
-            <a:r>
-              <a:rPr lang="en-GB" sz="2000" dirty="0">
-                <a:latin typeface="Arial"/>
-                <a:cs typeface="Arial"/>
-              </a:rPr>
-              <a:t>Create a dictionary with some information about you. Try to include at least one value of each of the types integer, string, list and Boolean.</a:t>
-            </a:r>
-          </a:p>
-          <a:p>
-            <a:pPr marL="342900" indent="-342900">
-              <a:buFont typeface="Arial"/>
-              <a:buChar char="•"/>
-            </a:pPr>
-            <a:r>
-              <a:rPr lang="en-GB" sz="2000" dirty="0">
-                <a:latin typeface="Arial"/>
-                <a:cs typeface="Arial"/>
-              </a:rPr>
-              <a:t>Print out some of the values of the dictionary</a:t>
-            </a:r>
-          </a:p>
-          <a:p>
-            <a:pPr marL="342900" indent="-342900">
-              <a:buFont typeface="Arial"/>
-              <a:buChar char="•"/>
-            </a:pPr>
-            <a:r>
-              <a:rPr lang="en-GB" sz="2000" dirty="0">
-                <a:latin typeface="Arial"/>
-                <a:cs typeface="Arial"/>
-              </a:rPr>
-              <a:t>What do you think the following code will do? Try it.</a:t>
-            </a:r>
-          </a:p>
-          <a:p>
-            <a:pPr marL="342900" indent="-342900">
-              <a:buFont typeface="Arial"/>
-              <a:buChar char="•"/>
-            </a:pPr>
             <a:endParaRPr lang="en-GB" sz="2000" dirty="0">
               <a:latin typeface="Arial"/>
               <a:cs typeface="Arial"/>
             </a:endParaRPr>
           </a:p>
-          <a:p>
-            <a:pPr marL="342900" indent="-342900">
-              <a:buFont typeface="Arial"/>
-              <a:buChar char="•"/>
-            </a:pPr>
-            <a:endParaRPr lang="en-GB" sz="2000" dirty="0">
-              <a:latin typeface="Arial"/>
-              <a:cs typeface="Arial"/>
-            </a:endParaRPr>
-          </a:p>
-          <a:p>
-            <a:pPr marL="342900" indent="-342900">
-              <a:buFont typeface="Arial"/>
-              <a:buChar char="•"/>
-            </a:pPr>
-            <a:endParaRPr lang="en-GB" sz="2000" dirty="0">
-              <a:latin typeface="Arial"/>
-              <a:cs typeface="Arial"/>
-            </a:endParaRPr>
-          </a:p>
-          <a:p>
-            <a:endParaRPr lang="en-GB" sz="2000" dirty="0">
-              <a:latin typeface="Arial"/>
-              <a:cs typeface="Arial"/>
-            </a:endParaRPr>
-          </a:p>
-          <a:p>
-            <a:pPr marL="342900" indent="-342900">
-              <a:buFont typeface="Arial"/>
-              <a:buChar char="•"/>
-            </a:pPr>
-            <a:r>
-              <a:rPr lang="en-GB" sz="2000" b="1" dirty="0">
-                <a:latin typeface="Arial"/>
-                <a:cs typeface="Arial"/>
-              </a:rPr>
-              <a:t>Bonus:</a:t>
-            </a:r>
-            <a:r>
-              <a:rPr lang="en-GB" sz="2000" dirty="0">
-                <a:latin typeface="Arial"/>
-                <a:cs typeface="Arial"/>
-              </a:rPr>
-              <a:t> You can also access dictionary values using the </a:t>
-            </a:r>
-            <a:r>
-              <a:rPr lang="en-GB" sz="2000" dirty="0">
-                <a:latin typeface="Consolas" panose="020B0609020204030204" pitchFamily="49" charset="0"/>
-                <a:cs typeface="Arial"/>
-              </a:rPr>
-              <a:t>.get() </a:t>
-            </a:r>
-            <a:r>
-              <a:rPr lang="en-GB" sz="2000" dirty="0">
-                <a:latin typeface="Arial"/>
-                <a:cs typeface="Arial"/>
-              </a:rPr>
-              <a:t>method. What is the advantage of using this over standard indexing? (Hint: search for ‘python dictionaries get’)</a:t>
-            </a:r>
-          </a:p>
-          <a:p>
-            <a:pPr marL="342900" indent="-342900">
-              <a:buFont typeface="Arial"/>
-              <a:buChar char="•"/>
-            </a:pPr>
-            <a:endParaRPr lang="en-GB" sz="2000" dirty="0">
-              <a:latin typeface="Arial"/>
-              <a:cs typeface="Arial"/>
-            </a:endParaRPr>
-          </a:p>
-          <a:p>
-            <a:pPr marL="342900" indent="-342900">
-              <a:buFont typeface="Arial"/>
-              <a:buChar char="•"/>
-            </a:pPr>
-            <a:endParaRPr lang="en-GB" sz="2000" dirty="0">
-              <a:latin typeface="Arial"/>
-              <a:cs typeface="Arial"/>
-            </a:endParaRPr>
-          </a:p>
-          <a:p>
-            <a:pPr marL="342900" indent="-342900">
-              <a:buFont typeface="Arial"/>
-              <a:buChar char="•"/>
-            </a:pPr>
-            <a:endParaRPr lang="en-GB" sz="2000" dirty="0">
-              <a:latin typeface="Arial"/>
-              <a:cs typeface="Arial"/>
-            </a:endParaRPr>
-          </a:p>
-          <a:p>
-            <a:pPr marL="342900" indent="-342900">
-              <a:buFont typeface="Arial"/>
-              <a:buChar char="•"/>
-            </a:pPr>
-            <a:endParaRPr lang="en-GB" sz="2000" dirty="0">
-              <a:latin typeface="Arial"/>
-              <a:cs typeface="Arial"/>
-            </a:endParaRPr>
-          </a:p>
-          <a:p>
-            <a:pPr marL="342900" indent="-342900">
-              <a:buFont typeface="Arial"/>
-              <a:buChar char="•"/>
-            </a:pPr>
-            <a:endParaRPr lang="en-GB" sz="2000" dirty="0">
-              <a:latin typeface="Arial"/>
-              <a:cs typeface="Arial"/>
-            </a:endParaRPr>
-          </a:p>
         </p:txBody>
       </p:sp>
       <p:pic>
         <p:nvPicPr>
-          <p:cNvPr id="4" name="Picture 3">
+          <p:cNvPr id="8" name="Picture 7" descr="A screenshot of a computer&#10;&#10;Description automatically generated">
             <a:extLst>
               <a:ext uri="{FF2B5EF4-FFF2-40B4-BE49-F238E27FC236}">
-                <a16:creationId xmlns:a16="http://schemas.microsoft.com/office/drawing/2014/main" id="{7D851FE5-8189-4072-B12F-A24B87B7AAFF}"/>
+                <a16:creationId xmlns:a16="http://schemas.microsoft.com/office/drawing/2014/main" id="{2713215D-323C-F504-B99E-F7FDB4F9CD05}"/>
               </a:ext>
             </a:extLst>
           </p:cNvPr>
@@ -32877,25 +35563,420 @@
           </p:cNvPicPr>
           <p:nvPr/>
         </p:nvPicPr>
-        <p:blipFill rotWithShape="1">
+        <p:blipFill>
           <a:blip r:embed="rId4"/>
-          <a:srcRect t="-1" b="45238"/>
-          <a:stretch/>
+          <a:stretch>
+            <a:fillRect/>
+          </a:stretch>
         </p:blipFill>
         <p:spPr>
           <a:xfrm>
-            <a:off x="2701004" y="2271504"/>
-            <a:ext cx="3741992" cy="600492"/>
+            <a:off x="4470366" y="1483612"/>
+            <a:ext cx="3265264" cy="3256318"/>
           </a:xfrm>
           <a:prstGeom prst="rect">
             <a:avLst/>
           </a:prstGeom>
         </p:spPr>
       </p:pic>
+      <p:cxnSp>
+        <p:nvCxnSpPr>
+          <p:cNvPr id="10" name="Straight Arrow Connector 9">
+            <a:extLst>
+              <a:ext uri="{FF2B5EF4-FFF2-40B4-BE49-F238E27FC236}">
+                <a16:creationId xmlns:a16="http://schemas.microsoft.com/office/drawing/2014/main" id="{228BA32C-9C7F-F0DD-A88E-F7A11FDB3526}"/>
+              </a:ext>
+            </a:extLst>
+          </p:cNvPr>
+          <p:cNvCxnSpPr>
+            <a:cxnSpLocks/>
+          </p:cNvCxnSpPr>
+          <p:nvPr/>
+        </p:nvCxnSpPr>
+        <p:spPr>
+          <a:xfrm flipH="1">
+            <a:off x="6703409" y="2519535"/>
+            <a:ext cx="1111752" cy="421019"/>
+          </a:xfrm>
+          <a:prstGeom prst="straightConnector1">
+            <a:avLst/>
+          </a:prstGeom>
+          <a:ln>
+            <a:tailEnd type="triangle"/>
+          </a:ln>
+          <a:effectLst/>
+        </p:spPr>
+        <p:style>
+          <a:lnRef idx="2">
+            <a:schemeClr val="accent1"/>
+          </a:lnRef>
+          <a:fillRef idx="0">
+            <a:schemeClr val="accent1"/>
+          </a:fillRef>
+          <a:effectRef idx="1">
+            <a:schemeClr val="accent1"/>
+          </a:effectRef>
+          <a:fontRef idx="minor">
+            <a:schemeClr val="tx1"/>
+          </a:fontRef>
+        </p:style>
+      </p:cxnSp>
+      <p:sp>
+        <p:nvSpPr>
+          <p:cNvPr id="14" name="TextBox 13">
+            <a:extLst>
+              <a:ext uri="{FF2B5EF4-FFF2-40B4-BE49-F238E27FC236}">
+                <a16:creationId xmlns:a16="http://schemas.microsoft.com/office/drawing/2014/main" id="{31002B14-FBF7-83D2-3EDF-146E170A8F6A}"/>
+              </a:ext>
+            </a:extLst>
+          </p:cNvPr>
+          <p:cNvSpPr txBox="1"/>
+          <p:nvPr/>
+        </p:nvSpPr>
+        <p:spPr>
+          <a:xfrm>
+            <a:off x="7815161" y="1999840"/>
+            <a:ext cx="1285832" cy="1200329"/>
+          </a:xfrm>
+          <a:prstGeom prst="rect">
+            <a:avLst/>
+          </a:prstGeom>
+          <a:noFill/>
+        </p:spPr>
+        <p:txBody>
+          <a:bodyPr wrap="square" rtlCol="0">
+            <a:spAutoFit/>
+          </a:bodyPr>
+          <a:lstStyle/>
+          <a:p>
+            <a:r>
+              <a:rPr lang="en-GB" sz="1200" dirty="0"/>
+              <a:t>Values can be overwritten after dictionary creation. Dictionaries are </a:t>
+            </a:r>
+            <a:r>
+              <a:rPr lang="en-GB" sz="1200" b="1" dirty="0"/>
+              <a:t>mutable</a:t>
+            </a:r>
+            <a:endParaRPr lang="en-GB" sz="1200" dirty="0"/>
+          </a:p>
+        </p:txBody>
+      </p:sp>
+      <p:pic>
+        <p:nvPicPr>
+          <p:cNvPr id="17" name="Picture 16" descr="A screenshot of a computer code&#10;&#10;Description automatically generated">
+            <a:extLst>
+              <a:ext uri="{FF2B5EF4-FFF2-40B4-BE49-F238E27FC236}">
+                <a16:creationId xmlns:a16="http://schemas.microsoft.com/office/drawing/2014/main" id="{E781307E-7B8F-F0D0-8625-28ACA3DCC8BC}"/>
+              </a:ext>
+            </a:extLst>
+          </p:cNvPr>
+          <p:cNvPicPr>
+            <a:picLocks noChangeAspect="1"/>
+          </p:cNvPicPr>
+          <p:nvPr/>
+        </p:nvPicPr>
+        <p:blipFill>
+          <a:blip r:embed="rId5"/>
+          <a:stretch>
+            <a:fillRect/>
+          </a:stretch>
+        </p:blipFill>
+        <p:spPr>
+          <a:xfrm>
+            <a:off x="985042" y="1852004"/>
+            <a:ext cx="3241330" cy="3187066"/>
+          </a:xfrm>
+          <a:prstGeom prst="rect">
+            <a:avLst/>
+          </a:prstGeom>
+        </p:spPr>
+      </p:pic>
+      <p:cxnSp>
+        <p:nvCxnSpPr>
+          <p:cNvPr id="18" name="Straight Arrow Connector 17">
+            <a:extLst>
+              <a:ext uri="{FF2B5EF4-FFF2-40B4-BE49-F238E27FC236}">
+                <a16:creationId xmlns:a16="http://schemas.microsoft.com/office/drawing/2014/main" id="{DE498B43-DC00-5E83-420C-2066C5C06788}"/>
+              </a:ext>
+            </a:extLst>
+          </p:cNvPr>
+          <p:cNvCxnSpPr>
+            <a:cxnSpLocks/>
+          </p:cNvCxnSpPr>
+          <p:nvPr/>
+        </p:nvCxnSpPr>
+        <p:spPr>
+          <a:xfrm flipH="1">
+            <a:off x="2822141" y="1695875"/>
+            <a:ext cx="171039" cy="356593"/>
+          </a:xfrm>
+          <a:prstGeom prst="straightConnector1">
+            <a:avLst/>
+          </a:prstGeom>
+          <a:ln>
+            <a:tailEnd type="triangle"/>
+          </a:ln>
+          <a:effectLst/>
+        </p:spPr>
+        <p:style>
+          <a:lnRef idx="2">
+            <a:schemeClr val="accent1"/>
+          </a:lnRef>
+          <a:fillRef idx="0">
+            <a:schemeClr val="accent1"/>
+          </a:fillRef>
+          <a:effectRef idx="1">
+            <a:schemeClr val="accent1"/>
+          </a:effectRef>
+          <a:fontRef idx="minor">
+            <a:schemeClr val="tx1"/>
+          </a:fontRef>
+        </p:style>
+      </p:cxnSp>
+      <p:sp>
+        <p:nvSpPr>
+          <p:cNvPr id="19" name="TextBox 18">
+            <a:extLst>
+              <a:ext uri="{FF2B5EF4-FFF2-40B4-BE49-F238E27FC236}">
+                <a16:creationId xmlns:a16="http://schemas.microsoft.com/office/drawing/2014/main" id="{D220DF4F-9351-417B-AD5D-E83FD0F8CF12}"/>
+              </a:ext>
+            </a:extLst>
+          </p:cNvPr>
+          <p:cNvSpPr txBox="1"/>
+          <p:nvPr/>
+        </p:nvSpPr>
+        <p:spPr>
+          <a:xfrm>
+            <a:off x="1961230" y="1273847"/>
+            <a:ext cx="2063900" cy="461665"/>
+          </a:xfrm>
+          <a:prstGeom prst="rect">
+            <a:avLst/>
+          </a:prstGeom>
+          <a:noFill/>
+        </p:spPr>
+        <p:txBody>
+          <a:bodyPr wrap="square" rtlCol="0">
+            <a:spAutoFit/>
+          </a:bodyPr>
+          <a:lstStyle/>
+          <a:p>
+            <a:r>
+              <a:rPr lang="en-GB" sz="1200" dirty="0"/>
+              <a:t>The function </a:t>
+            </a:r>
+            <a:r>
+              <a:rPr lang="en-GB" sz="1200" dirty="0" err="1">
+                <a:latin typeface="Consolas" panose="020B0609020204030204" pitchFamily="49" charset="0"/>
+              </a:rPr>
+              <a:t>dict</a:t>
+            </a:r>
+            <a:r>
+              <a:rPr lang="en-GB" sz="1200" dirty="0">
+                <a:latin typeface="Consolas" panose="020B0609020204030204" pitchFamily="49" charset="0"/>
+              </a:rPr>
+              <a:t>() </a:t>
+            </a:r>
+            <a:r>
+              <a:rPr lang="en-GB" sz="1200" dirty="0"/>
+              <a:t>creates an empty dictionary</a:t>
+            </a:r>
+          </a:p>
+        </p:txBody>
+      </p:sp>
+      <p:cxnSp>
+        <p:nvCxnSpPr>
+          <p:cNvPr id="24" name="Straight Arrow Connector 23">
+            <a:extLst>
+              <a:ext uri="{FF2B5EF4-FFF2-40B4-BE49-F238E27FC236}">
+                <a16:creationId xmlns:a16="http://schemas.microsoft.com/office/drawing/2014/main" id="{2BB325EF-2D05-7DFC-EA1A-BD9847F41BA7}"/>
+              </a:ext>
+            </a:extLst>
+          </p:cNvPr>
+          <p:cNvCxnSpPr>
+            <a:cxnSpLocks/>
+          </p:cNvCxnSpPr>
+          <p:nvPr/>
+        </p:nvCxnSpPr>
+        <p:spPr>
+          <a:xfrm flipV="1">
+            <a:off x="655689" y="2982258"/>
+            <a:ext cx="245484" cy="263137"/>
+          </a:xfrm>
+          <a:prstGeom prst="straightConnector1">
+            <a:avLst/>
+          </a:prstGeom>
+          <a:ln>
+            <a:tailEnd type="triangle"/>
+          </a:ln>
+          <a:effectLst/>
+        </p:spPr>
+        <p:style>
+          <a:lnRef idx="2">
+            <a:schemeClr val="accent1"/>
+          </a:lnRef>
+          <a:fillRef idx="0">
+            <a:schemeClr val="accent1"/>
+          </a:fillRef>
+          <a:effectRef idx="1">
+            <a:schemeClr val="accent1"/>
+          </a:effectRef>
+          <a:fontRef idx="minor">
+            <a:schemeClr val="tx1"/>
+          </a:fontRef>
+        </p:style>
+      </p:cxnSp>
+      <p:sp>
+        <p:nvSpPr>
+          <p:cNvPr id="25" name="TextBox 24">
+            <a:extLst>
+              <a:ext uri="{FF2B5EF4-FFF2-40B4-BE49-F238E27FC236}">
+                <a16:creationId xmlns:a16="http://schemas.microsoft.com/office/drawing/2014/main" id="{7BD749BB-6204-2F6E-C4A7-93CEE0C6E3CE}"/>
+              </a:ext>
+            </a:extLst>
+          </p:cNvPr>
+          <p:cNvSpPr txBox="1"/>
+          <p:nvPr/>
+        </p:nvSpPr>
+        <p:spPr>
+          <a:xfrm>
+            <a:off x="69322" y="3245395"/>
+            <a:ext cx="1068744" cy="1200329"/>
+          </a:xfrm>
+          <a:prstGeom prst="rect">
+            <a:avLst/>
+          </a:prstGeom>
+          <a:noFill/>
+        </p:spPr>
+        <p:txBody>
+          <a:bodyPr wrap="square" rtlCol="0">
+            <a:spAutoFit/>
+          </a:bodyPr>
+          <a:lstStyle/>
+          <a:p>
+            <a:r>
+              <a:rPr lang="en-GB" sz="1200" dirty="0"/>
+              <a:t>New items can be added to a dictionary after it’s creation.</a:t>
+            </a:r>
+          </a:p>
+        </p:txBody>
+      </p:sp>
+      <p:cxnSp>
+        <p:nvCxnSpPr>
+          <p:cNvPr id="29" name="Straight Connector 28">
+            <a:extLst>
+              <a:ext uri="{FF2B5EF4-FFF2-40B4-BE49-F238E27FC236}">
+                <a16:creationId xmlns:a16="http://schemas.microsoft.com/office/drawing/2014/main" id="{1705D1B9-D71F-719D-CAB5-B2FF0A05DE2B}"/>
+              </a:ext>
+            </a:extLst>
+          </p:cNvPr>
+          <p:cNvCxnSpPr>
+            <a:cxnSpLocks/>
+          </p:cNvCxnSpPr>
+          <p:nvPr/>
+        </p:nvCxnSpPr>
+        <p:spPr>
+          <a:xfrm flipV="1">
+            <a:off x="4361705" y="1092017"/>
+            <a:ext cx="16533" cy="3754736"/>
+          </a:xfrm>
+          <a:prstGeom prst="line">
+            <a:avLst/>
+          </a:prstGeom>
+          <a:ln w="38100"/>
+          <a:effectLst/>
+        </p:spPr>
+        <p:style>
+          <a:lnRef idx="2">
+            <a:schemeClr val="accent1"/>
+          </a:lnRef>
+          <a:fillRef idx="0">
+            <a:schemeClr val="accent1"/>
+          </a:fillRef>
+          <a:effectRef idx="1">
+            <a:schemeClr val="accent1"/>
+          </a:effectRef>
+          <a:fontRef idx="minor">
+            <a:schemeClr val="tx1"/>
+          </a:fontRef>
+        </p:style>
+      </p:cxnSp>
+      <p:sp>
+        <p:nvSpPr>
+          <p:cNvPr id="30" name="TextBox 29">
+            <a:extLst>
+              <a:ext uri="{FF2B5EF4-FFF2-40B4-BE49-F238E27FC236}">
+                <a16:creationId xmlns:a16="http://schemas.microsoft.com/office/drawing/2014/main" id="{F97AA488-3176-0035-88BC-2037731EB15A}"/>
+              </a:ext>
+            </a:extLst>
+          </p:cNvPr>
+          <p:cNvSpPr txBox="1"/>
+          <p:nvPr/>
+        </p:nvSpPr>
+        <p:spPr>
+          <a:xfrm>
+            <a:off x="714375" y="686234"/>
+            <a:ext cx="3511997" cy="646331"/>
+          </a:xfrm>
+          <a:prstGeom prst="rect">
+            <a:avLst/>
+          </a:prstGeom>
+          <a:noFill/>
+        </p:spPr>
+        <p:txBody>
+          <a:bodyPr wrap="square" rtlCol="0">
+            <a:spAutoFit/>
+          </a:bodyPr>
+          <a:lstStyle/>
+          <a:p>
+            <a:pPr algn="ctr"/>
+            <a:r>
+              <a:rPr lang="en-GB" dirty="0"/>
+              <a:t>Different ways of referring to the same gene</a:t>
+            </a:r>
+          </a:p>
+        </p:txBody>
+      </p:sp>
+      <p:sp>
+        <p:nvSpPr>
+          <p:cNvPr id="32" name="TextBox 31">
+            <a:extLst>
+              <a:ext uri="{FF2B5EF4-FFF2-40B4-BE49-F238E27FC236}">
+                <a16:creationId xmlns:a16="http://schemas.microsoft.com/office/drawing/2014/main" id="{AE17D4B0-94D9-6B38-1E6E-38376250EB15}"/>
+              </a:ext>
+            </a:extLst>
+          </p:cNvPr>
+          <p:cNvSpPr txBox="1"/>
+          <p:nvPr/>
+        </p:nvSpPr>
+        <p:spPr>
+          <a:xfrm>
+            <a:off x="4444051" y="668173"/>
+            <a:ext cx="3511997" cy="369332"/>
+          </a:xfrm>
+          <a:prstGeom prst="rect">
+            <a:avLst/>
+          </a:prstGeom>
+          <a:noFill/>
+        </p:spPr>
+        <p:txBody>
+          <a:bodyPr wrap="square" rtlCol="0">
+            <a:spAutoFit/>
+          </a:bodyPr>
+          <a:lstStyle/>
+          <a:p>
+            <a:pPr algn="ctr"/>
+            <a:r>
+              <a:rPr lang="en-GB" dirty="0"/>
+              <a:t>English-Swedish lookup</a:t>
+            </a:r>
+          </a:p>
+        </p:txBody>
+      </p:sp>
     </p:spTree>
     <p:extLst>
       <p:ext uri="{BB962C8B-B14F-4D97-AF65-F5344CB8AC3E}">
-        <p14:creationId xmlns:p14="http://schemas.microsoft.com/office/powerpoint/2010/main" val="1343401856"/>
+        <p14:creationId xmlns:p14="http://schemas.microsoft.com/office/powerpoint/2010/main" val="3918574698"/>
       </p:ext>
     </p:extLst>
   </p:cSld>
@@ -32945,7 +36026,7 @@
           <a:p>
             <a:r>
               <a:rPr lang="en-GB" dirty="0"/>
-              <a:t>Dictionaries Puzzles Solutions</a:t>
+              <a:t>Dictionaries Puzzles</a:t>
             </a:r>
           </a:p>
         </p:txBody>
@@ -33176,6 +36257,87 @@
               <a:buFont typeface="Arial"/>
               <a:buChar char="•"/>
             </a:pPr>
+            <a:r>
+              <a:rPr lang="en-GB" sz="2000" dirty="0">
+                <a:latin typeface="Arial"/>
+                <a:cs typeface="Arial"/>
+              </a:rPr>
+              <a:t>Create a dictionary with some information about you. Try to include at least one value of each of the types integer, string, list and Boolean.</a:t>
+            </a:r>
+          </a:p>
+          <a:p>
+            <a:pPr marL="342900" indent="-342900">
+              <a:buFont typeface="Arial"/>
+              <a:buChar char="•"/>
+            </a:pPr>
+            <a:r>
+              <a:rPr lang="en-GB" sz="2000" dirty="0">
+                <a:latin typeface="Arial"/>
+                <a:cs typeface="Arial"/>
+              </a:rPr>
+              <a:t>Print out some of the values of the dictionary</a:t>
+            </a:r>
+          </a:p>
+          <a:p>
+            <a:pPr marL="342900" indent="-342900">
+              <a:buFont typeface="Arial"/>
+              <a:buChar char="•"/>
+            </a:pPr>
+            <a:r>
+              <a:rPr lang="en-GB" sz="2000" dirty="0">
+                <a:latin typeface="Arial"/>
+                <a:cs typeface="Arial"/>
+              </a:rPr>
+              <a:t>What do you think the following code will do? Try it.</a:t>
+            </a:r>
+          </a:p>
+          <a:p>
+            <a:pPr marL="342900" indent="-342900">
+              <a:buFont typeface="Arial"/>
+              <a:buChar char="•"/>
+            </a:pPr>
+            <a:endParaRPr lang="en-GB" sz="2000" dirty="0">
+              <a:latin typeface="Arial"/>
+              <a:cs typeface="Arial"/>
+            </a:endParaRPr>
+          </a:p>
+          <a:p>
+            <a:pPr marL="342900" indent="-342900">
+              <a:buFont typeface="Arial"/>
+              <a:buChar char="•"/>
+            </a:pPr>
+            <a:endParaRPr lang="en-GB" sz="2000" dirty="0">
+              <a:latin typeface="Arial"/>
+              <a:cs typeface="Arial"/>
+            </a:endParaRPr>
+          </a:p>
+          <a:p>
+            <a:pPr marL="342900" indent="-342900">
+              <a:buFont typeface="Arial"/>
+              <a:buChar char="•"/>
+            </a:pPr>
+            <a:endParaRPr lang="en-GB" sz="2000" dirty="0">
+              <a:latin typeface="Arial"/>
+              <a:cs typeface="Arial"/>
+            </a:endParaRPr>
+          </a:p>
+          <a:p>
+            <a:endParaRPr lang="en-GB" sz="2000" dirty="0">
+              <a:latin typeface="Arial"/>
+              <a:cs typeface="Arial"/>
+            </a:endParaRPr>
+          </a:p>
+          <a:p>
+            <a:endParaRPr lang="en-GB" sz="2000" dirty="0">
+              <a:latin typeface="Arial"/>
+              <a:cs typeface="Arial"/>
+            </a:endParaRPr>
+          </a:p>
+          <a:p>
+            <a:pPr marL="342900" indent="-342900">
+              <a:buFont typeface="Arial"/>
+              <a:buChar char="•"/>
+            </a:pPr>
             <a:endParaRPr lang="en-GB" sz="2000" dirty="0">
               <a:latin typeface="Arial"/>
               <a:cs typeface="Arial"/>
@@ -33229,73 +36391,13 @@
         </p:nvPicPr>
         <p:blipFill rotWithShape="1">
           <a:blip r:embed="rId4"/>
-          <a:srcRect t="-1" b="-1946"/>
+          <a:srcRect t="-1" b="45238"/>
           <a:stretch/>
         </p:blipFill>
         <p:spPr>
           <a:xfrm>
-            <a:off x="4673371" y="3581502"/>
-            <a:ext cx="3741992" cy="1117872"/>
-          </a:xfrm>
-          <a:prstGeom prst="rect">
-            <a:avLst/>
-          </a:prstGeom>
-        </p:spPr>
-      </p:pic>
-      <p:pic>
-        <p:nvPicPr>
-          <p:cNvPr id="5" name="Picture 4">
-            <a:extLst>
-              <a:ext uri="{FF2B5EF4-FFF2-40B4-BE49-F238E27FC236}">
-                <a16:creationId xmlns:a16="http://schemas.microsoft.com/office/drawing/2014/main" id="{ABDD66B2-7489-4BE1-A31C-EE43E1EC462D}"/>
-              </a:ext>
-            </a:extLst>
-          </p:cNvPr>
-          <p:cNvPicPr>
-            <a:picLocks noChangeAspect="1"/>
-          </p:cNvPicPr>
-          <p:nvPr/>
-        </p:nvPicPr>
-        <p:blipFill>
-          <a:blip r:embed="rId5"/>
-          <a:stretch>
-            <a:fillRect/>
-          </a:stretch>
-        </p:blipFill>
-        <p:spPr>
-          <a:xfrm>
-            <a:off x="516375" y="931251"/>
-            <a:ext cx="4156996" cy="1463675"/>
-          </a:xfrm>
-          <a:prstGeom prst="rect">
-            <a:avLst/>
-          </a:prstGeom>
-        </p:spPr>
-      </p:pic>
-      <p:pic>
-        <p:nvPicPr>
-          <p:cNvPr id="7" name="Picture 6">
-            <a:extLst>
-              <a:ext uri="{FF2B5EF4-FFF2-40B4-BE49-F238E27FC236}">
-                <a16:creationId xmlns:a16="http://schemas.microsoft.com/office/drawing/2014/main" id="{9476C6E6-6C22-4103-85B4-37F1475585F0}"/>
-              </a:ext>
-            </a:extLst>
-          </p:cNvPr>
-          <p:cNvPicPr>
-            <a:picLocks noChangeAspect="1"/>
-          </p:cNvPicPr>
-          <p:nvPr/>
-        </p:nvPicPr>
-        <p:blipFill>
-          <a:blip r:embed="rId6"/>
-          <a:stretch>
-            <a:fillRect/>
-          </a:stretch>
-        </p:blipFill>
-        <p:spPr>
-          <a:xfrm>
-            <a:off x="2319184" y="2519428"/>
-            <a:ext cx="4455692" cy="942257"/>
+            <a:off x="2701004" y="2271504"/>
+            <a:ext cx="3741992" cy="600492"/>
           </a:xfrm>
           <a:prstGeom prst="rect">
             <a:avLst/>
@@ -33305,7 +36407,7 @@
     </p:spTree>
     <p:extLst>
       <p:ext uri="{BB962C8B-B14F-4D97-AF65-F5344CB8AC3E}">
-        <p14:creationId xmlns:p14="http://schemas.microsoft.com/office/powerpoint/2010/main" val="3894120066"/>
+        <p14:creationId xmlns:p14="http://schemas.microsoft.com/office/powerpoint/2010/main" val="1343401856"/>
       </p:ext>
     </p:extLst>
   </p:cSld>
@@ -33355,7 +36457,7 @@
           <a:p>
             <a:r>
               <a:rPr lang="en-GB" dirty="0"/>
-              <a:t>Manipulating Dictionaries</a:t>
+              <a:t>Dictionaries Puzzles – Solutions</a:t>
             </a:r>
           </a:p>
         </p:txBody>
@@ -33435,8 +36537,8 @@
         </p:nvSpPr>
         <p:spPr>
           <a:xfrm>
-            <a:off x="237061" y="712957"/>
-            <a:ext cx="8619938" cy="2749572"/>
+            <a:off x="237061" y="712956"/>
+            <a:ext cx="8619938" cy="4295797"/>
           </a:xfrm>
           <a:prstGeom prst="rect">
             <a:avLst/>
@@ -33586,13 +36688,10 @@
               <a:buFont typeface="Arial"/>
               <a:buChar char="•"/>
             </a:pPr>
-            <a:r>
-              <a:rPr lang="en-GB" sz="2000" dirty="0">
-                <a:latin typeface="Arial"/>
-                <a:cs typeface="Arial"/>
-              </a:rPr>
-              <a:t>Just as with lists we can…</a:t>
-            </a:r>
+            <a:endParaRPr lang="en-GB" sz="2000" dirty="0">
+              <a:latin typeface="Arial"/>
+              <a:cs typeface="Arial"/>
+            </a:endParaRPr>
           </a:p>
           <a:p>
             <a:pPr marL="342900" indent="-342900">
@@ -33624,536 +36723,6 @@
               <a:cs typeface="Arial"/>
             </a:endParaRPr>
           </a:p>
-          <a:p>
-            <a:pPr marL="342900" indent="-342900">
-              <a:buFont typeface="Arial"/>
-              <a:buChar char="•"/>
-            </a:pPr>
-            <a:endParaRPr lang="en-GB" sz="2000" dirty="0">
-              <a:latin typeface="Arial"/>
-              <a:cs typeface="Arial"/>
-            </a:endParaRPr>
-          </a:p>
-          <a:p>
-            <a:pPr marL="342900" indent="-342900">
-              <a:buFont typeface="Arial"/>
-              <a:buChar char="•"/>
-            </a:pPr>
-            <a:endParaRPr lang="en-GB" sz="2000" dirty="0">
-              <a:latin typeface="Arial"/>
-              <a:cs typeface="Arial"/>
-            </a:endParaRPr>
-          </a:p>
-          <a:p>
-            <a:pPr marL="342900" indent="-342900">
-              <a:buFont typeface="Arial"/>
-              <a:buChar char="•"/>
-            </a:pPr>
-            <a:endParaRPr lang="en-GB" sz="2000" dirty="0">
-              <a:latin typeface="Arial"/>
-              <a:cs typeface="Arial"/>
-            </a:endParaRPr>
-          </a:p>
-          <a:p>
-            <a:pPr marL="342900" indent="-342900">
-              <a:buFont typeface="Arial"/>
-              <a:buChar char="•"/>
-            </a:pPr>
-            <a:endParaRPr lang="en-GB" sz="2000" dirty="0">
-              <a:latin typeface="Arial"/>
-              <a:cs typeface="Arial"/>
-            </a:endParaRPr>
-          </a:p>
-        </p:txBody>
-      </p:sp>
-      <p:sp>
-        <p:nvSpPr>
-          <p:cNvPr id="9" name="Text Placeholder 2">
-            <a:extLst>
-              <a:ext uri="{FF2B5EF4-FFF2-40B4-BE49-F238E27FC236}">
-                <a16:creationId xmlns:a16="http://schemas.microsoft.com/office/drawing/2014/main" id="{691CF701-DFB4-4A3E-87BC-9675F593B146}"/>
-              </a:ext>
-            </a:extLst>
-          </p:cNvPr>
-          <p:cNvSpPr txBox="1">
-            <a:spLocks/>
-          </p:cNvSpPr>
-          <p:nvPr/>
-        </p:nvSpPr>
-        <p:spPr>
-          <a:xfrm>
-            <a:off x="5147663" y="2109738"/>
-            <a:ext cx="2928304" cy="2462457"/>
-          </a:xfrm>
-          <a:prstGeom prst="rect">
-            <a:avLst/>
-          </a:prstGeom>
-        </p:spPr>
-        <p:txBody>
-          <a:bodyPr vert="horz" anchor="t"/>
-          <a:lstStyle>
-            <a:lvl1pPr marL="0" indent="0" algn="l" defTabSz="457200" rtl="0" eaLnBrk="1" latinLnBrk="0" hangingPunct="1">
-              <a:spcBef>
-                <a:spcPts val="0"/>
-              </a:spcBef>
-              <a:buFont typeface="Arial"/>
-              <a:buNone/>
-              <a:defRPr sz="2400" kern="1200" baseline="0">
-                <a:solidFill>
-                  <a:schemeClr val="tx1"/>
-                </a:solidFill>
-                <a:latin typeface="Arial" pitchFamily="34" charset="0"/>
-                <a:ea typeface="+mn-ea"/>
-                <a:cs typeface="Arial" pitchFamily="34" charset="0"/>
-              </a:defRPr>
-            </a:lvl1pPr>
-            <a:lvl2pPr marL="457200" indent="0" algn="l" defTabSz="457200" rtl="0" eaLnBrk="1" latinLnBrk="0" hangingPunct="1">
-              <a:spcBef>
-                <a:spcPct val="20000"/>
-              </a:spcBef>
-              <a:buFont typeface="Arial"/>
-              <a:buNone/>
-              <a:defRPr sz="2400" kern="1200">
-                <a:solidFill>
-                  <a:schemeClr val="tx1"/>
-                </a:solidFill>
-                <a:latin typeface="+mn-lt"/>
-                <a:ea typeface="+mn-ea"/>
-                <a:cs typeface="+mn-cs"/>
-              </a:defRPr>
-            </a:lvl2pPr>
-            <a:lvl3pPr marL="914400" indent="0" algn="l" defTabSz="457200" rtl="0" eaLnBrk="1" latinLnBrk="0" hangingPunct="1">
-              <a:spcBef>
-                <a:spcPct val="20000"/>
-              </a:spcBef>
-              <a:buFont typeface="Arial"/>
-              <a:buNone/>
-              <a:defRPr sz="2400" kern="1200">
-                <a:solidFill>
-                  <a:schemeClr val="tx1"/>
-                </a:solidFill>
-                <a:latin typeface="+mn-lt"/>
-                <a:ea typeface="+mn-ea"/>
-                <a:cs typeface="+mn-cs"/>
-              </a:defRPr>
-            </a:lvl3pPr>
-            <a:lvl4pPr marL="1371600" indent="0" algn="l" defTabSz="457200" rtl="0" eaLnBrk="1" latinLnBrk="0" hangingPunct="1">
-              <a:spcBef>
-                <a:spcPct val="20000"/>
-              </a:spcBef>
-              <a:buFont typeface="Arial"/>
-              <a:buNone/>
-              <a:defRPr sz="2400" kern="1200">
-                <a:solidFill>
-                  <a:schemeClr val="tx1"/>
-                </a:solidFill>
-                <a:latin typeface="+mn-lt"/>
-                <a:ea typeface="+mn-ea"/>
-                <a:cs typeface="+mn-cs"/>
-              </a:defRPr>
-            </a:lvl4pPr>
-            <a:lvl5pPr marL="1828800" indent="0" algn="l" defTabSz="457200" rtl="0" eaLnBrk="1" latinLnBrk="0" hangingPunct="1">
-              <a:spcBef>
-                <a:spcPct val="20000"/>
-              </a:spcBef>
-              <a:buFont typeface="Arial"/>
-              <a:buNone/>
-              <a:defRPr sz="2400" kern="1200">
-                <a:solidFill>
-                  <a:schemeClr val="tx1"/>
-                </a:solidFill>
-                <a:latin typeface="+mn-lt"/>
-                <a:ea typeface="+mn-ea"/>
-                <a:cs typeface="+mn-cs"/>
-              </a:defRPr>
-            </a:lvl5pPr>
-            <a:lvl6pPr marL="2514600" indent="-228600" algn="l" defTabSz="457200" rtl="0" eaLnBrk="1" latinLnBrk="0" hangingPunct="1">
-              <a:spcBef>
-                <a:spcPct val="20000"/>
-              </a:spcBef>
-              <a:buFont typeface="Arial"/>
-              <a:buChar char="•"/>
-              <a:defRPr sz="2000" kern="1200">
-                <a:solidFill>
-                  <a:schemeClr val="tx1"/>
-                </a:solidFill>
-                <a:latin typeface="+mn-lt"/>
-                <a:ea typeface="+mn-ea"/>
-                <a:cs typeface="+mn-cs"/>
-              </a:defRPr>
-            </a:lvl6pPr>
-            <a:lvl7pPr marL="2971800" indent="-228600" algn="l" defTabSz="457200" rtl="0" eaLnBrk="1" latinLnBrk="0" hangingPunct="1">
-              <a:spcBef>
-                <a:spcPct val="20000"/>
-              </a:spcBef>
-              <a:buFont typeface="Arial"/>
-              <a:buChar char="•"/>
-              <a:defRPr sz="2000" kern="1200">
-                <a:solidFill>
-                  <a:schemeClr val="tx1"/>
-                </a:solidFill>
-                <a:latin typeface="+mn-lt"/>
-                <a:ea typeface="+mn-ea"/>
-                <a:cs typeface="+mn-cs"/>
-              </a:defRPr>
-            </a:lvl7pPr>
-            <a:lvl8pPr marL="3429000" indent="-228600" algn="l" defTabSz="457200" rtl="0" eaLnBrk="1" latinLnBrk="0" hangingPunct="1">
-              <a:spcBef>
-                <a:spcPct val="20000"/>
-              </a:spcBef>
-              <a:buFont typeface="Arial"/>
-              <a:buChar char="•"/>
-              <a:defRPr sz="2000" kern="1200">
-                <a:solidFill>
-                  <a:schemeClr val="tx1"/>
-                </a:solidFill>
-                <a:latin typeface="+mn-lt"/>
-                <a:ea typeface="+mn-ea"/>
-                <a:cs typeface="+mn-cs"/>
-              </a:defRPr>
-            </a:lvl8pPr>
-            <a:lvl9pPr marL="3886200" indent="-228600" algn="l" defTabSz="457200" rtl="0" eaLnBrk="1" latinLnBrk="0" hangingPunct="1">
-              <a:spcBef>
-                <a:spcPct val="20000"/>
-              </a:spcBef>
-              <a:buFont typeface="Arial"/>
-              <a:buChar char="•"/>
-              <a:defRPr sz="2000" kern="1200">
-                <a:solidFill>
-                  <a:schemeClr val="tx1"/>
-                </a:solidFill>
-                <a:latin typeface="+mn-lt"/>
-                <a:ea typeface="+mn-ea"/>
-                <a:cs typeface="+mn-cs"/>
-              </a:defRPr>
-            </a:lvl9pPr>
-          </a:lstStyle>
-          <a:p>
-            <a:pPr marL="342900" indent="-342900">
-              <a:buFont typeface="Arial"/>
-              <a:buChar char="•"/>
-            </a:pPr>
-            <a:r>
-              <a:rPr lang="en-GB" sz="1400" dirty="0">
-                <a:latin typeface="Arial"/>
-                <a:cs typeface="Arial"/>
-              </a:rPr>
-              <a:t>Overwrite a value</a:t>
-            </a:r>
-          </a:p>
-          <a:p>
-            <a:pPr marL="342900" indent="-342900">
-              <a:buFont typeface="Arial"/>
-              <a:buChar char="•"/>
-            </a:pPr>
-            <a:endParaRPr lang="en-GB" sz="1400" dirty="0">
-              <a:latin typeface="Arial"/>
-              <a:cs typeface="Arial"/>
-            </a:endParaRPr>
-          </a:p>
-          <a:p>
-            <a:pPr marL="342900" indent="-342900">
-              <a:buFont typeface="Arial"/>
-              <a:buChar char="•"/>
-            </a:pPr>
-            <a:endParaRPr lang="en-GB" sz="1400" dirty="0">
-              <a:latin typeface="Arial"/>
-              <a:cs typeface="Arial"/>
-            </a:endParaRPr>
-          </a:p>
-          <a:p>
-            <a:pPr marL="342900" indent="-342900">
-              <a:buFont typeface="Arial"/>
-              <a:buChar char="•"/>
-            </a:pPr>
-            <a:endParaRPr lang="en-GB" sz="1400" dirty="0">
-              <a:latin typeface="Arial"/>
-              <a:cs typeface="Arial"/>
-            </a:endParaRPr>
-          </a:p>
-          <a:p>
-            <a:pPr marL="342900" indent="-342900">
-              <a:buFont typeface="Arial"/>
-              <a:buChar char="•"/>
-            </a:pPr>
-            <a:endParaRPr lang="en-GB" sz="1400" dirty="0">
-              <a:latin typeface="Arial"/>
-              <a:cs typeface="Arial"/>
-            </a:endParaRPr>
-          </a:p>
-          <a:p>
-            <a:pPr marL="342900" indent="-342900">
-              <a:buFont typeface="Arial"/>
-              <a:buChar char="•"/>
-            </a:pPr>
-            <a:endParaRPr lang="en-GB" sz="1400" dirty="0">
-              <a:latin typeface="Arial"/>
-              <a:cs typeface="Arial"/>
-            </a:endParaRPr>
-          </a:p>
-          <a:p>
-            <a:pPr marL="342900" indent="-342900">
-              <a:buFont typeface="Arial"/>
-              <a:buChar char="•"/>
-            </a:pPr>
-            <a:endParaRPr lang="en-GB" sz="1400" dirty="0">
-              <a:latin typeface="Arial"/>
-              <a:cs typeface="Arial"/>
-            </a:endParaRPr>
-          </a:p>
-          <a:p>
-            <a:pPr marL="342900" indent="-342900">
-              <a:buFont typeface="Arial"/>
-              <a:buChar char="•"/>
-            </a:pPr>
-            <a:r>
-              <a:rPr lang="en-GB" sz="1400" dirty="0">
-                <a:latin typeface="Arial"/>
-                <a:cs typeface="Arial"/>
-              </a:rPr>
-              <a:t>Deleting an item by value is a bit tougher — we will look at doing this in the homework sheet </a:t>
-            </a:r>
-          </a:p>
-        </p:txBody>
-      </p:sp>
-      <p:sp>
-        <p:nvSpPr>
-          <p:cNvPr id="13" name="Text Placeholder 2">
-            <a:extLst>
-              <a:ext uri="{FF2B5EF4-FFF2-40B4-BE49-F238E27FC236}">
-                <a16:creationId xmlns:a16="http://schemas.microsoft.com/office/drawing/2014/main" id="{B49F9675-3016-456A-9429-C7A31BF54FAD}"/>
-              </a:ext>
-            </a:extLst>
-          </p:cNvPr>
-          <p:cNvSpPr txBox="1">
-            <a:spLocks/>
-          </p:cNvSpPr>
-          <p:nvPr/>
-        </p:nvSpPr>
-        <p:spPr>
-          <a:xfrm>
-            <a:off x="768431" y="2135825"/>
-            <a:ext cx="4168640" cy="2462457"/>
-          </a:xfrm>
-          <a:prstGeom prst="rect">
-            <a:avLst/>
-          </a:prstGeom>
-        </p:spPr>
-        <p:txBody>
-          <a:bodyPr vert="horz" anchor="t"/>
-          <a:lstStyle>
-            <a:lvl1pPr marL="0" indent="0" algn="l" defTabSz="457200" rtl="0" eaLnBrk="1" latinLnBrk="0" hangingPunct="1">
-              <a:spcBef>
-                <a:spcPts val="0"/>
-              </a:spcBef>
-              <a:buFont typeface="Arial"/>
-              <a:buNone/>
-              <a:defRPr sz="2400" kern="1200" baseline="0">
-                <a:solidFill>
-                  <a:schemeClr val="tx1"/>
-                </a:solidFill>
-                <a:latin typeface="Arial" pitchFamily="34" charset="0"/>
-                <a:ea typeface="+mn-ea"/>
-                <a:cs typeface="Arial" pitchFamily="34" charset="0"/>
-              </a:defRPr>
-            </a:lvl1pPr>
-            <a:lvl2pPr marL="457200" indent="0" algn="l" defTabSz="457200" rtl="0" eaLnBrk="1" latinLnBrk="0" hangingPunct="1">
-              <a:spcBef>
-                <a:spcPct val="20000"/>
-              </a:spcBef>
-              <a:buFont typeface="Arial"/>
-              <a:buNone/>
-              <a:defRPr sz="2400" kern="1200">
-                <a:solidFill>
-                  <a:schemeClr val="tx1"/>
-                </a:solidFill>
-                <a:latin typeface="+mn-lt"/>
-                <a:ea typeface="+mn-ea"/>
-                <a:cs typeface="+mn-cs"/>
-              </a:defRPr>
-            </a:lvl2pPr>
-            <a:lvl3pPr marL="914400" indent="0" algn="l" defTabSz="457200" rtl="0" eaLnBrk="1" latinLnBrk="0" hangingPunct="1">
-              <a:spcBef>
-                <a:spcPct val="20000"/>
-              </a:spcBef>
-              <a:buFont typeface="Arial"/>
-              <a:buNone/>
-              <a:defRPr sz="2400" kern="1200">
-                <a:solidFill>
-                  <a:schemeClr val="tx1"/>
-                </a:solidFill>
-                <a:latin typeface="+mn-lt"/>
-                <a:ea typeface="+mn-ea"/>
-                <a:cs typeface="+mn-cs"/>
-              </a:defRPr>
-            </a:lvl3pPr>
-            <a:lvl4pPr marL="1371600" indent="0" algn="l" defTabSz="457200" rtl="0" eaLnBrk="1" latinLnBrk="0" hangingPunct="1">
-              <a:spcBef>
-                <a:spcPct val="20000"/>
-              </a:spcBef>
-              <a:buFont typeface="Arial"/>
-              <a:buNone/>
-              <a:defRPr sz="2400" kern="1200">
-                <a:solidFill>
-                  <a:schemeClr val="tx1"/>
-                </a:solidFill>
-                <a:latin typeface="+mn-lt"/>
-                <a:ea typeface="+mn-ea"/>
-                <a:cs typeface="+mn-cs"/>
-              </a:defRPr>
-            </a:lvl4pPr>
-            <a:lvl5pPr marL="1828800" indent="0" algn="l" defTabSz="457200" rtl="0" eaLnBrk="1" latinLnBrk="0" hangingPunct="1">
-              <a:spcBef>
-                <a:spcPct val="20000"/>
-              </a:spcBef>
-              <a:buFont typeface="Arial"/>
-              <a:buNone/>
-              <a:defRPr sz="2400" kern="1200">
-                <a:solidFill>
-                  <a:schemeClr val="tx1"/>
-                </a:solidFill>
-                <a:latin typeface="+mn-lt"/>
-                <a:ea typeface="+mn-ea"/>
-                <a:cs typeface="+mn-cs"/>
-              </a:defRPr>
-            </a:lvl5pPr>
-            <a:lvl6pPr marL="2514600" indent="-228600" algn="l" defTabSz="457200" rtl="0" eaLnBrk="1" latinLnBrk="0" hangingPunct="1">
-              <a:spcBef>
-                <a:spcPct val="20000"/>
-              </a:spcBef>
-              <a:buFont typeface="Arial"/>
-              <a:buChar char="•"/>
-              <a:defRPr sz="2000" kern="1200">
-                <a:solidFill>
-                  <a:schemeClr val="tx1"/>
-                </a:solidFill>
-                <a:latin typeface="+mn-lt"/>
-                <a:ea typeface="+mn-ea"/>
-                <a:cs typeface="+mn-cs"/>
-              </a:defRPr>
-            </a:lvl6pPr>
-            <a:lvl7pPr marL="2971800" indent="-228600" algn="l" defTabSz="457200" rtl="0" eaLnBrk="1" latinLnBrk="0" hangingPunct="1">
-              <a:spcBef>
-                <a:spcPct val="20000"/>
-              </a:spcBef>
-              <a:buFont typeface="Arial"/>
-              <a:buChar char="•"/>
-              <a:defRPr sz="2000" kern="1200">
-                <a:solidFill>
-                  <a:schemeClr val="tx1"/>
-                </a:solidFill>
-                <a:latin typeface="+mn-lt"/>
-                <a:ea typeface="+mn-ea"/>
-                <a:cs typeface="+mn-cs"/>
-              </a:defRPr>
-            </a:lvl7pPr>
-            <a:lvl8pPr marL="3429000" indent="-228600" algn="l" defTabSz="457200" rtl="0" eaLnBrk="1" latinLnBrk="0" hangingPunct="1">
-              <a:spcBef>
-                <a:spcPct val="20000"/>
-              </a:spcBef>
-              <a:buFont typeface="Arial"/>
-              <a:buChar char="•"/>
-              <a:defRPr sz="2000" kern="1200">
-                <a:solidFill>
-                  <a:schemeClr val="tx1"/>
-                </a:solidFill>
-                <a:latin typeface="+mn-lt"/>
-                <a:ea typeface="+mn-ea"/>
-                <a:cs typeface="+mn-cs"/>
-              </a:defRPr>
-            </a:lvl8pPr>
-            <a:lvl9pPr marL="3886200" indent="-228600" algn="l" defTabSz="457200" rtl="0" eaLnBrk="1" latinLnBrk="0" hangingPunct="1">
-              <a:spcBef>
-                <a:spcPct val="20000"/>
-              </a:spcBef>
-              <a:buFont typeface="Arial"/>
-              <a:buChar char="•"/>
-              <a:defRPr sz="2000" kern="1200">
-                <a:solidFill>
-                  <a:schemeClr val="tx1"/>
-                </a:solidFill>
-                <a:latin typeface="+mn-lt"/>
-                <a:ea typeface="+mn-ea"/>
-                <a:cs typeface="+mn-cs"/>
-              </a:defRPr>
-            </a:lvl9pPr>
-          </a:lstStyle>
-          <a:p>
-            <a:pPr marL="342900" indent="-342900">
-              <a:buFont typeface="Arial"/>
-              <a:buChar char="•"/>
-            </a:pPr>
-            <a:r>
-              <a:rPr lang="en-GB" sz="1400" dirty="0">
-                <a:latin typeface="Arial"/>
-                <a:cs typeface="Arial"/>
-              </a:rPr>
-              <a:t>Add a new item</a:t>
-            </a:r>
-          </a:p>
-          <a:p>
-            <a:pPr marL="342900" indent="-342900">
-              <a:buFont typeface="Arial"/>
-              <a:buChar char="•"/>
-            </a:pPr>
-            <a:endParaRPr lang="en-GB" sz="1400" dirty="0">
-              <a:latin typeface="Arial"/>
-              <a:cs typeface="Arial"/>
-            </a:endParaRPr>
-          </a:p>
-          <a:p>
-            <a:pPr marL="342900" indent="-342900">
-              <a:buFont typeface="Arial"/>
-              <a:buChar char="•"/>
-            </a:pPr>
-            <a:endParaRPr lang="en-GB" sz="1400" dirty="0">
-              <a:latin typeface="Arial"/>
-              <a:cs typeface="Arial"/>
-            </a:endParaRPr>
-          </a:p>
-          <a:p>
-            <a:pPr marL="342900" indent="-342900">
-              <a:buFont typeface="Arial"/>
-              <a:buChar char="•"/>
-            </a:pPr>
-            <a:endParaRPr lang="en-GB" sz="1400" dirty="0">
-              <a:latin typeface="Arial"/>
-              <a:cs typeface="Arial"/>
-            </a:endParaRPr>
-          </a:p>
-          <a:p>
-            <a:pPr marL="342900" indent="-342900">
-              <a:buFont typeface="Arial"/>
-              <a:buChar char="•"/>
-            </a:pPr>
-            <a:endParaRPr lang="en-GB" sz="1400" dirty="0">
-              <a:latin typeface="Arial"/>
-              <a:cs typeface="Arial"/>
-            </a:endParaRPr>
-          </a:p>
-          <a:p>
-            <a:pPr marL="342900" indent="-342900">
-              <a:buFont typeface="Arial"/>
-              <a:buChar char="•"/>
-            </a:pPr>
-            <a:endParaRPr lang="en-GB" sz="1400" dirty="0">
-              <a:latin typeface="Arial"/>
-              <a:cs typeface="Arial"/>
-            </a:endParaRPr>
-          </a:p>
-          <a:p>
-            <a:pPr marL="342900" indent="-342900">
-              <a:buFont typeface="Arial"/>
-              <a:buChar char="•"/>
-            </a:pPr>
-            <a:r>
-              <a:rPr lang="en-GB" sz="1400" dirty="0">
-                <a:latin typeface="Arial"/>
-                <a:cs typeface="Arial"/>
-              </a:rPr>
-              <a:t>Delete an item by key</a:t>
-            </a:r>
-          </a:p>
         </p:txBody>
       </p:sp>
       <p:pic>
@@ -34161,7 +36730,7 @@
           <p:cNvPr id="4" name="Picture 3">
             <a:extLst>
               <a:ext uri="{FF2B5EF4-FFF2-40B4-BE49-F238E27FC236}">
-                <a16:creationId xmlns:a16="http://schemas.microsoft.com/office/drawing/2014/main" id="{3FD2770E-8D78-4B1F-95E7-D3596376F277}"/>
+                <a16:creationId xmlns:a16="http://schemas.microsoft.com/office/drawing/2014/main" id="{7D851FE5-8189-4072-B12F-A24B87B7AAFF}"/>
               </a:ext>
             </a:extLst>
           </p:cNvPr>
@@ -34170,16 +36739,15 @@
           </p:cNvPicPr>
           <p:nvPr/>
         </p:nvPicPr>
-        <p:blipFill>
+        <p:blipFill rotWithShape="1">
           <a:blip r:embed="rId4"/>
-          <a:stretch>
-            <a:fillRect/>
-          </a:stretch>
+          <a:srcRect t="-1" b="-1946"/>
+          <a:stretch/>
         </p:blipFill>
         <p:spPr>
           <a:xfrm>
-            <a:off x="2464566" y="1357637"/>
-            <a:ext cx="4168641" cy="483464"/>
+            <a:off x="4673371" y="3581502"/>
+            <a:ext cx="3741992" cy="1117872"/>
           </a:xfrm>
           <a:prstGeom prst="rect">
             <a:avLst/>
@@ -34188,10 +36756,10 @@
       </p:pic>
       <p:pic>
         <p:nvPicPr>
-          <p:cNvPr id="7" name="Picture 6">
+          <p:cNvPr id="5" name="Picture 4">
             <a:extLst>
               <a:ext uri="{FF2B5EF4-FFF2-40B4-BE49-F238E27FC236}">
-                <a16:creationId xmlns:a16="http://schemas.microsoft.com/office/drawing/2014/main" id="{F5333401-0C60-40D7-BA94-AD1ECB9122A2}"/>
+                <a16:creationId xmlns:a16="http://schemas.microsoft.com/office/drawing/2014/main" id="{ABDD66B2-7489-4BE1-A31C-EE43E1EC462D}"/>
               </a:ext>
             </a:extLst>
           </p:cNvPr>
@@ -34208,8 +36776,8 @@
         </p:blipFill>
         <p:spPr>
           <a:xfrm>
-            <a:off x="1378214" y="2510165"/>
-            <a:ext cx="2583093" cy="826198"/>
+            <a:off x="516375" y="931251"/>
+            <a:ext cx="4156996" cy="1463675"/>
           </a:xfrm>
           <a:prstGeom prst="rect">
             <a:avLst/>
@@ -34218,10 +36786,10 @@
       </p:pic>
       <p:pic>
         <p:nvPicPr>
-          <p:cNvPr id="8" name="Picture 7">
+          <p:cNvPr id="7" name="Picture 6">
             <a:extLst>
               <a:ext uri="{FF2B5EF4-FFF2-40B4-BE49-F238E27FC236}">
-                <a16:creationId xmlns:a16="http://schemas.microsoft.com/office/drawing/2014/main" id="{7F16399D-6BA8-46E9-901C-BFEE279AA2B4}"/>
+                <a16:creationId xmlns:a16="http://schemas.microsoft.com/office/drawing/2014/main" id="{9476C6E6-6C22-4103-85B4-37F1475585F0}"/>
               </a:ext>
             </a:extLst>
           </p:cNvPr>
@@ -34238,38 +36806,8 @@
         </p:blipFill>
         <p:spPr>
           <a:xfrm>
-            <a:off x="1378214" y="3773724"/>
-            <a:ext cx="1443805" cy="824558"/>
-          </a:xfrm>
-          <a:prstGeom prst="rect">
-            <a:avLst/>
-          </a:prstGeom>
-        </p:spPr>
-      </p:pic>
-      <p:pic>
-        <p:nvPicPr>
-          <p:cNvPr id="14" name="Picture 13">
-            <a:extLst>
-              <a:ext uri="{FF2B5EF4-FFF2-40B4-BE49-F238E27FC236}">
-                <a16:creationId xmlns:a16="http://schemas.microsoft.com/office/drawing/2014/main" id="{38ECDF29-E276-45DD-8EFC-6CF0BF453A19}"/>
-              </a:ext>
-            </a:extLst>
-          </p:cNvPr>
-          <p:cNvPicPr>
-            <a:picLocks noChangeAspect="1"/>
-          </p:cNvPicPr>
-          <p:nvPr/>
-        </p:nvPicPr>
-        <p:blipFill>
-          <a:blip r:embed="rId7"/>
-          <a:stretch>
-            <a:fillRect/>
-          </a:stretch>
-        </p:blipFill>
-        <p:spPr>
-          <a:xfrm>
-            <a:off x="5262608" y="2510165"/>
-            <a:ext cx="2928304" cy="751081"/>
+            <a:off x="2319184" y="2519428"/>
+            <a:ext cx="4455692" cy="942257"/>
           </a:xfrm>
           <a:prstGeom prst="rect">
             <a:avLst/>
@@ -34279,7 +36817,7 @@
     </p:spTree>
     <p:extLst>
       <p:ext uri="{BB962C8B-B14F-4D97-AF65-F5344CB8AC3E}">
-        <p14:creationId xmlns:p14="http://schemas.microsoft.com/office/powerpoint/2010/main" val="950536162"/>
+        <p14:creationId xmlns:p14="http://schemas.microsoft.com/office/powerpoint/2010/main" val="3894120066"/>
       </p:ext>
     </p:extLst>
   </p:cSld>
@@ -34329,7 +36867,7 @@
           <a:p>
             <a:r>
               <a:rPr lang="en-GB" dirty="0"/>
-              <a:t>Manipulating Dictionaries Puzzles</a:t>
+              <a:t>Dictionaries</a:t>
             </a:r>
           </a:p>
         </p:txBody>
@@ -34409,8 +36947,8 @@
         </p:nvSpPr>
         <p:spPr>
           <a:xfrm>
-            <a:off x="237061" y="712956"/>
-            <a:ext cx="8619938" cy="3749315"/>
+            <a:off x="237061" y="712957"/>
+            <a:ext cx="8619938" cy="2749572"/>
           </a:xfrm>
           <a:prstGeom prst="rect">
             <a:avLst/>
@@ -34556,29 +37094,12 @@
             </a:lvl9pPr>
           </a:lstStyle>
           <a:p>
-            <a:pPr marL="342900" indent="-342900">
-              <a:buFont typeface="Arial"/>
-              <a:buChar char="•"/>
-            </a:pPr>
             <a:r>
               <a:rPr lang="en-GB" sz="2000" dirty="0">
                 <a:latin typeface="Arial"/>
                 <a:cs typeface="Arial"/>
               </a:rPr>
-              <a:t>Create a dictionary containing with keys ‘one’, ‘two’, and ‘three’ which corresponding values 1, 2, and 4</a:t>
-            </a:r>
-          </a:p>
-          <a:p>
-            <a:pPr marL="342900" indent="-342900">
-              <a:buFont typeface="Arial"/>
-              <a:buChar char="•"/>
-            </a:pPr>
-            <a:r>
-              <a:rPr lang="en-GB" sz="2000" dirty="0">
-                <a:latin typeface="Arial"/>
-                <a:cs typeface="Arial"/>
-              </a:rPr>
-              <a:t>Correct the value for key ‘three’ to be 3 and add a new pair ‘four’: 4</a:t>
+              <a:t>What happens when we try to access a key that doesn’t exist in a dictionary?</a:t>
             </a:r>
           </a:p>
           <a:p>
@@ -34596,33 +37117,10 @@
               <a:buFont typeface="Arial"/>
               <a:buChar char="•"/>
             </a:pPr>
-            <a:r>
-              <a:rPr lang="en-GB" sz="2000" dirty="0">
-                <a:latin typeface="Arial"/>
-                <a:cs typeface="Arial"/>
-              </a:rPr>
-              <a:t>Create an empty dictionary called </a:t>
-            </a:r>
-            <a:r>
-              <a:rPr lang="en-GB" sz="2000" dirty="0">
-                <a:latin typeface="Consolas" panose="020B0609020204030204" pitchFamily="49" charset="0"/>
-                <a:cs typeface="Arial"/>
-              </a:rPr>
-              <a:t>square</a:t>
-            </a:r>
-          </a:p>
-          <a:p>
-            <a:pPr marL="342900" indent="-342900">
-              <a:buFont typeface="Arial"/>
-              <a:buChar char="•"/>
-            </a:pPr>
-            <a:r>
-              <a:rPr lang="en-GB" sz="2000" dirty="0">
-                <a:latin typeface="Arial"/>
-                <a:cs typeface="Arial"/>
-              </a:rPr>
-              <a:t>Loop through the range -5 to 5 (inclusive), each time adding an item to the dictionary which maps the looping variable to its square</a:t>
-            </a:r>
+            <a:endParaRPr lang="en-GB" sz="2000" dirty="0">
+              <a:latin typeface="Arial"/>
+              <a:cs typeface="Arial"/>
+            </a:endParaRPr>
           </a:p>
           <a:p>
             <a:pPr marL="342900" indent="-342900">
@@ -34639,21 +37137,7 @@
               <a:buFont typeface="Arial"/>
               <a:buChar char="•"/>
             </a:pPr>
-            <a:r>
-              <a:rPr lang="en-GB" sz="2000" b="1" dirty="0">
-                <a:latin typeface="Arial"/>
-                <a:cs typeface="Arial"/>
-              </a:rPr>
-              <a:t>Bonus: </a:t>
-            </a:r>
-            <a:r>
-              <a:rPr lang="en-GB" sz="2000" dirty="0">
-                <a:latin typeface="Arial"/>
-                <a:cs typeface="Arial"/>
-              </a:rPr>
-              <a:t>Create a dictionary called employees which contains two dictionaries, each giving the details (say, job title and manager) of a different employee. Access the manager of one of the employees</a:t>
-            </a:r>
-            <a:endParaRPr lang="en-GB" sz="2000" b="1" dirty="0">
+            <a:endParaRPr lang="en-GB" sz="2000" dirty="0">
               <a:latin typeface="Arial"/>
               <a:cs typeface="Arial"/>
             </a:endParaRPr>
@@ -34688,42 +37172,42 @@
               <a:cs typeface="Arial"/>
             </a:endParaRPr>
           </a:p>
-          <a:p>
-            <a:pPr marL="342900" indent="-342900">
-              <a:buFont typeface="Arial"/>
-              <a:buChar char="•"/>
-            </a:pPr>
-            <a:endParaRPr lang="en-GB" sz="2000" dirty="0">
-              <a:latin typeface="Arial"/>
-              <a:cs typeface="Arial"/>
-            </a:endParaRPr>
-          </a:p>
-          <a:p>
-            <a:pPr marL="342900" indent="-342900">
-              <a:buFont typeface="Arial"/>
-              <a:buChar char="•"/>
-            </a:pPr>
-            <a:endParaRPr lang="en-GB" sz="2000" dirty="0">
-              <a:latin typeface="Arial"/>
-              <a:cs typeface="Arial"/>
-            </a:endParaRPr>
-          </a:p>
-          <a:p>
-            <a:pPr marL="342900" indent="-342900">
-              <a:buFont typeface="Arial"/>
-              <a:buChar char="•"/>
-            </a:pPr>
-            <a:endParaRPr lang="en-GB" sz="2000" dirty="0">
-              <a:latin typeface="Arial"/>
-              <a:cs typeface="Arial"/>
-            </a:endParaRPr>
-          </a:p>
-        </p:txBody>
-      </p:sp>
+        </p:txBody>
+      </p:sp>
+      <p:pic>
+        <p:nvPicPr>
+          <p:cNvPr id="7" name="Picture 6" descr="A screenshot of a computer&#10;&#10;Description automatically generated">
+            <a:extLst>
+              <a:ext uri="{FF2B5EF4-FFF2-40B4-BE49-F238E27FC236}">
+                <a16:creationId xmlns:a16="http://schemas.microsoft.com/office/drawing/2014/main" id="{36CFA66A-F89A-0E06-D346-7371F045F5A3}"/>
+              </a:ext>
+            </a:extLst>
+          </p:cNvPr>
+          <p:cNvPicPr>
+            <a:picLocks noChangeAspect="1"/>
+          </p:cNvPicPr>
+          <p:nvPr/>
+        </p:nvPicPr>
+        <p:blipFill>
+          <a:blip r:embed="rId4"/>
+          <a:stretch>
+            <a:fillRect/>
+          </a:stretch>
+        </p:blipFill>
+        <p:spPr>
+          <a:xfrm>
+            <a:off x="579435" y="1517677"/>
+            <a:ext cx="7277994" cy="1962837"/>
+          </a:xfrm>
+          <a:prstGeom prst="rect">
+            <a:avLst/>
+          </a:prstGeom>
+        </p:spPr>
+      </p:pic>
     </p:spTree>
     <p:extLst>
       <p:ext uri="{BB962C8B-B14F-4D97-AF65-F5344CB8AC3E}">
-        <p14:creationId xmlns:p14="http://schemas.microsoft.com/office/powerpoint/2010/main" val="756925942"/>
+        <p14:creationId xmlns:p14="http://schemas.microsoft.com/office/powerpoint/2010/main" val="4270579721"/>
       </p:ext>
     </p:extLst>
   </p:cSld>
@@ -36728,15 +39212,6 @@
 </file>
 
 <file path=customXml/item1.xml><?xml version="1.0" encoding="utf-8"?>
-<?mso-contentType ?>
-<FormTemplates xmlns="http://schemas.microsoft.com/sharepoint/v3/contenttype/forms">
-  <Display>DocumentLibraryForm</Display>
-  <Edit>DocumentLibraryForm</Edit>
-  <New>DocumentLibraryForm</New>
-</FormTemplates>
-</file>
-
-<file path=customXml/item2.xml><?xml version="1.0" encoding="utf-8"?>
 <ct:contentTypeSchema xmlns:ct="http://schemas.microsoft.com/office/2006/metadata/contentType" xmlns:ma="http://schemas.microsoft.com/office/2006/metadata/properties/metaAttributes" ct:_="" ma:_="" ma:contentTypeName="Document" ma:contentTypeID="0x010100C9F3DD611966374C9EAA8DC5A2F94CD8" ma:contentTypeVersion="8" ma:contentTypeDescription="Create a new document." ma:contentTypeScope="" ma:versionID="18a8759320524e51783f13c6663a10d1">
   <xsd:schema xmlns:xsd="http://www.w3.org/2001/XMLSchema" xmlns:xs="http://www.w3.org/2001/XMLSchema" xmlns:p="http://schemas.microsoft.com/office/2006/metadata/properties" xmlns:ns2="44a56295-c29e-4898-8136-a54736c65b82" xmlns:ns3="9675ef8f-b755-4cd6-a742-8cae3d86c4fe" targetNamespace="http://schemas.microsoft.com/office/2006/metadata/properties" ma:root="true" ma:fieldsID="1b693415669a5bc10d56a9234ce5202b" ns2:_="" ns3:_="">
     <xsd:import namespace="44a56295-c29e-4898-8136-a54736c65b82"/>
@@ -36915,12 +39390,16 @@
 </ct:contentTypeSchema>
 </file>
 
-<file path=customXml/item3.xml><?xml version="1.0" encoding="utf-8"?>
+<file path=customXml/item2.xml><?xml version="1.0" encoding="utf-8"?>
 <?mso-contentType ?>
-<SharedContentType xmlns="Microsoft.SharePoint.Taxonomy.ContentTypeSync" SourceId="1ee89e71-04cd-405e-9ca3-99e020c1694d" ContentTypeId="0x0101" PreviousValue="false"/>
+<FormTemplates xmlns="http://schemas.microsoft.com/sharepoint/v3/contenttype/forms">
+  <Display>DocumentLibraryForm</Display>
+  <Edit>DocumentLibraryForm</Edit>
+  <New>DocumentLibraryForm</New>
+</FormTemplates>
 </file>
 
-<file path=customXml/item4.xml><?xml version="1.0" encoding="utf-8"?>
+<file path=customXml/item3.xml><?xml version="1.0" encoding="utf-8"?>
 <p:properties xmlns:p="http://schemas.microsoft.com/office/2006/metadata/properties" xmlns:xsi="http://www.w3.org/2001/XMLSchema-instance" xmlns:pc="http://schemas.microsoft.com/office/infopath/2007/PartnerControls">
   <documentManagement>
     <Keyword xmlns="44a56295-c29e-4898-8136-a54736c65b82" xsi:nil="true"/>
@@ -36929,15 +39408,12 @@
 </p:properties>
 </file>
 
-<file path=customXml/itemProps1.xml><?xml version="1.0" encoding="utf-8"?>
-<ds:datastoreItem xmlns:ds="http://schemas.openxmlformats.org/officeDocument/2006/customXml" ds:itemID="{BEBDFA33-3959-412D-BF65-F572B77FF4EC}">
-  <ds:schemaRefs>
-    <ds:schemaRef ds:uri="http://schemas.microsoft.com/sharepoint/v3/contenttype/forms"/>
-  </ds:schemaRefs>
-</ds:datastoreItem>
+<file path=customXml/item4.xml><?xml version="1.0" encoding="utf-8"?>
+<?mso-contentType ?>
+<SharedContentType xmlns="Microsoft.SharePoint.Taxonomy.ContentTypeSync" SourceId="1ee89e71-04cd-405e-9ca3-99e020c1694d" ContentTypeId="0x0101" PreviousValue="false"/>
 </file>
 
-<file path=customXml/itemProps2.xml><?xml version="1.0" encoding="utf-8"?>
+<file path=customXml/itemProps1.xml><?xml version="1.0" encoding="utf-8"?>
 <ds:datastoreItem xmlns:ds="http://schemas.openxmlformats.org/officeDocument/2006/customXml" ds:itemID="{68ED3CC4-90A9-4466-8611-49F71BEF9534}">
   <ds:schemaRefs>
     <ds:schemaRef ds:uri="44a56295-c29e-4898-8136-a54736c65b82"/>
@@ -36956,15 +39432,15 @@
 </ds:datastoreItem>
 </file>
 
-<file path=customXml/itemProps3.xml><?xml version="1.0" encoding="utf-8"?>
-<ds:datastoreItem xmlns:ds="http://schemas.openxmlformats.org/officeDocument/2006/customXml" ds:itemID="{91989A13-6EBC-4BFF-A25C-E4D3CAAA08AF}">
+<file path=customXml/itemProps2.xml><?xml version="1.0" encoding="utf-8"?>
+<ds:datastoreItem xmlns:ds="http://schemas.openxmlformats.org/officeDocument/2006/customXml" ds:itemID="{BEBDFA33-3959-412D-BF65-F572B77FF4EC}">
   <ds:schemaRefs>
-    <ds:schemaRef ds:uri="Microsoft.SharePoint.Taxonomy.ContentTypeSync"/>
+    <ds:schemaRef ds:uri="http://schemas.microsoft.com/sharepoint/v3/contenttype/forms"/>
   </ds:schemaRefs>
 </ds:datastoreItem>
 </file>
 
-<file path=customXml/itemProps4.xml><?xml version="1.0" encoding="utf-8"?>
+<file path=customXml/itemProps3.xml><?xml version="1.0" encoding="utf-8"?>
 <ds:datastoreItem xmlns:ds="http://schemas.openxmlformats.org/officeDocument/2006/customXml" ds:itemID="{9F6F5FD0-A94F-4E0E-8953-A634089166A9}">
   <ds:schemaRefs>
     <ds:schemaRef ds:uri="44a56295-c29e-4898-8136-a54736c65b82"/>
@@ -36979,4 +39455,12 @@
     <ds:schemaRef ds:uri="http://www.w3.org/XML/1998/namespace"/>
   </ds:schemaRefs>
 </ds:datastoreItem>
+</file>
+
+<file path=customXml/itemProps4.xml><?xml version="1.0" encoding="utf-8"?>
+<ds:datastoreItem xmlns:ds="http://schemas.openxmlformats.org/officeDocument/2006/customXml" ds:itemID="{91989A13-6EBC-4BFF-A25C-E4D3CAAA08AF}">
+  <ds:schemaRefs>
+    <ds:schemaRef ds:uri="Microsoft.SharePoint.Taxonomy.ContentTypeSync"/>
+  </ds:schemaRefs>
+</ds:datastoreItem>
 </file>
--- a/session_seven/session_seven_presentation.pptx
+++ b/session_seven/session_seven_presentation.pptx
@@ -224,30 +224,6 @@
           <pc:docMk/>
           <pc:sldMk cId="904237300" sldId="468"/>
         </pc:sldMkLst>
-      </pc:sldChg>
-    </pc:docChg>
-  </pc:docChgLst>
-  <pc:docChgLst>
-    <pc:chgData name="McKinney, David" userId="S::kqkh779@astrazeneca.net::8b945cb3-78ce-42d7-adc5-b07bab32cd5b" providerId="AD" clId="Web-{2BB45DB9-A5C7-42D9-8D86-58E9C0F106AD}"/>
-    <pc:docChg chg="modSld">
-      <pc:chgData name="McKinney, David" userId="S::kqkh779@astrazeneca.net::8b945cb3-78ce-42d7-adc5-b07bab32cd5b" providerId="AD" clId="Web-{2BB45DB9-A5C7-42D9-8D86-58E9C0F106AD}" dt="2020-03-26T12:03:13.542" v="3" actId="20577"/>
-      <pc:docMkLst>
-        <pc:docMk/>
-      </pc:docMkLst>
-      <pc:sldChg chg="modSp">
-        <pc:chgData name="McKinney, David" userId="S::kqkh779@astrazeneca.net::8b945cb3-78ce-42d7-adc5-b07bab32cd5b" providerId="AD" clId="Web-{2BB45DB9-A5C7-42D9-8D86-58E9C0F106AD}" dt="2020-03-26T12:03:13.542" v="3" actId="20577"/>
-        <pc:sldMkLst>
-          <pc:docMk/>
-          <pc:sldMk cId="2052954903" sldId="358"/>
-        </pc:sldMkLst>
-        <pc:spChg chg="mod">
-          <ac:chgData name="McKinney, David" userId="S::kqkh779@astrazeneca.net::8b945cb3-78ce-42d7-adc5-b07bab32cd5b" providerId="AD" clId="Web-{2BB45DB9-A5C7-42D9-8D86-58E9C0F106AD}" dt="2020-03-26T12:03:13.542" v="3" actId="20577"/>
-          <ac:spMkLst>
-            <pc:docMk/>
-            <pc:sldMk cId="2052954903" sldId="358"/>
-            <ac:spMk id="2" creationId="{C46CB304-3A01-0040-A35A-B50918C22C95}"/>
-          </ac:spMkLst>
-        </pc:spChg>
       </pc:sldChg>
     </pc:docChg>
   </pc:docChgLst>
@@ -1867,6 +1843,30 @@
       </pc:sldChg>
     </pc:docChg>
   </pc:docChgLst>
+  <pc:docChgLst>
+    <pc:chgData name="McKinney, David" userId="S::kqkh779@astrazeneca.net::8b945cb3-78ce-42d7-adc5-b07bab32cd5b" providerId="AD" clId="Web-{2BB45DB9-A5C7-42D9-8D86-58E9C0F106AD}"/>
+    <pc:docChg chg="modSld">
+      <pc:chgData name="McKinney, David" userId="S::kqkh779@astrazeneca.net::8b945cb3-78ce-42d7-adc5-b07bab32cd5b" providerId="AD" clId="Web-{2BB45DB9-A5C7-42D9-8D86-58E9C0F106AD}" dt="2020-03-26T12:03:13.542" v="3" actId="20577"/>
+      <pc:docMkLst>
+        <pc:docMk/>
+      </pc:docMkLst>
+      <pc:sldChg chg="modSp">
+        <pc:chgData name="McKinney, David" userId="S::kqkh779@astrazeneca.net::8b945cb3-78ce-42d7-adc5-b07bab32cd5b" providerId="AD" clId="Web-{2BB45DB9-A5C7-42D9-8D86-58E9C0F106AD}" dt="2020-03-26T12:03:13.542" v="3" actId="20577"/>
+        <pc:sldMkLst>
+          <pc:docMk/>
+          <pc:sldMk cId="2052954903" sldId="358"/>
+        </pc:sldMkLst>
+        <pc:spChg chg="mod">
+          <ac:chgData name="McKinney, David" userId="S::kqkh779@astrazeneca.net::8b945cb3-78ce-42d7-adc5-b07bab32cd5b" providerId="AD" clId="Web-{2BB45DB9-A5C7-42D9-8D86-58E9C0F106AD}" dt="2020-03-26T12:03:13.542" v="3" actId="20577"/>
+          <ac:spMkLst>
+            <pc:docMk/>
+            <pc:sldMk cId="2052954903" sldId="358"/>
+            <ac:spMk id="2" creationId="{C46CB304-3A01-0040-A35A-B50918C22C95}"/>
+          </ac:spMkLst>
+        </pc:spChg>
+      </pc:sldChg>
+    </pc:docChg>
+  </pc:docChgLst>
 </pc:chgInfo>
 </file>
 
@@ -1953,7 +1953,7 @@
             <a:fld id="{3BBED7E8-0829-F34C-B479-A757805E6C1B}" type="datetimeFigureOut">
               <a:rPr lang="en-US" smtClean="0"/>
               <a:pPr/>
-              <a:t>2/14/2024</a:t>
+              <a:t>4/16/2024</a:t>
             </a:fld>
             <a:endParaRPr lang="en-US"/>
           </a:p>
@@ -2121,7 +2121,7 @@
             <a:fld id="{6C7E4F11-7667-5045-A00B-01970EA44BB5}" type="datetimeFigureOut">
               <a:rPr lang="en-US" smtClean="0"/>
               <a:pPr/>
-              <a:t>2/14/2024</a:t>
+              <a:t>4/16/2024</a:t>
             </a:fld>
             <a:endParaRPr lang="en-US"/>
           </a:p>
@@ -31472,6 +31472,85 @@
   <p:clrMapOvr>
     <a:masterClrMapping/>
   </p:clrMapOvr>
+  <p:timing>
+    <p:tnLst>
+      <p:par>
+        <p:cTn id="1" dur="indefinite" restart="never" nodeType="tmRoot">
+          <p:childTnLst>
+            <p:seq concurrent="1" nextAc="seek">
+              <p:cTn id="2" dur="indefinite" nodeType="mainSeq">
+                <p:childTnLst>
+                  <p:par>
+                    <p:cTn id="3" fill="hold">
+                      <p:stCondLst>
+                        <p:cond delay="indefinite"/>
+                      </p:stCondLst>
+                      <p:childTnLst>
+                        <p:par>
+                          <p:cTn id="4" fill="hold">
+                            <p:stCondLst>
+                              <p:cond delay="0"/>
+                            </p:stCondLst>
+                            <p:childTnLst>
+                              <p:par>
+                                <p:cTn id="5" presetID="1" presetClass="entr" presetSubtype="0" fill="hold" nodeType="clickEffect">
+                                  <p:stCondLst>
+                                    <p:cond delay="0"/>
+                                  </p:stCondLst>
+                                  <p:childTnLst>
+                                    <p:set>
+                                      <p:cBhvr>
+                                        <p:cTn id="6" dur="1" fill="hold">
+                                          <p:stCondLst>
+                                            <p:cond delay="0"/>
+                                          </p:stCondLst>
+                                        </p:cTn>
+                                        <p:tgtEl>
+                                          <p:spTgt spid="6">
+                                            <p:txEl>
+                                              <p:pRg st="7" end="7"/>
+                                            </p:txEl>
+                                          </p:spTgt>
+                                        </p:tgtEl>
+                                        <p:attrNameLst>
+                                          <p:attrName>style.visibility</p:attrName>
+                                        </p:attrNameLst>
+                                      </p:cBhvr>
+                                      <p:to>
+                                        <p:strVal val="visible"/>
+                                      </p:to>
+                                    </p:set>
+                                  </p:childTnLst>
+                                </p:cTn>
+                              </p:par>
+                            </p:childTnLst>
+                          </p:cTn>
+                        </p:par>
+                      </p:childTnLst>
+                    </p:cTn>
+                  </p:par>
+                </p:childTnLst>
+              </p:cTn>
+              <p:prevCondLst>
+                <p:cond evt="onPrev" delay="0">
+                  <p:tgtEl>
+                    <p:sldTgt/>
+                  </p:tgtEl>
+                </p:cond>
+              </p:prevCondLst>
+              <p:nextCondLst>
+                <p:cond evt="onNext" delay="0">
+                  <p:tgtEl>
+                    <p:sldTgt/>
+                  </p:tgtEl>
+                </p:cond>
+              </p:nextCondLst>
+            </p:seq>
+          </p:childTnLst>
+        </p:cTn>
+      </p:par>
+    </p:tnLst>
+  </p:timing>
 </p:sld>
 </file>
 
@@ -32620,6 +32699,29 @@
               <a:buFont typeface="Arial"/>
               <a:buChar char="•"/>
             </a:pPr>
+            <a:r>
+              <a:rPr lang="en-GB" sz="2000" dirty="0">
+                <a:latin typeface="Arial"/>
+                <a:cs typeface="Arial"/>
+              </a:rPr>
+              <a:t>Can a dictionary be used as a key in another dictionary? 🤔</a:t>
+            </a:r>
+          </a:p>
+          <a:p>
+            <a:pPr marL="342900" indent="-342900">
+              <a:buFont typeface="Arial"/>
+              <a:buChar char="•"/>
+            </a:pPr>
+            <a:endParaRPr lang="en-GB" sz="2000" dirty="0">
+              <a:latin typeface="Arial"/>
+              <a:cs typeface="Arial"/>
+            </a:endParaRPr>
+          </a:p>
+          <a:p>
+            <a:pPr marL="342900" indent="-342900">
+              <a:buFont typeface="Arial"/>
+              <a:buChar char="•"/>
+            </a:pPr>
             <a:endParaRPr lang="en-GB" sz="2000" dirty="0">
               <a:latin typeface="Arial"/>
               <a:cs typeface="Arial"/>
@@ -32689,6 +32791,85 @@
   <p:clrMapOvr>
     <a:masterClrMapping/>
   </p:clrMapOvr>
+  <p:timing>
+    <p:tnLst>
+      <p:par>
+        <p:cTn id="1" dur="indefinite" restart="never" nodeType="tmRoot">
+          <p:childTnLst>
+            <p:seq concurrent="1" nextAc="seek">
+              <p:cTn id="2" dur="indefinite" nodeType="mainSeq">
+                <p:childTnLst>
+                  <p:par>
+                    <p:cTn id="3" fill="hold">
+                      <p:stCondLst>
+                        <p:cond delay="indefinite"/>
+                      </p:stCondLst>
+                      <p:childTnLst>
+                        <p:par>
+                          <p:cTn id="4" fill="hold">
+                            <p:stCondLst>
+                              <p:cond delay="0"/>
+                            </p:stCondLst>
+                            <p:childTnLst>
+                              <p:par>
+                                <p:cTn id="5" presetID="1" presetClass="entr" presetSubtype="0" fill="hold" nodeType="clickEffect">
+                                  <p:stCondLst>
+                                    <p:cond delay="0"/>
+                                  </p:stCondLst>
+                                  <p:childTnLst>
+                                    <p:set>
+                                      <p:cBhvr>
+                                        <p:cTn id="6" dur="1" fill="hold">
+                                          <p:stCondLst>
+                                            <p:cond delay="0"/>
+                                          </p:stCondLst>
+                                        </p:cTn>
+                                        <p:tgtEl>
+                                          <p:spTgt spid="6">
+                                            <p:txEl>
+                                              <p:pRg st="4" end="4"/>
+                                            </p:txEl>
+                                          </p:spTgt>
+                                        </p:tgtEl>
+                                        <p:attrNameLst>
+                                          <p:attrName>style.visibility</p:attrName>
+                                        </p:attrNameLst>
+                                      </p:cBhvr>
+                                      <p:to>
+                                        <p:strVal val="visible"/>
+                                      </p:to>
+                                    </p:set>
+                                  </p:childTnLst>
+                                </p:cTn>
+                              </p:par>
+                            </p:childTnLst>
+                          </p:cTn>
+                        </p:par>
+                      </p:childTnLst>
+                    </p:cTn>
+                  </p:par>
+                </p:childTnLst>
+              </p:cTn>
+              <p:prevCondLst>
+                <p:cond evt="onPrev" delay="0">
+                  <p:tgtEl>
+                    <p:sldTgt/>
+                  </p:tgtEl>
+                </p:cond>
+              </p:prevCondLst>
+              <p:nextCondLst>
+                <p:cond evt="onNext" delay="0">
+                  <p:tgtEl>
+                    <p:sldTgt/>
+                  </p:tgtEl>
+                </p:cond>
+              </p:nextCondLst>
+            </p:seq>
+          </p:childTnLst>
+        </p:cTn>
+      </p:par>
+    </p:tnLst>
+  </p:timing>
 </p:sld>
 </file>
 
@@ -33127,6 +33308,23 @@
                 <a:cs typeface="Arial"/>
               </a:rPr>
               <a:t>g[x] = y</a:t>
+            </a:r>
+          </a:p>
+          <a:p>
+            <a:pPr lvl="1"/>
+            <a:endParaRPr lang="en-GB" sz="2000" dirty="0">
+              <a:latin typeface="Consolas" panose="020B0609020204030204" pitchFamily="49" charset="0"/>
+              <a:cs typeface="Arial"/>
+            </a:endParaRPr>
+          </a:p>
+          <a:p>
+            <a:pPr lvl="1"/>
+            <a:r>
+              <a:rPr lang="en-GB" sz="2000" dirty="0">
+                <a:latin typeface="Calibri" panose="020F0502020204030204" pitchFamily="34" charset="0"/>
+                <a:cs typeface="Calibri" panose="020F0502020204030204" pitchFamily="34" charset="0"/>
+              </a:rPr>
+              <a:t>e.g. if g = {“a”:1, “b”:1, “c”:2}, then h should be such that h[1] = [“a”, “b”], h[2] = [“c”]</a:t>
             </a:r>
           </a:p>
           <a:p>
@@ -33574,6 +33772,36 @@
           </a:p>
         </p:txBody>
       </p:sp>
+      <p:pic>
+        <p:nvPicPr>
+          <p:cNvPr id="5" name="Picture 4" descr="A number of numbers with green letters&#10;&#10;Description automatically generated with medium confidence">
+            <a:extLst>
+              <a:ext uri="{FF2B5EF4-FFF2-40B4-BE49-F238E27FC236}">
+                <a16:creationId xmlns:a16="http://schemas.microsoft.com/office/drawing/2014/main" id="{779B98EA-1442-85DE-4259-9259E65329CF}"/>
+              </a:ext>
+            </a:extLst>
+          </p:cNvPr>
+          <p:cNvPicPr>
+            <a:picLocks noChangeAspect="1"/>
+          </p:cNvPicPr>
+          <p:nvPr/>
+        </p:nvPicPr>
+        <p:blipFill>
+          <a:blip r:embed="rId3"/>
+          <a:stretch>
+            <a:fillRect/>
+          </a:stretch>
+        </p:blipFill>
+        <p:spPr>
+          <a:xfrm>
+            <a:off x="2434712" y="3000004"/>
+            <a:ext cx="3801168" cy="1639231"/>
+          </a:xfrm>
+          <a:prstGeom prst="rect">
+            <a:avLst/>
+          </a:prstGeom>
+        </p:spPr>
+      </p:pic>
     </p:spTree>
     <p:extLst>
       <p:ext uri="{BB962C8B-B14F-4D97-AF65-F5344CB8AC3E}">
@@ -33935,7 +34163,7 @@
           <p:nvPr>
             <p:extLst>
               <p:ext uri="{D42A27DB-BD31-4B8C-83A1-F6EECF244321}">
-                <p14:modId xmlns:p14="http://schemas.microsoft.com/office/powerpoint/2010/main" val="2161772134"/>
+                <p14:modId xmlns:p14="http://schemas.microsoft.com/office/powerpoint/2010/main" val="877469673"/>
               </p:ext>
             </p:extLst>
           </p:nvPr>
@@ -33979,7 +34207,28 @@
                       </a:r>
                     </a:p>
                   </a:txBody>
-                  <a:tcPr/>
+                  <a:tcPr>
+                    <a:lnL w="12700" cmpd="sng">
+                      <a:noFill/>
+                    </a:lnL>
+                    <a:lnR w="12700" cmpd="sng">
+                      <a:noFill/>
+                    </a:lnR>
+                    <a:lnT w="12700" cmpd="sng">
+                      <a:noFill/>
+                    </a:lnT>
+                    <a:lnB w="38100" cmpd="sng">
+                      <a:noFill/>
+                    </a:lnB>
+                    <a:lnTlToBr w="12700" cmpd="sng">
+                      <a:noFill/>
+                      <a:prstDash val="solid"/>
+                    </a:lnTlToBr>
+                    <a:lnBlToTr w="12700" cmpd="sng">
+                      <a:noFill/>
+                      <a:prstDash val="solid"/>
+                    </a:lnBlToTr>
+                  </a:tcPr>
                 </a:tc>
                 <a:tc>
                   <a:txBody>
@@ -33993,7 +34242,28 @@
                       </a:r>
                     </a:p>
                   </a:txBody>
-                  <a:tcPr/>
+                  <a:tcPr>
+                    <a:lnL w="12700" cmpd="sng">
+                      <a:noFill/>
+                    </a:lnL>
+                    <a:lnR w="12700" cmpd="sng">
+                      <a:noFill/>
+                    </a:lnR>
+                    <a:lnT w="12700" cmpd="sng">
+                      <a:noFill/>
+                    </a:lnT>
+                    <a:lnB w="38100" cmpd="sng">
+                      <a:noFill/>
+                    </a:lnB>
+                    <a:lnTlToBr w="12700" cmpd="sng">
+                      <a:noFill/>
+                      <a:prstDash val="solid"/>
+                    </a:lnTlToBr>
+                    <a:lnBlToTr w="12700" cmpd="sng">
+                      <a:noFill/>
+                      <a:prstDash val="solid"/>
+                    </a:lnBlToTr>
+                  </a:tcPr>
                 </a:tc>
                 <a:extLst>
                   <a:ext uri="{0D108BD9-81ED-4DB2-BD59-A6C34878D82A}">
@@ -34014,7 +34284,33 @@
                       </a:r>
                     </a:p>
                   </a:txBody>
-                  <a:tcPr/>
+                  <a:tcPr>
+                    <a:lnL w="12700" cmpd="sng">
+                      <a:noFill/>
+                    </a:lnL>
+                    <a:lnR w="12700" cmpd="sng">
+                      <a:noFill/>
+                    </a:lnR>
+                    <a:lnT w="38100" cmpd="sng">
+                      <a:noFill/>
+                    </a:lnT>
+                    <a:lnB w="12700" cmpd="sng">
+                      <a:noFill/>
+                    </a:lnB>
+                    <a:lnTlToBr w="12700" cmpd="sng">
+                      <a:noFill/>
+                      <a:prstDash val="solid"/>
+                    </a:lnTlToBr>
+                    <a:lnBlToTr w="12700" cmpd="sng">
+                      <a:noFill/>
+                      <a:prstDash val="solid"/>
+                    </a:lnBlToTr>
+                    <a:solidFill>
+                      <a:schemeClr val="bg1">
+                        <a:lumMod val="85000"/>
+                      </a:schemeClr>
+                    </a:solidFill>
+                  </a:tcPr>
                 </a:tc>
                 <a:tc>
                   <a:txBody>
@@ -34028,7 +34324,33 @@
                       </a:r>
                     </a:p>
                   </a:txBody>
-                  <a:tcPr/>
+                  <a:tcPr>
+                    <a:lnL w="12700" cmpd="sng">
+                      <a:noFill/>
+                    </a:lnL>
+                    <a:lnR w="12700" cmpd="sng">
+                      <a:noFill/>
+                    </a:lnR>
+                    <a:lnT w="38100" cmpd="sng">
+                      <a:noFill/>
+                    </a:lnT>
+                    <a:lnB w="12700" cmpd="sng">
+                      <a:noFill/>
+                    </a:lnB>
+                    <a:lnTlToBr w="12700" cmpd="sng">
+                      <a:noFill/>
+                      <a:prstDash val="solid"/>
+                    </a:lnTlToBr>
+                    <a:lnBlToTr w="12700" cmpd="sng">
+                      <a:noFill/>
+                      <a:prstDash val="solid"/>
+                    </a:lnBlToTr>
+                    <a:solidFill>
+                      <a:schemeClr val="bg1">
+                        <a:lumMod val="85000"/>
+                      </a:schemeClr>
+                    </a:solidFill>
+                  </a:tcPr>
                 </a:tc>
                 <a:extLst>
                   <a:ext uri="{0D108BD9-81ED-4DB2-BD59-A6C34878D82A}">
@@ -34049,7 +34371,33 @@
                       </a:r>
                     </a:p>
                   </a:txBody>
-                  <a:tcPr/>
+                  <a:tcPr>
+                    <a:lnL w="12700" cmpd="sng">
+                      <a:noFill/>
+                    </a:lnL>
+                    <a:lnR w="12700" cmpd="sng">
+                      <a:noFill/>
+                    </a:lnR>
+                    <a:lnT w="12700" cmpd="sng">
+                      <a:noFill/>
+                    </a:lnT>
+                    <a:lnB w="12700" cmpd="sng">
+                      <a:noFill/>
+                    </a:lnB>
+                    <a:lnTlToBr w="12700" cmpd="sng">
+                      <a:noFill/>
+                      <a:prstDash val="solid"/>
+                    </a:lnTlToBr>
+                    <a:lnBlToTr w="12700" cmpd="sng">
+                      <a:noFill/>
+                      <a:prstDash val="solid"/>
+                    </a:lnBlToTr>
+                    <a:solidFill>
+                      <a:schemeClr val="bg1">
+                        <a:lumMod val="85000"/>
+                      </a:schemeClr>
+                    </a:solidFill>
+                  </a:tcPr>
                 </a:tc>
                 <a:tc>
                   <a:txBody>
@@ -34063,7 +34411,33 @@
                       </a:r>
                     </a:p>
                   </a:txBody>
-                  <a:tcPr/>
+                  <a:tcPr>
+                    <a:lnL w="12700" cmpd="sng">
+                      <a:noFill/>
+                    </a:lnL>
+                    <a:lnR w="12700" cmpd="sng">
+                      <a:noFill/>
+                    </a:lnR>
+                    <a:lnT w="12700" cmpd="sng">
+                      <a:noFill/>
+                    </a:lnT>
+                    <a:lnB w="12700" cmpd="sng">
+                      <a:noFill/>
+                    </a:lnB>
+                    <a:lnTlToBr w="12700" cmpd="sng">
+                      <a:noFill/>
+                      <a:prstDash val="solid"/>
+                    </a:lnTlToBr>
+                    <a:lnBlToTr w="12700" cmpd="sng">
+                      <a:noFill/>
+                      <a:prstDash val="solid"/>
+                    </a:lnBlToTr>
+                    <a:solidFill>
+                      <a:schemeClr val="bg1">
+                        <a:lumMod val="85000"/>
+                      </a:schemeClr>
+                    </a:solidFill>
+                  </a:tcPr>
                 </a:tc>
                 <a:extLst>
                   <a:ext uri="{0D108BD9-81ED-4DB2-BD59-A6C34878D82A}">
@@ -34084,7 +34458,33 @@
                       </a:r>
                     </a:p>
                   </a:txBody>
-                  <a:tcPr/>
+                  <a:tcPr>
+                    <a:lnL w="12700" cmpd="sng">
+                      <a:noFill/>
+                    </a:lnL>
+                    <a:lnR w="12700" cmpd="sng">
+                      <a:noFill/>
+                    </a:lnR>
+                    <a:lnT w="12700" cmpd="sng">
+                      <a:noFill/>
+                    </a:lnT>
+                    <a:lnB w="12700" cmpd="sng">
+                      <a:noFill/>
+                    </a:lnB>
+                    <a:lnTlToBr w="12700" cmpd="sng">
+                      <a:noFill/>
+                      <a:prstDash val="solid"/>
+                    </a:lnTlToBr>
+                    <a:lnBlToTr w="12700" cmpd="sng">
+                      <a:noFill/>
+                      <a:prstDash val="solid"/>
+                    </a:lnBlToTr>
+                    <a:solidFill>
+                      <a:schemeClr val="bg1">
+                        <a:lumMod val="85000"/>
+                      </a:schemeClr>
+                    </a:solidFill>
+                  </a:tcPr>
                 </a:tc>
                 <a:tc>
                   <a:txBody>
@@ -34098,7 +34498,33 @@
                       </a:r>
                     </a:p>
                   </a:txBody>
-                  <a:tcPr/>
+                  <a:tcPr>
+                    <a:lnL w="12700" cmpd="sng">
+                      <a:noFill/>
+                    </a:lnL>
+                    <a:lnR w="12700" cmpd="sng">
+                      <a:noFill/>
+                    </a:lnR>
+                    <a:lnT w="12700" cmpd="sng">
+                      <a:noFill/>
+                    </a:lnT>
+                    <a:lnB w="12700" cmpd="sng">
+                      <a:noFill/>
+                    </a:lnB>
+                    <a:lnTlToBr w="12700" cmpd="sng">
+                      <a:noFill/>
+                      <a:prstDash val="solid"/>
+                    </a:lnTlToBr>
+                    <a:lnBlToTr w="12700" cmpd="sng">
+                      <a:noFill/>
+                      <a:prstDash val="solid"/>
+                    </a:lnBlToTr>
+                    <a:solidFill>
+                      <a:schemeClr val="bg1">
+                        <a:lumMod val="85000"/>
+                      </a:schemeClr>
+                    </a:solidFill>
+                  </a:tcPr>
                 </a:tc>
                 <a:extLst>
                   <a:ext uri="{0D108BD9-81ED-4DB2-BD59-A6C34878D82A}">
@@ -34119,7 +34545,33 @@
                       </a:r>
                     </a:p>
                   </a:txBody>
-                  <a:tcPr/>
+                  <a:tcPr>
+                    <a:lnL w="12700" cmpd="sng">
+                      <a:noFill/>
+                    </a:lnL>
+                    <a:lnR w="12700" cmpd="sng">
+                      <a:noFill/>
+                    </a:lnR>
+                    <a:lnT w="12700" cmpd="sng">
+                      <a:noFill/>
+                    </a:lnT>
+                    <a:lnB w="12700" cmpd="sng">
+                      <a:noFill/>
+                    </a:lnB>
+                    <a:lnTlToBr w="12700" cmpd="sng">
+                      <a:noFill/>
+                      <a:prstDash val="solid"/>
+                    </a:lnTlToBr>
+                    <a:lnBlToTr w="12700" cmpd="sng">
+                      <a:noFill/>
+                      <a:prstDash val="solid"/>
+                    </a:lnBlToTr>
+                    <a:solidFill>
+                      <a:schemeClr val="bg1">
+                        <a:lumMod val="85000"/>
+                      </a:schemeClr>
+                    </a:solidFill>
+                  </a:tcPr>
                 </a:tc>
                 <a:tc>
                   <a:txBody>
@@ -34133,7 +34585,33 @@
                       </a:r>
                     </a:p>
                   </a:txBody>
-                  <a:tcPr/>
+                  <a:tcPr>
+                    <a:lnL w="12700" cmpd="sng">
+                      <a:noFill/>
+                    </a:lnL>
+                    <a:lnR w="12700" cmpd="sng">
+                      <a:noFill/>
+                    </a:lnR>
+                    <a:lnT w="12700" cmpd="sng">
+                      <a:noFill/>
+                    </a:lnT>
+                    <a:lnB w="12700" cmpd="sng">
+                      <a:noFill/>
+                    </a:lnB>
+                    <a:lnTlToBr w="12700" cmpd="sng">
+                      <a:noFill/>
+                      <a:prstDash val="solid"/>
+                    </a:lnTlToBr>
+                    <a:lnBlToTr w="12700" cmpd="sng">
+                      <a:noFill/>
+                      <a:prstDash val="solid"/>
+                    </a:lnBlToTr>
+                    <a:solidFill>
+                      <a:schemeClr val="bg1">
+                        <a:lumMod val="85000"/>
+                      </a:schemeClr>
+                    </a:solidFill>
+                  </a:tcPr>
                 </a:tc>
                 <a:extLst>
                   <a:ext uri="{0D108BD9-81ED-4DB2-BD59-A6C34878D82A}">
@@ -34160,7 +34638,7 @@
           <p:nvPr>
             <p:extLst>
               <p:ext uri="{D42A27DB-BD31-4B8C-83A1-F6EECF244321}">
-                <p14:modId xmlns:p14="http://schemas.microsoft.com/office/powerpoint/2010/main" val="1206573358"/>
+                <p14:modId xmlns:p14="http://schemas.microsoft.com/office/powerpoint/2010/main" val="4245002094"/>
               </p:ext>
             </p:extLst>
           </p:nvPr>
@@ -34204,7 +34682,28 @@
                       </a:r>
                     </a:p>
                   </a:txBody>
-                  <a:tcPr/>
+                  <a:tcPr>
+                    <a:lnL w="12700" cmpd="sng">
+                      <a:noFill/>
+                    </a:lnL>
+                    <a:lnR w="12700" cmpd="sng">
+                      <a:noFill/>
+                    </a:lnR>
+                    <a:lnT w="12700" cmpd="sng">
+                      <a:noFill/>
+                    </a:lnT>
+                    <a:lnB w="38100" cmpd="sng">
+                      <a:noFill/>
+                    </a:lnB>
+                    <a:lnTlToBr w="12700" cmpd="sng">
+                      <a:noFill/>
+                      <a:prstDash val="solid"/>
+                    </a:lnTlToBr>
+                    <a:lnBlToTr w="12700" cmpd="sng">
+                      <a:noFill/>
+                      <a:prstDash val="solid"/>
+                    </a:lnBlToTr>
+                  </a:tcPr>
                 </a:tc>
                 <a:tc>
                   <a:txBody>
@@ -34218,7 +34717,28 @@
                       </a:r>
                     </a:p>
                   </a:txBody>
-                  <a:tcPr/>
+                  <a:tcPr>
+                    <a:lnL w="12700" cmpd="sng">
+                      <a:noFill/>
+                    </a:lnL>
+                    <a:lnR w="12700" cmpd="sng">
+                      <a:noFill/>
+                    </a:lnR>
+                    <a:lnT w="12700" cmpd="sng">
+                      <a:noFill/>
+                    </a:lnT>
+                    <a:lnB w="38100" cmpd="sng">
+                      <a:noFill/>
+                    </a:lnB>
+                    <a:lnTlToBr w="12700" cmpd="sng">
+                      <a:noFill/>
+                      <a:prstDash val="solid"/>
+                    </a:lnTlToBr>
+                    <a:lnBlToTr w="12700" cmpd="sng">
+                      <a:noFill/>
+                      <a:prstDash val="solid"/>
+                    </a:lnBlToTr>
+                  </a:tcPr>
                 </a:tc>
                 <a:extLst>
                   <a:ext uri="{0D108BD9-81ED-4DB2-BD59-A6C34878D82A}">
@@ -34239,7 +34759,33 @@
                       </a:r>
                     </a:p>
                   </a:txBody>
-                  <a:tcPr/>
+                  <a:tcPr>
+                    <a:lnL w="12700" cmpd="sng">
+                      <a:noFill/>
+                    </a:lnL>
+                    <a:lnR w="12700" cmpd="sng">
+                      <a:noFill/>
+                    </a:lnR>
+                    <a:lnT w="38100" cmpd="sng">
+                      <a:noFill/>
+                    </a:lnT>
+                    <a:lnB w="12700" cmpd="sng">
+                      <a:noFill/>
+                    </a:lnB>
+                    <a:lnTlToBr w="12700" cmpd="sng">
+                      <a:noFill/>
+                      <a:prstDash val="solid"/>
+                    </a:lnTlToBr>
+                    <a:lnBlToTr w="12700" cmpd="sng">
+                      <a:noFill/>
+                      <a:prstDash val="solid"/>
+                    </a:lnBlToTr>
+                    <a:solidFill>
+                      <a:schemeClr val="bg1">
+                        <a:lumMod val="85000"/>
+                      </a:schemeClr>
+                    </a:solidFill>
+                  </a:tcPr>
                 </a:tc>
                 <a:tc>
                   <a:txBody>
@@ -34253,7 +34799,33 @@
                       </a:r>
                     </a:p>
                   </a:txBody>
-                  <a:tcPr/>
+                  <a:tcPr>
+                    <a:lnL w="12700" cmpd="sng">
+                      <a:noFill/>
+                    </a:lnL>
+                    <a:lnR w="12700" cmpd="sng">
+                      <a:noFill/>
+                    </a:lnR>
+                    <a:lnT w="38100" cmpd="sng">
+                      <a:noFill/>
+                    </a:lnT>
+                    <a:lnB w="12700" cmpd="sng">
+                      <a:noFill/>
+                    </a:lnB>
+                    <a:lnTlToBr w="12700" cmpd="sng">
+                      <a:noFill/>
+                      <a:prstDash val="solid"/>
+                    </a:lnTlToBr>
+                    <a:lnBlToTr w="12700" cmpd="sng">
+                      <a:noFill/>
+                      <a:prstDash val="solid"/>
+                    </a:lnBlToTr>
+                    <a:solidFill>
+                      <a:schemeClr val="bg1">
+                        <a:lumMod val="85000"/>
+                      </a:schemeClr>
+                    </a:solidFill>
+                  </a:tcPr>
                 </a:tc>
                 <a:extLst>
                   <a:ext uri="{0D108BD9-81ED-4DB2-BD59-A6C34878D82A}">
@@ -34274,7 +34846,33 @@
                       </a:r>
                     </a:p>
                   </a:txBody>
-                  <a:tcPr/>
+                  <a:tcPr>
+                    <a:lnL w="12700" cmpd="sng">
+                      <a:noFill/>
+                    </a:lnL>
+                    <a:lnR w="12700" cmpd="sng">
+                      <a:noFill/>
+                    </a:lnR>
+                    <a:lnT w="12700" cmpd="sng">
+                      <a:noFill/>
+                    </a:lnT>
+                    <a:lnB w="12700" cmpd="sng">
+                      <a:noFill/>
+                    </a:lnB>
+                    <a:lnTlToBr w="12700" cmpd="sng">
+                      <a:noFill/>
+                      <a:prstDash val="solid"/>
+                    </a:lnTlToBr>
+                    <a:lnBlToTr w="12700" cmpd="sng">
+                      <a:noFill/>
+                      <a:prstDash val="solid"/>
+                    </a:lnBlToTr>
+                    <a:solidFill>
+                      <a:schemeClr val="bg1">
+                        <a:lumMod val="85000"/>
+                      </a:schemeClr>
+                    </a:solidFill>
+                  </a:tcPr>
                 </a:tc>
                 <a:tc>
                   <a:txBody>
@@ -34288,7 +34886,33 @@
                       </a:r>
                     </a:p>
                   </a:txBody>
-                  <a:tcPr/>
+                  <a:tcPr>
+                    <a:lnL w="12700" cmpd="sng">
+                      <a:noFill/>
+                    </a:lnL>
+                    <a:lnR w="12700" cmpd="sng">
+                      <a:noFill/>
+                    </a:lnR>
+                    <a:lnT w="12700" cmpd="sng">
+                      <a:noFill/>
+                    </a:lnT>
+                    <a:lnB w="12700" cmpd="sng">
+                      <a:noFill/>
+                    </a:lnB>
+                    <a:lnTlToBr w="12700" cmpd="sng">
+                      <a:noFill/>
+                      <a:prstDash val="solid"/>
+                    </a:lnTlToBr>
+                    <a:lnBlToTr w="12700" cmpd="sng">
+                      <a:noFill/>
+                      <a:prstDash val="solid"/>
+                    </a:lnBlToTr>
+                    <a:solidFill>
+                      <a:schemeClr val="bg1">
+                        <a:lumMod val="85000"/>
+                      </a:schemeClr>
+                    </a:solidFill>
+                  </a:tcPr>
                 </a:tc>
                 <a:extLst>
                   <a:ext uri="{0D108BD9-81ED-4DB2-BD59-A6C34878D82A}">
@@ -34309,7 +34933,33 @@
                       </a:r>
                     </a:p>
                   </a:txBody>
-                  <a:tcPr/>
+                  <a:tcPr>
+                    <a:lnL w="12700" cmpd="sng">
+                      <a:noFill/>
+                    </a:lnL>
+                    <a:lnR w="12700" cmpd="sng">
+                      <a:noFill/>
+                    </a:lnR>
+                    <a:lnT w="12700" cmpd="sng">
+                      <a:noFill/>
+                    </a:lnT>
+                    <a:lnB w="12700" cmpd="sng">
+                      <a:noFill/>
+                    </a:lnB>
+                    <a:lnTlToBr w="12700" cmpd="sng">
+                      <a:noFill/>
+                      <a:prstDash val="solid"/>
+                    </a:lnTlToBr>
+                    <a:lnBlToTr w="12700" cmpd="sng">
+                      <a:noFill/>
+                      <a:prstDash val="solid"/>
+                    </a:lnBlToTr>
+                    <a:solidFill>
+                      <a:schemeClr val="bg1">
+                        <a:lumMod val="85000"/>
+                      </a:schemeClr>
+                    </a:solidFill>
+                  </a:tcPr>
                 </a:tc>
                 <a:tc>
                   <a:txBody>
@@ -34323,7 +34973,33 @@
                       </a:r>
                     </a:p>
                   </a:txBody>
-                  <a:tcPr/>
+                  <a:tcPr>
+                    <a:lnL w="12700" cmpd="sng">
+                      <a:noFill/>
+                    </a:lnL>
+                    <a:lnR w="12700" cmpd="sng">
+                      <a:noFill/>
+                    </a:lnR>
+                    <a:lnT w="12700" cmpd="sng">
+                      <a:noFill/>
+                    </a:lnT>
+                    <a:lnB w="12700" cmpd="sng">
+                      <a:noFill/>
+                    </a:lnB>
+                    <a:lnTlToBr w="12700" cmpd="sng">
+                      <a:noFill/>
+                      <a:prstDash val="solid"/>
+                    </a:lnTlToBr>
+                    <a:lnBlToTr w="12700" cmpd="sng">
+                      <a:noFill/>
+                      <a:prstDash val="solid"/>
+                    </a:lnBlToTr>
+                    <a:solidFill>
+                      <a:schemeClr val="bg1">
+                        <a:lumMod val="85000"/>
+                      </a:schemeClr>
+                    </a:solidFill>
+                  </a:tcPr>
                 </a:tc>
                 <a:extLst>
                   <a:ext uri="{0D108BD9-81ED-4DB2-BD59-A6C34878D82A}">
@@ -34344,7 +35020,33 @@
                       </a:r>
                     </a:p>
                   </a:txBody>
-                  <a:tcPr/>
+                  <a:tcPr>
+                    <a:lnL w="12700" cmpd="sng">
+                      <a:noFill/>
+                    </a:lnL>
+                    <a:lnR w="12700" cmpd="sng">
+                      <a:noFill/>
+                    </a:lnR>
+                    <a:lnT w="12700" cmpd="sng">
+                      <a:noFill/>
+                    </a:lnT>
+                    <a:lnB w="12700" cmpd="sng">
+                      <a:noFill/>
+                    </a:lnB>
+                    <a:lnTlToBr w="12700" cmpd="sng">
+                      <a:noFill/>
+                      <a:prstDash val="solid"/>
+                    </a:lnTlToBr>
+                    <a:lnBlToTr w="12700" cmpd="sng">
+                      <a:noFill/>
+                      <a:prstDash val="solid"/>
+                    </a:lnBlToTr>
+                    <a:solidFill>
+                      <a:schemeClr val="bg1">
+                        <a:lumMod val="85000"/>
+                      </a:schemeClr>
+                    </a:solidFill>
+                  </a:tcPr>
                 </a:tc>
                 <a:tc>
                   <a:txBody>
@@ -34358,7 +35060,33 @@
                       </a:r>
                     </a:p>
                   </a:txBody>
-                  <a:tcPr/>
+                  <a:tcPr>
+                    <a:lnL w="12700" cmpd="sng">
+                      <a:noFill/>
+                    </a:lnL>
+                    <a:lnR w="12700" cmpd="sng">
+                      <a:noFill/>
+                    </a:lnR>
+                    <a:lnT w="12700" cmpd="sng">
+                      <a:noFill/>
+                    </a:lnT>
+                    <a:lnB w="12700" cmpd="sng">
+                      <a:noFill/>
+                    </a:lnB>
+                    <a:lnTlToBr w="12700" cmpd="sng">
+                      <a:noFill/>
+                      <a:prstDash val="solid"/>
+                    </a:lnTlToBr>
+                    <a:lnBlToTr w="12700" cmpd="sng">
+                      <a:noFill/>
+                      <a:prstDash val="solid"/>
+                    </a:lnBlToTr>
+                    <a:solidFill>
+                      <a:schemeClr val="bg1">
+                        <a:lumMod val="85000"/>
+                      </a:schemeClr>
+                    </a:solidFill>
+                  </a:tcPr>
                 </a:tc>
                 <a:extLst>
                   <a:ext uri="{0D108BD9-81ED-4DB2-BD59-A6C34878D82A}">
@@ -34442,6 +35170,503 @@
           </a:p>
         </p:txBody>
       </p:sp>
+      <p:cxnSp>
+        <p:nvCxnSpPr>
+          <p:cNvPr id="7" name="Straight Arrow Connector 6">
+            <a:extLst>
+              <a:ext uri="{FF2B5EF4-FFF2-40B4-BE49-F238E27FC236}">
+                <a16:creationId xmlns:a16="http://schemas.microsoft.com/office/drawing/2014/main" id="{E8EC5BAC-6B98-0E68-5FC9-A6ECCA90F786}"/>
+              </a:ext>
+            </a:extLst>
+          </p:cNvPr>
+          <p:cNvCxnSpPr>
+            <a:cxnSpLocks/>
+          </p:cNvCxnSpPr>
+          <p:nvPr/>
+        </p:nvCxnSpPr>
+        <p:spPr>
+          <a:xfrm>
+            <a:off x="2321858" y="3070411"/>
+            <a:ext cx="372036" cy="0"/>
+          </a:xfrm>
+          <a:prstGeom prst="straightConnector1">
+            <a:avLst/>
+          </a:prstGeom>
+          <a:ln>
+            <a:solidFill>
+              <a:schemeClr val="accent6"/>
+            </a:solidFill>
+            <a:headEnd type="triangle"/>
+            <a:tailEnd type="triangle"/>
+          </a:ln>
+          <a:effectLst/>
+        </p:spPr>
+        <p:style>
+          <a:lnRef idx="2">
+            <a:schemeClr val="accent1"/>
+          </a:lnRef>
+          <a:fillRef idx="0">
+            <a:schemeClr val="accent1"/>
+          </a:fillRef>
+          <a:effectRef idx="1">
+            <a:schemeClr val="accent1"/>
+          </a:effectRef>
+          <a:fontRef idx="minor">
+            <a:schemeClr val="tx1"/>
+          </a:fontRef>
+        </p:style>
+      </p:cxnSp>
+      <p:cxnSp>
+        <p:nvCxnSpPr>
+          <p:cNvPr id="14" name="Straight Arrow Connector 13">
+            <a:extLst>
+              <a:ext uri="{FF2B5EF4-FFF2-40B4-BE49-F238E27FC236}">
+                <a16:creationId xmlns:a16="http://schemas.microsoft.com/office/drawing/2014/main" id="{52692AF2-47CC-A3A7-C64B-92410DEAFDFC}"/>
+              </a:ext>
+            </a:extLst>
+          </p:cNvPr>
+          <p:cNvCxnSpPr>
+            <a:cxnSpLocks/>
+          </p:cNvCxnSpPr>
+          <p:nvPr/>
+        </p:nvCxnSpPr>
+        <p:spPr>
+          <a:xfrm>
+            <a:off x="2321858" y="3429001"/>
+            <a:ext cx="372036" cy="0"/>
+          </a:xfrm>
+          <a:prstGeom prst="straightConnector1">
+            <a:avLst/>
+          </a:prstGeom>
+          <a:ln>
+            <a:headEnd type="triangle"/>
+            <a:tailEnd type="triangle"/>
+          </a:ln>
+          <a:effectLst/>
+        </p:spPr>
+        <p:style>
+          <a:lnRef idx="2">
+            <a:schemeClr val="accent1"/>
+          </a:lnRef>
+          <a:fillRef idx="0">
+            <a:schemeClr val="accent1"/>
+          </a:fillRef>
+          <a:effectRef idx="1">
+            <a:schemeClr val="accent1"/>
+          </a:effectRef>
+          <a:fontRef idx="minor">
+            <a:schemeClr val="tx1"/>
+          </a:fontRef>
+        </p:style>
+      </p:cxnSp>
+      <p:cxnSp>
+        <p:nvCxnSpPr>
+          <p:cNvPr id="15" name="Straight Arrow Connector 14">
+            <a:extLst>
+              <a:ext uri="{FF2B5EF4-FFF2-40B4-BE49-F238E27FC236}">
+                <a16:creationId xmlns:a16="http://schemas.microsoft.com/office/drawing/2014/main" id="{D0D5BAFC-4265-963E-3CA8-E50EF5114A18}"/>
+              </a:ext>
+            </a:extLst>
+          </p:cNvPr>
+          <p:cNvCxnSpPr>
+            <a:cxnSpLocks/>
+          </p:cNvCxnSpPr>
+          <p:nvPr/>
+        </p:nvCxnSpPr>
+        <p:spPr>
+          <a:xfrm>
+            <a:off x="2321858" y="3801036"/>
+            <a:ext cx="372036" cy="0"/>
+          </a:xfrm>
+          <a:prstGeom prst="straightConnector1">
+            <a:avLst/>
+          </a:prstGeom>
+          <a:ln>
+            <a:headEnd type="triangle"/>
+            <a:tailEnd type="triangle"/>
+          </a:ln>
+          <a:effectLst/>
+        </p:spPr>
+        <p:style>
+          <a:lnRef idx="2">
+            <a:schemeClr val="accent1"/>
+          </a:lnRef>
+          <a:fillRef idx="0">
+            <a:schemeClr val="accent1"/>
+          </a:fillRef>
+          <a:effectRef idx="1">
+            <a:schemeClr val="accent1"/>
+          </a:effectRef>
+          <a:fontRef idx="minor">
+            <a:schemeClr val="tx1"/>
+          </a:fontRef>
+        </p:style>
+      </p:cxnSp>
+      <p:cxnSp>
+        <p:nvCxnSpPr>
+          <p:cNvPr id="16" name="Straight Arrow Connector 15">
+            <a:extLst>
+              <a:ext uri="{FF2B5EF4-FFF2-40B4-BE49-F238E27FC236}">
+                <a16:creationId xmlns:a16="http://schemas.microsoft.com/office/drawing/2014/main" id="{51AA856B-C956-4ECB-16C7-181C9E634C5E}"/>
+              </a:ext>
+            </a:extLst>
+          </p:cNvPr>
+          <p:cNvCxnSpPr>
+            <a:cxnSpLocks/>
+          </p:cNvCxnSpPr>
+          <p:nvPr/>
+        </p:nvCxnSpPr>
+        <p:spPr>
+          <a:xfrm>
+            <a:off x="2321858" y="4168589"/>
+            <a:ext cx="372036" cy="0"/>
+          </a:xfrm>
+          <a:prstGeom prst="straightConnector1">
+            <a:avLst/>
+          </a:prstGeom>
+          <a:ln>
+            <a:headEnd type="triangle"/>
+            <a:tailEnd type="triangle"/>
+          </a:ln>
+          <a:effectLst/>
+        </p:spPr>
+        <p:style>
+          <a:lnRef idx="2">
+            <a:schemeClr val="accent1"/>
+          </a:lnRef>
+          <a:fillRef idx="0">
+            <a:schemeClr val="accent1"/>
+          </a:fillRef>
+          <a:effectRef idx="1">
+            <a:schemeClr val="accent1"/>
+          </a:effectRef>
+          <a:fontRef idx="minor">
+            <a:schemeClr val="tx1"/>
+          </a:fontRef>
+        </p:style>
+      </p:cxnSp>
+      <p:cxnSp>
+        <p:nvCxnSpPr>
+          <p:cNvPr id="17" name="Straight Arrow Connector 16">
+            <a:extLst>
+              <a:ext uri="{FF2B5EF4-FFF2-40B4-BE49-F238E27FC236}">
+                <a16:creationId xmlns:a16="http://schemas.microsoft.com/office/drawing/2014/main" id="{3BAE1C16-3416-0DA6-3D32-8611A8E7FBF7}"/>
+              </a:ext>
+            </a:extLst>
+          </p:cNvPr>
+          <p:cNvCxnSpPr>
+            <a:cxnSpLocks/>
+          </p:cNvCxnSpPr>
+          <p:nvPr/>
+        </p:nvCxnSpPr>
+        <p:spPr>
+          <a:xfrm>
+            <a:off x="2321858" y="3433484"/>
+            <a:ext cx="372036" cy="0"/>
+          </a:xfrm>
+          <a:prstGeom prst="straightConnector1">
+            <a:avLst/>
+          </a:prstGeom>
+          <a:ln>
+            <a:solidFill>
+              <a:schemeClr val="accent6"/>
+            </a:solidFill>
+            <a:headEnd type="triangle"/>
+            <a:tailEnd type="triangle"/>
+          </a:ln>
+          <a:effectLst/>
+        </p:spPr>
+        <p:style>
+          <a:lnRef idx="2">
+            <a:schemeClr val="accent1"/>
+          </a:lnRef>
+          <a:fillRef idx="0">
+            <a:schemeClr val="accent1"/>
+          </a:fillRef>
+          <a:effectRef idx="1">
+            <a:schemeClr val="accent1"/>
+          </a:effectRef>
+          <a:fontRef idx="minor">
+            <a:schemeClr val="tx1"/>
+          </a:fontRef>
+        </p:style>
+      </p:cxnSp>
+      <p:cxnSp>
+        <p:nvCxnSpPr>
+          <p:cNvPr id="18" name="Straight Arrow Connector 17">
+            <a:extLst>
+              <a:ext uri="{FF2B5EF4-FFF2-40B4-BE49-F238E27FC236}">
+                <a16:creationId xmlns:a16="http://schemas.microsoft.com/office/drawing/2014/main" id="{BCF9EA36-9A36-FC1A-DFBF-4D914E0196B3}"/>
+              </a:ext>
+            </a:extLst>
+          </p:cNvPr>
+          <p:cNvCxnSpPr>
+            <a:cxnSpLocks/>
+          </p:cNvCxnSpPr>
+          <p:nvPr/>
+        </p:nvCxnSpPr>
+        <p:spPr>
+          <a:xfrm>
+            <a:off x="2321858" y="3805519"/>
+            <a:ext cx="372036" cy="0"/>
+          </a:xfrm>
+          <a:prstGeom prst="straightConnector1">
+            <a:avLst/>
+          </a:prstGeom>
+          <a:ln>
+            <a:solidFill>
+              <a:schemeClr val="accent6"/>
+            </a:solidFill>
+            <a:headEnd type="triangle"/>
+            <a:tailEnd type="triangle"/>
+          </a:ln>
+          <a:effectLst/>
+        </p:spPr>
+        <p:style>
+          <a:lnRef idx="2">
+            <a:schemeClr val="accent1"/>
+          </a:lnRef>
+          <a:fillRef idx="0">
+            <a:schemeClr val="accent1"/>
+          </a:fillRef>
+          <a:effectRef idx="1">
+            <a:schemeClr val="accent1"/>
+          </a:effectRef>
+          <a:fontRef idx="minor">
+            <a:schemeClr val="tx1"/>
+          </a:fontRef>
+        </p:style>
+      </p:cxnSp>
+      <p:cxnSp>
+        <p:nvCxnSpPr>
+          <p:cNvPr id="19" name="Straight Arrow Connector 18">
+            <a:extLst>
+              <a:ext uri="{FF2B5EF4-FFF2-40B4-BE49-F238E27FC236}">
+                <a16:creationId xmlns:a16="http://schemas.microsoft.com/office/drawing/2014/main" id="{D899DD30-C6FD-09E2-0358-C0EBE8E92CD8}"/>
+              </a:ext>
+            </a:extLst>
+          </p:cNvPr>
+          <p:cNvCxnSpPr>
+            <a:cxnSpLocks/>
+          </p:cNvCxnSpPr>
+          <p:nvPr/>
+        </p:nvCxnSpPr>
+        <p:spPr>
+          <a:xfrm>
+            <a:off x="2321858" y="4173072"/>
+            <a:ext cx="372036" cy="0"/>
+          </a:xfrm>
+          <a:prstGeom prst="straightConnector1">
+            <a:avLst/>
+          </a:prstGeom>
+          <a:ln>
+            <a:solidFill>
+              <a:schemeClr val="accent6"/>
+            </a:solidFill>
+            <a:headEnd type="triangle"/>
+            <a:tailEnd type="triangle"/>
+          </a:ln>
+          <a:effectLst/>
+        </p:spPr>
+        <p:style>
+          <a:lnRef idx="2">
+            <a:schemeClr val="accent1"/>
+          </a:lnRef>
+          <a:fillRef idx="0">
+            <a:schemeClr val="accent1"/>
+          </a:fillRef>
+          <a:effectRef idx="1">
+            <a:schemeClr val="accent1"/>
+          </a:effectRef>
+          <a:fontRef idx="minor">
+            <a:schemeClr val="tx1"/>
+          </a:fontRef>
+        </p:style>
+      </p:cxnSp>
+      <p:cxnSp>
+        <p:nvCxnSpPr>
+          <p:cNvPr id="20" name="Straight Arrow Connector 19">
+            <a:extLst>
+              <a:ext uri="{FF2B5EF4-FFF2-40B4-BE49-F238E27FC236}">
+                <a16:creationId xmlns:a16="http://schemas.microsoft.com/office/drawing/2014/main" id="{034785DA-6F62-D790-9F2D-5D63613C37EE}"/>
+              </a:ext>
+            </a:extLst>
+          </p:cNvPr>
+          <p:cNvCxnSpPr>
+            <a:cxnSpLocks/>
+          </p:cNvCxnSpPr>
+          <p:nvPr/>
+        </p:nvCxnSpPr>
+        <p:spPr>
+          <a:xfrm>
+            <a:off x="6411445" y="3074892"/>
+            <a:ext cx="372036" cy="0"/>
+          </a:xfrm>
+          <a:prstGeom prst="straightConnector1">
+            <a:avLst/>
+          </a:prstGeom>
+          <a:ln>
+            <a:solidFill>
+              <a:schemeClr val="accent6"/>
+            </a:solidFill>
+            <a:headEnd type="triangle"/>
+            <a:tailEnd type="triangle"/>
+          </a:ln>
+          <a:effectLst/>
+        </p:spPr>
+        <p:style>
+          <a:lnRef idx="2">
+            <a:schemeClr val="accent1"/>
+          </a:lnRef>
+          <a:fillRef idx="0">
+            <a:schemeClr val="accent1"/>
+          </a:fillRef>
+          <a:effectRef idx="1">
+            <a:schemeClr val="accent1"/>
+          </a:effectRef>
+          <a:fontRef idx="minor">
+            <a:schemeClr val="tx1"/>
+          </a:fontRef>
+        </p:style>
+      </p:cxnSp>
+      <p:cxnSp>
+        <p:nvCxnSpPr>
+          <p:cNvPr id="24" name="Straight Arrow Connector 23">
+            <a:extLst>
+              <a:ext uri="{FF2B5EF4-FFF2-40B4-BE49-F238E27FC236}">
+                <a16:creationId xmlns:a16="http://schemas.microsoft.com/office/drawing/2014/main" id="{BC7CD709-C818-17A6-A769-5E9F2B91CA76}"/>
+              </a:ext>
+            </a:extLst>
+          </p:cNvPr>
+          <p:cNvCxnSpPr>
+            <a:cxnSpLocks/>
+          </p:cNvCxnSpPr>
+          <p:nvPr/>
+        </p:nvCxnSpPr>
+        <p:spPr>
+          <a:xfrm>
+            <a:off x="6411445" y="3437965"/>
+            <a:ext cx="372036" cy="0"/>
+          </a:xfrm>
+          <a:prstGeom prst="straightConnector1">
+            <a:avLst/>
+          </a:prstGeom>
+          <a:ln>
+            <a:solidFill>
+              <a:schemeClr val="accent6"/>
+            </a:solidFill>
+            <a:headEnd type="triangle"/>
+            <a:tailEnd type="triangle"/>
+          </a:ln>
+          <a:effectLst/>
+        </p:spPr>
+        <p:style>
+          <a:lnRef idx="2">
+            <a:schemeClr val="accent1"/>
+          </a:lnRef>
+          <a:fillRef idx="0">
+            <a:schemeClr val="accent1"/>
+          </a:fillRef>
+          <a:effectRef idx="1">
+            <a:schemeClr val="accent1"/>
+          </a:effectRef>
+          <a:fontRef idx="minor">
+            <a:schemeClr val="tx1"/>
+          </a:fontRef>
+        </p:style>
+      </p:cxnSp>
+      <p:cxnSp>
+        <p:nvCxnSpPr>
+          <p:cNvPr id="25" name="Straight Arrow Connector 24">
+            <a:extLst>
+              <a:ext uri="{FF2B5EF4-FFF2-40B4-BE49-F238E27FC236}">
+                <a16:creationId xmlns:a16="http://schemas.microsoft.com/office/drawing/2014/main" id="{7ED99412-46A0-D61C-9195-8E0E935942F4}"/>
+              </a:ext>
+            </a:extLst>
+          </p:cNvPr>
+          <p:cNvCxnSpPr>
+            <a:cxnSpLocks/>
+          </p:cNvCxnSpPr>
+          <p:nvPr/>
+        </p:nvCxnSpPr>
+        <p:spPr>
+          <a:xfrm>
+            <a:off x="6411445" y="3810000"/>
+            <a:ext cx="372036" cy="0"/>
+          </a:xfrm>
+          <a:prstGeom prst="straightConnector1">
+            <a:avLst/>
+          </a:prstGeom>
+          <a:ln>
+            <a:solidFill>
+              <a:schemeClr val="accent6"/>
+            </a:solidFill>
+            <a:headEnd type="triangle"/>
+            <a:tailEnd type="triangle"/>
+          </a:ln>
+          <a:effectLst/>
+        </p:spPr>
+        <p:style>
+          <a:lnRef idx="2">
+            <a:schemeClr val="accent1"/>
+          </a:lnRef>
+          <a:fillRef idx="0">
+            <a:schemeClr val="accent1"/>
+          </a:fillRef>
+          <a:effectRef idx="1">
+            <a:schemeClr val="accent1"/>
+          </a:effectRef>
+          <a:fontRef idx="minor">
+            <a:schemeClr val="tx1"/>
+          </a:fontRef>
+        </p:style>
+      </p:cxnSp>
+      <p:cxnSp>
+        <p:nvCxnSpPr>
+          <p:cNvPr id="26" name="Straight Arrow Connector 25">
+            <a:extLst>
+              <a:ext uri="{FF2B5EF4-FFF2-40B4-BE49-F238E27FC236}">
+                <a16:creationId xmlns:a16="http://schemas.microsoft.com/office/drawing/2014/main" id="{D25F128A-B132-ED1F-11B4-7CBA3C234C9A}"/>
+              </a:ext>
+            </a:extLst>
+          </p:cNvPr>
+          <p:cNvCxnSpPr>
+            <a:cxnSpLocks/>
+          </p:cNvCxnSpPr>
+          <p:nvPr/>
+        </p:nvCxnSpPr>
+        <p:spPr>
+          <a:xfrm>
+            <a:off x="6411445" y="4177553"/>
+            <a:ext cx="372036" cy="0"/>
+          </a:xfrm>
+          <a:prstGeom prst="straightConnector1">
+            <a:avLst/>
+          </a:prstGeom>
+          <a:ln>
+            <a:solidFill>
+              <a:schemeClr val="accent6"/>
+            </a:solidFill>
+            <a:headEnd type="triangle"/>
+            <a:tailEnd type="triangle"/>
+          </a:ln>
+          <a:effectLst/>
+        </p:spPr>
+        <p:style>
+          <a:lnRef idx="2">
+            <a:schemeClr val="accent1"/>
+          </a:lnRef>
+          <a:fillRef idx="0">
+            <a:schemeClr val="accent1"/>
+          </a:fillRef>
+          <a:effectRef idx="1">
+            <a:schemeClr val="accent1"/>
+          </a:effectRef>
+          <a:fontRef idx="minor">
+            <a:schemeClr val="tx1"/>
+          </a:fontRef>
+        </p:style>
+      </p:cxnSp>
     </p:spTree>
     <p:extLst>
       <p:ext uri="{BB962C8B-B14F-4D97-AF65-F5344CB8AC3E}">
